--- a/movie_stream_report.pptx
+++ b/movie_stream_report.pptx
@@ -9,6 +9,8 @@
     <p:sldId id="257" r:id="rId3"/>
     <p:sldId id="259" r:id="rId4"/>
     <p:sldId id="258" r:id="rId5"/>
+    <p:sldId id="260" r:id="rId6"/>
+    <p:sldId id="261" r:id="rId7"/>
   </p:sldIdLst>
   <p:sldSz cx="6858000" cy="9906000" type="A4"/>
   <p:notesSz cx="6858000" cy="9144000"/>
@@ -257,7 +259,7 @@
           <a:p>
             <a:fld id="{66EBA8CF-DD17-4A72-80FE-9E25C88A3DD4}" type="datetimeFigureOut">
               <a:rPr lang="en-US" smtClean="0"/>
-              <a:t>12/1/2024</a:t>
+              <a:t>12/5/2024</a:t>
             </a:fld>
             <a:endParaRPr lang="en-US"/>
           </a:p>
@@ -427,7 +429,7 @@
           <a:p>
             <a:fld id="{66EBA8CF-DD17-4A72-80FE-9E25C88A3DD4}" type="datetimeFigureOut">
               <a:rPr lang="en-US" smtClean="0"/>
-              <a:t>12/1/2024</a:t>
+              <a:t>12/5/2024</a:t>
             </a:fld>
             <a:endParaRPr lang="en-US"/>
           </a:p>
@@ -607,7 +609,7 @@
           <a:p>
             <a:fld id="{66EBA8CF-DD17-4A72-80FE-9E25C88A3DD4}" type="datetimeFigureOut">
               <a:rPr lang="en-US" smtClean="0"/>
-              <a:t>12/1/2024</a:t>
+              <a:t>12/5/2024</a:t>
             </a:fld>
             <a:endParaRPr lang="en-US"/>
           </a:p>
@@ -777,7 +779,7 @@
           <a:p>
             <a:fld id="{66EBA8CF-DD17-4A72-80FE-9E25C88A3DD4}" type="datetimeFigureOut">
               <a:rPr lang="en-US" smtClean="0"/>
-              <a:t>12/1/2024</a:t>
+              <a:t>12/5/2024</a:t>
             </a:fld>
             <a:endParaRPr lang="en-US"/>
           </a:p>
@@ -1023,7 +1025,7 @@
           <a:p>
             <a:fld id="{66EBA8CF-DD17-4A72-80FE-9E25C88A3DD4}" type="datetimeFigureOut">
               <a:rPr lang="en-US" smtClean="0"/>
-              <a:t>12/1/2024</a:t>
+              <a:t>12/5/2024</a:t>
             </a:fld>
             <a:endParaRPr lang="en-US"/>
           </a:p>
@@ -1255,7 +1257,7 @@
           <a:p>
             <a:fld id="{66EBA8CF-DD17-4A72-80FE-9E25C88A3DD4}" type="datetimeFigureOut">
               <a:rPr lang="en-US" smtClean="0"/>
-              <a:t>12/1/2024</a:t>
+              <a:t>12/5/2024</a:t>
             </a:fld>
             <a:endParaRPr lang="en-US"/>
           </a:p>
@@ -1622,7 +1624,7 @@
           <a:p>
             <a:fld id="{66EBA8CF-DD17-4A72-80FE-9E25C88A3DD4}" type="datetimeFigureOut">
               <a:rPr lang="en-US" smtClean="0"/>
-              <a:t>12/1/2024</a:t>
+              <a:t>12/5/2024</a:t>
             </a:fld>
             <a:endParaRPr lang="en-US"/>
           </a:p>
@@ -1740,7 +1742,7 @@
           <a:p>
             <a:fld id="{66EBA8CF-DD17-4A72-80FE-9E25C88A3DD4}" type="datetimeFigureOut">
               <a:rPr lang="en-US" smtClean="0"/>
-              <a:t>12/1/2024</a:t>
+              <a:t>12/5/2024</a:t>
             </a:fld>
             <a:endParaRPr lang="en-US"/>
           </a:p>
@@ -1835,7 +1837,7 @@
           <a:p>
             <a:fld id="{66EBA8CF-DD17-4A72-80FE-9E25C88A3DD4}" type="datetimeFigureOut">
               <a:rPr lang="en-US" smtClean="0"/>
-              <a:t>12/1/2024</a:t>
+              <a:t>12/5/2024</a:t>
             </a:fld>
             <a:endParaRPr lang="en-US"/>
           </a:p>
@@ -2112,7 +2114,7 @@
           <a:p>
             <a:fld id="{66EBA8CF-DD17-4A72-80FE-9E25C88A3DD4}" type="datetimeFigureOut">
               <a:rPr lang="en-US" smtClean="0"/>
-              <a:t>12/1/2024</a:t>
+              <a:t>12/5/2024</a:t>
             </a:fld>
             <a:endParaRPr lang="en-US"/>
           </a:p>
@@ -2369,7 +2371,7 @@
           <a:p>
             <a:fld id="{66EBA8CF-DD17-4A72-80FE-9E25C88A3DD4}" type="datetimeFigureOut">
               <a:rPr lang="en-US" smtClean="0"/>
-              <a:t>12/1/2024</a:t>
+              <a:t>12/5/2024</a:t>
             </a:fld>
             <a:endParaRPr lang="en-US"/>
           </a:p>
@@ -2582,7 +2584,7 @@
           <a:p>
             <a:fld id="{66EBA8CF-DD17-4A72-80FE-9E25C88A3DD4}" type="datetimeFigureOut">
               <a:rPr lang="en-US" smtClean="0"/>
-              <a:t>12/1/2024</a:t>
+              <a:t>12/5/2024</a:t>
             </a:fld>
             <a:endParaRPr lang="en-US"/>
           </a:p>
@@ -2995,53 +2997,6 @@
           <a:chExt cx="0" cy="0"/>
         </a:xfrm>
       </p:grpSpPr>
-      <p:sp>
-        <p:nvSpPr>
-          <p:cNvPr id="4" name="TextBox 3">
-            <a:extLst>
-              <a:ext uri="{FF2B5EF4-FFF2-40B4-BE49-F238E27FC236}">
-                <a16:creationId xmlns:a16="http://schemas.microsoft.com/office/drawing/2014/main" id="{03E70AEB-CEB0-5BCA-BA49-983DCD4AAFE0}"/>
-              </a:ext>
-            </a:extLst>
-          </p:cNvPr>
-          <p:cNvSpPr txBox="1"/>
-          <p:nvPr/>
-        </p:nvSpPr>
-        <p:spPr>
-          <a:xfrm>
-            <a:off x="-796413" y="324465"/>
-            <a:ext cx="8450826" cy="646331"/>
-          </a:xfrm>
-          <a:prstGeom prst="rect">
-            <a:avLst/>
-          </a:prstGeom>
-          <a:noFill/>
-        </p:spPr>
-        <p:txBody>
-          <a:bodyPr wrap="square" rtlCol="0">
-            <a:spAutoFit/>
-          </a:bodyPr>
-          <a:lstStyle/>
-          <a:p>
-            <a:pPr algn="ctr"/>
-            <a:r>
-              <a:rPr lang="en-US" dirty="0">
-                <a:latin typeface="Be Vietnam Pro" pitchFamily="2" charset="-93"/>
-              </a:rPr>
-              <a:t>Hanoi University of Science and Technology</a:t>
-            </a:r>
-          </a:p>
-          <a:p>
-            <a:pPr algn="ctr"/>
-            <a:r>
-              <a:rPr lang="en-US" dirty="0">
-                <a:latin typeface="Be Vietnam Pro" pitchFamily="2" charset="-93"/>
-              </a:rPr>
-              <a:t>School of Information and Communication Technology</a:t>
-            </a:r>
-          </a:p>
-        </p:txBody>
-      </p:sp>
       <p:pic>
         <p:nvPicPr>
           <p:cNvPr id="1030" name="Picture 6" descr="The School of Information and Communications Technology - Hanoi University  of Science and Technology">
@@ -3071,8 +3026,8 @@
         </p:blipFill>
         <p:spPr bwMode="auto">
           <a:xfrm>
-            <a:off x="1408471" y="2034099"/>
-            <a:ext cx="4041058" cy="1641680"/>
+            <a:off x="317482" y="316744"/>
+            <a:ext cx="2237505" cy="908987"/>
           </a:xfrm>
           <a:prstGeom prst="rect">
             <a:avLst/>
@@ -3103,7 +3058,7 @@
         </p:nvSpPr>
         <p:spPr>
           <a:xfrm>
-            <a:off x="2043043" y="4928353"/>
+            <a:off x="317482" y="4953000"/>
             <a:ext cx="2771913" cy="523220"/>
           </a:xfrm>
           <a:prstGeom prst="rect">
@@ -3140,7 +3095,7 @@
         </p:nvSpPr>
         <p:spPr>
           <a:xfrm>
-            <a:off x="1038401" y="5691613"/>
+            <a:off x="0" y="5584973"/>
             <a:ext cx="4781195" cy="1200329"/>
           </a:xfrm>
           <a:prstGeom prst="rect">
@@ -3178,8 +3133,8 @@
         </p:nvSpPr>
         <p:spPr>
           <a:xfrm>
-            <a:off x="1201024" y="7131982"/>
-            <a:ext cx="5210081" cy="830997"/>
+            <a:off x="249381" y="8617605"/>
+            <a:ext cx="3948517" cy="646331"/>
           </a:xfrm>
           <a:prstGeom prst="rect">
             <a:avLst/>
@@ -3193,7 +3148,7 @@
           <a:lstStyle/>
           <a:p>
             <a:r>
-              <a:rPr lang="en-US" sz="2400" dirty="0">
+              <a:rPr lang="en-US" dirty="0">
                 <a:latin typeface="Be Vietnam Pro" pitchFamily="2" charset="-93"/>
               </a:rPr>
               <a:t>Course: Database Lab – IT3290E</a:t>
@@ -3201,10 +3156,92 @@
           </a:p>
           <a:p>
             <a:r>
-              <a:rPr lang="en-US" sz="2400" dirty="0">
+              <a:rPr lang="en-US" dirty="0">
                 <a:latin typeface="Be Vietnam Pro" pitchFamily="2" charset="-93"/>
               </a:rPr>
               <a:t>Supervisor: Dr. Vu Tuyet Trinh</a:t>
+            </a:r>
+          </a:p>
+        </p:txBody>
+      </p:sp>
+      <p:sp>
+        <p:nvSpPr>
+          <p:cNvPr id="2" name="TextBox 1">
+            <a:extLst>
+              <a:ext uri="{FF2B5EF4-FFF2-40B4-BE49-F238E27FC236}">
+                <a16:creationId xmlns:a16="http://schemas.microsoft.com/office/drawing/2014/main" id="{8645CC68-9C58-0320-6BFF-0F3890128B3A}"/>
+              </a:ext>
+            </a:extLst>
+          </p:cNvPr>
+          <p:cNvSpPr txBox="1"/>
+          <p:nvPr/>
+        </p:nvSpPr>
+        <p:spPr>
+          <a:xfrm>
+            <a:off x="317482" y="1288395"/>
+            <a:ext cx="6824239" cy="646331"/>
+          </a:xfrm>
+          <a:prstGeom prst="rect">
+            <a:avLst/>
+          </a:prstGeom>
+          <a:noFill/>
+        </p:spPr>
+        <p:txBody>
+          <a:bodyPr wrap="square" rtlCol="0">
+            <a:spAutoFit/>
+          </a:bodyPr>
+          <a:lstStyle/>
+          <a:p>
+            <a:r>
+              <a:rPr lang="en-US" dirty="0">
+                <a:latin typeface="Bahnschrift SemiBold" panose="020B0502040204020203" pitchFamily="34" charset="0"/>
+              </a:rPr>
+              <a:t>Hanoi University of Science and Technology</a:t>
+            </a:r>
+          </a:p>
+          <a:p>
+            <a:r>
+              <a:rPr lang="en-US" dirty="0">
+                <a:latin typeface="Bahnschrift SemiBold" panose="020B0502040204020203" pitchFamily="34" charset="0"/>
+              </a:rPr>
+              <a:t>School of Information and Communication Technology</a:t>
+            </a:r>
+          </a:p>
+        </p:txBody>
+      </p:sp>
+      <p:sp>
+        <p:nvSpPr>
+          <p:cNvPr id="3" name="TextBox 2">
+            <a:extLst>
+              <a:ext uri="{FF2B5EF4-FFF2-40B4-BE49-F238E27FC236}">
+                <a16:creationId xmlns:a16="http://schemas.microsoft.com/office/drawing/2014/main" id="{C1A2C1B7-519C-3CF7-F193-4E40B4D67CA3}"/>
+              </a:ext>
+            </a:extLst>
+          </p:cNvPr>
+          <p:cNvSpPr txBox="1"/>
+          <p:nvPr/>
+        </p:nvSpPr>
+        <p:spPr>
+          <a:xfrm>
+            <a:off x="283721" y="6785302"/>
+            <a:ext cx="1585690" cy="523220"/>
+          </a:xfrm>
+          <a:prstGeom prst="rect">
+            <a:avLst/>
+          </a:prstGeom>
+          <a:noFill/>
+        </p:spPr>
+        <p:txBody>
+          <a:bodyPr wrap="none" rtlCol="0">
+            <a:spAutoFit/>
+          </a:bodyPr>
+          <a:lstStyle/>
+          <a:p>
+            <a:r>
+              <a:rPr lang="en-US" sz="2800" dirty="0">
+                <a:latin typeface="Be Vietnam Pro" pitchFamily="2" charset="-93"/>
+              </a:rPr>
+              <a:t>Group 8</a:t>
             </a:r>
           </a:p>
         </p:txBody>
@@ -3253,49 +3290,6 @@
           <a:chExt cx="0" cy="0"/>
         </a:xfrm>
       </p:grpSpPr>
-      <p:cxnSp>
-        <p:nvCxnSpPr>
-          <p:cNvPr id="3" name="Straight Connector 2">
-            <a:extLst>
-              <a:ext uri="{FF2B5EF4-FFF2-40B4-BE49-F238E27FC236}">
-                <a16:creationId xmlns:a16="http://schemas.microsoft.com/office/drawing/2014/main" id="{C6FFFB86-C80D-9524-7879-5CCBEB24C441}"/>
-              </a:ext>
-            </a:extLst>
-          </p:cNvPr>
-          <p:cNvCxnSpPr>
-            <a:cxnSpLocks/>
-          </p:cNvCxnSpPr>
-          <p:nvPr/>
-        </p:nvCxnSpPr>
-        <p:spPr>
-          <a:xfrm>
-            <a:off x="580292" y="1383026"/>
-            <a:ext cx="5697416" cy="0"/>
-          </a:xfrm>
-          <a:prstGeom prst="line">
-            <a:avLst/>
-          </a:prstGeom>
-          <a:ln w="44450">
-            <a:solidFill>
-              <a:srgbClr val="FF0000"/>
-            </a:solidFill>
-          </a:ln>
-        </p:spPr>
-        <p:style>
-          <a:lnRef idx="2">
-            <a:schemeClr val="accent1"/>
-          </a:lnRef>
-          <a:fillRef idx="0">
-            <a:schemeClr val="accent1"/>
-          </a:fillRef>
-          <a:effectRef idx="1">
-            <a:schemeClr val="accent1"/>
-          </a:effectRef>
-          <a:fontRef idx="minor">
-            <a:schemeClr val="tx1"/>
-          </a:fontRef>
-        </p:style>
-      </p:cxnSp>
       <p:sp>
         <p:nvSpPr>
           <p:cNvPr id="8" name="TextBox 7">
@@ -3310,8 +3304,8 @@
         </p:nvSpPr>
         <p:spPr>
           <a:xfrm>
-            <a:off x="499012" y="852111"/>
-            <a:ext cx="3981548" cy="461665"/>
+            <a:off x="420071" y="371069"/>
+            <a:ext cx="3981548" cy="1200329"/>
           </a:xfrm>
           <a:prstGeom prst="rect">
             <a:avLst/>
@@ -3325,7 +3319,7 @@
           <a:lstStyle/>
           <a:p>
             <a:r>
-              <a:rPr lang="en-US" sz="2400" dirty="0">
+              <a:rPr lang="en-US" sz="3600" dirty="0">
                 <a:latin typeface="#9Slide03 BoosterNextFYBlack" panose="02000A03000000020004" pitchFamily="2" charset="-93"/>
               </a:rPr>
               <a:t>PROJECT DISTRIBUTION</a:t>
@@ -3347,7 +3341,7 @@
         </p:nvSpPr>
         <p:spPr>
           <a:xfrm>
-            <a:off x="499012" y="390446"/>
+            <a:off x="174074" y="3225086"/>
             <a:ext cx="2315712" cy="461665"/>
           </a:xfrm>
           <a:prstGeom prst="rect">
@@ -3385,13 +3379,13 @@
           <p:nvPr>
             <p:extLst>
               <p:ext uri="{D42A27DB-BD31-4B8C-83A1-F6EECF244321}">
-                <p14:modId xmlns:p14="http://schemas.microsoft.com/office/powerpoint/2010/main" val="1950948083"/>
+                <p14:modId xmlns:p14="http://schemas.microsoft.com/office/powerpoint/2010/main" val="850155721"/>
               </p:ext>
             </p:extLst>
           </p:nvPr>
         </p:nvGraphicFramePr>
         <p:xfrm>
-          <a:off x="420071" y="3050599"/>
+          <a:off x="420071" y="3964999"/>
           <a:ext cx="6017858" cy="2635554"/>
         </p:xfrm>
         <a:graphic>
@@ -3694,49 +3688,6 @@
           <a:chExt cx="0" cy="0"/>
         </a:xfrm>
       </p:grpSpPr>
-      <p:cxnSp>
-        <p:nvCxnSpPr>
-          <p:cNvPr id="2" name="Straight Connector 1">
-            <a:extLst>
-              <a:ext uri="{FF2B5EF4-FFF2-40B4-BE49-F238E27FC236}">
-                <a16:creationId xmlns:a16="http://schemas.microsoft.com/office/drawing/2014/main" id="{195AAC9E-94F9-EAA7-F3CC-9E1BFBEE27D0}"/>
-              </a:ext>
-            </a:extLst>
-          </p:cNvPr>
-          <p:cNvCxnSpPr>
-            <a:cxnSpLocks/>
-          </p:cNvCxnSpPr>
-          <p:nvPr/>
-        </p:nvCxnSpPr>
-        <p:spPr>
-          <a:xfrm>
-            <a:off x="565543" y="1014317"/>
-            <a:ext cx="5697416" cy="0"/>
-          </a:xfrm>
-          <a:prstGeom prst="line">
-            <a:avLst/>
-          </a:prstGeom>
-          <a:ln w="44450">
-            <a:solidFill>
-              <a:srgbClr val="FF0000"/>
-            </a:solidFill>
-          </a:ln>
-        </p:spPr>
-        <p:style>
-          <a:lnRef idx="2">
-            <a:schemeClr val="accent1"/>
-          </a:lnRef>
-          <a:fillRef idx="0">
-            <a:schemeClr val="accent1"/>
-          </a:fillRef>
-          <a:effectRef idx="1">
-            <a:schemeClr val="accent1"/>
-          </a:effectRef>
-          <a:fontRef idx="minor">
-            <a:schemeClr val="tx1"/>
-          </a:fontRef>
-        </p:style>
-      </p:cxnSp>
       <p:sp>
         <p:nvSpPr>
           <p:cNvPr id="3" name="TextBox 2">
@@ -3751,8 +3702,8 @@
         </p:nvSpPr>
         <p:spPr>
           <a:xfrm>
-            <a:off x="565543" y="409660"/>
-            <a:ext cx="3981548" cy="461665"/>
+            <a:off x="413143" y="475857"/>
+            <a:ext cx="3981548" cy="1754326"/>
           </a:xfrm>
           <a:prstGeom prst="rect">
             <a:avLst/>
@@ -3766,10 +3717,610 @@
           <a:lstStyle/>
           <a:p>
             <a:r>
-              <a:rPr lang="en-US" sz="2400" dirty="0">
+              <a:rPr lang="en-US" sz="5400" dirty="0">
                 <a:latin typeface="#9Slide03 BoosterNextFYBlack" panose="02000A03000000020004" pitchFamily="2" charset="-93"/>
               </a:rPr>
               <a:t>TABLE OF CONTENT</a:t>
+            </a:r>
+          </a:p>
+        </p:txBody>
+      </p:sp>
+      <p:sp>
+        <p:nvSpPr>
+          <p:cNvPr id="5" name="TextBox 4">
+            <a:extLst>
+              <a:ext uri="{FF2B5EF4-FFF2-40B4-BE49-F238E27FC236}">
+                <a16:creationId xmlns:a16="http://schemas.microsoft.com/office/drawing/2014/main" id="{F95D3A0B-BB70-D986-AC85-59676988367B}"/>
+              </a:ext>
+            </a:extLst>
+          </p:cNvPr>
+          <p:cNvSpPr txBox="1"/>
+          <p:nvPr/>
+        </p:nvSpPr>
+        <p:spPr>
+          <a:xfrm>
+            <a:off x="413143" y="2650682"/>
+            <a:ext cx="1182930" cy="769441"/>
+          </a:xfrm>
+          <a:prstGeom prst="rect">
+            <a:avLst/>
+          </a:prstGeom>
+          <a:noFill/>
+        </p:spPr>
+        <p:txBody>
+          <a:bodyPr wrap="square" rtlCol="0">
+            <a:spAutoFit/>
+          </a:bodyPr>
+          <a:lstStyle/>
+          <a:p>
+            <a:r>
+              <a:rPr lang="en-US" sz="4400" dirty="0">
+                <a:latin typeface="#9Slide03 BoosterNextFYBlack" panose="02000A03000000020004" pitchFamily="2" charset="-93"/>
+              </a:rPr>
+              <a:t>01</a:t>
+            </a:r>
+          </a:p>
+        </p:txBody>
+      </p:sp>
+      <p:sp>
+        <p:nvSpPr>
+          <p:cNvPr id="6" name="TextBox 5">
+            <a:extLst>
+              <a:ext uri="{FF2B5EF4-FFF2-40B4-BE49-F238E27FC236}">
+                <a16:creationId xmlns:a16="http://schemas.microsoft.com/office/drawing/2014/main" id="{98C0C32A-B9F2-D53C-1022-62AA6F039A88}"/>
+              </a:ext>
+            </a:extLst>
+          </p:cNvPr>
+          <p:cNvSpPr txBox="1"/>
+          <p:nvPr/>
+        </p:nvSpPr>
+        <p:spPr>
+          <a:xfrm>
+            <a:off x="413143" y="3420123"/>
+            <a:ext cx="2773680" cy="769441"/>
+          </a:xfrm>
+          <a:prstGeom prst="rect">
+            <a:avLst/>
+          </a:prstGeom>
+          <a:noFill/>
+        </p:spPr>
+        <p:txBody>
+          <a:bodyPr wrap="square" rtlCol="0">
+            <a:spAutoFit/>
+          </a:bodyPr>
+          <a:lstStyle/>
+          <a:p>
+            <a:r>
+              <a:rPr lang="en-US" sz="2200" dirty="0">
+                <a:latin typeface="Be Vietnam Pro" pitchFamily="2" charset="-93"/>
+              </a:rPr>
+              <a:t>PROJECT DESCRIPTION</a:t>
+            </a:r>
+          </a:p>
+        </p:txBody>
+      </p:sp>
+      <p:sp>
+        <p:nvSpPr>
+          <p:cNvPr id="25" name="TextBox 24">
+            <a:extLst>
+              <a:ext uri="{FF2B5EF4-FFF2-40B4-BE49-F238E27FC236}">
+                <a16:creationId xmlns:a16="http://schemas.microsoft.com/office/drawing/2014/main" id="{026923A1-3E5E-ED90-2F71-885AB1748A25}"/>
+              </a:ext>
+            </a:extLst>
+          </p:cNvPr>
+          <p:cNvSpPr txBox="1"/>
+          <p:nvPr/>
+        </p:nvSpPr>
+        <p:spPr>
+          <a:xfrm>
+            <a:off x="413143" y="4449002"/>
+            <a:ext cx="1182930" cy="769441"/>
+          </a:xfrm>
+          <a:prstGeom prst="rect">
+            <a:avLst/>
+          </a:prstGeom>
+          <a:noFill/>
+        </p:spPr>
+        <p:txBody>
+          <a:bodyPr wrap="square" rtlCol="0">
+            <a:spAutoFit/>
+          </a:bodyPr>
+          <a:lstStyle/>
+          <a:p>
+            <a:r>
+              <a:rPr lang="en-US" sz="4400" dirty="0">
+                <a:latin typeface="#9Slide03 BoosterNextFYBlack" panose="02000A03000000020004" pitchFamily="2" charset="-93"/>
+              </a:rPr>
+              <a:t>02</a:t>
+            </a:r>
+          </a:p>
+        </p:txBody>
+      </p:sp>
+      <p:sp>
+        <p:nvSpPr>
+          <p:cNvPr id="26" name="TextBox 25">
+            <a:extLst>
+              <a:ext uri="{FF2B5EF4-FFF2-40B4-BE49-F238E27FC236}">
+                <a16:creationId xmlns:a16="http://schemas.microsoft.com/office/drawing/2014/main" id="{C58BCDAC-1154-A1C6-C3BC-0207D23D00F5}"/>
+              </a:ext>
+            </a:extLst>
+          </p:cNvPr>
+          <p:cNvSpPr txBox="1"/>
+          <p:nvPr/>
+        </p:nvSpPr>
+        <p:spPr>
+          <a:xfrm>
+            <a:off x="413143" y="5218443"/>
+            <a:ext cx="2773680" cy="430887"/>
+          </a:xfrm>
+          <a:prstGeom prst="rect">
+            <a:avLst/>
+          </a:prstGeom>
+          <a:noFill/>
+        </p:spPr>
+        <p:txBody>
+          <a:bodyPr wrap="square" rtlCol="0">
+            <a:spAutoFit/>
+          </a:bodyPr>
+          <a:lstStyle/>
+          <a:p>
+            <a:r>
+              <a:rPr lang="en-US" sz="2200" dirty="0">
+                <a:latin typeface="Be Vietnam Pro" pitchFamily="2" charset="-93"/>
+              </a:rPr>
+              <a:t>REQUIREMENTS</a:t>
+            </a:r>
+          </a:p>
+        </p:txBody>
+      </p:sp>
+      <p:sp>
+        <p:nvSpPr>
+          <p:cNvPr id="29" name="TextBox 28">
+            <a:extLst>
+              <a:ext uri="{FF2B5EF4-FFF2-40B4-BE49-F238E27FC236}">
+                <a16:creationId xmlns:a16="http://schemas.microsoft.com/office/drawing/2014/main" id="{4841741E-3078-4D78-D360-EBCED62CB319}"/>
+              </a:ext>
+            </a:extLst>
+          </p:cNvPr>
+          <p:cNvSpPr txBox="1"/>
+          <p:nvPr/>
+        </p:nvSpPr>
+        <p:spPr>
+          <a:xfrm>
+            <a:off x="413143" y="6247322"/>
+            <a:ext cx="1182930" cy="769441"/>
+          </a:xfrm>
+          <a:prstGeom prst="rect">
+            <a:avLst/>
+          </a:prstGeom>
+          <a:noFill/>
+        </p:spPr>
+        <p:txBody>
+          <a:bodyPr wrap="square" rtlCol="0">
+            <a:spAutoFit/>
+          </a:bodyPr>
+          <a:lstStyle/>
+          <a:p>
+            <a:r>
+              <a:rPr lang="en-US" sz="4400" dirty="0">
+                <a:latin typeface="#9Slide03 BoosterNextFYBlack" panose="02000A03000000020004" pitchFamily="2" charset="-93"/>
+              </a:rPr>
+              <a:t>03</a:t>
+            </a:r>
+          </a:p>
+        </p:txBody>
+      </p:sp>
+      <p:sp>
+        <p:nvSpPr>
+          <p:cNvPr id="30" name="TextBox 29">
+            <a:extLst>
+              <a:ext uri="{FF2B5EF4-FFF2-40B4-BE49-F238E27FC236}">
+                <a16:creationId xmlns:a16="http://schemas.microsoft.com/office/drawing/2014/main" id="{3259AD9F-64CF-9272-C01A-DEAC215D92B3}"/>
+              </a:ext>
+            </a:extLst>
+          </p:cNvPr>
+          <p:cNvSpPr txBox="1"/>
+          <p:nvPr/>
+        </p:nvSpPr>
+        <p:spPr>
+          <a:xfrm>
+            <a:off x="413143" y="7016763"/>
+            <a:ext cx="2070977" cy="769441"/>
+          </a:xfrm>
+          <a:prstGeom prst="rect">
+            <a:avLst/>
+          </a:prstGeom>
+          <a:noFill/>
+        </p:spPr>
+        <p:txBody>
+          <a:bodyPr wrap="square" rtlCol="0">
+            <a:spAutoFit/>
+          </a:bodyPr>
+          <a:lstStyle/>
+          <a:p>
+            <a:r>
+              <a:rPr lang="en-US" sz="2200" dirty="0">
+                <a:latin typeface="Be Vietnam Pro" pitchFamily="2" charset="-93"/>
+              </a:rPr>
+              <a:t>DATABASE </a:t>
+            </a:r>
+          </a:p>
+          <a:p>
+            <a:r>
+              <a:rPr lang="en-US" sz="2200" dirty="0">
+                <a:latin typeface="Be Vietnam Pro" pitchFamily="2" charset="-93"/>
+              </a:rPr>
+              <a:t>DESIGN</a:t>
+            </a:r>
+          </a:p>
+        </p:txBody>
+      </p:sp>
+      <p:sp>
+        <p:nvSpPr>
+          <p:cNvPr id="31" name="TextBox 30">
+            <a:extLst>
+              <a:ext uri="{FF2B5EF4-FFF2-40B4-BE49-F238E27FC236}">
+                <a16:creationId xmlns:a16="http://schemas.microsoft.com/office/drawing/2014/main" id="{E29DF0A8-FB33-FF30-EE94-BB8E2F2334FF}"/>
+              </a:ext>
+            </a:extLst>
+          </p:cNvPr>
+          <p:cNvSpPr txBox="1"/>
+          <p:nvPr/>
+        </p:nvSpPr>
+        <p:spPr>
+          <a:xfrm>
+            <a:off x="413143" y="8045642"/>
+            <a:ext cx="1182930" cy="769441"/>
+          </a:xfrm>
+          <a:prstGeom prst="rect">
+            <a:avLst/>
+          </a:prstGeom>
+          <a:noFill/>
+        </p:spPr>
+        <p:txBody>
+          <a:bodyPr wrap="square" rtlCol="0">
+            <a:spAutoFit/>
+          </a:bodyPr>
+          <a:lstStyle/>
+          <a:p>
+            <a:r>
+              <a:rPr lang="en-US" sz="4400" dirty="0">
+                <a:latin typeface="#9Slide03 BoosterNextFYBlack" panose="02000A03000000020004" pitchFamily="2" charset="-93"/>
+              </a:rPr>
+              <a:t>04</a:t>
+            </a:r>
+          </a:p>
+        </p:txBody>
+      </p:sp>
+      <p:sp>
+        <p:nvSpPr>
+          <p:cNvPr id="32" name="TextBox 31">
+            <a:extLst>
+              <a:ext uri="{FF2B5EF4-FFF2-40B4-BE49-F238E27FC236}">
+                <a16:creationId xmlns:a16="http://schemas.microsoft.com/office/drawing/2014/main" id="{02C35B74-1789-96CC-2482-9D20320179E9}"/>
+              </a:ext>
+            </a:extLst>
+          </p:cNvPr>
+          <p:cNvSpPr txBox="1"/>
+          <p:nvPr/>
+        </p:nvSpPr>
+        <p:spPr>
+          <a:xfrm>
+            <a:off x="413143" y="8815083"/>
+            <a:ext cx="2773680" cy="430887"/>
+          </a:xfrm>
+          <a:prstGeom prst="rect">
+            <a:avLst/>
+          </a:prstGeom>
+          <a:noFill/>
+        </p:spPr>
+        <p:txBody>
+          <a:bodyPr wrap="square" rtlCol="0">
+            <a:spAutoFit/>
+          </a:bodyPr>
+          <a:lstStyle/>
+          <a:p>
+            <a:r>
+              <a:rPr lang="en-US" sz="2200" dirty="0">
+                <a:latin typeface="Be Vietnam Pro" pitchFamily="2" charset="-93"/>
+              </a:rPr>
+              <a:t>TABLES</a:t>
+            </a:r>
+          </a:p>
+        </p:txBody>
+      </p:sp>
+      <p:sp>
+        <p:nvSpPr>
+          <p:cNvPr id="33" name="TextBox 32">
+            <a:extLst>
+              <a:ext uri="{FF2B5EF4-FFF2-40B4-BE49-F238E27FC236}">
+                <a16:creationId xmlns:a16="http://schemas.microsoft.com/office/drawing/2014/main" id="{E1D8E955-21A0-18BE-3113-5DD950F4AE92}"/>
+              </a:ext>
+            </a:extLst>
+          </p:cNvPr>
+          <p:cNvSpPr txBox="1"/>
+          <p:nvPr/>
+        </p:nvSpPr>
+        <p:spPr>
+          <a:xfrm>
+            <a:off x="3930259" y="2657045"/>
+            <a:ext cx="1182930" cy="769441"/>
+          </a:xfrm>
+          <a:prstGeom prst="rect">
+            <a:avLst/>
+          </a:prstGeom>
+          <a:noFill/>
+        </p:spPr>
+        <p:txBody>
+          <a:bodyPr wrap="square" rtlCol="0">
+            <a:spAutoFit/>
+          </a:bodyPr>
+          <a:lstStyle/>
+          <a:p>
+            <a:r>
+              <a:rPr lang="en-US" sz="4400" dirty="0">
+                <a:latin typeface="#9Slide03 BoosterNextFYBlack" panose="02000A03000000020004" pitchFamily="2" charset="-93"/>
+              </a:rPr>
+              <a:t>05</a:t>
+            </a:r>
+          </a:p>
+        </p:txBody>
+      </p:sp>
+      <p:sp>
+        <p:nvSpPr>
+          <p:cNvPr id="34" name="TextBox 33">
+            <a:extLst>
+              <a:ext uri="{FF2B5EF4-FFF2-40B4-BE49-F238E27FC236}">
+                <a16:creationId xmlns:a16="http://schemas.microsoft.com/office/drawing/2014/main" id="{B9B22E40-DE3B-698F-494D-468861D8E708}"/>
+              </a:ext>
+            </a:extLst>
+          </p:cNvPr>
+          <p:cNvSpPr txBox="1"/>
+          <p:nvPr/>
+        </p:nvSpPr>
+        <p:spPr>
+          <a:xfrm>
+            <a:off x="3930259" y="3426486"/>
+            <a:ext cx="2773680" cy="430887"/>
+          </a:xfrm>
+          <a:prstGeom prst="rect">
+            <a:avLst/>
+          </a:prstGeom>
+          <a:noFill/>
+        </p:spPr>
+        <p:txBody>
+          <a:bodyPr wrap="square" rtlCol="0">
+            <a:spAutoFit/>
+          </a:bodyPr>
+          <a:lstStyle/>
+          <a:p>
+            <a:r>
+              <a:rPr lang="en-US" sz="2200" dirty="0">
+                <a:latin typeface="Be Vietnam Pro" pitchFamily="2" charset="-93"/>
+              </a:rPr>
+              <a:t>TRIGGERS</a:t>
+            </a:r>
+          </a:p>
+        </p:txBody>
+      </p:sp>
+      <p:sp>
+        <p:nvSpPr>
+          <p:cNvPr id="35" name="TextBox 34">
+            <a:extLst>
+              <a:ext uri="{FF2B5EF4-FFF2-40B4-BE49-F238E27FC236}">
+                <a16:creationId xmlns:a16="http://schemas.microsoft.com/office/drawing/2014/main" id="{17A1009A-7D28-F786-D216-4D3634293EDE}"/>
+              </a:ext>
+            </a:extLst>
+          </p:cNvPr>
+          <p:cNvSpPr txBox="1"/>
+          <p:nvPr/>
+        </p:nvSpPr>
+        <p:spPr>
+          <a:xfrm>
+            <a:off x="3930259" y="4455365"/>
+            <a:ext cx="1182930" cy="769441"/>
+          </a:xfrm>
+          <a:prstGeom prst="rect">
+            <a:avLst/>
+          </a:prstGeom>
+          <a:noFill/>
+        </p:spPr>
+        <p:txBody>
+          <a:bodyPr wrap="square" rtlCol="0">
+            <a:spAutoFit/>
+          </a:bodyPr>
+          <a:lstStyle/>
+          <a:p>
+            <a:r>
+              <a:rPr lang="en-US" sz="4400" dirty="0">
+                <a:latin typeface="#9Slide03 BoosterNextFYBlack" panose="02000A03000000020004" pitchFamily="2" charset="-93"/>
+              </a:rPr>
+              <a:t>06</a:t>
+            </a:r>
+          </a:p>
+        </p:txBody>
+      </p:sp>
+      <p:sp>
+        <p:nvSpPr>
+          <p:cNvPr id="36" name="TextBox 35">
+            <a:extLst>
+              <a:ext uri="{FF2B5EF4-FFF2-40B4-BE49-F238E27FC236}">
+                <a16:creationId xmlns:a16="http://schemas.microsoft.com/office/drawing/2014/main" id="{C76D586E-C502-C68B-0DCE-79408F156E6B}"/>
+              </a:ext>
+            </a:extLst>
+          </p:cNvPr>
+          <p:cNvSpPr txBox="1"/>
+          <p:nvPr/>
+        </p:nvSpPr>
+        <p:spPr>
+          <a:xfrm>
+            <a:off x="3930259" y="5224806"/>
+            <a:ext cx="2773680" cy="430887"/>
+          </a:xfrm>
+          <a:prstGeom prst="rect">
+            <a:avLst/>
+          </a:prstGeom>
+          <a:noFill/>
+        </p:spPr>
+        <p:txBody>
+          <a:bodyPr wrap="square" rtlCol="0">
+            <a:spAutoFit/>
+          </a:bodyPr>
+          <a:lstStyle/>
+          <a:p>
+            <a:r>
+              <a:rPr lang="en-US" sz="2200" dirty="0">
+                <a:latin typeface="Be Vietnam Pro" pitchFamily="2" charset="-93"/>
+              </a:rPr>
+              <a:t>VIEWS</a:t>
+            </a:r>
+          </a:p>
+        </p:txBody>
+      </p:sp>
+      <p:sp>
+        <p:nvSpPr>
+          <p:cNvPr id="37" name="TextBox 36">
+            <a:extLst>
+              <a:ext uri="{FF2B5EF4-FFF2-40B4-BE49-F238E27FC236}">
+                <a16:creationId xmlns:a16="http://schemas.microsoft.com/office/drawing/2014/main" id="{258D551C-BEB7-7ECF-E672-3230AEB1270A}"/>
+              </a:ext>
+            </a:extLst>
+          </p:cNvPr>
+          <p:cNvSpPr txBox="1"/>
+          <p:nvPr/>
+        </p:nvSpPr>
+        <p:spPr>
+          <a:xfrm>
+            <a:off x="3930259" y="6253685"/>
+            <a:ext cx="1182930" cy="769441"/>
+          </a:xfrm>
+          <a:prstGeom prst="rect">
+            <a:avLst/>
+          </a:prstGeom>
+          <a:noFill/>
+        </p:spPr>
+        <p:txBody>
+          <a:bodyPr wrap="square" rtlCol="0">
+            <a:spAutoFit/>
+          </a:bodyPr>
+          <a:lstStyle/>
+          <a:p>
+            <a:r>
+              <a:rPr lang="en-US" sz="4400" dirty="0">
+                <a:latin typeface="#9Slide03 BoosterNextFYBlack" panose="02000A03000000020004" pitchFamily="2" charset="-93"/>
+              </a:rPr>
+              <a:t>07</a:t>
+            </a:r>
+          </a:p>
+        </p:txBody>
+      </p:sp>
+      <p:sp>
+        <p:nvSpPr>
+          <p:cNvPr id="38" name="TextBox 37">
+            <a:extLst>
+              <a:ext uri="{FF2B5EF4-FFF2-40B4-BE49-F238E27FC236}">
+                <a16:creationId xmlns:a16="http://schemas.microsoft.com/office/drawing/2014/main" id="{128873A0-2A60-A841-0879-FE2ED9149F81}"/>
+              </a:ext>
+            </a:extLst>
+          </p:cNvPr>
+          <p:cNvSpPr txBox="1"/>
+          <p:nvPr/>
+        </p:nvSpPr>
+        <p:spPr>
+          <a:xfrm>
+            <a:off x="3930259" y="7023126"/>
+            <a:ext cx="2773680" cy="430887"/>
+          </a:xfrm>
+          <a:prstGeom prst="rect">
+            <a:avLst/>
+          </a:prstGeom>
+          <a:noFill/>
+        </p:spPr>
+        <p:txBody>
+          <a:bodyPr wrap="square" rtlCol="0">
+            <a:spAutoFit/>
+          </a:bodyPr>
+          <a:lstStyle/>
+          <a:p>
+            <a:r>
+              <a:rPr lang="en-US" sz="2200" dirty="0">
+                <a:latin typeface="Be Vietnam Pro" pitchFamily="2" charset="-93"/>
+              </a:rPr>
+              <a:t>FUNCTIONS</a:t>
+            </a:r>
+          </a:p>
+        </p:txBody>
+      </p:sp>
+      <p:sp>
+        <p:nvSpPr>
+          <p:cNvPr id="39" name="TextBox 38">
+            <a:extLst>
+              <a:ext uri="{FF2B5EF4-FFF2-40B4-BE49-F238E27FC236}">
+                <a16:creationId xmlns:a16="http://schemas.microsoft.com/office/drawing/2014/main" id="{7113BB56-2F2A-0702-F9AA-D66C5A8525FB}"/>
+              </a:ext>
+            </a:extLst>
+          </p:cNvPr>
+          <p:cNvSpPr txBox="1"/>
+          <p:nvPr/>
+        </p:nvSpPr>
+        <p:spPr>
+          <a:xfrm>
+            <a:off x="3930259" y="8052005"/>
+            <a:ext cx="1182930" cy="769441"/>
+          </a:xfrm>
+          <a:prstGeom prst="rect">
+            <a:avLst/>
+          </a:prstGeom>
+          <a:noFill/>
+        </p:spPr>
+        <p:txBody>
+          <a:bodyPr wrap="square" rtlCol="0">
+            <a:spAutoFit/>
+          </a:bodyPr>
+          <a:lstStyle/>
+          <a:p>
+            <a:r>
+              <a:rPr lang="en-US" sz="4400" dirty="0">
+                <a:latin typeface="#9Slide03 BoosterNextFYBlack" panose="02000A03000000020004" pitchFamily="2" charset="-93"/>
+              </a:rPr>
+              <a:t>08</a:t>
+            </a:r>
+          </a:p>
+        </p:txBody>
+      </p:sp>
+      <p:sp>
+        <p:nvSpPr>
+          <p:cNvPr id="40" name="TextBox 39">
+            <a:extLst>
+              <a:ext uri="{FF2B5EF4-FFF2-40B4-BE49-F238E27FC236}">
+                <a16:creationId xmlns:a16="http://schemas.microsoft.com/office/drawing/2014/main" id="{8FD5A1C3-6A8D-2F82-2310-13BBAD0978A3}"/>
+              </a:ext>
+            </a:extLst>
+          </p:cNvPr>
+          <p:cNvSpPr txBox="1"/>
+          <p:nvPr/>
+        </p:nvSpPr>
+        <p:spPr>
+          <a:xfrm>
+            <a:off x="3930259" y="8821446"/>
+            <a:ext cx="2773680" cy="430887"/>
+          </a:xfrm>
+          <a:prstGeom prst="rect">
+            <a:avLst/>
+          </a:prstGeom>
+          <a:noFill/>
+        </p:spPr>
+        <p:txBody>
+          <a:bodyPr wrap="square" rtlCol="0">
+            <a:spAutoFit/>
+          </a:bodyPr>
+          <a:lstStyle/>
+          <a:p>
+            <a:r>
+              <a:rPr lang="en-US" sz="2200" dirty="0">
+                <a:latin typeface="Be Vietnam Pro" pitchFamily="2" charset="-93"/>
+              </a:rPr>
+              <a:t>INDEX</a:t>
             </a:r>
           </a:p>
         </p:txBody>
@@ -3832,8 +4383,8 @@
         </p:nvSpPr>
         <p:spPr>
           <a:xfrm>
-            <a:off x="827894" y="1042707"/>
-            <a:ext cx="5202211" cy="1446550"/>
+            <a:off x="1229287" y="782568"/>
+            <a:ext cx="4399426" cy="1446550"/>
           </a:xfrm>
           <a:prstGeom prst="rect">
             <a:avLst/>
@@ -3867,10 +4418,302 @@
           </a:p>
         </p:txBody>
       </p:sp>
+      <p:sp>
+        <p:nvSpPr>
+          <p:cNvPr id="3" name="TextBox 2">
+            <a:extLst>
+              <a:ext uri="{FF2B5EF4-FFF2-40B4-BE49-F238E27FC236}">
+                <a16:creationId xmlns:a16="http://schemas.microsoft.com/office/drawing/2014/main" id="{F52A93EF-E76D-FB03-BA4D-7107F11A603A}"/>
+              </a:ext>
+            </a:extLst>
+          </p:cNvPr>
+          <p:cNvSpPr txBox="1"/>
+          <p:nvPr/>
+        </p:nvSpPr>
+        <p:spPr>
+          <a:xfrm>
+            <a:off x="213359" y="257279"/>
+            <a:ext cx="1182930" cy="923330"/>
+          </a:xfrm>
+          <a:prstGeom prst="rect">
+            <a:avLst/>
+          </a:prstGeom>
+          <a:noFill/>
+        </p:spPr>
+        <p:txBody>
+          <a:bodyPr wrap="square" rtlCol="0">
+            <a:spAutoFit/>
+          </a:bodyPr>
+          <a:lstStyle/>
+          <a:p>
+            <a:pPr algn="ctr"/>
+            <a:r>
+              <a:rPr lang="en-US" sz="5400" dirty="0">
+                <a:latin typeface="#9Slide03 BoosterNextFYBlack" panose="02000A03000000020004" pitchFamily="2" charset="-93"/>
+              </a:rPr>
+              <a:t>01</a:t>
+            </a:r>
+            <a:endParaRPr lang="en-US" sz="3600" dirty="0">
+              <a:latin typeface="#9Slide03 BoosterNextFYBlack" panose="02000A03000000020004" pitchFamily="2" charset="-93"/>
+            </a:endParaRPr>
+          </a:p>
+        </p:txBody>
+      </p:sp>
     </p:spTree>
     <p:extLst>
       <p:ext uri="{BB962C8B-B14F-4D97-AF65-F5344CB8AC3E}">
         <p14:creationId xmlns:p14="http://schemas.microsoft.com/office/powerpoint/2010/main" val="385093050"/>
+      </p:ext>
+    </p:extLst>
+  </p:cSld>
+  <p:clrMapOvr>
+    <a:masterClrMapping/>
+  </p:clrMapOvr>
+</p:sld>
+</file>
+
+<file path=ppt/slides/slide5.xml><?xml version="1.0" encoding="utf-8"?>
+<p:sld xmlns:a="http://schemas.openxmlformats.org/drawingml/2006/main" xmlns:r="http://schemas.openxmlformats.org/officeDocument/2006/relationships" xmlns:p="http://schemas.openxmlformats.org/presentationml/2006/main">
+  <p:cSld>
+    <p:bg>
+      <p:bgPr>
+        <a:solidFill>
+          <a:schemeClr val="bg1"/>
+        </a:solidFill>
+        <a:effectLst/>
+      </p:bgPr>
+    </p:bg>
+    <p:spTree>
+      <p:nvGrpSpPr>
+        <p:cNvPr id="1" name="">
+          <a:extLst>
+            <a:ext uri="{FF2B5EF4-FFF2-40B4-BE49-F238E27FC236}">
+              <a16:creationId xmlns:a16="http://schemas.microsoft.com/office/drawing/2014/main" id="{F91E38AB-6557-0905-422B-BB870AA4E6E0}"/>
+            </a:ext>
+          </a:extLst>
+        </p:cNvPr>
+        <p:cNvGrpSpPr/>
+        <p:nvPr/>
+      </p:nvGrpSpPr>
+      <p:grpSpPr>
+        <a:xfrm>
+          <a:off x="0" y="0"/>
+          <a:ext cx="0" cy="0"/>
+          <a:chOff x="0" y="0"/>
+          <a:chExt cx="0" cy="0"/>
+        </a:xfrm>
+      </p:grpSpPr>
+      <p:sp>
+        <p:nvSpPr>
+          <p:cNvPr id="3" name="TextBox 2">
+            <a:extLst>
+              <a:ext uri="{FF2B5EF4-FFF2-40B4-BE49-F238E27FC236}">
+                <a16:creationId xmlns:a16="http://schemas.microsoft.com/office/drawing/2014/main" id="{E218325A-ED4A-28B6-632F-CB14A62F8EAA}"/>
+              </a:ext>
+            </a:extLst>
+          </p:cNvPr>
+          <p:cNvSpPr txBox="1"/>
+          <p:nvPr/>
+        </p:nvSpPr>
+        <p:spPr>
+          <a:xfrm>
+            <a:off x="548640" y="592559"/>
+            <a:ext cx="5318760" cy="707886"/>
+          </a:xfrm>
+          <a:prstGeom prst="rect">
+            <a:avLst/>
+          </a:prstGeom>
+          <a:noFill/>
+        </p:spPr>
+        <p:txBody>
+          <a:bodyPr wrap="square" rtlCol="0">
+            <a:spAutoFit/>
+          </a:bodyPr>
+          <a:lstStyle/>
+          <a:p>
+            <a:r>
+              <a:rPr lang="en-US" sz="4000" dirty="0">
+                <a:latin typeface="#9Slide03 BoosterNextFYBlack" panose="02000A03000000020004" pitchFamily="2" charset="-93"/>
+              </a:rPr>
+              <a:t>02. REQUIREMENTS</a:t>
+            </a:r>
+            <a:endParaRPr lang="en-US" sz="2400" dirty="0">
+              <a:latin typeface="#9Slide03 BoosterNextFYBlack" panose="02000A03000000020004" pitchFamily="2" charset="-93"/>
+            </a:endParaRPr>
+          </a:p>
+        </p:txBody>
+      </p:sp>
+      <p:cxnSp>
+        <p:nvCxnSpPr>
+          <p:cNvPr id="5" name="Straight Connector 4">
+            <a:extLst>
+              <a:ext uri="{FF2B5EF4-FFF2-40B4-BE49-F238E27FC236}">
+                <a16:creationId xmlns:a16="http://schemas.microsoft.com/office/drawing/2014/main" id="{D47D0584-A4E7-3559-02E1-2FB94FE3ABC1}"/>
+              </a:ext>
+            </a:extLst>
+          </p:cNvPr>
+          <p:cNvCxnSpPr/>
+          <p:nvPr/>
+        </p:nvCxnSpPr>
+        <p:spPr>
+          <a:xfrm>
+            <a:off x="548640" y="1300445"/>
+            <a:ext cx="5532120" cy="0"/>
+          </a:xfrm>
+          <a:prstGeom prst="line">
+            <a:avLst/>
+          </a:prstGeom>
+          <a:ln w="28575">
+            <a:solidFill>
+              <a:srgbClr val="FF4B02"/>
+            </a:solidFill>
+          </a:ln>
+        </p:spPr>
+        <p:style>
+          <a:lnRef idx="2">
+            <a:schemeClr val="accent1"/>
+          </a:lnRef>
+          <a:fillRef idx="0">
+            <a:schemeClr val="accent1"/>
+          </a:fillRef>
+          <a:effectRef idx="1">
+            <a:schemeClr val="accent1"/>
+          </a:effectRef>
+          <a:fontRef idx="minor">
+            <a:schemeClr val="tx1"/>
+          </a:fontRef>
+        </p:style>
+      </p:cxnSp>
+    </p:spTree>
+    <p:extLst>
+      <p:ext uri="{BB962C8B-B14F-4D97-AF65-F5344CB8AC3E}">
+        <p14:creationId xmlns:p14="http://schemas.microsoft.com/office/powerpoint/2010/main" val="818068873"/>
+      </p:ext>
+    </p:extLst>
+  </p:cSld>
+  <p:clrMapOvr>
+    <a:masterClrMapping/>
+  </p:clrMapOvr>
+</p:sld>
+</file>
+
+<file path=ppt/slides/slide6.xml><?xml version="1.0" encoding="utf-8"?>
+<p:sld xmlns:a="http://schemas.openxmlformats.org/drawingml/2006/main" xmlns:r="http://schemas.openxmlformats.org/officeDocument/2006/relationships" xmlns:p="http://schemas.openxmlformats.org/presentationml/2006/main">
+  <p:cSld>
+    <p:bg>
+      <p:bgPr>
+        <a:solidFill>
+          <a:schemeClr val="bg1"/>
+        </a:solidFill>
+        <a:effectLst/>
+      </p:bgPr>
+    </p:bg>
+    <p:spTree>
+      <p:nvGrpSpPr>
+        <p:cNvPr id="1" name="">
+          <a:extLst>
+            <a:ext uri="{FF2B5EF4-FFF2-40B4-BE49-F238E27FC236}">
+              <a16:creationId xmlns:a16="http://schemas.microsoft.com/office/drawing/2014/main" id="{5D519875-058E-A5D1-E65E-B43BDC6E926C}"/>
+            </a:ext>
+          </a:extLst>
+        </p:cNvPr>
+        <p:cNvGrpSpPr/>
+        <p:nvPr/>
+      </p:nvGrpSpPr>
+      <p:grpSpPr>
+        <a:xfrm>
+          <a:off x="0" y="0"/>
+          <a:ext cx="0" cy="0"/>
+          <a:chOff x="0" y="0"/>
+          <a:chExt cx="0" cy="0"/>
+        </a:xfrm>
+      </p:grpSpPr>
+      <p:sp>
+        <p:nvSpPr>
+          <p:cNvPr id="3" name="TextBox 2">
+            <a:extLst>
+              <a:ext uri="{FF2B5EF4-FFF2-40B4-BE49-F238E27FC236}">
+                <a16:creationId xmlns:a16="http://schemas.microsoft.com/office/drawing/2014/main" id="{84DEAD69-5900-77B6-33BB-9770618473F5}"/>
+              </a:ext>
+            </a:extLst>
+          </p:cNvPr>
+          <p:cNvSpPr txBox="1"/>
+          <p:nvPr/>
+        </p:nvSpPr>
+        <p:spPr>
+          <a:xfrm>
+            <a:off x="-533402" y="470639"/>
+            <a:ext cx="6797041" cy="707886"/>
+          </a:xfrm>
+          <a:prstGeom prst="rect">
+            <a:avLst/>
+          </a:prstGeom>
+          <a:noFill/>
+        </p:spPr>
+        <p:txBody>
+          <a:bodyPr wrap="square" rtlCol="0">
+            <a:spAutoFit/>
+          </a:bodyPr>
+          <a:lstStyle/>
+          <a:p>
+            <a:pPr algn="ctr"/>
+            <a:r>
+              <a:rPr lang="en-US" sz="4000" dirty="0">
+                <a:latin typeface="#9Slide03 BoosterNextFYBlack" panose="02000A03000000020004" pitchFamily="2" charset="-93"/>
+              </a:rPr>
+              <a:t>02. REQUIREMENTS</a:t>
+            </a:r>
+            <a:endParaRPr lang="en-US" sz="2400" dirty="0">
+              <a:latin typeface="#9Slide03 BoosterNextFYBlack" panose="02000A03000000020004" pitchFamily="2" charset="-93"/>
+            </a:endParaRPr>
+          </a:p>
+        </p:txBody>
+      </p:sp>
+      <p:cxnSp>
+        <p:nvCxnSpPr>
+          <p:cNvPr id="5" name="Straight Connector 4">
+            <a:extLst>
+              <a:ext uri="{FF2B5EF4-FFF2-40B4-BE49-F238E27FC236}">
+                <a16:creationId xmlns:a16="http://schemas.microsoft.com/office/drawing/2014/main" id="{044C2A3F-4E9B-EF3E-B480-9609323E8963}"/>
+              </a:ext>
+            </a:extLst>
+          </p:cNvPr>
+          <p:cNvCxnSpPr/>
+          <p:nvPr/>
+        </p:nvCxnSpPr>
+        <p:spPr>
+          <a:xfrm>
+            <a:off x="548640" y="1300445"/>
+            <a:ext cx="5532120" cy="0"/>
+          </a:xfrm>
+          <a:prstGeom prst="line">
+            <a:avLst/>
+          </a:prstGeom>
+          <a:ln w="28575">
+            <a:solidFill>
+              <a:srgbClr val="FF4B02"/>
+            </a:solidFill>
+          </a:ln>
+        </p:spPr>
+        <p:style>
+          <a:lnRef idx="2">
+            <a:schemeClr val="accent1"/>
+          </a:lnRef>
+          <a:fillRef idx="0">
+            <a:schemeClr val="accent1"/>
+          </a:fillRef>
+          <a:effectRef idx="1">
+            <a:schemeClr val="accent1"/>
+          </a:effectRef>
+          <a:fontRef idx="minor">
+            <a:schemeClr val="tx1"/>
+          </a:fontRef>
+        </p:style>
+      </p:cxnSp>
+    </p:spTree>
+    <p:extLst>
+      <p:ext uri="{BB962C8B-B14F-4D97-AF65-F5344CB8AC3E}">
+        <p14:creationId xmlns:p14="http://schemas.microsoft.com/office/powerpoint/2010/main" val="1932432794"/>
       </p:ext>
     </p:extLst>
   </p:cSld>

--- a/movie_stream_report.pptx
+++ b/movie_stream_report.pptx
@@ -4,13 +4,29 @@
   <p:sldMasterIdLst>
     <p:sldMasterId id="2147483672" r:id="rId1"/>
   </p:sldMasterIdLst>
+  <p:notesMasterIdLst>
+    <p:notesMasterId r:id="rId21"/>
+  </p:notesMasterIdLst>
   <p:sldIdLst>
     <p:sldId id="256" r:id="rId2"/>
     <p:sldId id="257" r:id="rId3"/>
     <p:sldId id="259" r:id="rId4"/>
     <p:sldId id="258" r:id="rId5"/>
     <p:sldId id="260" r:id="rId6"/>
-    <p:sldId id="261" r:id="rId7"/>
+    <p:sldId id="268" r:id="rId7"/>
+    <p:sldId id="274" r:id="rId8"/>
+    <p:sldId id="273" r:id="rId9"/>
+    <p:sldId id="261" r:id="rId10"/>
+    <p:sldId id="262" r:id="rId11"/>
+    <p:sldId id="265" r:id="rId12"/>
+    <p:sldId id="264" r:id="rId13"/>
+    <p:sldId id="263" r:id="rId14"/>
+    <p:sldId id="266" r:id="rId15"/>
+    <p:sldId id="267" r:id="rId16"/>
+    <p:sldId id="270" r:id="rId17"/>
+    <p:sldId id="271" r:id="rId18"/>
+    <p:sldId id="272" r:id="rId19"/>
+    <p:sldId id="269" r:id="rId20"/>
   </p:sldIdLst>
   <p:sldSz cx="6858000" cy="9906000" type="A4"/>
   <p:notesSz cx="6858000" cy="9144000"/>
@@ -128,6 +144,439 @@
 </p:presentation>
 </file>
 
+<file path=ppt/notesMasters/notesMaster1.xml><?xml version="1.0" encoding="utf-8"?>
+<p:notesMaster xmlns:a="http://schemas.openxmlformats.org/drawingml/2006/main" xmlns:r="http://schemas.openxmlformats.org/officeDocument/2006/relationships" xmlns:p="http://schemas.openxmlformats.org/presentationml/2006/main">
+  <p:cSld>
+    <p:bg>
+      <p:bgRef idx="1001">
+        <a:schemeClr val="bg1"/>
+      </p:bgRef>
+    </p:bg>
+    <p:spTree>
+      <p:nvGrpSpPr>
+        <p:cNvPr id="1" name=""/>
+        <p:cNvGrpSpPr/>
+        <p:nvPr/>
+      </p:nvGrpSpPr>
+      <p:grpSpPr>
+        <a:xfrm>
+          <a:off x="0" y="0"/>
+          <a:ext cx="0" cy="0"/>
+          <a:chOff x="0" y="0"/>
+          <a:chExt cx="0" cy="0"/>
+        </a:xfrm>
+      </p:grpSpPr>
+      <p:sp>
+        <p:nvSpPr>
+          <p:cNvPr id="2" name="Header Placeholder 1"/>
+          <p:cNvSpPr>
+            <a:spLocks noGrp="1"/>
+          </p:cNvSpPr>
+          <p:nvPr>
+            <p:ph type="hdr" sz="quarter"/>
+          </p:nvPr>
+        </p:nvSpPr>
+        <p:spPr>
+          <a:xfrm>
+            <a:off x="0" y="0"/>
+            <a:ext cx="2971800" cy="458788"/>
+          </a:xfrm>
+          <a:prstGeom prst="rect">
+            <a:avLst/>
+          </a:prstGeom>
+        </p:spPr>
+        <p:txBody>
+          <a:bodyPr vert="horz" lIns="91440" tIns="45720" rIns="91440" bIns="45720" rtlCol="0"/>
+          <a:lstStyle>
+            <a:lvl1pPr algn="l">
+              <a:defRPr sz="1200"/>
+            </a:lvl1pPr>
+          </a:lstStyle>
+          <a:p>
+            <a:endParaRPr lang="en-US"/>
+          </a:p>
+        </p:txBody>
+      </p:sp>
+      <p:sp>
+        <p:nvSpPr>
+          <p:cNvPr id="3" name="Date Placeholder 2"/>
+          <p:cNvSpPr>
+            <a:spLocks noGrp="1"/>
+          </p:cNvSpPr>
+          <p:nvPr>
+            <p:ph type="dt" idx="1"/>
+          </p:nvPr>
+        </p:nvSpPr>
+        <p:spPr>
+          <a:xfrm>
+            <a:off x="3884613" y="0"/>
+            <a:ext cx="2971800" cy="458788"/>
+          </a:xfrm>
+          <a:prstGeom prst="rect">
+            <a:avLst/>
+          </a:prstGeom>
+        </p:spPr>
+        <p:txBody>
+          <a:bodyPr vert="horz" lIns="91440" tIns="45720" rIns="91440" bIns="45720" rtlCol="0"/>
+          <a:lstStyle>
+            <a:lvl1pPr algn="r">
+              <a:defRPr sz="1200"/>
+            </a:lvl1pPr>
+          </a:lstStyle>
+          <a:p>
+            <a:fld id="{8BD96C4E-5041-4518-A097-5123827B043E}" type="datetimeFigureOut">
+              <a:rPr lang="en-US" smtClean="0"/>
+              <a:t>12/6/2024</a:t>
+            </a:fld>
+            <a:endParaRPr lang="en-US"/>
+          </a:p>
+        </p:txBody>
+      </p:sp>
+      <p:sp>
+        <p:nvSpPr>
+          <p:cNvPr id="4" name="Slide Image Placeholder 3"/>
+          <p:cNvSpPr>
+            <a:spLocks noGrp="1" noRot="1" noChangeAspect="1"/>
+          </p:cNvSpPr>
+          <p:nvPr>
+            <p:ph type="sldImg" idx="2"/>
+          </p:nvPr>
+        </p:nvSpPr>
+        <p:spPr>
+          <a:xfrm>
+            <a:off x="2360613" y="1143000"/>
+            <a:ext cx="2136775" cy="3086100"/>
+          </a:xfrm>
+          <a:prstGeom prst="rect">
+            <a:avLst/>
+          </a:prstGeom>
+          <a:noFill/>
+          <a:ln w="12700">
+            <a:solidFill>
+              <a:prstClr val="black"/>
+            </a:solidFill>
+          </a:ln>
+        </p:spPr>
+        <p:txBody>
+          <a:bodyPr vert="horz" lIns="91440" tIns="45720" rIns="91440" bIns="45720" rtlCol="0" anchor="ctr"/>
+          <a:lstStyle/>
+          <a:p>
+            <a:endParaRPr lang="en-US"/>
+          </a:p>
+        </p:txBody>
+      </p:sp>
+      <p:sp>
+        <p:nvSpPr>
+          <p:cNvPr id="5" name="Notes Placeholder 4"/>
+          <p:cNvSpPr>
+            <a:spLocks noGrp="1"/>
+          </p:cNvSpPr>
+          <p:nvPr>
+            <p:ph type="body" sz="quarter" idx="3"/>
+          </p:nvPr>
+        </p:nvSpPr>
+        <p:spPr>
+          <a:xfrm>
+            <a:off x="685800" y="4400550"/>
+            <a:ext cx="5486400" cy="3600450"/>
+          </a:xfrm>
+          <a:prstGeom prst="rect">
+            <a:avLst/>
+          </a:prstGeom>
+        </p:spPr>
+        <p:txBody>
+          <a:bodyPr vert="horz" lIns="91440" tIns="45720" rIns="91440" bIns="45720" rtlCol="0"/>
+          <a:lstStyle/>
+          <a:p>
+            <a:pPr lvl="0"/>
+            <a:r>
+              <a:rPr lang="en-US"/>
+              <a:t>Click to edit Master text styles</a:t>
+            </a:r>
+          </a:p>
+          <a:p>
+            <a:pPr lvl="1"/>
+            <a:r>
+              <a:rPr lang="en-US"/>
+              <a:t>Second level</a:t>
+            </a:r>
+          </a:p>
+          <a:p>
+            <a:pPr lvl="2"/>
+            <a:r>
+              <a:rPr lang="en-US"/>
+              <a:t>Third level</a:t>
+            </a:r>
+          </a:p>
+          <a:p>
+            <a:pPr lvl="3"/>
+            <a:r>
+              <a:rPr lang="en-US"/>
+              <a:t>Fourth level</a:t>
+            </a:r>
+          </a:p>
+          <a:p>
+            <a:pPr lvl="4"/>
+            <a:r>
+              <a:rPr lang="en-US"/>
+              <a:t>Fifth level</a:t>
+            </a:r>
+          </a:p>
+        </p:txBody>
+      </p:sp>
+      <p:sp>
+        <p:nvSpPr>
+          <p:cNvPr id="6" name="Footer Placeholder 5"/>
+          <p:cNvSpPr>
+            <a:spLocks noGrp="1"/>
+          </p:cNvSpPr>
+          <p:nvPr>
+            <p:ph type="ftr" sz="quarter" idx="4"/>
+          </p:nvPr>
+        </p:nvSpPr>
+        <p:spPr>
+          <a:xfrm>
+            <a:off x="0" y="8685213"/>
+            <a:ext cx="2971800" cy="458787"/>
+          </a:xfrm>
+          <a:prstGeom prst="rect">
+            <a:avLst/>
+          </a:prstGeom>
+        </p:spPr>
+        <p:txBody>
+          <a:bodyPr vert="horz" lIns="91440" tIns="45720" rIns="91440" bIns="45720" rtlCol="0" anchor="b"/>
+          <a:lstStyle>
+            <a:lvl1pPr algn="l">
+              <a:defRPr sz="1200"/>
+            </a:lvl1pPr>
+          </a:lstStyle>
+          <a:p>
+            <a:endParaRPr lang="en-US"/>
+          </a:p>
+        </p:txBody>
+      </p:sp>
+      <p:sp>
+        <p:nvSpPr>
+          <p:cNvPr id="7" name="Slide Number Placeholder 6"/>
+          <p:cNvSpPr>
+            <a:spLocks noGrp="1"/>
+          </p:cNvSpPr>
+          <p:nvPr>
+            <p:ph type="sldNum" sz="quarter" idx="5"/>
+          </p:nvPr>
+        </p:nvSpPr>
+        <p:spPr>
+          <a:xfrm>
+            <a:off x="3884613" y="8685213"/>
+            <a:ext cx="2971800" cy="458787"/>
+          </a:xfrm>
+          <a:prstGeom prst="rect">
+            <a:avLst/>
+          </a:prstGeom>
+        </p:spPr>
+        <p:txBody>
+          <a:bodyPr vert="horz" lIns="91440" tIns="45720" rIns="91440" bIns="45720" rtlCol="0" anchor="b"/>
+          <a:lstStyle>
+            <a:lvl1pPr algn="r">
+              <a:defRPr sz="1200"/>
+            </a:lvl1pPr>
+          </a:lstStyle>
+          <a:p>
+            <a:fld id="{125ACDC8-9594-482E-AD34-18E8D671EBCE}" type="slidenum">
+              <a:rPr lang="en-US" smtClean="0"/>
+              <a:t>‹#›</a:t>
+            </a:fld>
+            <a:endParaRPr lang="en-US"/>
+          </a:p>
+        </p:txBody>
+      </p:sp>
+    </p:spTree>
+    <p:extLst>
+      <p:ext uri="{BB962C8B-B14F-4D97-AF65-F5344CB8AC3E}">
+        <p14:creationId xmlns:p14="http://schemas.microsoft.com/office/powerpoint/2010/main" val="4065715710"/>
+      </p:ext>
+    </p:extLst>
+  </p:cSld>
+  <p:clrMap bg1="lt1" tx1="dk1" bg2="lt2" tx2="dk2" accent1="accent1" accent2="accent2" accent3="accent3" accent4="accent4" accent5="accent5" accent6="accent6" hlink="hlink" folHlink="folHlink"/>
+  <p:notesStyle>
+    <a:lvl1pPr marL="0" algn="l" defTabSz="914400" rtl="0" eaLnBrk="1" latinLnBrk="0" hangingPunct="1">
+      <a:defRPr sz="1200" kern="1200">
+        <a:solidFill>
+          <a:schemeClr val="tx1"/>
+        </a:solidFill>
+        <a:latin typeface="+mn-lt"/>
+        <a:ea typeface="+mn-ea"/>
+        <a:cs typeface="+mn-cs"/>
+      </a:defRPr>
+    </a:lvl1pPr>
+    <a:lvl2pPr marL="457200" algn="l" defTabSz="914400" rtl="0" eaLnBrk="1" latinLnBrk="0" hangingPunct="1">
+      <a:defRPr sz="1200" kern="1200">
+        <a:solidFill>
+          <a:schemeClr val="tx1"/>
+        </a:solidFill>
+        <a:latin typeface="+mn-lt"/>
+        <a:ea typeface="+mn-ea"/>
+        <a:cs typeface="+mn-cs"/>
+      </a:defRPr>
+    </a:lvl2pPr>
+    <a:lvl3pPr marL="914400" algn="l" defTabSz="914400" rtl="0" eaLnBrk="1" latinLnBrk="0" hangingPunct="1">
+      <a:defRPr sz="1200" kern="1200">
+        <a:solidFill>
+          <a:schemeClr val="tx1"/>
+        </a:solidFill>
+        <a:latin typeface="+mn-lt"/>
+        <a:ea typeface="+mn-ea"/>
+        <a:cs typeface="+mn-cs"/>
+      </a:defRPr>
+    </a:lvl3pPr>
+    <a:lvl4pPr marL="1371600" algn="l" defTabSz="914400" rtl="0" eaLnBrk="1" latinLnBrk="0" hangingPunct="1">
+      <a:defRPr sz="1200" kern="1200">
+        <a:solidFill>
+          <a:schemeClr val="tx1"/>
+        </a:solidFill>
+        <a:latin typeface="+mn-lt"/>
+        <a:ea typeface="+mn-ea"/>
+        <a:cs typeface="+mn-cs"/>
+      </a:defRPr>
+    </a:lvl4pPr>
+    <a:lvl5pPr marL="1828800" algn="l" defTabSz="914400" rtl="0" eaLnBrk="1" latinLnBrk="0" hangingPunct="1">
+      <a:defRPr sz="1200" kern="1200">
+        <a:solidFill>
+          <a:schemeClr val="tx1"/>
+        </a:solidFill>
+        <a:latin typeface="+mn-lt"/>
+        <a:ea typeface="+mn-ea"/>
+        <a:cs typeface="+mn-cs"/>
+      </a:defRPr>
+    </a:lvl5pPr>
+    <a:lvl6pPr marL="2286000" algn="l" defTabSz="914400" rtl="0" eaLnBrk="1" latinLnBrk="0" hangingPunct="1">
+      <a:defRPr sz="1200" kern="1200">
+        <a:solidFill>
+          <a:schemeClr val="tx1"/>
+        </a:solidFill>
+        <a:latin typeface="+mn-lt"/>
+        <a:ea typeface="+mn-ea"/>
+        <a:cs typeface="+mn-cs"/>
+      </a:defRPr>
+    </a:lvl6pPr>
+    <a:lvl7pPr marL="2743200" algn="l" defTabSz="914400" rtl="0" eaLnBrk="1" latinLnBrk="0" hangingPunct="1">
+      <a:defRPr sz="1200" kern="1200">
+        <a:solidFill>
+          <a:schemeClr val="tx1"/>
+        </a:solidFill>
+        <a:latin typeface="+mn-lt"/>
+        <a:ea typeface="+mn-ea"/>
+        <a:cs typeface="+mn-cs"/>
+      </a:defRPr>
+    </a:lvl7pPr>
+    <a:lvl8pPr marL="3200400" algn="l" defTabSz="914400" rtl="0" eaLnBrk="1" latinLnBrk="0" hangingPunct="1">
+      <a:defRPr sz="1200" kern="1200">
+        <a:solidFill>
+          <a:schemeClr val="tx1"/>
+        </a:solidFill>
+        <a:latin typeface="+mn-lt"/>
+        <a:ea typeface="+mn-ea"/>
+        <a:cs typeface="+mn-cs"/>
+      </a:defRPr>
+    </a:lvl8pPr>
+    <a:lvl9pPr marL="3657600" algn="l" defTabSz="914400" rtl="0" eaLnBrk="1" latinLnBrk="0" hangingPunct="1">
+      <a:defRPr sz="1200" kern="1200">
+        <a:solidFill>
+          <a:schemeClr val="tx1"/>
+        </a:solidFill>
+        <a:latin typeface="+mn-lt"/>
+        <a:ea typeface="+mn-ea"/>
+        <a:cs typeface="+mn-cs"/>
+      </a:defRPr>
+    </a:lvl9pPr>
+  </p:notesStyle>
+</p:notesMaster>
+</file>
+
+<file path=ppt/notesSlides/notesSlide1.xml><?xml version="1.0" encoding="utf-8"?>
+<p:notes xmlns:a="http://schemas.openxmlformats.org/drawingml/2006/main" xmlns:r="http://schemas.openxmlformats.org/officeDocument/2006/relationships" xmlns:p="http://schemas.openxmlformats.org/presentationml/2006/main">
+  <p:cSld>
+    <p:spTree>
+      <p:nvGrpSpPr>
+        <p:cNvPr id="1" name=""/>
+        <p:cNvGrpSpPr/>
+        <p:nvPr/>
+      </p:nvGrpSpPr>
+      <p:grpSpPr>
+        <a:xfrm>
+          <a:off x="0" y="0"/>
+          <a:ext cx="0" cy="0"/>
+          <a:chOff x="0" y="0"/>
+          <a:chExt cx="0" cy="0"/>
+        </a:xfrm>
+      </p:grpSpPr>
+      <p:sp>
+        <p:nvSpPr>
+          <p:cNvPr id="2" name="Slide Image Placeholder 1"/>
+          <p:cNvSpPr>
+            <a:spLocks noGrp="1" noRot="1" noChangeAspect="1"/>
+          </p:cNvSpPr>
+          <p:nvPr>
+            <p:ph type="sldImg"/>
+          </p:nvPr>
+        </p:nvSpPr>
+        <p:spPr/>
+      </p:sp>
+      <p:sp>
+        <p:nvSpPr>
+          <p:cNvPr id="3" name="Notes Placeholder 2"/>
+          <p:cNvSpPr>
+            <a:spLocks noGrp="1"/>
+          </p:cNvSpPr>
+          <p:nvPr>
+            <p:ph type="body" idx="1"/>
+          </p:nvPr>
+        </p:nvSpPr>
+        <p:spPr/>
+        <p:txBody>
+          <a:bodyPr/>
+          <a:lstStyle/>
+          <a:p>
+            <a:endParaRPr lang="en-US" dirty="0"/>
+          </a:p>
+        </p:txBody>
+      </p:sp>
+      <p:sp>
+        <p:nvSpPr>
+          <p:cNvPr id="4" name="Slide Number Placeholder 3"/>
+          <p:cNvSpPr>
+            <a:spLocks noGrp="1"/>
+          </p:cNvSpPr>
+          <p:nvPr>
+            <p:ph type="sldNum" sz="quarter" idx="5"/>
+          </p:nvPr>
+        </p:nvSpPr>
+        <p:spPr/>
+        <p:txBody>
+          <a:bodyPr/>
+          <a:lstStyle/>
+          <a:p>
+            <a:fld id="{125ACDC8-9594-482E-AD34-18E8D671EBCE}" type="slidenum">
+              <a:rPr lang="en-US" smtClean="0"/>
+              <a:t>12</a:t>
+            </a:fld>
+            <a:endParaRPr lang="en-US"/>
+          </a:p>
+        </p:txBody>
+      </p:sp>
+    </p:spTree>
+    <p:extLst>
+      <p:ext uri="{BB962C8B-B14F-4D97-AF65-F5344CB8AC3E}">
+        <p14:creationId xmlns:p14="http://schemas.microsoft.com/office/powerpoint/2010/main" val="2487125809"/>
+      </p:ext>
+    </p:extLst>
+  </p:cSld>
+  <p:clrMapOvr>
+    <a:masterClrMapping/>
+  </p:clrMapOvr>
+</p:notes>
+</file>
+
 <file path=ppt/slideLayouts/slideLayout1.xml><?xml version="1.0" encoding="utf-8"?>
 <p:sldLayout xmlns:a="http://schemas.openxmlformats.org/drawingml/2006/main" xmlns:r="http://schemas.openxmlformats.org/officeDocument/2006/relationships" xmlns:p="http://schemas.openxmlformats.org/presentationml/2006/main" type="title" preserve="1">
   <p:cSld name="Title Slide">
@@ -259,7 +708,7 @@
           <a:p>
             <a:fld id="{66EBA8CF-DD17-4A72-80FE-9E25C88A3DD4}" type="datetimeFigureOut">
               <a:rPr lang="en-US" smtClean="0"/>
-              <a:t>12/5/2024</a:t>
+              <a:t>12/6/2024</a:t>
             </a:fld>
             <a:endParaRPr lang="en-US"/>
           </a:p>
@@ -429,7 +878,7 @@
           <a:p>
             <a:fld id="{66EBA8CF-DD17-4A72-80FE-9E25C88A3DD4}" type="datetimeFigureOut">
               <a:rPr lang="en-US" smtClean="0"/>
-              <a:t>12/5/2024</a:t>
+              <a:t>12/6/2024</a:t>
             </a:fld>
             <a:endParaRPr lang="en-US"/>
           </a:p>
@@ -609,7 +1058,7 @@
           <a:p>
             <a:fld id="{66EBA8CF-DD17-4A72-80FE-9E25C88A3DD4}" type="datetimeFigureOut">
               <a:rPr lang="en-US" smtClean="0"/>
-              <a:t>12/5/2024</a:t>
+              <a:t>12/6/2024</a:t>
             </a:fld>
             <a:endParaRPr lang="en-US"/>
           </a:p>
@@ -779,7 +1228,7 @@
           <a:p>
             <a:fld id="{66EBA8CF-DD17-4A72-80FE-9E25C88A3DD4}" type="datetimeFigureOut">
               <a:rPr lang="en-US" smtClean="0"/>
-              <a:t>12/5/2024</a:t>
+              <a:t>12/6/2024</a:t>
             </a:fld>
             <a:endParaRPr lang="en-US"/>
           </a:p>
@@ -1025,7 +1474,7 @@
           <a:p>
             <a:fld id="{66EBA8CF-DD17-4A72-80FE-9E25C88A3DD4}" type="datetimeFigureOut">
               <a:rPr lang="en-US" smtClean="0"/>
-              <a:t>12/5/2024</a:t>
+              <a:t>12/6/2024</a:t>
             </a:fld>
             <a:endParaRPr lang="en-US"/>
           </a:p>
@@ -1257,7 +1706,7 @@
           <a:p>
             <a:fld id="{66EBA8CF-DD17-4A72-80FE-9E25C88A3DD4}" type="datetimeFigureOut">
               <a:rPr lang="en-US" smtClean="0"/>
-              <a:t>12/5/2024</a:t>
+              <a:t>12/6/2024</a:t>
             </a:fld>
             <a:endParaRPr lang="en-US"/>
           </a:p>
@@ -1624,7 +2073,7 @@
           <a:p>
             <a:fld id="{66EBA8CF-DD17-4A72-80FE-9E25C88A3DD4}" type="datetimeFigureOut">
               <a:rPr lang="en-US" smtClean="0"/>
-              <a:t>12/5/2024</a:t>
+              <a:t>12/6/2024</a:t>
             </a:fld>
             <a:endParaRPr lang="en-US"/>
           </a:p>
@@ -1742,7 +2191,7 @@
           <a:p>
             <a:fld id="{66EBA8CF-DD17-4A72-80FE-9E25C88A3DD4}" type="datetimeFigureOut">
               <a:rPr lang="en-US" smtClean="0"/>
-              <a:t>12/5/2024</a:t>
+              <a:t>12/6/2024</a:t>
             </a:fld>
             <a:endParaRPr lang="en-US"/>
           </a:p>
@@ -1837,7 +2286,7 @@
           <a:p>
             <a:fld id="{66EBA8CF-DD17-4A72-80FE-9E25C88A3DD4}" type="datetimeFigureOut">
               <a:rPr lang="en-US" smtClean="0"/>
-              <a:t>12/5/2024</a:t>
+              <a:t>12/6/2024</a:t>
             </a:fld>
             <a:endParaRPr lang="en-US"/>
           </a:p>
@@ -2114,7 +2563,7 @@
           <a:p>
             <a:fld id="{66EBA8CF-DD17-4A72-80FE-9E25C88A3DD4}" type="datetimeFigureOut">
               <a:rPr lang="en-US" smtClean="0"/>
-              <a:t>12/5/2024</a:t>
+              <a:t>12/6/2024</a:t>
             </a:fld>
             <a:endParaRPr lang="en-US"/>
           </a:p>
@@ -2371,7 +2820,7 @@
           <a:p>
             <a:fld id="{66EBA8CF-DD17-4A72-80FE-9E25C88A3DD4}" type="datetimeFigureOut">
               <a:rPr lang="en-US" smtClean="0"/>
-              <a:t>12/5/2024</a:t>
+              <a:t>12/6/2024</a:t>
             </a:fld>
             <a:endParaRPr lang="en-US"/>
           </a:p>
@@ -2584,7 +3033,7 @@
           <a:p>
             <a:fld id="{66EBA8CF-DD17-4A72-80FE-9E25C88A3DD4}" type="datetimeFigureOut">
               <a:rPr lang="en-US" smtClean="0"/>
-              <a:t>12/5/2024</a:t>
+              <a:t>12/6/2024</a:t>
             </a:fld>
             <a:endParaRPr lang="en-US"/>
           </a:p>
@@ -3259,6 +3708,4744 @@
 </p:sld>
 </file>
 
+<file path=ppt/slides/slide10.xml><?xml version="1.0" encoding="utf-8"?>
+<p:sld xmlns:a="http://schemas.openxmlformats.org/drawingml/2006/main" xmlns:r="http://schemas.openxmlformats.org/officeDocument/2006/relationships" xmlns:p="http://schemas.openxmlformats.org/presentationml/2006/main">
+  <p:cSld>
+    <p:bg>
+      <p:bgPr>
+        <a:solidFill>
+          <a:schemeClr val="bg1"/>
+        </a:solidFill>
+        <a:effectLst/>
+      </p:bgPr>
+    </p:bg>
+    <p:spTree>
+      <p:nvGrpSpPr>
+        <p:cNvPr id="1" name="">
+          <a:extLst>
+            <a:ext uri="{FF2B5EF4-FFF2-40B4-BE49-F238E27FC236}">
+              <a16:creationId xmlns:a16="http://schemas.microsoft.com/office/drawing/2014/main" id="{C1CD2E28-3564-DC25-C245-E82EE2AA732F}"/>
+            </a:ext>
+          </a:extLst>
+        </p:cNvPr>
+        <p:cNvGrpSpPr/>
+        <p:nvPr/>
+      </p:nvGrpSpPr>
+      <p:grpSpPr>
+        <a:xfrm>
+          <a:off x="0" y="0"/>
+          <a:ext cx="0" cy="0"/>
+          <a:chOff x="0" y="0"/>
+          <a:chExt cx="0" cy="0"/>
+        </a:xfrm>
+      </p:grpSpPr>
+      <p:sp>
+        <p:nvSpPr>
+          <p:cNvPr id="4" name="TextBox 3">
+            <a:extLst>
+              <a:ext uri="{FF2B5EF4-FFF2-40B4-BE49-F238E27FC236}">
+                <a16:creationId xmlns:a16="http://schemas.microsoft.com/office/drawing/2014/main" id="{050F7738-0A39-6EBE-A5CD-E25D2B5A8CA6}"/>
+              </a:ext>
+            </a:extLst>
+          </p:cNvPr>
+          <p:cNvSpPr txBox="1"/>
+          <p:nvPr/>
+        </p:nvSpPr>
+        <p:spPr>
+          <a:xfrm>
+            <a:off x="372413" y="1680309"/>
+            <a:ext cx="6113173" cy="3272691"/>
+          </a:xfrm>
+          <a:prstGeom prst="rect">
+            <a:avLst/>
+          </a:prstGeom>
+          <a:noFill/>
+        </p:spPr>
+        <p:txBody>
+          <a:bodyPr wrap="square">
+            <a:spAutoFit/>
+          </a:bodyPr>
+          <a:lstStyle/>
+          <a:p>
+            <a:pPr>
+              <a:spcAft>
+                <a:spcPts val="800"/>
+              </a:spcAft>
+            </a:pPr>
+            <a:r>
+              <a:rPr lang="en-US" sz="1600" kern="100" dirty="0">
+                <a:effectLst/>
+                <a:latin typeface="Be Vietnam Pro" pitchFamily="2" charset="-93"/>
+                <a:ea typeface="DengXian" panose="02010600030101010101" pitchFamily="2" charset="-122"/>
+                <a:cs typeface="Times New Roman" panose="02020603050405020304" pitchFamily="18" charset="0"/>
+              </a:rPr>
+              <a:t>Represents movies and series available on the platform.</a:t>
+            </a:r>
+          </a:p>
+          <a:p>
+            <a:pPr lvl="0">
+              <a:spcAft>
+                <a:spcPts val="800"/>
+              </a:spcAft>
+              <a:buSzPts val="1000"/>
+              <a:tabLst>
+                <a:tab pos="457200" algn="l"/>
+              </a:tabLst>
+            </a:pPr>
+            <a:r>
+              <a:rPr lang="en-US" sz="1600" b="1" kern="100" dirty="0" err="1">
+                <a:effectLst/>
+                <a:latin typeface="Be Vietnam Pro" pitchFamily="2" charset="-93"/>
+                <a:ea typeface="DengXian" panose="02010600030101010101" pitchFamily="2" charset="-122"/>
+                <a:cs typeface="Times New Roman" panose="02020603050405020304" pitchFamily="18" charset="0"/>
+              </a:rPr>
+              <a:t>content_id</a:t>
+            </a:r>
+            <a:r>
+              <a:rPr lang="en-US" sz="1600" b="1" kern="100" dirty="0">
+                <a:effectLst/>
+                <a:latin typeface="Be Vietnam Pro" pitchFamily="2" charset="-93"/>
+                <a:ea typeface="DengXian" panose="02010600030101010101" pitchFamily="2" charset="-122"/>
+                <a:cs typeface="Times New Roman" panose="02020603050405020304" pitchFamily="18" charset="0"/>
+              </a:rPr>
+              <a:t>: </a:t>
+            </a:r>
+            <a:r>
+              <a:rPr lang="en-US" sz="1600" kern="100" dirty="0">
+                <a:effectLst/>
+                <a:latin typeface="Be Vietnam Pro" pitchFamily="2" charset="-93"/>
+                <a:ea typeface="DengXian" panose="02010600030101010101" pitchFamily="2" charset="-122"/>
+                <a:cs typeface="Times New Roman" panose="02020603050405020304" pitchFamily="18" charset="0"/>
+              </a:rPr>
+              <a:t>Unique identifier for each content (Primary Key).</a:t>
+            </a:r>
+          </a:p>
+          <a:p>
+            <a:pPr lvl="0">
+              <a:spcAft>
+                <a:spcPts val="800"/>
+              </a:spcAft>
+              <a:buSzPts val="1000"/>
+              <a:tabLst>
+                <a:tab pos="457200" algn="l"/>
+              </a:tabLst>
+            </a:pPr>
+            <a:r>
+              <a:rPr lang="en-US" sz="1600" b="1" kern="100" dirty="0">
+                <a:effectLst/>
+                <a:latin typeface="Be Vietnam Pro" pitchFamily="2" charset="-93"/>
+                <a:ea typeface="DengXian" panose="02010600030101010101" pitchFamily="2" charset="-122"/>
+                <a:cs typeface="Times New Roman" panose="02020603050405020304" pitchFamily="18" charset="0"/>
+              </a:rPr>
+              <a:t>title: </a:t>
+            </a:r>
+            <a:r>
+              <a:rPr lang="en-US" sz="1600" kern="100" dirty="0">
+                <a:effectLst/>
+                <a:latin typeface="Be Vietnam Pro" pitchFamily="2" charset="-93"/>
+                <a:ea typeface="DengXian" panose="02010600030101010101" pitchFamily="2" charset="-122"/>
+                <a:cs typeface="Times New Roman" panose="02020603050405020304" pitchFamily="18" charset="0"/>
+              </a:rPr>
+              <a:t>Title of the movie or series.</a:t>
+            </a:r>
+          </a:p>
+          <a:p>
+            <a:pPr lvl="0">
+              <a:spcAft>
+                <a:spcPts val="800"/>
+              </a:spcAft>
+              <a:buSzPts val="1000"/>
+              <a:tabLst>
+                <a:tab pos="457200" algn="l"/>
+              </a:tabLst>
+            </a:pPr>
+            <a:r>
+              <a:rPr lang="en-US" sz="1600" b="1" kern="100" dirty="0" err="1">
+                <a:effectLst/>
+                <a:latin typeface="Be Vietnam Pro" pitchFamily="2" charset="-93"/>
+                <a:ea typeface="DengXian" panose="02010600030101010101" pitchFamily="2" charset="-122"/>
+                <a:cs typeface="Times New Roman" panose="02020603050405020304" pitchFamily="18" charset="0"/>
+              </a:rPr>
+              <a:t>release_date</a:t>
+            </a:r>
+            <a:r>
+              <a:rPr lang="en-US" sz="1600" b="1" kern="100" dirty="0">
+                <a:effectLst/>
+                <a:latin typeface="Be Vietnam Pro" pitchFamily="2" charset="-93"/>
+                <a:ea typeface="DengXian" panose="02010600030101010101" pitchFamily="2" charset="-122"/>
+                <a:cs typeface="Times New Roman" panose="02020603050405020304" pitchFamily="18" charset="0"/>
+              </a:rPr>
+              <a:t>: </a:t>
+            </a:r>
+            <a:r>
+              <a:rPr lang="en-US" sz="1600" kern="100" dirty="0">
+                <a:effectLst/>
+                <a:latin typeface="Be Vietnam Pro" pitchFamily="2" charset="-93"/>
+                <a:ea typeface="DengXian" panose="02010600030101010101" pitchFamily="2" charset="-122"/>
+                <a:cs typeface="Times New Roman" panose="02020603050405020304" pitchFamily="18" charset="0"/>
+              </a:rPr>
+              <a:t>Release date of the content.</a:t>
+            </a:r>
+          </a:p>
+          <a:p>
+            <a:pPr lvl="0">
+              <a:spcAft>
+                <a:spcPts val="800"/>
+              </a:spcAft>
+              <a:buSzPts val="1000"/>
+              <a:tabLst>
+                <a:tab pos="457200" algn="l"/>
+              </a:tabLst>
+            </a:pPr>
+            <a:r>
+              <a:rPr lang="en-US" sz="1600" b="1" kern="100" dirty="0">
+                <a:effectLst/>
+                <a:latin typeface="Be Vietnam Pro" pitchFamily="2" charset="-93"/>
+                <a:ea typeface="DengXian" panose="02010600030101010101" pitchFamily="2" charset="-122"/>
+                <a:cs typeface="Times New Roman" panose="02020603050405020304" pitchFamily="18" charset="0"/>
+              </a:rPr>
+              <a:t>director: </a:t>
+            </a:r>
+            <a:r>
+              <a:rPr lang="en-US" sz="1600" kern="100" dirty="0">
+                <a:effectLst/>
+                <a:latin typeface="Be Vietnam Pro" pitchFamily="2" charset="-93"/>
+                <a:ea typeface="DengXian" panose="02010600030101010101" pitchFamily="2" charset="-122"/>
+                <a:cs typeface="Times New Roman" panose="02020603050405020304" pitchFamily="18" charset="0"/>
+              </a:rPr>
+              <a:t>Name of the director.</a:t>
+            </a:r>
+          </a:p>
+          <a:p>
+            <a:pPr lvl="0">
+              <a:spcAft>
+                <a:spcPts val="800"/>
+              </a:spcAft>
+              <a:buSzPts val="1000"/>
+              <a:tabLst>
+                <a:tab pos="457200" algn="l"/>
+              </a:tabLst>
+            </a:pPr>
+            <a:r>
+              <a:rPr lang="en-US" sz="1600" b="1" kern="100" dirty="0">
+                <a:effectLst/>
+                <a:latin typeface="Be Vietnam Pro" pitchFamily="2" charset="-93"/>
+                <a:ea typeface="DengXian" panose="02010600030101010101" pitchFamily="2" charset="-122"/>
+                <a:cs typeface="Times New Roman" panose="02020603050405020304" pitchFamily="18" charset="0"/>
+              </a:rPr>
+              <a:t>rating: </a:t>
+            </a:r>
+            <a:r>
+              <a:rPr lang="en-US" sz="1600" kern="100" dirty="0">
+                <a:effectLst/>
+                <a:latin typeface="Be Vietnam Pro" pitchFamily="2" charset="-93"/>
+                <a:ea typeface="DengXian" panose="02010600030101010101" pitchFamily="2" charset="-122"/>
+                <a:cs typeface="Times New Roman" panose="02020603050405020304" pitchFamily="18" charset="0"/>
+              </a:rPr>
+              <a:t>Viewer rating for the content (1.0 to 5.0).</a:t>
+            </a:r>
+          </a:p>
+          <a:p>
+            <a:pPr lvl="0">
+              <a:spcAft>
+                <a:spcPts val="800"/>
+              </a:spcAft>
+              <a:buSzPts val="1000"/>
+              <a:tabLst>
+                <a:tab pos="457200" algn="l"/>
+              </a:tabLst>
+            </a:pPr>
+            <a:r>
+              <a:rPr lang="en-US" sz="1600" b="1" kern="100" dirty="0" err="1">
+                <a:effectLst/>
+                <a:latin typeface="Be Vietnam Pro" pitchFamily="2" charset="-93"/>
+                <a:ea typeface="DengXian" panose="02010600030101010101" pitchFamily="2" charset="-122"/>
+                <a:cs typeface="Times New Roman" panose="02020603050405020304" pitchFamily="18" charset="0"/>
+              </a:rPr>
+              <a:t>content_type</a:t>
+            </a:r>
+            <a:r>
+              <a:rPr lang="en-US" sz="1600" b="1" kern="100" dirty="0">
+                <a:effectLst/>
+                <a:latin typeface="Be Vietnam Pro" pitchFamily="2" charset="-93"/>
+                <a:ea typeface="DengXian" panose="02010600030101010101" pitchFamily="2" charset="-122"/>
+                <a:cs typeface="Times New Roman" panose="02020603050405020304" pitchFamily="18" charset="0"/>
+              </a:rPr>
+              <a:t>: </a:t>
+            </a:r>
+            <a:r>
+              <a:rPr lang="en-US" sz="1600" kern="100" dirty="0">
+                <a:effectLst/>
+                <a:latin typeface="Be Vietnam Pro" pitchFamily="2" charset="-93"/>
+                <a:ea typeface="DengXian" panose="02010600030101010101" pitchFamily="2" charset="-122"/>
+                <a:cs typeface="Times New Roman" panose="02020603050405020304" pitchFamily="18" charset="0"/>
+              </a:rPr>
+              <a:t>Type of content ('movie' or 'series').</a:t>
+            </a:r>
+          </a:p>
+          <a:p>
+            <a:pPr lvl="0">
+              <a:spcAft>
+                <a:spcPts val="800"/>
+              </a:spcAft>
+              <a:buSzPts val="1000"/>
+              <a:tabLst>
+                <a:tab pos="457200" algn="l"/>
+              </a:tabLst>
+            </a:pPr>
+            <a:r>
+              <a:rPr lang="en-US" sz="1600" b="1" kern="100" dirty="0" err="1">
+                <a:effectLst/>
+                <a:latin typeface="Be Vietnam Pro" pitchFamily="2" charset="-93"/>
+                <a:ea typeface="DengXian" panose="02010600030101010101" pitchFamily="2" charset="-122"/>
+                <a:cs typeface="Times New Roman" panose="02020603050405020304" pitchFamily="18" charset="0"/>
+              </a:rPr>
+              <a:t>access_level</a:t>
+            </a:r>
+            <a:r>
+              <a:rPr lang="en-US" sz="1600" b="1" kern="100" dirty="0">
+                <a:effectLst/>
+                <a:latin typeface="Be Vietnam Pro" pitchFamily="2" charset="-93"/>
+                <a:ea typeface="DengXian" panose="02010600030101010101" pitchFamily="2" charset="-122"/>
+                <a:cs typeface="Times New Roman" panose="02020603050405020304" pitchFamily="18" charset="0"/>
+              </a:rPr>
+              <a:t>: </a:t>
+            </a:r>
+            <a:r>
+              <a:rPr lang="en-US" sz="1600" kern="100" dirty="0">
+                <a:latin typeface="Be Vietnam Pro" pitchFamily="2" charset="-93"/>
+                <a:ea typeface="DengXian" panose="02010600030101010101" pitchFamily="2" charset="-122"/>
+                <a:cs typeface="Times New Roman" panose="02020603050405020304" pitchFamily="18" charset="0"/>
+              </a:rPr>
+              <a:t>Minimum a</a:t>
+            </a:r>
+            <a:r>
+              <a:rPr lang="en-US" sz="1600" kern="100" dirty="0">
+                <a:effectLst/>
+                <a:latin typeface="Be Vietnam Pro" pitchFamily="2" charset="-93"/>
+                <a:ea typeface="DengXian" panose="02010600030101010101" pitchFamily="2" charset="-122"/>
+                <a:cs typeface="Times New Roman" panose="02020603050405020304" pitchFamily="18" charset="0"/>
+              </a:rPr>
+              <a:t>ccess level required to view the content (1 to 3).</a:t>
+            </a:r>
+          </a:p>
+        </p:txBody>
+      </p:sp>
+      <p:sp>
+        <p:nvSpPr>
+          <p:cNvPr id="7" name="TextBox 6">
+            <a:extLst>
+              <a:ext uri="{FF2B5EF4-FFF2-40B4-BE49-F238E27FC236}">
+                <a16:creationId xmlns:a16="http://schemas.microsoft.com/office/drawing/2014/main" id="{518CD39E-267E-219F-22B3-4807419C35EF}"/>
+              </a:ext>
+            </a:extLst>
+          </p:cNvPr>
+          <p:cNvSpPr txBox="1"/>
+          <p:nvPr/>
+        </p:nvSpPr>
+        <p:spPr>
+          <a:xfrm>
+            <a:off x="372414" y="1013048"/>
+            <a:ext cx="3431892" cy="488275"/>
+          </a:xfrm>
+          <a:prstGeom prst="rect">
+            <a:avLst/>
+          </a:prstGeom>
+          <a:noFill/>
+        </p:spPr>
+        <p:txBody>
+          <a:bodyPr wrap="square">
+            <a:spAutoFit/>
+          </a:bodyPr>
+          <a:lstStyle/>
+          <a:p>
+            <a:pPr>
+              <a:lnSpc>
+                <a:spcPct val="115000"/>
+              </a:lnSpc>
+              <a:spcAft>
+                <a:spcPts val="800"/>
+              </a:spcAft>
+            </a:pPr>
+            <a:r>
+              <a:rPr lang="en-US" sz="2400" b="1" kern="100" dirty="0">
+                <a:effectLst/>
+                <a:latin typeface="Be Vietnam Pro" pitchFamily="2" charset="-93"/>
+                <a:ea typeface="DengXian" panose="02010600030101010101" pitchFamily="2" charset="-122"/>
+                <a:cs typeface="Times New Roman" panose="02020603050405020304" pitchFamily="18" charset="0"/>
+              </a:rPr>
+              <a:t>Content</a:t>
+            </a:r>
+            <a:endParaRPr lang="en-US" sz="2400" kern="100" dirty="0">
+              <a:effectLst/>
+              <a:latin typeface="Be Vietnam Pro" pitchFamily="2" charset="-93"/>
+              <a:ea typeface="DengXian" panose="02010600030101010101" pitchFamily="2" charset="-122"/>
+              <a:cs typeface="Times New Roman" panose="02020603050405020304" pitchFamily="18" charset="0"/>
+            </a:endParaRPr>
+          </a:p>
+        </p:txBody>
+      </p:sp>
+      <p:cxnSp>
+        <p:nvCxnSpPr>
+          <p:cNvPr id="9" name="Straight Connector 8">
+            <a:extLst>
+              <a:ext uri="{FF2B5EF4-FFF2-40B4-BE49-F238E27FC236}">
+                <a16:creationId xmlns:a16="http://schemas.microsoft.com/office/drawing/2014/main" id="{AD2A6432-9546-AECC-08EF-F9704809A065}"/>
+              </a:ext>
+            </a:extLst>
+          </p:cNvPr>
+          <p:cNvCxnSpPr>
+            <a:cxnSpLocks/>
+          </p:cNvCxnSpPr>
+          <p:nvPr/>
+        </p:nvCxnSpPr>
+        <p:spPr>
+          <a:xfrm>
+            <a:off x="478136" y="1501323"/>
+            <a:ext cx="5853896" cy="0"/>
+          </a:xfrm>
+          <a:prstGeom prst="line">
+            <a:avLst/>
+          </a:prstGeom>
+          <a:ln>
+            <a:solidFill>
+              <a:srgbClr val="F05222"/>
+            </a:solidFill>
+          </a:ln>
+        </p:spPr>
+        <p:style>
+          <a:lnRef idx="2">
+            <a:schemeClr val="accent1"/>
+          </a:lnRef>
+          <a:fillRef idx="0">
+            <a:schemeClr val="accent1"/>
+          </a:fillRef>
+          <a:effectRef idx="1">
+            <a:schemeClr val="accent1"/>
+          </a:effectRef>
+          <a:fontRef idx="minor">
+            <a:schemeClr val="tx1"/>
+          </a:fontRef>
+        </p:style>
+      </p:cxnSp>
+      <p:sp>
+        <p:nvSpPr>
+          <p:cNvPr id="2" name="TextBox 1">
+            <a:extLst>
+              <a:ext uri="{FF2B5EF4-FFF2-40B4-BE49-F238E27FC236}">
+                <a16:creationId xmlns:a16="http://schemas.microsoft.com/office/drawing/2014/main" id="{4A4BF469-5445-0381-F311-91B1FC537D4F}"/>
+              </a:ext>
+            </a:extLst>
+          </p:cNvPr>
+          <p:cNvSpPr txBox="1"/>
+          <p:nvPr/>
+        </p:nvSpPr>
+        <p:spPr>
+          <a:xfrm>
+            <a:off x="372413" y="6180318"/>
+            <a:ext cx="6113173" cy="2441694"/>
+          </a:xfrm>
+          <a:prstGeom prst="rect">
+            <a:avLst/>
+          </a:prstGeom>
+          <a:noFill/>
+        </p:spPr>
+        <p:txBody>
+          <a:bodyPr wrap="square">
+            <a:spAutoFit/>
+          </a:bodyPr>
+          <a:lstStyle/>
+          <a:p>
+            <a:pPr>
+              <a:spcAft>
+                <a:spcPts val="800"/>
+              </a:spcAft>
+            </a:pPr>
+            <a:r>
+              <a:rPr lang="en-US" sz="1800" kern="100" dirty="0">
+                <a:effectLst/>
+                <a:latin typeface="Aptos" panose="020B0004020202020204" pitchFamily="34" charset="0"/>
+                <a:ea typeface="DengXian" panose="02010600030101010101" pitchFamily="2" charset="-122"/>
+                <a:cs typeface="Times New Roman" panose="02020603050405020304" pitchFamily="18" charset="0"/>
+              </a:rPr>
+              <a:t>Details episodes for series content.</a:t>
+            </a:r>
+          </a:p>
+          <a:p>
+            <a:pPr lvl="0">
+              <a:spcAft>
+                <a:spcPts val="800"/>
+              </a:spcAft>
+              <a:buSzPts val="1000"/>
+              <a:tabLst>
+                <a:tab pos="457200" algn="l"/>
+              </a:tabLst>
+            </a:pPr>
+            <a:r>
+              <a:rPr lang="en-US" sz="1800" b="1" kern="100" dirty="0" err="1">
+                <a:effectLst/>
+                <a:latin typeface="Aptos" panose="020B0004020202020204" pitchFamily="34" charset="0"/>
+                <a:ea typeface="DengXian" panose="02010600030101010101" pitchFamily="2" charset="-122"/>
+                <a:cs typeface="Times New Roman" panose="02020603050405020304" pitchFamily="18" charset="0"/>
+              </a:rPr>
+              <a:t>content_id</a:t>
+            </a:r>
+            <a:r>
+              <a:rPr lang="en-US" sz="1800" b="1" kern="100" dirty="0">
+                <a:effectLst/>
+                <a:latin typeface="Aptos" panose="020B0004020202020204" pitchFamily="34" charset="0"/>
+                <a:ea typeface="DengXian" panose="02010600030101010101" pitchFamily="2" charset="-122"/>
+                <a:cs typeface="Times New Roman" panose="02020603050405020304" pitchFamily="18" charset="0"/>
+              </a:rPr>
+              <a:t>: </a:t>
+            </a:r>
+            <a:r>
+              <a:rPr lang="en-US" sz="1800" kern="100" dirty="0">
+                <a:effectLst/>
+                <a:latin typeface="Aptos" panose="020B0004020202020204" pitchFamily="34" charset="0"/>
+                <a:ea typeface="DengXian" panose="02010600030101010101" pitchFamily="2" charset="-122"/>
+                <a:cs typeface="Times New Roman" panose="02020603050405020304" pitchFamily="18" charset="0"/>
+              </a:rPr>
+              <a:t>Identifier for the series (Primary </a:t>
+            </a:r>
+            <a:r>
+              <a:rPr lang="en-US" kern="100" dirty="0">
+                <a:latin typeface="Aptos" panose="020B0004020202020204" pitchFamily="34" charset="0"/>
+                <a:ea typeface="DengXian" panose="02010600030101010101" pitchFamily="2" charset="-122"/>
+                <a:cs typeface="Times New Roman" panose="02020603050405020304" pitchFamily="18" charset="0"/>
+              </a:rPr>
+              <a:t>Key, </a:t>
+            </a:r>
+            <a:r>
+              <a:rPr lang="en-US" sz="1800" kern="100" dirty="0">
+                <a:effectLst/>
+                <a:latin typeface="Aptos" panose="020B0004020202020204" pitchFamily="34" charset="0"/>
+                <a:ea typeface="DengXian" panose="02010600030101010101" pitchFamily="2" charset="-122"/>
+                <a:cs typeface="Times New Roman" panose="02020603050405020304" pitchFamily="18" charset="0"/>
+              </a:rPr>
+              <a:t>Foreign Key referencing </a:t>
+            </a:r>
+            <a:r>
+              <a:rPr lang="en-US" sz="1800" kern="100" dirty="0" err="1">
+                <a:effectLst/>
+                <a:latin typeface="Aptos" panose="020B0004020202020204" pitchFamily="34" charset="0"/>
+                <a:ea typeface="DengXian" panose="02010600030101010101" pitchFamily="2" charset="-122"/>
+                <a:cs typeface="Times New Roman" panose="02020603050405020304" pitchFamily="18" charset="0"/>
+              </a:rPr>
+              <a:t>Content.content_id</a:t>
+            </a:r>
+            <a:r>
+              <a:rPr lang="en-US" sz="1800" kern="100" dirty="0">
+                <a:effectLst/>
+                <a:latin typeface="Aptos" panose="020B0004020202020204" pitchFamily="34" charset="0"/>
+                <a:ea typeface="DengXian" panose="02010600030101010101" pitchFamily="2" charset="-122"/>
+                <a:cs typeface="Times New Roman" panose="02020603050405020304" pitchFamily="18" charset="0"/>
+              </a:rPr>
+              <a:t>).</a:t>
+            </a:r>
+          </a:p>
+          <a:p>
+            <a:pPr lvl="0">
+              <a:spcAft>
+                <a:spcPts val="800"/>
+              </a:spcAft>
+              <a:buSzPts val="1000"/>
+              <a:tabLst>
+                <a:tab pos="457200" algn="l"/>
+              </a:tabLst>
+            </a:pPr>
+            <a:r>
+              <a:rPr lang="en-US" sz="1800" b="1" kern="100" dirty="0" err="1">
+                <a:effectLst/>
+                <a:latin typeface="Aptos" panose="020B0004020202020204" pitchFamily="34" charset="0"/>
+                <a:ea typeface="DengXian" panose="02010600030101010101" pitchFamily="2" charset="-122"/>
+                <a:cs typeface="Times New Roman" panose="02020603050405020304" pitchFamily="18" charset="0"/>
+              </a:rPr>
+              <a:t>episode_no</a:t>
+            </a:r>
+            <a:r>
+              <a:rPr lang="en-US" sz="1800" kern="100" dirty="0">
+                <a:effectLst/>
+                <a:latin typeface="Aptos" panose="020B0004020202020204" pitchFamily="34" charset="0"/>
+                <a:ea typeface="DengXian" panose="02010600030101010101" pitchFamily="2" charset="-122"/>
+                <a:cs typeface="Times New Roman" panose="02020603050405020304" pitchFamily="18" charset="0"/>
+              </a:rPr>
+              <a:t>: Episode number within the series (Primary Key in combination with </a:t>
+            </a:r>
+            <a:r>
+              <a:rPr lang="en-US" sz="1800" kern="100" dirty="0" err="1">
+                <a:effectLst/>
+                <a:latin typeface="Aptos" panose="020B0004020202020204" pitchFamily="34" charset="0"/>
+                <a:ea typeface="DengXian" panose="02010600030101010101" pitchFamily="2" charset="-122"/>
+                <a:cs typeface="Times New Roman" panose="02020603050405020304" pitchFamily="18" charset="0"/>
+              </a:rPr>
+              <a:t>content_id</a:t>
+            </a:r>
+            <a:r>
+              <a:rPr lang="en-US" sz="1800" kern="100" dirty="0">
+                <a:effectLst/>
+                <a:latin typeface="Aptos" panose="020B0004020202020204" pitchFamily="34" charset="0"/>
+                <a:ea typeface="DengXian" panose="02010600030101010101" pitchFamily="2" charset="-122"/>
+                <a:cs typeface="Times New Roman" panose="02020603050405020304" pitchFamily="18" charset="0"/>
+              </a:rPr>
+              <a:t>).</a:t>
+            </a:r>
+          </a:p>
+          <a:p>
+            <a:pPr lvl="0">
+              <a:spcAft>
+                <a:spcPts val="800"/>
+              </a:spcAft>
+              <a:buSzPts val="1000"/>
+              <a:tabLst>
+                <a:tab pos="457200" algn="l"/>
+              </a:tabLst>
+            </a:pPr>
+            <a:r>
+              <a:rPr lang="en-US" sz="1800" b="1" kern="100" dirty="0">
+                <a:effectLst/>
+                <a:latin typeface="Aptos" panose="020B0004020202020204" pitchFamily="34" charset="0"/>
+                <a:ea typeface="DengXian" panose="02010600030101010101" pitchFamily="2" charset="-122"/>
+                <a:cs typeface="Times New Roman" panose="02020603050405020304" pitchFamily="18" charset="0"/>
+              </a:rPr>
+              <a:t>title: </a:t>
+            </a:r>
+            <a:r>
+              <a:rPr lang="en-US" sz="1800" kern="100" dirty="0">
+                <a:effectLst/>
+                <a:latin typeface="Aptos" panose="020B0004020202020204" pitchFamily="34" charset="0"/>
+                <a:ea typeface="DengXian" panose="02010600030101010101" pitchFamily="2" charset="-122"/>
+                <a:cs typeface="Times New Roman" panose="02020603050405020304" pitchFamily="18" charset="0"/>
+              </a:rPr>
+              <a:t>Title of the episode.</a:t>
+            </a:r>
+          </a:p>
+          <a:p>
+            <a:pPr lvl="0">
+              <a:spcAft>
+                <a:spcPts val="800"/>
+              </a:spcAft>
+              <a:buSzPts val="1000"/>
+              <a:tabLst>
+                <a:tab pos="457200" algn="l"/>
+              </a:tabLst>
+            </a:pPr>
+            <a:r>
+              <a:rPr lang="en-US" sz="1800" b="1" kern="100" dirty="0">
+                <a:effectLst/>
+                <a:latin typeface="Aptos" panose="020B0004020202020204" pitchFamily="34" charset="0"/>
+                <a:ea typeface="DengXian" panose="02010600030101010101" pitchFamily="2" charset="-122"/>
+                <a:cs typeface="Times New Roman" panose="02020603050405020304" pitchFamily="18" charset="0"/>
+              </a:rPr>
+              <a:t>duration: </a:t>
+            </a:r>
+            <a:r>
+              <a:rPr lang="en-US" sz="1800" kern="100" dirty="0">
+                <a:effectLst/>
+                <a:latin typeface="Aptos" panose="020B0004020202020204" pitchFamily="34" charset="0"/>
+                <a:ea typeface="DengXian" panose="02010600030101010101" pitchFamily="2" charset="-122"/>
+                <a:cs typeface="Times New Roman" panose="02020603050405020304" pitchFamily="18" charset="0"/>
+              </a:rPr>
+              <a:t>Duration of the episode.</a:t>
+            </a:r>
+          </a:p>
+        </p:txBody>
+      </p:sp>
+      <p:sp>
+        <p:nvSpPr>
+          <p:cNvPr id="5" name="TextBox 4">
+            <a:extLst>
+              <a:ext uri="{FF2B5EF4-FFF2-40B4-BE49-F238E27FC236}">
+                <a16:creationId xmlns:a16="http://schemas.microsoft.com/office/drawing/2014/main" id="{A657E0A7-AE6F-C7B7-E14D-F8A982F402C9}"/>
+              </a:ext>
+            </a:extLst>
+          </p:cNvPr>
+          <p:cNvSpPr txBox="1"/>
+          <p:nvPr/>
+        </p:nvSpPr>
+        <p:spPr>
+          <a:xfrm>
+            <a:off x="372414" y="5513056"/>
+            <a:ext cx="3431892" cy="488275"/>
+          </a:xfrm>
+          <a:prstGeom prst="rect">
+            <a:avLst/>
+          </a:prstGeom>
+          <a:noFill/>
+        </p:spPr>
+        <p:txBody>
+          <a:bodyPr wrap="square">
+            <a:spAutoFit/>
+          </a:bodyPr>
+          <a:lstStyle/>
+          <a:p>
+            <a:pPr>
+              <a:lnSpc>
+                <a:spcPct val="115000"/>
+              </a:lnSpc>
+              <a:spcAft>
+                <a:spcPts val="800"/>
+              </a:spcAft>
+            </a:pPr>
+            <a:r>
+              <a:rPr lang="en-US" sz="2400" b="1" kern="100" dirty="0">
+                <a:effectLst/>
+                <a:latin typeface="Be Vietnam Pro" pitchFamily="2" charset="-93"/>
+                <a:ea typeface="DengXian" panose="02010600030101010101" pitchFamily="2" charset="-122"/>
+                <a:cs typeface="Times New Roman" panose="02020603050405020304" pitchFamily="18" charset="0"/>
+              </a:rPr>
+              <a:t>Episode</a:t>
+            </a:r>
+            <a:endParaRPr lang="en-US" sz="2400" kern="100" dirty="0">
+              <a:effectLst/>
+              <a:latin typeface="Be Vietnam Pro" pitchFamily="2" charset="-93"/>
+              <a:ea typeface="DengXian" panose="02010600030101010101" pitchFamily="2" charset="-122"/>
+              <a:cs typeface="Times New Roman" panose="02020603050405020304" pitchFamily="18" charset="0"/>
+            </a:endParaRPr>
+          </a:p>
+        </p:txBody>
+      </p:sp>
+      <p:cxnSp>
+        <p:nvCxnSpPr>
+          <p:cNvPr id="6" name="Straight Connector 5">
+            <a:extLst>
+              <a:ext uri="{FF2B5EF4-FFF2-40B4-BE49-F238E27FC236}">
+                <a16:creationId xmlns:a16="http://schemas.microsoft.com/office/drawing/2014/main" id="{8489D318-0DF7-7111-CBBE-FBBA5510C2DB}"/>
+              </a:ext>
+            </a:extLst>
+          </p:cNvPr>
+          <p:cNvCxnSpPr>
+            <a:cxnSpLocks/>
+          </p:cNvCxnSpPr>
+          <p:nvPr/>
+        </p:nvCxnSpPr>
+        <p:spPr>
+          <a:xfrm>
+            <a:off x="478136" y="6001331"/>
+            <a:ext cx="5853896" cy="0"/>
+          </a:xfrm>
+          <a:prstGeom prst="line">
+            <a:avLst/>
+          </a:prstGeom>
+          <a:ln>
+            <a:solidFill>
+              <a:srgbClr val="F05222"/>
+            </a:solidFill>
+          </a:ln>
+        </p:spPr>
+        <p:style>
+          <a:lnRef idx="2">
+            <a:schemeClr val="accent1"/>
+          </a:lnRef>
+          <a:fillRef idx="0">
+            <a:schemeClr val="accent1"/>
+          </a:fillRef>
+          <a:effectRef idx="1">
+            <a:schemeClr val="accent1"/>
+          </a:effectRef>
+          <a:fontRef idx="minor">
+            <a:schemeClr val="tx1"/>
+          </a:fontRef>
+        </p:style>
+      </p:cxnSp>
+    </p:spTree>
+    <p:extLst>
+      <p:ext uri="{BB962C8B-B14F-4D97-AF65-F5344CB8AC3E}">
+        <p14:creationId xmlns:p14="http://schemas.microsoft.com/office/powerpoint/2010/main" val="2071111619"/>
+      </p:ext>
+    </p:extLst>
+  </p:cSld>
+  <p:clrMapOvr>
+    <a:masterClrMapping/>
+  </p:clrMapOvr>
+</p:sld>
+</file>
+
+<file path=ppt/slides/slide11.xml><?xml version="1.0" encoding="utf-8"?>
+<p:sld xmlns:a="http://schemas.openxmlformats.org/drawingml/2006/main" xmlns:r="http://schemas.openxmlformats.org/officeDocument/2006/relationships" xmlns:p="http://schemas.openxmlformats.org/presentationml/2006/main">
+  <p:cSld>
+    <p:bg>
+      <p:bgPr>
+        <a:solidFill>
+          <a:schemeClr val="bg1"/>
+        </a:solidFill>
+        <a:effectLst/>
+      </p:bgPr>
+    </p:bg>
+    <p:spTree>
+      <p:nvGrpSpPr>
+        <p:cNvPr id="1" name="">
+          <a:extLst>
+            <a:ext uri="{FF2B5EF4-FFF2-40B4-BE49-F238E27FC236}">
+              <a16:creationId xmlns:a16="http://schemas.microsoft.com/office/drawing/2014/main" id="{307B1072-B436-DB00-E68A-7F6FE837858C}"/>
+            </a:ext>
+          </a:extLst>
+        </p:cNvPr>
+        <p:cNvGrpSpPr/>
+        <p:nvPr/>
+      </p:nvGrpSpPr>
+      <p:grpSpPr>
+        <a:xfrm>
+          <a:off x="0" y="0"/>
+          <a:ext cx="0" cy="0"/>
+          <a:chOff x="0" y="0"/>
+          <a:chExt cx="0" cy="0"/>
+        </a:xfrm>
+      </p:grpSpPr>
+      <p:sp>
+        <p:nvSpPr>
+          <p:cNvPr id="20" name="TextBox 19">
+            <a:extLst>
+              <a:ext uri="{FF2B5EF4-FFF2-40B4-BE49-F238E27FC236}">
+                <a16:creationId xmlns:a16="http://schemas.microsoft.com/office/drawing/2014/main" id="{96596BEB-A675-CE8E-B808-096667D7D477}"/>
+              </a:ext>
+            </a:extLst>
+          </p:cNvPr>
+          <p:cNvSpPr txBox="1"/>
+          <p:nvPr/>
+        </p:nvSpPr>
+        <p:spPr>
+          <a:xfrm>
+            <a:off x="348584" y="1678152"/>
+            <a:ext cx="6113173" cy="1036181"/>
+          </a:xfrm>
+          <a:prstGeom prst="rect">
+            <a:avLst/>
+          </a:prstGeom>
+          <a:noFill/>
+        </p:spPr>
+        <p:txBody>
+          <a:bodyPr wrap="square">
+            <a:spAutoFit/>
+          </a:bodyPr>
+          <a:lstStyle/>
+          <a:p>
+            <a:pPr>
+              <a:spcAft>
+                <a:spcPts val="800"/>
+              </a:spcAft>
+            </a:pPr>
+            <a:r>
+              <a:rPr lang="en-US" sz="1600" kern="100" dirty="0">
+                <a:effectLst/>
+                <a:latin typeface="Be Vietnam Pro" pitchFamily="2" charset="-93"/>
+                <a:ea typeface="DengXian" panose="02010600030101010101" pitchFamily="2" charset="-122"/>
+                <a:cs typeface="Times New Roman" panose="02020603050405020304" pitchFamily="18" charset="0"/>
+              </a:rPr>
+              <a:t>Defines the different genres for content classification.</a:t>
+            </a:r>
+          </a:p>
+          <a:p>
+            <a:pPr lvl="0">
+              <a:spcAft>
+                <a:spcPts val="800"/>
+              </a:spcAft>
+              <a:buSzPts val="1000"/>
+              <a:tabLst>
+                <a:tab pos="457200" algn="l"/>
+              </a:tabLst>
+            </a:pPr>
+            <a:r>
+              <a:rPr lang="en-US" sz="1600" b="1" kern="100" dirty="0" err="1">
+                <a:effectLst/>
+                <a:latin typeface="Be Vietnam Pro" pitchFamily="2" charset="-93"/>
+                <a:ea typeface="DengXian" panose="02010600030101010101" pitchFamily="2" charset="-122"/>
+                <a:cs typeface="Times New Roman" panose="02020603050405020304" pitchFamily="18" charset="0"/>
+              </a:rPr>
+              <a:t>genre_id</a:t>
+            </a:r>
+            <a:r>
+              <a:rPr lang="en-US" sz="1600" b="1" kern="100" dirty="0">
+                <a:effectLst/>
+                <a:latin typeface="Be Vietnam Pro" pitchFamily="2" charset="-93"/>
+                <a:ea typeface="DengXian" panose="02010600030101010101" pitchFamily="2" charset="-122"/>
+                <a:cs typeface="Times New Roman" panose="02020603050405020304" pitchFamily="18" charset="0"/>
+              </a:rPr>
+              <a:t>: </a:t>
+            </a:r>
+            <a:r>
+              <a:rPr lang="en-US" sz="1600" kern="100" dirty="0">
+                <a:effectLst/>
+                <a:latin typeface="Be Vietnam Pro" pitchFamily="2" charset="-93"/>
+                <a:ea typeface="DengXian" panose="02010600030101010101" pitchFamily="2" charset="-122"/>
+                <a:cs typeface="Times New Roman" panose="02020603050405020304" pitchFamily="18" charset="0"/>
+              </a:rPr>
+              <a:t>Unique identifier for each genre (Primary Key).</a:t>
+            </a:r>
+          </a:p>
+          <a:p>
+            <a:pPr lvl="0">
+              <a:spcAft>
+                <a:spcPts val="800"/>
+              </a:spcAft>
+              <a:buSzPts val="1000"/>
+              <a:tabLst>
+                <a:tab pos="457200" algn="l"/>
+              </a:tabLst>
+            </a:pPr>
+            <a:r>
+              <a:rPr lang="en-US" sz="1600" b="1" kern="100" dirty="0" err="1">
+                <a:effectLst/>
+                <a:latin typeface="Be Vietnam Pro" pitchFamily="2" charset="-93"/>
+                <a:ea typeface="DengXian" panose="02010600030101010101" pitchFamily="2" charset="-122"/>
+                <a:cs typeface="Times New Roman" panose="02020603050405020304" pitchFamily="18" charset="0"/>
+              </a:rPr>
+              <a:t>genre_name</a:t>
+            </a:r>
+            <a:r>
+              <a:rPr lang="en-US" sz="1600" b="1" kern="100" dirty="0">
+                <a:effectLst/>
+                <a:latin typeface="Be Vietnam Pro" pitchFamily="2" charset="-93"/>
+                <a:ea typeface="DengXian" panose="02010600030101010101" pitchFamily="2" charset="-122"/>
+                <a:cs typeface="Times New Roman" panose="02020603050405020304" pitchFamily="18" charset="0"/>
+              </a:rPr>
+              <a:t>: </a:t>
+            </a:r>
+            <a:r>
+              <a:rPr lang="en-US" sz="1600" kern="100" dirty="0">
+                <a:effectLst/>
+                <a:latin typeface="Be Vietnam Pro" pitchFamily="2" charset="-93"/>
+                <a:ea typeface="DengXian" panose="02010600030101010101" pitchFamily="2" charset="-122"/>
+                <a:cs typeface="Times New Roman" panose="02020603050405020304" pitchFamily="18" charset="0"/>
+              </a:rPr>
+              <a:t>Name of the genre (e.g., 'Action', 'Comedy').</a:t>
+            </a:r>
+          </a:p>
+        </p:txBody>
+      </p:sp>
+      <p:sp>
+        <p:nvSpPr>
+          <p:cNvPr id="21" name="TextBox 20">
+            <a:extLst>
+              <a:ext uri="{FF2B5EF4-FFF2-40B4-BE49-F238E27FC236}">
+                <a16:creationId xmlns:a16="http://schemas.microsoft.com/office/drawing/2014/main" id="{F323AB84-C1B6-F532-B86C-CFEBD1F74B61}"/>
+              </a:ext>
+            </a:extLst>
+          </p:cNvPr>
+          <p:cNvSpPr txBox="1"/>
+          <p:nvPr/>
+        </p:nvSpPr>
+        <p:spPr>
+          <a:xfrm>
+            <a:off x="348585" y="1010890"/>
+            <a:ext cx="3431892" cy="488275"/>
+          </a:xfrm>
+          <a:prstGeom prst="rect">
+            <a:avLst/>
+          </a:prstGeom>
+          <a:noFill/>
+        </p:spPr>
+        <p:txBody>
+          <a:bodyPr wrap="square">
+            <a:spAutoFit/>
+          </a:bodyPr>
+          <a:lstStyle/>
+          <a:p>
+            <a:pPr>
+              <a:lnSpc>
+                <a:spcPct val="115000"/>
+              </a:lnSpc>
+              <a:spcAft>
+                <a:spcPts val="800"/>
+              </a:spcAft>
+            </a:pPr>
+            <a:r>
+              <a:rPr lang="en-US" sz="2400" b="1" kern="100" dirty="0">
+                <a:effectLst/>
+                <a:latin typeface="Be Vietnam Pro" pitchFamily="2" charset="-93"/>
+                <a:ea typeface="DengXian" panose="02010600030101010101" pitchFamily="2" charset="-122"/>
+                <a:cs typeface="Times New Roman" panose="02020603050405020304" pitchFamily="18" charset="0"/>
+              </a:rPr>
+              <a:t>Genre</a:t>
+            </a:r>
+            <a:endParaRPr lang="en-US" sz="2400" kern="100" dirty="0">
+              <a:effectLst/>
+              <a:latin typeface="Be Vietnam Pro" pitchFamily="2" charset="-93"/>
+              <a:ea typeface="DengXian" panose="02010600030101010101" pitchFamily="2" charset="-122"/>
+              <a:cs typeface="Times New Roman" panose="02020603050405020304" pitchFamily="18" charset="0"/>
+            </a:endParaRPr>
+          </a:p>
+        </p:txBody>
+      </p:sp>
+      <p:cxnSp>
+        <p:nvCxnSpPr>
+          <p:cNvPr id="22" name="Straight Connector 21">
+            <a:extLst>
+              <a:ext uri="{FF2B5EF4-FFF2-40B4-BE49-F238E27FC236}">
+                <a16:creationId xmlns:a16="http://schemas.microsoft.com/office/drawing/2014/main" id="{C015C3AD-12C6-436E-13DA-2673822515E4}"/>
+              </a:ext>
+            </a:extLst>
+          </p:cNvPr>
+          <p:cNvCxnSpPr>
+            <a:cxnSpLocks/>
+          </p:cNvCxnSpPr>
+          <p:nvPr/>
+        </p:nvCxnSpPr>
+        <p:spPr>
+          <a:xfrm>
+            <a:off x="454307" y="1499165"/>
+            <a:ext cx="5853896" cy="0"/>
+          </a:xfrm>
+          <a:prstGeom prst="line">
+            <a:avLst/>
+          </a:prstGeom>
+          <a:ln>
+            <a:solidFill>
+              <a:srgbClr val="F05222"/>
+            </a:solidFill>
+          </a:ln>
+        </p:spPr>
+        <p:style>
+          <a:lnRef idx="2">
+            <a:schemeClr val="accent1"/>
+          </a:lnRef>
+          <a:fillRef idx="0">
+            <a:schemeClr val="accent1"/>
+          </a:fillRef>
+          <a:effectRef idx="1">
+            <a:schemeClr val="accent1"/>
+          </a:effectRef>
+          <a:fontRef idx="minor">
+            <a:schemeClr val="tx1"/>
+          </a:fontRef>
+        </p:style>
+      </p:cxnSp>
+      <p:sp>
+        <p:nvSpPr>
+          <p:cNvPr id="2" name="TextBox 1">
+            <a:extLst>
+              <a:ext uri="{FF2B5EF4-FFF2-40B4-BE49-F238E27FC236}">
+                <a16:creationId xmlns:a16="http://schemas.microsoft.com/office/drawing/2014/main" id="{A99F7E72-6ED2-5088-737F-B263F036E203}"/>
+              </a:ext>
+            </a:extLst>
+          </p:cNvPr>
+          <p:cNvSpPr txBox="1"/>
+          <p:nvPr/>
+        </p:nvSpPr>
+        <p:spPr>
+          <a:xfrm>
+            <a:off x="348584" y="3916819"/>
+            <a:ext cx="6113173" cy="1796646"/>
+          </a:xfrm>
+          <a:prstGeom prst="rect">
+            <a:avLst/>
+          </a:prstGeom>
+          <a:noFill/>
+        </p:spPr>
+        <p:txBody>
+          <a:bodyPr wrap="square">
+            <a:spAutoFit/>
+          </a:bodyPr>
+          <a:lstStyle/>
+          <a:p>
+            <a:pPr>
+              <a:lnSpc>
+                <a:spcPct val="115000"/>
+              </a:lnSpc>
+              <a:spcAft>
+                <a:spcPts val="800"/>
+              </a:spcAft>
+            </a:pPr>
+            <a:r>
+              <a:rPr lang="en-US" sz="1600" kern="100" dirty="0">
+                <a:effectLst/>
+                <a:latin typeface="Be Vietnam Pro" pitchFamily="2" charset="-93"/>
+                <a:ea typeface="DengXian" panose="02010600030101010101" pitchFamily="2" charset="-122"/>
+                <a:cs typeface="Times New Roman" panose="02020603050405020304" pitchFamily="18" charset="0"/>
+              </a:rPr>
+              <a:t>Stores information about actors or actresses in content.</a:t>
+            </a:r>
+          </a:p>
+          <a:p>
+            <a:pPr lvl="0">
+              <a:lnSpc>
+                <a:spcPct val="115000"/>
+              </a:lnSpc>
+              <a:spcAft>
+                <a:spcPts val="800"/>
+              </a:spcAft>
+              <a:buSzPts val="1000"/>
+              <a:tabLst>
+                <a:tab pos="457200" algn="l"/>
+              </a:tabLst>
+            </a:pPr>
+            <a:r>
+              <a:rPr lang="en-US" sz="1600" b="1" kern="100" dirty="0" err="1">
+                <a:effectLst/>
+                <a:latin typeface="Be Vietnam Pro" pitchFamily="2" charset="-93"/>
+                <a:ea typeface="DengXian" panose="02010600030101010101" pitchFamily="2" charset="-122"/>
+                <a:cs typeface="Times New Roman" panose="02020603050405020304" pitchFamily="18" charset="0"/>
+              </a:rPr>
+              <a:t>cast_id</a:t>
+            </a:r>
+            <a:r>
+              <a:rPr lang="en-US" sz="1600" b="1" kern="100" dirty="0">
+                <a:effectLst/>
+                <a:latin typeface="Be Vietnam Pro" pitchFamily="2" charset="-93"/>
+                <a:ea typeface="DengXian" panose="02010600030101010101" pitchFamily="2" charset="-122"/>
+                <a:cs typeface="Times New Roman" panose="02020603050405020304" pitchFamily="18" charset="0"/>
+              </a:rPr>
+              <a:t>: </a:t>
+            </a:r>
+            <a:r>
+              <a:rPr lang="en-US" sz="1600" kern="100" dirty="0">
+                <a:effectLst/>
+                <a:latin typeface="Be Vietnam Pro" pitchFamily="2" charset="-93"/>
+                <a:ea typeface="DengXian" panose="02010600030101010101" pitchFamily="2" charset="-122"/>
+                <a:cs typeface="Times New Roman" panose="02020603050405020304" pitchFamily="18" charset="0"/>
+              </a:rPr>
+              <a:t>Unique identifier for each cast member (Primary Key).</a:t>
+            </a:r>
+          </a:p>
+          <a:p>
+            <a:pPr lvl="0">
+              <a:lnSpc>
+                <a:spcPct val="115000"/>
+              </a:lnSpc>
+              <a:spcAft>
+                <a:spcPts val="800"/>
+              </a:spcAft>
+              <a:buSzPts val="1000"/>
+              <a:tabLst>
+                <a:tab pos="457200" algn="l"/>
+              </a:tabLst>
+            </a:pPr>
+            <a:r>
+              <a:rPr lang="en-US" sz="1600" b="1" kern="100" dirty="0" err="1">
+                <a:effectLst/>
+                <a:latin typeface="Be Vietnam Pro" pitchFamily="2" charset="-93"/>
+                <a:ea typeface="DengXian" panose="02010600030101010101" pitchFamily="2" charset="-122"/>
+                <a:cs typeface="Times New Roman" panose="02020603050405020304" pitchFamily="18" charset="0"/>
+              </a:rPr>
+              <a:t>first_name</a:t>
+            </a:r>
+            <a:r>
+              <a:rPr lang="en-US" sz="1600" b="1" kern="100" dirty="0">
+                <a:effectLst/>
+                <a:latin typeface="Be Vietnam Pro" pitchFamily="2" charset="-93"/>
+                <a:ea typeface="DengXian" panose="02010600030101010101" pitchFamily="2" charset="-122"/>
+                <a:cs typeface="Times New Roman" panose="02020603050405020304" pitchFamily="18" charset="0"/>
+              </a:rPr>
+              <a:t>: </a:t>
+            </a:r>
+            <a:r>
+              <a:rPr lang="en-US" sz="1600" kern="100" dirty="0">
+                <a:effectLst/>
+                <a:latin typeface="Be Vietnam Pro" pitchFamily="2" charset="-93"/>
+                <a:ea typeface="DengXian" panose="02010600030101010101" pitchFamily="2" charset="-122"/>
+                <a:cs typeface="Times New Roman" panose="02020603050405020304" pitchFamily="18" charset="0"/>
+              </a:rPr>
+              <a:t>First name of the cast member.</a:t>
+            </a:r>
+          </a:p>
+          <a:p>
+            <a:pPr lvl="0">
+              <a:lnSpc>
+                <a:spcPct val="115000"/>
+              </a:lnSpc>
+              <a:spcAft>
+                <a:spcPts val="800"/>
+              </a:spcAft>
+              <a:buSzPts val="1000"/>
+              <a:tabLst>
+                <a:tab pos="457200" algn="l"/>
+              </a:tabLst>
+            </a:pPr>
+            <a:r>
+              <a:rPr lang="en-US" sz="1600" b="1" kern="100" dirty="0" err="1">
+                <a:effectLst/>
+                <a:latin typeface="Be Vietnam Pro" pitchFamily="2" charset="-93"/>
+                <a:ea typeface="DengXian" panose="02010600030101010101" pitchFamily="2" charset="-122"/>
+                <a:cs typeface="Times New Roman" panose="02020603050405020304" pitchFamily="18" charset="0"/>
+              </a:rPr>
+              <a:t>last_name</a:t>
+            </a:r>
+            <a:r>
+              <a:rPr lang="en-US" sz="1600" b="1" kern="100" dirty="0">
+                <a:effectLst/>
+                <a:latin typeface="Be Vietnam Pro" pitchFamily="2" charset="-93"/>
+                <a:ea typeface="DengXian" panose="02010600030101010101" pitchFamily="2" charset="-122"/>
+                <a:cs typeface="Times New Roman" panose="02020603050405020304" pitchFamily="18" charset="0"/>
+              </a:rPr>
+              <a:t>: </a:t>
+            </a:r>
+            <a:r>
+              <a:rPr lang="en-US" sz="1600" kern="100" dirty="0">
+                <a:effectLst/>
+                <a:latin typeface="Be Vietnam Pro" pitchFamily="2" charset="-93"/>
+                <a:ea typeface="DengXian" panose="02010600030101010101" pitchFamily="2" charset="-122"/>
+                <a:cs typeface="Times New Roman" panose="02020603050405020304" pitchFamily="18" charset="0"/>
+              </a:rPr>
+              <a:t>Last name of the cast member.</a:t>
+            </a:r>
+          </a:p>
+        </p:txBody>
+      </p:sp>
+      <p:sp>
+        <p:nvSpPr>
+          <p:cNvPr id="4" name="TextBox 3">
+            <a:extLst>
+              <a:ext uri="{FF2B5EF4-FFF2-40B4-BE49-F238E27FC236}">
+                <a16:creationId xmlns:a16="http://schemas.microsoft.com/office/drawing/2014/main" id="{19D10C0D-69C6-C14A-5692-7761EA86A3A0}"/>
+              </a:ext>
+            </a:extLst>
+          </p:cNvPr>
+          <p:cNvSpPr txBox="1"/>
+          <p:nvPr/>
+        </p:nvSpPr>
+        <p:spPr>
+          <a:xfrm>
+            <a:off x="348585" y="3249557"/>
+            <a:ext cx="3431892" cy="488275"/>
+          </a:xfrm>
+          <a:prstGeom prst="rect">
+            <a:avLst/>
+          </a:prstGeom>
+          <a:noFill/>
+        </p:spPr>
+        <p:txBody>
+          <a:bodyPr wrap="square">
+            <a:spAutoFit/>
+          </a:bodyPr>
+          <a:lstStyle/>
+          <a:p>
+            <a:pPr>
+              <a:lnSpc>
+                <a:spcPct val="115000"/>
+              </a:lnSpc>
+              <a:spcAft>
+                <a:spcPts val="800"/>
+              </a:spcAft>
+            </a:pPr>
+            <a:r>
+              <a:rPr lang="en-US" sz="2400" b="1" kern="100" dirty="0">
+                <a:effectLst/>
+                <a:latin typeface="Be Vietnam Pro" pitchFamily="2" charset="-93"/>
+                <a:ea typeface="DengXian" panose="02010600030101010101" pitchFamily="2" charset="-122"/>
+                <a:cs typeface="Times New Roman" panose="02020603050405020304" pitchFamily="18" charset="0"/>
+              </a:rPr>
+              <a:t>Casts</a:t>
+            </a:r>
+            <a:endParaRPr lang="en-US" sz="2400" kern="100" dirty="0">
+              <a:effectLst/>
+              <a:latin typeface="Be Vietnam Pro" pitchFamily="2" charset="-93"/>
+              <a:ea typeface="DengXian" panose="02010600030101010101" pitchFamily="2" charset="-122"/>
+              <a:cs typeface="Times New Roman" panose="02020603050405020304" pitchFamily="18" charset="0"/>
+            </a:endParaRPr>
+          </a:p>
+        </p:txBody>
+      </p:sp>
+      <p:cxnSp>
+        <p:nvCxnSpPr>
+          <p:cNvPr id="5" name="Straight Connector 4">
+            <a:extLst>
+              <a:ext uri="{FF2B5EF4-FFF2-40B4-BE49-F238E27FC236}">
+                <a16:creationId xmlns:a16="http://schemas.microsoft.com/office/drawing/2014/main" id="{78CFF6CD-7613-22F5-46F9-147598297C3D}"/>
+              </a:ext>
+            </a:extLst>
+          </p:cNvPr>
+          <p:cNvCxnSpPr>
+            <a:cxnSpLocks/>
+          </p:cNvCxnSpPr>
+          <p:nvPr/>
+        </p:nvCxnSpPr>
+        <p:spPr>
+          <a:xfrm>
+            <a:off x="454307" y="3737832"/>
+            <a:ext cx="5853896" cy="0"/>
+          </a:xfrm>
+          <a:prstGeom prst="line">
+            <a:avLst/>
+          </a:prstGeom>
+          <a:ln>
+            <a:solidFill>
+              <a:srgbClr val="F05222"/>
+            </a:solidFill>
+          </a:ln>
+        </p:spPr>
+        <p:style>
+          <a:lnRef idx="2">
+            <a:schemeClr val="accent1"/>
+          </a:lnRef>
+          <a:fillRef idx="0">
+            <a:schemeClr val="accent1"/>
+          </a:fillRef>
+          <a:effectRef idx="1">
+            <a:schemeClr val="accent1"/>
+          </a:effectRef>
+          <a:fontRef idx="minor">
+            <a:schemeClr val="tx1"/>
+          </a:fontRef>
+        </p:style>
+      </p:cxnSp>
+      <p:sp>
+        <p:nvSpPr>
+          <p:cNvPr id="6" name="TextBox 5">
+            <a:extLst>
+              <a:ext uri="{FF2B5EF4-FFF2-40B4-BE49-F238E27FC236}">
+                <a16:creationId xmlns:a16="http://schemas.microsoft.com/office/drawing/2014/main" id="{D574A6AA-2126-0423-03B3-F024BEB760C2}"/>
+              </a:ext>
+            </a:extLst>
+          </p:cNvPr>
+          <p:cNvSpPr txBox="1"/>
+          <p:nvPr/>
+        </p:nvSpPr>
+        <p:spPr>
+          <a:xfrm>
+            <a:off x="348584" y="6915951"/>
+            <a:ext cx="6113173" cy="2226250"/>
+          </a:xfrm>
+          <a:prstGeom prst="rect">
+            <a:avLst/>
+          </a:prstGeom>
+          <a:noFill/>
+        </p:spPr>
+        <p:txBody>
+          <a:bodyPr wrap="square">
+            <a:spAutoFit/>
+          </a:bodyPr>
+          <a:lstStyle/>
+          <a:p>
+            <a:pPr>
+              <a:spcAft>
+                <a:spcPts val="800"/>
+              </a:spcAft>
+            </a:pPr>
+            <a:r>
+              <a:rPr lang="en-US" sz="1600" kern="100" dirty="0">
+                <a:effectLst/>
+                <a:latin typeface="Be Vietnam Pro" pitchFamily="2" charset="-93"/>
+                <a:ea typeface="DengXian" panose="02010600030101010101" pitchFamily="2" charset="-122"/>
+                <a:cs typeface="Times New Roman" panose="02020603050405020304" pitchFamily="18" charset="0"/>
+              </a:rPr>
+              <a:t>Records user ratings for content.</a:t>
+            </a:r>
+          </a:p>
+          <a:p>
+            <a:pPr lvl="0">
+              <a:spcAft>
+                <a:spcPts val="800"/>
+              </a:spcAft>
+              <a:buSzPts val="1000"/>
+              <a:tabLst>
+                <a:tab pos="457200" algn="l"/>
+              </a:tabLst>
+            </a:pPr>
+            <a:r>
+              <a:rPr lang="en-US" sz="1600" b="1" kern="100" dirty="0" err="1">
+                <a:effectLst/>
+                <a:latin typeface="Be Vietnam Pro" pitchFamily="2" charset="-93"/>
+                <a:ea typeface="DengXian" panose="02010600030101010101" pitchFamily="2" charset="-122"/>
+                <a:cs typeface="Times New Roman" panose="02020603050405020304" pitchFamily="18" charset="0"/>
+              </a:rPr>
+              <a:t>content_id</a:t>
+            </a:r>
+            <a:r>
+              <a:rPr lang="en-US" sz="1600" b="1" kern="100" dirty="0">
+                <a:effectLst/>
+                <a:latin typeface="Be Vietnam Pro" pitchFamily="2" charset="-93"/>
+                <a:ea typeface="DengXian" panose="02010600030101010101" pitchFamily="2" charset="-122"/>
+                <a:cs typeface="Times New Roman" panose="02020603050405020304" pitchFamily="18" charset="0"/>
+              </a:rPr>
+              <a:t>: </a:t>
+            </a:r>
+            <a:r>
+              <a:rPr lang="en-US" sz="1600" kern="100" dirty="0">
+                <a:effectLst/>
+                <a:latin typeface="Be Vietnam Pro" pitchFamily="2" charset="-93"/>
+                <a:ea typeface="DengXian" panose="02010600030101010101" pitchFamily="2" charset="-122"/>
+                <a:cs typeface="Times New Roman" panose="02020603050405020304" pitchFamily="18" charset="0"/>
+              </a:rPr>
+              <a:t>Identifier of the content (Foreign Key referencing </a:t>
+            </a:r>
+            <a:r>
+              <a:rPr lang="en-US" sz="1600" kern="100" dirty="0" err="1">
+                <a:effectLst/>
+                <a:latin typeface="Be Vietnam Pro" pitchFamily="2" charset="-93"/>
+                <a:ea typeface="DengXian" panose="02010600030101010101" pitchFamily="2" charset="-122"/>
+                <a:cs typeface="Times New Roman" panose="02020603050405020304" pitchFamily="18" charset="0"/>
+              </a:rPr>
+              <a:t>Content.content_id</a:t>
+            </a:r>
+            <a:r>
+              <a:rPr lang="en-US" sz="1600" kern="100" dirty="0">
+                <a:effectLst/>
+                <a:latin typeface="Be Vietnam Pro" pitchFamily="2" charset="-93"/>
+                <a:ea typeface="DengXian" panose="02010600030101010101" pitchFamily="2" charset="-122"/>
+                <a:cs typeface="Times New Roman" panose="02020603050405020304" pitchFamily="18" charset="0"/>
+              </a:rPr>
+              <a:t>).</a:t>
+            </a:r>
+          </a:p>
+          <a:p>
+            <a:pPr lvl="0">
+              <a:spcAft>
+                <a:spcPts val="800"/>
+              </a:spcAft>
+              <a:buSzPts val="1000"/>
+              <a:tabLst>
+                <a:tab pos="457200" algn="l"/>
+              </a:tabLst>
+            </a:pPr>
+            <a:r>
+              <a:rPr lang="en-US" sz="1600" b="1" kern="100" dirty="0" err="1">
+                <a:effectLst/>
+                <a:latin typeface="Be Vietnam Pro" pitchFamily="2" charset="-93"/>
+                <a:ea typeface="DengXian" panose="02010600030101010101" pitchFamily="2" charset="-122"/>
+                <a:cs typeface="Times New Roman" panose="02020603050405020304" pitchFamily="18" charset="0"/>
+              </a:rPr>
+              <a:t>user_id</a:t>
+            </a:r>
+            <a:r>
+              <a:rPr lang="en-US" sz="1600" b="1" kern="100" dirty="0">
+                <a:effectLst/>
+                <a:latin typeface="Be Vietnam Pro" pitchFamily="2" charset="-93"/>
+                <a:ea typeface="DengXian" panose="02010600030101010101" pitchFamily="2" charset="-122"/>
+                <a:cs typeface="Times New Roman" panose="02020603050405020304" pitchFamily="18" charset="0"/>
+              </a:rPr>
+              <a:t>: </a:t>
+            </a:r>
+            <a:r>
+              <a:rPr lang="en-US" sz="1600" kern="100" dirty="0">
+                <a:effectLst/>
+                <a:latin typeface="Be Vietnam Pro" pitchFamily="2" charset="-93"/>
+                <a:ea typeface="DengXian" panose="02010600030101010101" pitchFamily="2" charset="-122"/>
+                <a:cs typeface="Times New Roman" panose="02020603050405020304" pitchFamily="18" charset="0"/>
+              </a:rPr>
+              <a:t>Identifier of the user (Foreign Key referencing </a:t>
+            </a:r>
+            <a:r>
+              <a:rPr lang="en-US" sz="1600" kern="100" dirty="0" err="1">
+                <a:effectLst/>
+                <a:latin typeface="Be Vietnam Pro" pitchFamily="2" charset="-93"/>
+                <a:ea typeface="DengXian" panose="02010600030101010101" pitchFamily="2" charset="-122"/>
+                <a:cs typeface="Times New Roman" panose="02020603050405020304" pitchFamily="18" charset="0"/>
+              </a:rPr>
+              <a:t>Users.user_id</a:t>
+            </a:r>
+            <a:r>
+              <a:rPr lang="en-US" sz="1600" kern="100" dirty="0">
+                <a:effectLst/>
+                <a:latin typeface="Be Vietnam Pro" pitchFamily="2" charset="-93"/>
+                <a:ea typeface="DengXian" panose="02010600030101010101" pitchFamily="2" charset="-122"/>
+                <a:cs typeface="Times New Roman" panose="02020603050405020304" pitchFamily="18" charset="0"/>
+              </a:rPr>
+              <a:t>).</a:t>
+            </a:r>
+          </a:p>
+          <a:p>
+            <a:pPr lvl="0">
+              <a:spcAft>
+                <a:spcPts val="800"/>
+              </a:spcAft>
+              <a:buSzPts val="1000"/>
+              <a:tabLst>
+                <a:tab pos="457200" algn="l"/>
+              </a:tabLst>
+            </a:pPr>
+            <a:r>
+              <a:rPr lang="en-US" sz="1600" b="1" kern="100" dirty="0">
+                <a:effectLst/>
+                <a:latin typeface="Be Vietnam Pro" pitchFamily="2" charset="-93"/>
+                <a:ea typeface="DengXian" panose="02010600030101010101" pitchFamily="2" charset="-122"/>
+                <a:cs typeface="Times New Roman" panose="02020603050405020304" pitchFamily="18" charset="0"/>
+              </a:rPr>
+              <a:t>time: </a:t>
+            </a:r>
+            <a:r>
+              <a:rPr lang="en-US" sz="1600" kern="100" dirty="0">
+                <a:effectLst/>
+                <a:latin typeface="Be Vietnam Pro" pitchFamily="2" charset="-93"/>
+                <a:ea typeface="DengXian" panose="02010600030101010101" pitchFamily="2" charset="-122"/>
+                <a:cs typeface="Times New Roman" panose="02020603050405020304" pitchFamily="18" charset="0"/>
+              </a:rPr>
+              <a:t>Timestamp when the rating was given.</a:t>
+            </a:r>
+          </a:p>
+          <a:p>
+            <a:pPr lvl="0">
+              <a:spcAft>
+                <a:spcPts val="800"/>
+              </a:spcAft>
+              <a:buSzPts val="1000"/>
+              <a:tabLst>
+                <a:tab pos="457200" algn="l"/>
+              </a:tabLst>
+            </a:pPr>
+            <a:r>
+              <a:rPr lang="en-US" sz="1600" b="1" kern="100" dirty="0">
+                <a:effectLst/>
+                <a:latin typeface="Be Vietnam Pro" pitchFamily="2" charset="-93"/>
+                <a:ea typeface="DengXian" panose="02010600030101010101" pitchFamily="2" charset="-122"/>
+                <a:cs typeface="Times New Roman" panose="02020603050405020304" pitchFamily="18" charset="0"/>
+              </a:rPr>
+              <a:t>rating: </a:t>
+            </a:r>
+            <a:r>
+              <a:rPr lang="en-US" sz="1600" kern="100" dirty="0">
+                <a:effectLst/>
+                <a:latin typeface="Be Vietnam Pro" pitchFamily="2" charset="-93"/>
+                <a:ea typeface="DengXian" panose="02010600030101010101" pitchFamily="2" charset="-122"/>
+                <a:cs typeface="Times New Roman" panose="02020603050405020304" pitchFamily="18" charset="0"/>
+              </a:rPr>
+              <a:t>User's rating for the content (1 to 5).</a:t>
+            </a:r>
+          </a:p>
+        </p:txBody>
+      </p:sp>
+      <p:sp>
+        <p:nvSpPr>
+          <p:cNvPr id="7" name="TextBox 6">
+            <a:extLst>
+              <a:ext uri="{FF2B5EF4-FFF2-40B4-BE49-F238E27FC236}">
+                <a16:creationId xmlns:a16="http://schemas.microsoft.com/office/drawing/2014/main" id="{14187E2D-3B5E-A717-C639-B0E3878163B5}"/>
+              </a:ext>
+            </a:extLst>
+          </p:cNvPr>
+          <p:cNvSpPr txBox="1"/>
+          <p:nvPr/>
+        </p:nvSpPr>
+        <p:spPr>
+          <a:xfrm>
+            <a:off x="348585" y="6248689"/>
+            <a:ext cx="3431892" cy="488275"/>
+          </a:xfrm>
+          <a:prstGeom prst="rect">
+            <a:avLst/>
+          </a:prstGeom>
+          <a:noFill/>
+        </p:spPr>
+        <p:txBody>
+          <a:bodyPr wrap="square">
+            <a:spAutoFit/>
+          </a:bodyPr>
+          <a:lstStyle/>
+          <a:p>
+            <a:pPr>
+              <a:lnSpc>
+                <a:spcPct val="115000"/>
+              </a:lnSpc>
+              <a:spcAft>
+                <a:spcPts val="800"/>
+              </a:spcAft>
+            </a:pPr>
+            <a:r>
+              <a:rPr lang="en-US" sz="2400" b="1" kern="100" dirty="0">
+                <a:effectLst/>
+                <a:latin typeface="Be Vietnam Pro" pitchFamily="2" charset="-93"/>
+                <a:ea typeface="DengXian" panose="02010600030101010101" pitchFamily="2" charset="-122"/>
+                <a:cs typeface="Times New Roman" panose="02020603050405020304" pitchFamily="18" charset="0"/>
+              </a:rPr>
+              <a:t>Rate</a:t>
+            </a:r>
+            <a:endParaRPr lang="en-US" sz="2400" kern="100" dirty="0">
+              <a:effectLst/>
+              <a:latin typeface="Be Vietnam Pro" pitchFamily="2" charset="-93"/>
+              <a:ea typeface="DengXian" panose="02010600030101010101" pitchFamily="2" charset="-122"/>
+              <a:cs typeface="Times New Roman" panose="02020603050405020304" pitchFamily="18" charset="0"/>
+            </a:endParaRPr>
+          </a:p>
+        </p:txBody>
+      </p:sp>
+      <p:cxnSp>
+        <p:nvCxnSpPr>
+          <p:cNvPr id="8" name="Straight Connector 7">
+            <a:extLst>
+              <a:ext uri="{FF2B5EF4-FFF2-40B4-BE49-F238E27FC236}">
+                <a16:creationId xmlns:a16="http://schemas.microsoft.com/office/drawing/2014/main" id="{360A2C49-62DA-60D2-AE66-E509E9ACDB69}"/>
+              </a:ext>
+            </a:extLst>
+          </p:cNvPr>
+          <p:cNvCxnSpPr>
+            <a:cxnSpLocks/>
+          </p:cNvCxnSpPr>
+          <p:nvPr/>
+        </p:nvCxnSpPr>
+        <p:spPr>
+          <a:xfrm>
+            <a:off x="454307" y="6736964"/>
+            <a:ext cx="5853896" cy="0"/>
+          </a:xfrm>
+          <a:prstGeom prst="line">
+            <a:avLst/>
+          </a:prstGeom>
+          <a:ln>
+            <a:solidFill>
+              <a:srgbClr val="F05222"/>
+            </a:solidFill>
+          </a:ln>
+        </p:spPr>
+        <p:style>
+          <a:lnRef idx="2">
+            <a:schemeClr val="accent1"/>
+          </a:lnRef>
+          <a:fillRef idx="0">
+            <a:schemeClr val="accent1"/>
+          </a:fillRef>
+          <a:effectRef idx="1">
+            <a:schemeClr val="accent1"/>
+          </a:effectRef>
+          <a:fontRef idx="minor">
+            <a:schemeClr val="tx1"/>
+          </a:fontRef>
+        </p:style>
+      </p:cxnSp>
+    </p:spTree>
+    <p:extLst>
+      <p:ext uri="{BB962C8B-B14F-4D97-AF65-F5344CB8AC3E}">
+        <p14:creationId xmlns:p14="http://schemas.microsoft.com/office/powerpoint/2010/main" val="561161309"/>
+      </p:ext>
+    </p:extLst>
+  </p:cSld>
+  <p:clrMapOvr>
+    <a:masterClrMapping/>
+  </p:clrMapOvr>
+</p:sld>
+</file>
+
+<file path=ppt/slides/slide12.xml><?xml version="1.0" encoding="utf-8"?>
+<p:sld xmlns:a="http://schemas.openxmlformats.org/drawingml/2006/main" xmlns:r="http://schemas.openxmlformats.org/officeDocument/2006/relationships" xmlns:p="http://schemas.openxmlformats.org/presentationml/2006/main">
+  <p:cSld>
+    <p:bg>
+      <p:bgPr>
+        <a:solidFill>
+          <a:schemeClr val="bg1"/>
+        </a:solidFill>
+        <a:effectLst/>
+      </p:bgPr>
+    </p:bg>
+    <p:spTree>
+      <p:nvGrpSpPr>
+        <p:cNvPr id="1" name="">
+          <a:extLst>
+            <a:ext uri="{FF2B5EF4-FFF2-40B4-BE49-F238E27FC236}">
+              <a16:creationId xmlns:a16="http://schemas.microsoft.com/office/drawing/2014/main" id="{3387FF49-7459-AD43-3919-37D749598ACD}"/>
+            </a:ext>
+          </a:extLst>
+        </p:cNvPr>
+        <p:cNvGrpSpPr/>
+        <p:nvPr/>
+      </p:nvGrpSpPr>
+      <p:grpSpPr>
+        <a:xfrm>
+          <a:off x="0" y="0"/>
+          <a:ext cx="0" cy="0"/>
+          <a:chOff x="0" y="0"/>
+          <a:chExt cx="0" cy="0"/>
+        </a:xfrm>
+      </p:grpSpPr>
+      <p:sp>
+        <p:nvSpPr>
+          <p:cNvPr id="4" name="TextBox 3">
+            <a:extLst>
+              <a:ext uri="{FF2B5EF4-FFF2-40B4-BE49-F238E27FC236}">
+                <a16:creationId xmlns:a16="http://schemas.microsoft.com/office/drawing/2014/main" id="{6C82AF61-F77E-6BEA-8E62-9A46435101BB}"/>
+              </a:ext>
+            </a:extLst>
+          </p:cNvPr>
+          <p:cNvSpPr txBox="1"/>
+          <p:nvPr/>
+        </p:nvSpPr>
+        <p:spPr>
+          <a:xfrm>
+            <a:off x="372413" y="1680309"/>
+            <a:ext cx="6113173" cy="2575064"/>
+          </a:xfrm>
+          <a:prstGeom prst="rect">
+            <a:avLst/>
+          </a:prstGeom>
+          <a:noFill/>
+        </p:spPr>
+        <p:txBody>
+          <a:bodyPr wrap="square">
+            <a:spAutoFit/>
+          </a:bodyPr>
+          <a:lstStyle/>
+          <a:p>
+            <a:pPr>
+              <a:spcAft>
+                <a:spcPts val="800"/>
+              </a:spcAft>
+            </a:pPr>
+            <a:r>
+              <a:rPr lang="en-US" sz="1600" kern="100" dirty="0">
+                <a:effectLst/>
+                <a:latin typeface="Be Vietnam Pro" pitchFamily="2" charset="-93"/>
+                <a:ea typeface="DengXian" panose="02010600030101010101" pitchFamily="2" charset="-122"/>
+                <a:cs typeface="Times New Roman" panose="02020603050405020304" pitchFamily="18" charset="0"/>
+              </a:rPr>
+              <a:t>Details the subscription plans offered by the platform.</a:t>
+            </a:r>
+          </a:p>
+          <a:p>
+            <a:pPr lvl="0">
+              <a:spcAft>
+                <a:spcPts val="800"/>
+              </a:spcAft>
+              <a:buSzPts val="1000"/>
+              <a:tabLst>
+                <a:tab pos="457200" algn="l"/>
+              </a:tabLst>
+            </a:pPr>
+            <a:r>
+              <a:rPr lang="en-US" sz="1600" b="1" kern="100" dirty="0" err="1">
+                <a:effectLst/>
+                <a:latin typeface="Be Vietnam Pro" pitchFamily="2" charset="-93"/>
+                <a:ea typeface="DengXian" panose="02010600030101010101" pitchFamily="2" charset="-122"/>
+                <a:cs typeface="Times New Roman" panose="02020603050405020304" pitchFamily="18" charset="0"/>
+              </a:rPr>
+              <a:t>pack_id</a:t>
+            </a:r>
+            <a:r>
+              <a:rPr lang="en-US" sz="1600" b="1" kern="100" dirty="0">
+                <a:effectLst/>
+                <a:latin typeface="Be Vietnam Pro" pitchFamily="2" charset="-93"/>
+                <a:ea typeface="DengXian" panose="02010600030101010101" pitchFamily="2" charset="-122"/>
+                <a:cs typeface="Times New Roman" panose="02020603050405020304" pitchFamily="18" charset="0"/>
+              </a:rPr>
+              <a:t>: </a:t>
+            </a:r>
+            <a:r>
+              <a:rPr lang="en-US" sz="1600" kern="100" dirty="0">
+                <a:effectLst/>
+                <a:latin typeface="Be Vietnam Pro" pitchFamily="2" charset="-93"/>
+                <a:ea typeface="DengXian" panose="02010600030101010101" pitchFamily="2" charset="-122"/>
+                <a:cs typeface="Times New Roman" panose="02020603050405020304" pitchFamily="18" charset="0"/>
+              </a:rPr>
+              <a:t>Unique identifier for each subscription plan (Primary Key).</a:t>
+            </a:r>
+          </a:p>
+          <a:p>
+            <a:pPr lvl="0">
+              <a:spcAft>
+                <a:spcPts val="800"/>
+              </a:spcAft>
+              <a:buSzPts val="1000"/>
+              <a:tabLst>
+                <a:tab pos="457200" algn="l"/>
+              </a:tabLst>
+            </a:pPr>
+            <a:r>
+              <a:rPr lang="en-US" sz="1600" b="1" kern="100" dirty="0" err="1">
+                <a:effectLst/>
+                <a:latin typeface="Be Vietnam Pro" pitchFamily="2" charset="-93"/>
+                <a:ea typeface="DengXian" panose="02010600030101010101" pitchFamily="2" charset="-122"/>
+                <a:cs typeface="Times New Roman" panose="02020603050405020304" pitchFamily="18" charset="0"/>
+              </a:rPr>
+              <a:t>pack_name</a:t>
+            </a:r>
+            <a:r>
+              <a:rPr lang="en-US" sz="1600" b="1" kern="100" dirty="0">
+                <a:effectLst/>
+                <a:latin typeface="Be Vietnam Pro" pitchFamily="2" charset="-93"/>
+                <a:ea typeface="DengXian" panose="02010600030101010101" pitchFamily="2" charset="-122"/>
+                <a:cs typeface="Times New Roman" panose="02020603050405020304" pitchFamily="18" charset="0"/>
+              </a:rPr>
+              <a:t>: </a:t>
+            </a:r>
+            <a:r>
+              <a:rPr lang="en-US" sz="1600" kern="100" dirty="0">
+                <a:effectLst/>
+                <a:latin typeface="Be Vietnam Pro" pitchFamily="2" charset="-93"/>
+                <a:ea typeface="DengXian" panose="02010600030101010101" pitchFamily="2" charset="-122"/>
+                <a:cs typeface="Times New Roman" panose="02020603050405020304" pitchFamily="18" charset="0"/>
+              </a:rPr>
+              <a:t>Name of the subscription plan.</a:t>
+            </a:r>
+          </a:p>
+          <a:p>
+            <a:pPr lvl="0">
+              <a:spcAft>
+                <a:spcPts val="800"/>
+              </a:spcAft>
+              <a:buSzPts val="1000"/>
+              <a:tabLst>
+                <a:tab pos="457200" algn="l"/>
+              </a:tabLst>
+            </a:pPr>
+            <a:r>
+              <a:rPr lang="en-US" sz="1600" b="1" kern="100" dirty="0">
+                <a:effectLst/>
+                <a:latin typeface="Be Vietnam Pro" pitchFamily="2" charset="-93"/>
+                <a:ea typeface="DengXian" panose="02010600030101010101" pitchFamily="2" charset="-122"/>
+                <a:cs typeface="Times New Roman" panose="02020603050405020304" pitchFamily="18" charset="0"/>
+              </a:rPr>
+              <a:t>price: </a:t>
+            </a:r>
+            <a:r>
+              <a:rPr lang="en-US" sz="1600" kern="100" dirty="0">
+                <a:effectLst/>
+                <a:latin typeface="Be Vietnam Pro" pitchFamily="2" charset="-93"/>
+                <a:ea typeface="DengXian" panose="02010600030101010101" pitchFamily="2" charset="-122"/>
+                <a:cs typeface="Times New Roman" panose="02020603050405020304" pitchFamily="18" charset="0"/>
+              </a:rPr>
+              <a:t>Cost of the subscription plan.</a:t>
+            </a:r>
+          </a:p>
+          <a:p>
+            <a:pPr lvl="0">
+              <a:spcAft>
+                <a:spcPts val="800"/>
+              </a:spcAft>
+              <a:buSzPts val="1000"/>
+              <a:tabLst>
+                <a:tab pos="457200" algn="l"/>
+              </a:tabLst>
+            </a:pPr>
+            <a:r>
+              <a:rPr lang="en-US" sz="1600" b="1" kern="100" dirty="0">
+                <a:effectLst/>
+                <a:latin typeface="Be Vietnam Pro" pitchFamily="2" charset="-93"/>
+                <a:ea typeface="DengXian" panose="02010600030101010101" pitchFamily="2" charset="-122"/>
+                <a:cs typeface="Times New Roman" panose="02020603050405020304" pitchFamily="18" charset="0"/>
+              </a:rPr>
+              <a:t>duration: </a:t>
+            </a:r>
+            <a:r>
+              <a:rPr lang="en-US" sz="1600" kern="100" dirty="0">
+                <a:effectLst/>
+                <a:latin typeface="Be Vietnam Pro" pitchFamily="2" charset="-93"/>
+                <a:ea typeface="DengXian" panose="02010600030101010101" pitchFamily="2" charset="-122"/>
+                <a:cs typeface="Times New Roman" panose="02020603050405020304" pitchFamily="18" charset="0"/>
+              </a:rPr>
+              <a:t>Duration of the subscription ('6', '12', or 'infinity').</a:t>
+            </a:r>
+          </a:p>
+          <a:p>
+            <a:pPr lvl="0">
+              <a:spcAft>
+                <a:spcPts val="800"/>
+              </a:spcAft>
+              <a:buSzPts val="1000"/>
+              <a:tabLst>
+                <a:tab pos="457200" algn="l"/>
+              </a:tabLst>
+            </a:pPr>
+            <a:r>
+              <a:rPr lang="en-US" sz="1600" b="1" kern="100" dirty="0" err="1">
+                <a:effectLst/>
+                <a:latin typeface="Be Vietnam Pro" pitchFamily="2" charset="-93"/>
+                <a:ea typeface="DengXian" panose="02010600030101010101" pitchFamily="2" charset="-122"/>
+                <a:cs typeface="Times New Roman" panose="02020603050405020304" pitchFamily="18" charset="0"/>
+              </a:rPr>
+              <a:t>access_level</a:t>
+            </a:r>
+            <a:r>
+              <a:rPr lang="en-US" sz="1600" b="1" kern="100" dirty="0">
+                <a:effectLst/>
+                <a:latin typeface="Be Vietnam Pro" pitchFamily="2" charset="-93"/>
+                <a:ea typeface="DengXian" panose="02010600030101010101" pitchFamily="2" charset="-122"/>
+                <a:cs typeface="Times New Roman" panose="02020603050405020304" pitchFamily="18" charset="0"/>
+              </a:rPr>
+              <a:t>: </a:t>
+            </a:r>
+            <a:r>
+              <a:rPr lang="en-US" sz="1600" kern="100" dirty="0">
+                <a:effectLst/>
+                <a:latin typeface="Be Vietnam Pro" pitchFamily="2" charset="-93"/>
+                <a:ea typeface="DengXian" panose="02010600030101010101" pitchFamily="2" charset="-122"/>
+                <a:cs typeface="Times New Roman" panose="02020603050405020304" pitchFamily="18" charset="0"/>
+              </a:rPr>
+              <a:t>Access level provided by the subscription plan (1 to 3).</a:t>
+            </a:r>
+          </a:p>
+        </p:txBody>
+      </p:sp>
+      <p:sp>
+        <p:nvSpPr>
+          <p:cNvPr id="7" name="TextBox 6">
+            <a:extLst>
+              <a:ext uri="{FF2B5EF4-FFF2-40B4-BE49-F238E27FC236}">
+                <a16:creationId xmlns:a16="http://schemas.microsoft.com/office/drawing/2014/main" id="{1A8721BA-801C-A416-05C3-236DB9D27044}"/>
+              </a:ext>
+            </a:extLst>
+          </p:cNvPr>
+          <p:cNvSpPr txBox="1"/>
+          <p:nvPr/>
+        </p:nvSpPr>
+        <p:spPr>
+          <a:xfrm>
+            <a:off x="372414" y="1013048"/>
+            <a:ext cx="3431892" cy="488275"/>
+          </a:xfrm>
+          <a:prstGeom prst="rect">
+            <a:avLst/>
+          </a:prstGeom>
+          <a:noFill/>
+        </p:spPr>
+        <p:txBody>
+          <a:bodyPr wrap="square">
+            <a:spAutoFit/>
+          </a:bodyPr>
+          <a:lstStyle/>
+          <a:p>
+            <a:pPr>
+              <a:lnSpc>
+                <a:spcPct val="115000"/>
+              </a:lnSpc>
+              <a:spcAft>
+                <a:spcPts val="800"/>
+              </a:spcAft>
+            </a:pPr>
+            <a:r>
+              <a:rPr lang="en-US" sz="2400" b="1" kern="100" dirty="0" err="1">
+                <a:effectLst/>
+                <a:latin typeface="Be Vietnam Pro" pitchFamily="2" charset="-93"/>
+                <a:ea typeface="DengXian" panose="02010600030101010101" pitchFamily="2" charset="-122"/>
+                <a:cs typeface="Times New Roman" panose="02020603050405020304" pitchFamily="18" charset="0"/>
+              </a:rPr>
+              <a:t>Subscription_pack</a:t>
+            </a:r>
+            <a:endParaRPr lang="en-US" sz="2400" kern="100" dirty="0">
+              <a:effectLst/>
+              <a:latin typeface="Be Vietnam Pro" pitchFamily="2" charset="-93"/>
+              <a:ea typeface="DengXian" panose="02010600030101010101" pitchFamily="2" charset="-122"/>
+              <a:cs typeface="Times New Roman" panose="02020603050405020304" pitchFamily="18" charset="0"/>
+            </a:endParaRPr>
+          </a:p>
+        </p:txBody>
+      </p:sp>
+      <p:cxnSp>
+        <p:nvCxnSpPr>
+          <p:cNvPr id="9" name="Straight Connector 8">
+            <a:extLst>
+              <a:ext uri="{FF2B5EF4-FFF2-40B4-BE49-F238E27FC236}">
+                <a16:creationId xmlns:a16="http://schemas.microsoft.com/office/drawing/2014/main" id="{16AFCC49-294D-1DF2-BB89-B2FAA118278B}"/>
+              </a:ext>
+            </a:extLst>
+          </p:cNvPr>
+          <p:cNvCxnSpPr>
+            <a:cxnSpLocks/>
+          </p:cNvCxnSpPr>
+          <p:nvPr/>
+        </p:nvCxnSpPr>
+        <p:spPr>
+          <a:xfrm>
+            <a:off x="478136" y="1501323"/>
+            <a:ext cx="5853896" cy="0"/>
+          </a:xfrm>
+          <a:prstGeom prst="line">
+            <a:avLst/>
+          </a:prstGeom>
+          <a:ln>
+            <a:solidFill>
+              <a:srgbClr val="F05222"/>
+            </a:solidFill>
+          </a:ln>
+        </p:spPr>
+        <p:style>
+          <a:lnRef idx="2">
+            <a:schemeClr val="accent1"/>
+          </a:lnRef>
+          <a:fillRef idx="0">
+            <a:schemeClr val="accent1"/>
+          </a:fillRef>
+          <a:effectRef idx="1">
+            <a:schemeClr val="accent1"/>
+          </a:effectRef>
+          <a:fontRef idx="minor">
+            <a:schemeClr val="tx1"/>
+          </a:fontRef>
+        </p:style>
+      </p:cxnSp>
+      <p:sp>
+        <p:nvSpPr>
+          <p:cNvPr id="11" name="TextBox 10">
+            <a:extLst>
+              <a:ext uri="{FF2B5EF4-FFF2-40B4-BE49-F238E27FC236}">
+                <a16:creationId xmlns:a16="http://schemas.microsoft.com/office/drawing/2014/main" id="{0D91F62E-F975-D331-BEE8-E427071C3300}"/>
+              </a:ext>
+            </a:extLst>
+          </p:cNvPr>
+          <p:cNvSpPr txBox="1"/>
+          <p:nvPr/>
+        </p:nvSpPr>
+        <p:spPr>
+          <a:xfrm>
+            <a:off x="372413" y="5378080"/>
+            <a:ext cx="6113173" cy="2472472"/>
+          </a:xfrm>
+          <a:prstGeom prst="rect">
+            <a:avLst/>
+          </a:prstGeom>
+          <a:noFill/>
+        </p:spPr>
+        <p:txBody>
+          <a:bodyPr wrap="square">
+            <a:spAutoFit/>
+          </a:bodyPr>
+          <a:lstStyle/>
+          <a:p>
+            <a:pPr>
+              <a:spcAft>
+                <a:spcPts val="800"/>
+              </a:spcAft>
+            </a:pPr>
+            <a:r>
+              <a:rPr lang="en-US" sz="1600" kern="100" dirty="0">
+                <a:effectLst/>
+                <a:latin typeface="Be Vietnam Pro" pitchFamily="2" charset="-93"/>
+                <a:ea typeface="DengXian" panose="02010600030101010101" pitchFamily="2" charset="-122"/>
+                <a:cs typeface="Times New Roman" panose="02020603050405020304" pitchFamily="18" charset="0"/>
+              </a:rPr>
+              <a:t>Tracks users' subscriptions.</a:t>
+            </a:r>
+          </a:p>
+          <a:p>
+            <a:pPr lvl="0">
+              <a:spcAft>
+                <a:spcPts val="800"/>
+              </a:spcAft>
+              <a:buSzPts val="1000"/>
+              <a:tabLst>
+                <a:tab pos="457200" algn="l"/>
+              </a:tabLst>
+            </a:pPr>
+            <a:r>
+              <a:rPr lang="en-US" sz="1600" kern="100" dirty="0" err="1">
+                <a:effectLst/>
+                <a:latin typeface="Be Vietnam Pro" pitchFamily="2" charset="-93"/>
+                <a:ea typeface="DengXian" panose="02010600030101010101" pitchFamily="2" charset="-122"/>
+                <a:cs typeface="Times New Roman" panose="02020603050405020304" pitchFamily="18" charset="0"/>
+              </a:rPr>
+              <a:t>user_id</a:t>
+            </a:r>
+            <a:r>
+              <a:rPr lang="en-US" sz="1600" kern="100" dirty="0">
+                <a:effectLst/>
+                <a:latin typeface="Be Vietnam Pro" pitchFamily="2" charset="-93"/>
+                <a:ea typeface="DengXian" panose="02010600030101010101" pitchFamily="2" charset="-122"/>
+                <a:cs typeface="Times New Roman" panose="02020603050405020304" pitchFamily="18" charset="0"/>
+              </a:rPr>
+              <a:t>: Identifier of the user (Foreign Key referencing </a:t>
+            </a:r>
+            <a:r>
+              <a:rPr lang="en-US" sz="1600" kern="100" dirty="0" err="1">
+                <a:effectLst/>
+                <a:latin typeface="Be Vietnam Pro" pitchFamily="2" charset="-93"/>
+                <a:ea typeface="DengXian" panose="02010600030101010101" pitchFamily="2" charset="-122"/>
+                <a:cs typeface="Times New Roman" panose="02020603050405020304" pitchFamily="18" charset="0"/>
+              </a:rPr>
+              <a:t>Users.user_id</a:t>
+            </a:r>
+            <a:r>
+              <a:rPr lang="en-US" sz="1600" kern="100" dirty="0">
+                <a:effectLst/>
+                <a:latin typeface="Be Vietnam Pro" pitchFamily="2" charset="-93"/>
+                <a:ea typeface="DengXian" panose="02010600030101010101" pitchFamily="2" charset="-122"/>
+                <a:cs typeface="Times New Roman" panose="02020603050405020304" pitchFamily="18" charset="0"/>
+              </a:rPr>
+              <a:t>).</a:t>
+            </a:r>
+          </a:p>
+          <a:p>
+            <a:pPr lvl="0">
+              <a:spcAft>
+                <a:spcPts val="800"/>
+              </a:spcAft>
+              <a:buSzPts val="1000"/>
+              <a:tabLst>
+                <a:tab pos="457200" algn="l"/>
+              </a:tabLst>
+            </a:pPr>
+            <a:r>
+              <a:rPr lang="en-US" sz="1600" kern="100" dirty="0" err="1">
+                <a:effectLst/>
+                <a:latin typeface="Be Vietnam Pro" pitchFamily="2" charset="-93"/>
+                <a:ea typeface="DengXian" panose="02010600030101010101" pitchFamily="2" charset="-122"/>
+                <a:cs typeface="Times New Roman" panose="02020603050405020304" pitchFamily="18" charset="0"/>
+              </a:rPr>
+              <a:t>pack_id</a:t>
+            </a:r>
+            <a:r>
+              <a:rPr lang="en-US" sz="1600" kern="100" dirty="0">
+                <a:effectLst/>
+                <a:latin typeface="Be Vietnam Pro" pitchFamily="2" charset="-93"/>
+                <a:ea typeface="DengXian" panose="02010600030101010101" pitchFamily="2" charset="-122"/>
+                <a:cs typeface="Times New Roman" panose="02020603050405020304" pitchFamily="18" charset="0"/>
+              </a:rPr>
+              <a:t>: Identifier of the subscription plan (Foreign Key referencing </a:t>
+            </a:r>
+            <a:r>
+              <a:rPr lang="en-US" sz="1600" kern="100" dirty="0" err="1">
+                <a:effectLst/>
+                <a:latin typeface="Be Vietnam Pro" pitchFamily="2" charset="-93"/>
+                <a:ea typeface="DengXian" panose="02010600030101010101" pitchFamily="2" charset="-122"/>
+                <a:cs typeface="Times New Roman" panose="02020603050405020304" pitchFamily="18" charset="0"/>
+              </a:rPr>
+              <a:t>Subscription_pack.pack_id</a:t>
+            </a:r>
+            <a:r>
+              <a:rPr lang="en-US" sz="1600" kern="100" dirty="0">
+                <a:effectLst/>
+                <a:latin typeface="Be Vietnam Pro" pitchFamily="2" charset="-93"/>
+                <a:ea typeface="DengXian" panose="02010600030101010101" pitchFamily="2" charset="-122"/>
+                <a:cs typeface="Times New Roman" panose="02020603050405020304" pitchFamily="18" charset="0"/>
+              </a:rPr>
+              <a:t>).</a:t>
+            </a:r>
+          </a:p>
+          <a:p>
+            <a:pPr lvl="0">
+              <a:spcAft>
+                <a:spcPts val="800"/>
+              </a:spcAft>
+              <a:buSzPts val="1000"/>
+              <a:tabLst>
+                <a:tab pos="457200" algn="l"/>
+              </a:tabLst>
+            </a:pPr>
+            <a:r>
+              <a:rPr lang="en-US" sz="1600" kern="100" dirty="0" err="1">
+                <a:effectLst/>
+                <a:latin typeface="Be Vietnam Pro" pitchFamily="2" charset="-93"/>
+                <a:ea typeface="DengXian" panose="02010600030101010101" pitchFamily="2" charset="-122"/>
+                <a:cs typeface="Times New Roman" panose="02020603050405020304" pitchFamily="18" charset="0"/>
+              </a:rPr>
+              <a:t>start_time</a:t>
+            </a:r>
+            <a:r>
+              <a:rPr lang="en-US" sz="1600" kern="100" dirty="0">
+                <a:effectLst/>
+                <a:latin typeface="Be Vietnam Pro" pitchFamily="2" charset="-93"/>
+                <a:ea typeface="DengXian" panose="02010600030101010101" pitchFamily="2" charset="-122"/>
+                <a:cs typeface="Times New Roman" panose="02020603050405020304" pitchFamily="18" charset="0"/>
+              </a:rPr>
+              <a:t>: Start date of the subscription (Primary Key in combination with </a:t>
+            </a:r>
+            <a:r>
+              <a:rPr lang="en-US" sz="1600" kern="100" dirty="0" err="1">
+                <a:effectLst/>
+                <a:latin typeface="Be Vietnam Pro" pitchFamily="2" charset="-93"/>
+                <a:ea typeface="DengXian" panose="02010600030101010101" pitchFamily="2" charset="-122"/>
+                <a:cs typeface="Times New Roman" panose="02020603050405020304" pitchFamily="18" charset="0"/>
+              </a:rPr>
+              <a:t>user_id</a:t>
+            </a:r>
+            <a:r>
+              <a:rPr lang="en-US" sz="1600" kern="100" dirty="0">
+                <a:effectLst/>
+                <a:latin typeface="Be Vietnam Pro" pitchFamily="2" charset="-93"/>
+                <a:ea typeface="DengXian" panose="02010600030101010101" pitchFamily="2" charset="-122"/>
+                <a:cs typeface="Times New Roman" panose="02020603050405020304" pitchFamily="18" charset="0"/>
+              </a:rPr>
+              <a:t> and </a:t>
+            </a:r>
+            <a:r>
+              <a:rPr lang="en-US" sz="1600" kern="100" dirty="0" err="1">
+                <a:effectLst/>
+                <a:latin typeface="Be Vietnam Pro" pitchFamily="2" charset="-93"/>
+                <a:ea typeface="DengXian" panose="02010600030101010101" pitchFamily="2" charset="-122"/>
+                <a:cs typeface="Times New Roman" panose="02020603050405020304" pitchFamily="18" charset="0"/>
+              </a:rPr>
+              <a:t>pack_id</a:t>
+            </a:r>
+            <a:r>
+              <a:rPr lang="en-US" sz="1600" kern="100" dirty="0">
+                <a:effectLst/>
+                <a:latin typeface="Be Vietnam Pro" pitchFamily="2" charset="-93"/>
+                <a:ea typeface="DengXian" panose="02010600030101010101" pitchFamily="2" charset="-122"/>
+                <a:cs typeface="Times New Roman" panose="02020603050405020304" pitchFamily="18" charset="0"/>
+              </a:rPr>
+              <a:t>).</a:t>
+            </a:r>
+          </a:p>
+          <a:p>
+            <a:pPr lvl="0">
+              <a:spcAft>
+                <a:spcPts val="800"/>
+              </a:spcAft>
+              <a:buSzPts val="1000"/>
+              <a:tabLst>
+                <a:tab pos="457200" algn="l"/>
+              </a:tabLst>
+            </a:pPr>
+            <a:r>
+              <a:rPr lang="en-US" sz="1600" kern="100" dirty="0" err="1">
+                <a:effectLst/>
+                <a:latin typeface="Be Vietnam Pro" pitchFamily="2" charset="-93"/>
+                <a:ea typeface="DengXian" panose="02010600030101010101" pitchFamily="2" charset="-122"/>
+                <a:cs typeface="Times New Roman" panose="02020603050405020304" pitchFamily="18" charset="0"/>
+              </a:rPr>
+              <a:t>end_time</a:t>
+            </a:r>
+            <a:r>
+              <a:rPr lang="en-US" sz="1600" kern="100" dirty="0">
+                <a:effectLst/>
+                <a:latin typeface="Be Vietnam Pro" pitchFamily="2" charset="-93"/>
+                <a:ea typeface="DengXian" panose="02010600030101010101" pitchFamily="2" charset="-122"/>
+                <a:cs typeface="Times New Roman" panose="02020603050405020304" pitchFamily="18" charset="0"/>
+              </a:rPr>
+              <a:t>: End date of the subscription, defaults to 'infinity'.</a:t>
+            </a:r>
+          </a:p>
+        </p:txBody>
+      </p:sp>
+      <p:sp>
+        <p:nvSpPr>
+          <p:cNvPr id="12" name="TextBox 11">
+            <a:extLst>
+              <a:ext uri="{FF2B5EF4-FFF2-40B4-BE49-F238E27FC236}">
+                <a16:creationId xmlns:a16="http://schemas.microsoft.com/office/drawing/2014/main" id="{B3833C56-A59B-2CE1-530C-9333EDD6942D}"/>
+              </a:ext>
+            </a:extLst>
+          </p:cNvPr>
+          <p:cNvSpPr txBox="1"/>
+          <p:nvPr/>
+        </p:nvSpPr>
+        <p:spPr>
+          <a:xfrm>
+            <a:off x="372414" y="4710819"/>
+            <a:ext cx="3431892" cy="488275"/>
+          </a:xfrm>
+          <a:prstGeom prst="rect">
+            <a:avLst/>
+          </a:prstGeom>
+          <a:noFill/>
+        </p:spPr>
+        <p:txBody>
+          <a:bodyPr wrap="square">
+            <a:spAutoFit/>
+          </a:bodyPr>
+          <a:lstStyle/>
+          <a:p>
+            <a:pPr>
+              <a:lnSpc>
+                <a:spcPct val="115000"/>
+              </a:lnSpc>
+              <a:spcAft>
+                <a:spcPts val="800"/>
+              </a:spcAft>
+            </a:pPr>
+            <a:r>
+              <a:rPr lang="en-US" sz="2400" b="1" kern="100" dirty="0">
+                <a:effectLst/>
+                <a:latin typeface="Be Vietnam Pro" pitchFamily="2" charset="-93"/>
+                <a:ea typeface="DengXian" panose="02010600030101010101" pitchFamily="2" charset="-122"/>
+                <a:cs typeface="Times New Roman" panose="02020603050405020304" pitchFamily="18" charset="0"/>
+              </a:rPr>
+              <a:t>Subscription</a:t>
+            </a:r>
+            <a:endParaRPr lang="en-US" sz="2400" kern="100" dirty="0">
+              <a:effectLst/>
+              <a:latin typeface="Be Vietnam Pro" pitchFamily="2" charset="-93"/>
+              <a:ea typeface="DengXian" panose="02010600030101010101" pitchFamily="2" charset="-122"/>
+              <a:cs typeface="Times New Roman" panose="02020603050405020304" pitchFamily="18" charset="0"/>
+            </a:endParaRPr>
+          </a:p>
+        </p:txBody>
+      </p:sp>
+      <p:cxnSp>
+        <p:nvCxnSpPr>
+          <p:cNvPr id="13" name="Straight Connector 12">
+            <a:extLst>
+              <a:ext uri="{FF2B5EF4-FFF2-40B4-BE49-F238E27FC236}">
+                <a16:creationId xmlns:a16="http://schemas.microsoft.com/office/drawing/2014/main" id="{06A398C8-105E-7474-E7EF-90E29036AA82}"/>
+              </a:ext>
+            </a:extLst>
+          </p:cNvPr>
+          <p:cNvCxnSpPr>
+            <a:cxnSpLocks/>
+          </p:cNvCxnSpPr>
+          <p:nvPr/>
+        </p:nvCxnSpPr>
+        <p:spPr>
+          <a:xfrm>
+            <a:off x="478136" y="5199094"/>
+            <a:ext cx="5853896" cy="0"/>
+          </a:xfrm>
+          <a:prstGeom prst="line">
+            <a:avLst/>
+          </a:prstGeom>
+          <a:ln>
+            <a:solidFill>
+              <a:srgbClr val="F05222"/>
+            </a:solidFill>
+          </a:ln>
+        </p:spPr>
+        <p:style>
+          <a:lnRef idx="2">
+            <a:schemeClr val="accent1"/>
+          </a:lnRef>
+          <a:fillRef idx="0">
+            <a:schemeClr val="accent1"/>
+          </a:fillRef>
+          <a:effectRef idx="1">
+            <a:schemeClr val="accent1"/>
+          </a:effectRef>
+          <a:fontRef idx="minor">
+            <a:schemeClr val="tx1"/>
+          </a:fontRef>
+        </p:style>
+      </p:cxnSp>
+    </p:spTree>
+    <p:extLst>
+      <p:ext uri="{BB962C8B-B14F-4D97-AF65-F5344CB8AC3E}">
+        <p14:creationId xmlns:p14="http://schemas.microsoft.com/office/powerpoint/2010/main" val="203469737"/>
+      </p:ext>
+    </p:extLst>
+  </p:cSld>
+  <p:clrMapOvr>
+    <a:masterClrMapping/>
+  </p:clrMapOvr>
+</p:sld>
+</file>
+
+<file path=ppt/slides/slide13.xml><?xml version="1.0" encoding="utf-8"?>
+<p:sld xmlns:a="http://schemas.openxmlformats.org/drawingml/2006/main" xmlns:r="http://schemas.openxmlformats.org/officeDocument/2006/relationships" xmlns:p="http://schemas.openxmlformats.org/presentationml/2006/main">
+  <p:cSld>
+    <p:bg>
+      <p:bgPr>
+        <a:solidFill>
+          <a:schemeClr val="bg1"/>
+        </a:solidFill>
+        <a:effectLst/>
+      </p:bgPr>
+    </p:bg>
+    <p:spTree>
+      <p:nvGrpSpPr>
+        <p:cNvPr id="1" name="">
+          <a:extLst>
+            <a:ext uri="{FF2B5EF4-FFF2-40B4-BE49-F238E27FC236}">
+              <a16:creationId xmlns:a16="http://schemas.microsoft.com/office/drawing/2014/main" id="{274BAC4E-1F4D-F573-887B-2874EDA2B836}"/>
+            </a:ext>
+          </a:extLst>
+        </p:cNvPr>
+        <p:cNvGrpSpPr/>
+        <p:nvPr/>
+      </p:nvGrpSpPr>
+      <p:grpSpPr>
+        <a:xfrm>
+          <a:off x="0" y="0"/>
+          <a:ext cx="0" cy="0"/>
+          <a:chOff x="0" y="0"/>
+          <a:chExt cx="0" cy="0"/>
+        </a:xfrm>
+      </p:grpSpPr>
+      <p:sp>
+        <p:nvSpPr>
+          <p:cNvPr id="20" name="TextBox 19">
+            <a:extLst>
+              <a:ext uri="{FF2B5EF4-FFF2-40B4-BE49-F238E27FC236}">
+                <a16:creationId xmlns:a16="http://schemas.microsoft.com/office/drawing/2014/main" id="{D3F27D52-D05C-38E8-4C49-CE3270F46BD6}"/>
+              </a:ext>
+            </a:extLst>
+          </p:cNvPr>
+          <p:cNvSpPr txBox="1"/>
+          <p:nvPr/>
+        </p:nvSpPr>
+        <p:spPr>
+          <a:xfrm>
+            <a:off x="348584" y="1678152"/>
+            <a:ext cx="6113173" cy="1528624"/>
+          </a:xfrm>
+          <a:prstGeom prst="rect">
+            <a:avLst/>
+          </a:prstGeom>
+          <a:noFill/>
+        </p:spPr>
+        <p:txBody>
+          <a:bodyPr wrap="square">
+            <a:spAutoFit/>
+          </a:bodyPr>
+          <a:lstStyle/>
+          <a:p>
+            <a:pPr>
+              <a:spcAft>
+                <a:spcPts val="800"/>
+              </a:spcAft>
+            </a:pPr>
+            <a:r>
+              <a:rPr lang="en-US" sz="1600" kern="100" dirty="0">
+                <a:effectLst/>
+                <a:latin typeface="Be Vietnam Pro" pitchFamily="2" charset="-93"/>
+                <a:ea typeface="DengXian" panose="02010600030101010101" pitchFamily="2" charset="-122"/>
+                <a:cs typeface="Times New Roman" panose="02020603050405020304" pitchFamily="18" charset="0"/>
+              </a:rPr>
+              <a:t>Maps content items to their respective genres.</a:t>
+            </a:r>
+          </a:p>
+          <a:p>
+            <a:pPr lvl="0">
+              <a:spcAft>
+                <a:spcPts val="800"/>
+              </a:spcAft>
+              <a:buSzPts val="1000"/>
+              <a:tabLst>
+                <a:tab pos="457200" algn="l"/>
+              </a:tabLst>
+            </a:pPr>
+            <a:r>
+              <a:rPr lang="en-US" sz="1600" b="1" kern="100" dirty="0" err="1">
+                <a:effectLst/>
+                <a:latin typeface="Be Vietnam Pro" pitchFamily="2" charset="-93"/>
+                <a:ea typeface="DengXian" panose="02010600030101010101" pitchFamily="2" charset="-122"/>
+                <a:cs typeface="Times New Roman" panose="02020603050405020304" pitchFamily="18" charset="0"/>
+              </a:rPr>
+              <a:t>content_id</a:t>
+            </a:r>
+            <a:r>
+              <a:rPr lang="en-US" sz="1600" b="1" kern="100" dirty="0">
+                <a:effectLst/>
+                <a:latin typeface="Be Vietnam Pro" pitchFamily="2" charset="-93"/>
+                <a:ea typeface="DengXian" panose="02010600030101010101" pitchFamily="2" charset="-122"/>
+                <a:cs typeface="Times New Roman" panose="02020603050405020304" pitchFamily="18" charset="0"/>
+              </a:rPr>
+              <a:t>: </a:t>
+            </a:r>
+            <a:r>
+              <a:rPr lang="en-US" sz="1600" kern="100" dirty="0">
+                <a:effectLst/>
+                <a:latin typeface="Be Vietnam Pro" pitchFamily="2" charset="-93"/>
+                <a:ea typeface="DengXian" panose="02010600030101010101" pitchFamily="2" charset="-122"/>
+                <a:cs typeface="Times New Roman" panose="02020603050405020304" pitchFamily="18" charset="0"/>
+              </a:rPr>
+              <a:t>Identifier of a content (Foreign Key referencing </a:t>
+            </a:r>
+            <a:r>
+              <a:rPr lang="en-US" sz="1600" kern="100" dirty="0" err="1">
+                <a:effectLst/>
+                <a:latin typeface="Be Vietnam Pro" pitchFamily="2" charset="-93"/>
+                <a:ea typeface="DengXian" panose="02010600030101010101" pitchFamily="2" charset="-122"/>
+                <a:cs typeface="Times New Roman" panose="02020603050405020304" pitchFamily="18" charset="0"/>
+              </a:rPr>
+              <a:t>Content.content_id</a:t>
+            </a:r>
+            <a:r>
+              <a:rPr lang="en-US" sz="1600" kern="100" dirty="0">
+                <a:effectLst/>
+                <a:latin typeface="Be Vietnam Pro" pitchFamily="2" charset="-93"/>
+                <a:ea typeface="DengXian" panose="02010600030101010101" pitchFamily="2" charset="-122"/>
+                <a:cs typeface="Times New Roman" panose="02020603050405020304" pitchFamily="18" charset="0"/>
+              </a:rPr>
+              <a:t>).</a:t>
+            </a:r>
+          </a:p>
+          <a:p>
+            <a:r>
+              <a:rPr lang="en-US" sz="1600" b="1" dirty="0" err="1">
+                <a:effectLst/>
+                <a:latin typeface="Be Vietnam Pro" pitchFamily="2" charset="-93"/>
+                <a:ea typeface="DengXian" panose="02010600030101010101" pitchFamily="2" charset="-122"/>
+                <a:cs typeface="Times New Roman" panose="02020603050405020304" pitchFamily="18" charset="0"/>
+              </a:rPr>
+              <a:t>genre_id</a:t>
+            </a:r>
+            <a:r>
+              <a:rPr lang="en-US" sz="1600" b="1" dirty="0">
+                <a:effectLst/>
+                <a:latin typeface="Be Vietnam Pro" pitchFamily="2" charset="-93"/>
+                <a:ea typeface="DengXian" panose="02010600030101010101" pitchFamily="2" charset="-122"/>
+                <a:cs typeface="Times New Roman" panose="02020603050405020304" pitchFamily="18" charset="0"/>
+              </a:rPr>
+              <a:t>: </a:t>
+            </a:r>
+            <a:r>
+              <a:rPr lang="en-US" sz="1600" dirty="0">
+                <a:effectLst/>
+                <a:latin typeface="Be Vietnam Pro" pitchFamily="2" charset="-93"/>
+                <a:ea typeface="DengXian" panose="02010600030101010101" pitchFamily="2" charset="-122"/>
+                <a:cs typeface="Times New Roman" panose="02020603050405020304" pitchFamily="18" charset="0"/>
+              </a:rPr>
+              <a:t>Identifier of the genre (Foreign Key referencing </a:t>
+            </a:r>
+            <a:r>
+              <a:rPr lang="en-US" sz="1600" dirty="0" err="1">
+                <a:effectLst/>
+                <a:latin typeface="Be Vietnam Pro" pitchFamily="2" charset="-93"/>
+                <a:ea typeface="DengXian" panose="02010600030101010101" pitchFamily="2" charset="-122"/>
+                <a:cs typeface="Times New Roman" panose="02020603050405020304" pitchFamily="18" charset="0"/>
+              </a:rPr>
+              <a:t>Genre.genre_id</a:t>
+            </a:r>
+            <a:r>
+              <a:rPr lang="en-US" sz="1600" dirty="0">
+                <a:effectLst/>
+                <a:latin typeface="Be Vietnam Pro" pitchFamily="2" charset="-93"/>
+                <a:ea typeface="DengXian" panose="02010600030101010101" pitchFamily="2" charset="-122"/>
+                <a:cs typeface="Times New Roman" panose="02020603050405020304" pitchFamily="18" charset="0"/>
+              </a:rPr>
+              <a:t>).</a:t>
+            </a:r>
+            <a:endParaRPr lang="en-US" sz="1600" kern="100" dirty="0">
+              <a:effectLst/>
+              <a:latin typeface="Be Vietnam Pro" pitchFamily="2" charset="-93"/>
+              <a:ea typeface="DengXian" panose="02010600030101010101" pitchFamily="2" charset="-122"/>
+              <a:cs typeface="Times New Roman" panose="02020603050405020304" pitchFamily="18" charset="0"/>
+            </a:endParaRPr>
+          </a:p>
+        </p:txBody>
+      </p:sp>
+      <p:sp>
+        <p:nvSpPr>
+          <p:cNvPr id="21" name="TextBox 20">
+            <a:extLst>
+              <a:ext uri="{FF2B5EF4-FFF2-40B4-BE49-F238E27FC236}">
+                <a16:creationId xmlns:a16="http://schemas.microsoft.com/office/drawing/2014/main" id="{5A623888-AEFA-7607-7B0D-2899B03BDB2A}"/>
+              </a:ext>
+            </a:extLst>
+          </p:cNvPr>
+          <p:cNvSpPr txBox="1"/>
+          <p:nvPr/>
+        </p:nvSpPr>
+        <p:spPr>
+          <a:xfrm>
+            <a:off x="348585" y="1010890"/>
+            <a:ext cx="3431892" cy="488275"/>
+          </a:xfrm>
+          <a:prstGeom prst="rect">
+            <a:avLst/>
+          </a:prstGeom>
+          <a:noFill/>
+        </p:spPr>
+        <p:txBody>
+          <a:bodyPr wrap="square">
+            <a:spAutoFit/>
+          </a:bodyPr>
+          <a:lstStyle/>
+          <a:p>
+            <a:pPr>
+              <a:lnSpc>
+                <a:spcPct val="115000"/>
+              </a:lnSpc>
+              <a:spcAft>
+                <a:spcPts val="800"/>
+              </a:spcAft>
+            </a:pPr>
+            <a:r>
+              <a:rPr lang="en-US" sz="2400" b="1" kern="100" dirty="0" err="1">
+                <a:effectLst/>
+                <a:latin typeface="Be Vietnam Pro" pitchFamily="2" charset="-93"/>
+                <a:ea typeface="DengXian" panose="02010600030101010101" pitchFamily="2" charset="-122"/>
+                <a:cs typeface="Times New Roman" panose="02020603050405020304" pitchFamily="18" charset="0"/>
+              </a:rPr>
+              <a:t>Content_genre</a:t>
+            </a:r>
+            <a:endParaRPr lang="en-US" sz="2400" kern="100" dirty="0">
+              <a:effectLst/>
+              <a:latin typeface="Be Vietnam Pro" pitchFamily="2" charset="-93"/>
+              <a:ea typeface="DengXian" panose="02010600030101010101" pitchFamily="2" charset="-122"/>
+              <a:cs typeface="Times New Roman" panose="02020603050405020304" pitchFamily="18" charset="0"/>
+            </a:endParaRPr>
+          </a:p>
+        </p:txBody>
+      </p:sp>
+      <p:cxnSp>
+        <p:nvCxnSpPr>
+          <p:cNvPr id="22" name="Straight Connector 21">
+            <a:extLst>
+              <a:ext uri="{FF2B5EF4-FFF2-40B4-BE49-F238E27FC236}">
+                <a16:creationId xmlns:a16="http://schemas.microsoft.com/office/drawing/2014/main" id="{47C88ECE-4C2D-D3C4-0BD4-4366BDC533EC}"/>
+              </a:ext>
+            </a:extLst>
+          </p:cNvPr>
+          <p:cNvCxnSpPr>
+            <a:cxnSpLocks/>
+          </p:cNvCxnSpPr>
+          <p:nvPr/>
+        </p:nvCxnSpPr>
+        <p:spPr>
+          <a:xfrm>
+            <a:off x="454307" y="1499165"/>
+            <a:ext cx="5853896" cy="0"/>
+          </a:xfrm>
+          <a:prstGeom prst="line">
+            <a:avLst/>
+          </a:prstGeom>
+          <a:ln>
+            <a:solidFill>
+              <a:srgbClr val="F05222"/>
+            </a:solidFill>
+          </a:ln>
+        </p:spPr>
+        <p:style>
+          <a:lnRef idx="2">
+            <a:schemeClr val="accent1"/>
+          </a:lnRef>
+          <a:fillRef idx="0">
+            <a:schemeClr val="accent1"/>
+          </a:fillRef>
+          <a:effectRef idx="1">
+            <a:schemeClr val="accent1"/>
+          </a:effectRef>
+          <a:fontRef idx="minor">
+            <a:schemeClr val="tx1"/>
+          </a:fontRef>
+        </p:style>
+      </p:cxnSp>
+      <p:sp>
+        <p:nvSpPr>
+          <p:cNvPr id="3" name="TextBox 2">
+            <a:extLst>
+              <a:ext uri="{FF2B5EF4-FFF2-40B4-BE49-F238E27FC236}">
+                <a16:creationId xmlns:a16="http://schemas.microsoft.com/office/drawing/2014/main" id="{B67E8DEC-7F51-083D-4BFC-1BED907B78B2}"/>
+              </a:ext>
+            </a:extLst>
+          </p:cNvPr>
+          <p:cNvSpPr txBox="1"/>
+          <p:nvPr/>
+        </p:nvSpPr>
+        <p:spPr>
+          <a:xfrm>
+            <a:off x="454307" y="4362736"/>
+            <a:ext cx="6113173" cy="1682512"/>
+          </a:xfrm>
+          <a:prstGeom prst="rect">
+            <a:avLst/>
+          </a:prstGeom>
+          <a:noFill/>
+        </p:spPr>
+        <p:txBody>
+          <a:bodyPr wrap="square">
+            <a:spAutoFit/>
+          </a:bodyPr>
+          <a:lstStyle/>
+          <a:p>
+            <a:pPr>
+              <a:spcAft>
+                <a:spcPts val="800"/>
+              </a:spcAft>
+            </a:pPr>
+            <a:r>
+              <a:rPr lang="en-US" sz="1800" kern="100" dirty="0">
+                <a:effectLst/>
+                <a:latin typeface="Aptos" panose="020B0004020202020204" pitchFamily="34" charset="0"/>
+                <a:ea typeface="DengXian" panose="02010600030101010101" pitchFamily="2" charset="-122"/>
+                <a:cs typeface="Times New Roman" panose="02020603050405020304" pitchFamily="18" charset="0"/>
+              </a:rPr>
+              <a:t>Links content items to their cast members.</a:t>
+            </a:r>
+          </a:p>
+          <a:p>
+            <a:pPr lvl="0">
+              <a:spcAft>
+                <a:spcPts val="800"/>
+              </a:spcAft>
+              <a:buSzPts val="1000"/>
+              <a:tabLst>
+                <a:tab pos="457200" algn="l"/>
+              </a:tabLst>
+            </a:pPr>
+            <a:r>
+              <a:rPr lang="en-US" sz="1800" b="1" kern="100" dirty="0" err="1">
+                <a:effectLst/>
+                <a:latin typeface="Aptos" panose="020B0004020202020204" pitchFamily="34" charset="0"/>
+                <a:ea typeface="DengXian" panose="02010600030101010101" pitchFamily="2" charset="-122"/>
+                <a:cs typeface="Times New Roman" panose="02020603050405020304" pitchFamily="18" charset="0"/>
+              </a:rPr>
+              <a:t>content_id</a:t>
+            </a:r>
+            <a:r>
+              <a:rPr lang="en-US" sz="1800" b="1" kern="100" dirty="0">
+                <a:effectLst/>
+                <a:latin typeface="Aptos" panose="020B0004020202020204" pitchFamily="34" charset="0"/>
+                <a:ea typeface="DengXian" panose="02010600030101010101" pitchFamily="2" charset="-122"/>
+                <a:cs typeface="Times New Roman" panose="02020603050405020304" pitchFamily="18" charset="0"/>
+              </a:rPr>
+              <a:t>: </a:t>
+            </a:r>
+            <a:r>
+              <a:rPr lang="en-US" sz="1800" kern="100" dirty="0">
+                <a:effectLst/>
+                <a:latin typeface="Aptos" panose="020B0004020202020204" pitchFamily="34" charset="0"/>
+                <a:ea typeface="DengXian" panose="02010600030101010101" pitchFamily="2" charset="-122"/>
+                <a:cs typeface="Times New Roman" panose="02020603050405020304" pitchFamily="18" charset="0"/>
+              </a:rPr>
+              <a:t>Identifier of the content (Foreign Key referencing </a:t>
+            </a:r>
+            <a:r>
+              <a:rPr lang="en-US" sz="1800" kern="100" dirty="0" err="1">
+                <a:effectLst/>
+                <a:latin typeface="Aptos" panose="020B0004020202020204" pitchFamily="34" charset="0"/>
+                <a:ea typeface="DengXian" panose="02010600030101010101" pitchFamily="2" charset="-122"/>
+                <a:cs typeface="Times New Roman" panose="02020603050405020304" pitchFamily="18" charset="0"/>
+              </a:rPr>
+              <a:t>Content.content_id</a:t>
+            </a:r>
+            <a:r>
+              <a:rPr lang="en-US" sz="1800" kern="100" dirty="0">
+                <a:effectLst/>
+                <a:latin typeface="Aptos" panose="020B0004020202020204" pitchFamily="34" charset="0"/>
+                <a:ea typeface="DengXian" panose="02010600030101010101" pitchFamily="2" charset="-122"/>
+                <a:cs typeface="Times New Roman" panose="02020603050405020304" pitchFamily="18" charset="0"/>
+              </a:rPr>
+              <a:t>).</a:t>
+            </a:r>
+          </a:p>
+          <a:p>
+            <a:pPr lvl="0">
+              <a:spcAft>
+                <a:spcPts val="800"/>
+              </a:spcAft>
+              <a:buSzPts val="1000"/>
+              <a:tabLst>
+                <a:tab pos="457200" algn="l"/>
+              </a:tabLst>
+            </a:pPr>
+            <a:r>
+              <a:rPr lang="en-US" sz="1800" b="1" kern="100" dirty="0" err="1">
+                <a:effectLst/>
+                <a:latin typeface="Aptos" panose="020B0004020202020204" pitchFamily="34" charset="0"/>
+                <a:ea typeface="DengXian" panose="02010600030101010101" pitchFamily="2" charset="-122"/>
+                <a:cs typeface="Times New Roman" panose="02020603050405020304" pitchFamily="18" charset="0"/>
+              </a:rPr>
+              <a:t>cast_id</a:t>
+            </a:r>
+            <a:r>
+              <a:rPr lang="en-US" sz="1800" b="1" kern="100" dirty="0">
+                <a:effectLst/>
+                <a:latin typeface="Aptos" panose="020B0004020202020204" pitchFamily="34" charset="0"/>
+                <a:ea typeface="DengXian" panose="02010600030101010101" pitchFamily="2" charset="-122"/>
+                <a:cs typeface="Times New Roman" panose="02020603050405020304" pitchFamily="18" charset="0"/>
+              </a:rPr>
+              <a:t>: </a:t>
+            </a:r>
+            <a:r>
+              <a:rPr lang="en-US" sz="1800" kern="100" dirty="0">
+                <a:effectLst/>
+                <a:latin typeface="Aptos" panose="020B0004020202020204" pitchFamily="34" charset="0"/>
+                <a:ea typeface="DengXian" panose="02010600030101010101" pitchFamily="2" charset="-122"/>
+                <a:cs typeface="Times New Roman" panose="02020603050405020304" pitchFamily="18" charset="0"/>
+              </a:rPr>
+              <a:t>Identifier of a cast member (Foreign Key referencing </a:t>
+            </a:r>
+            <a:r>
+              <a:rPr lang="en-US" sz="1800" kern="100" dirty="0" err="1">
+                <a:effectLst/>
+                <a:latin typeface="Aptos" panose="020B0004020202020204" pitchFamily="34" charset="0"/>
+                <a:ea typeface="DengXian" panose="02010600030101010101" pitchFamily="2" charset="-122"/>
+                <a:cs typeface="Times New Roman" panose="02020603050405020304" pitchFamily="18" charset="0"/>
+              </a:rPr>
+              <a:t>Casts.cast_id</a:t>
+            </a:r>
+            <a:r>
+              <a:rPr lang="en-US" sz="1800" kern="100" dirty="0">
+                <a:effectLst/>
+                <a:latin typeface="Aptos" panose="020B0004020202020204" pitchFamily="34" charset="0"/>
+                <a:ea typeface="DengXian" panose="02010600030101010101" pitchFamily="2" charset="-122"/>
+                <a:cs typeface="Times New Roman" panose="02020603050405020304" pitchFamily="18" charset="0"/>
+              </a:rPr>
+              <a:t>).</a:t>
+            </a:r>
+          </a:p>
+        </p:txBody>
+      </p:sp>
+      <p:sp>
+        <p:nvSpPr>
+          <p:cNvPr id="12" name="TextBox 11">
+            <a:extLst>
+              <a:ext uri="{FF2B5EF4-FFF2-40B4-BE49-F238E27FC236}">
+                <a16:creationId xmlns:a16="http://schemas.microsoft.com/office/drawing/2014/main" id="{4660B205-FD9C-E2E9-9299-086FCE8B9FDE}"/>
+              </a:ext>
+            </a:extLst>
+          </p:cNvPr>
+          <p:cNvSpPr txBox="1"/>
+          <p:nvPr/>
+        </p:nvSpPr>
+        <p:spPr>
+          <a:xfrm>
+            <a:off x="454308" y="3695474"/>
+            <a:ext cx="3431892" cy="488275"/>
+          </a:xfrm>
+          <a:prstGeom prst="rect">
+            <a:avLst/>
+          </a:prstGeom>
+          <a:noFill/>
+        </p:spPr>
+        <p:txBody>
+          <a:bodyPr wrap="square">
+            <a:spAutoFit/>
+          </a:bodyPr>
+          <a:lstStyle/>
+          <a:p>
+            <a:pPr>
+              <a:lnSpc>
+                <a:spcPct val="115000"/>
+              </a:lnSpc>
+              <a:spcAft>
+                <a:spcPts val="800"/>
+              </a:spcAft>
+            </a:pPr>
+            <a:r>
+              <a:rPr lang="en-US" sz="2400" b="1" kern="100" dirty="0" err="1">
+                <a:effectLst/>
+                <a:latin typeface="Be Vietnam Pro" pitchFamily="2" charset="-93"/>
+                <a:ea typeface="DengXian" panose="02010600030101010101" pitchFamily="2" charset="-122"/>
+                <a:cs typeface="Times New Roman" panose="02020603050405020304" pitchFamily="18" charset="0"/>
+              </a:rPr>
+              <a:t>Content_cast</a:t>
+            </a:r>
+            <a:endParaRPr lang="en-US" sz="2400" kern="100" dirty="0">
+              <a:effectLst/>
+              <a:latin typeface="Be Vietnam Pro" pitchFamily="2" charset="-93"/>
+              <a:ea typeface="DengXian" panose="02010600030101010101" pitchFamily="2" charset="-122"/>
+              <a:cs typeface="Times New Roman" panose="02020603050405020304" pitchFamily="18" charset="0"/>
+            </a:endParaRPr>
+          </a:p>
+        </p:txBody>
+      </p:sp>
+      <p:cxnSp>
+        <p:nvCxnSpPr>
+          <p:cNvPr id="13" name="Straight Connector 12">
+            <a:extLst>
+              <a:ext uri="{FF2B5EF4-FFF2-40B4-BE49-F238E27FC236}">
+                <a16:creationId xmlns:a16="http://schemas.microsoft.com/office/drawing/2014/main" id="{2463F70C-ACA2-1029-57C5-925C37F761C2}"/>
+              </a:ext>
+            </a:extLst>
+          </p:cNvPr>
+          <p:cNvCxnSpPr>
+            <a:cxnSpLocks/>
+          </p:cNvCxnSpPr>
+          <p:nvPr/>
+        </p:nvCxnSpPr>
+        <p:spPr>
+          <a:xfrm>
+            <a:off x="560030" y="4183749"/>
+            <a:ext cx="5853896" cy="0"/>
+          </a:xfrm>
+          <a:prstGeom prst="line">
+            <a:avLst/>
+          </a:prstGeom>
+          <a:ln>
+            <a:solidFill>
+              <a:srgbClr val="F05222"/>
+            </a:solidFill>
+          </a:ln>
+        </p:spPr>
+        <p:style>
+          <a:lnRef idx="2">
+            <a:schemeClr val="accent1"/>
+          </a:lnRef>
+          <a:fillRef idx="0">
+            <a:schemeClr val="accent1"/>
+          </a:fillRef>
+          <a:effectRef idx="1">
+            <a:schemeClr val="accent1"/>
+          </a:effectRef>
+          <a:fontRef idx="minor">
+            <a:schemeClr val="tx1"/>
+          </a:fontRef>
+        </p:style>
+      </p:cxnSp>
+      <p:sp>
+        <p:nvSpPr>
+          <p:cNvPr id="14" name="TextBox 13">
+            <a:extLst>
+              <a:ext uri="{FF2B5EF4-FFF2-40B4-BE49-F238E27FC236}">
+                <a16:creationId xmlns:a16="http://schemas.microsoft.com/office/drawing/2014/main" id="{E152B25E-0BC7-DBC2-BBB1-195B9E844249}"/>
+              </a:ext>
+            </a:extLst>
+          </p:cNvPr>
+          <p:cNvSpPr txBox="1"/>
+          <p:nvPr/>
+        </p:nvSpPr>
+        <p:spPr>
+          <a:xfrm>
+            <a:off x="454307" y="7393248"/>
+            <a:ext cx="6113173" cy="1528624"/>
+          </a:xfrm>
+          <a:prstGeom prst="rect">
+            <a:avLst/>
+          </a:prstGeom>
+          <a:noFill/>
+        </p:spPr>
+        <p:txBody>
+          <a:bodyPr wrap="square">
+            <a:spAutoFit/>
+          </a:bodyPr>
+          <a:lstStyle/>
+          <a:p>
+            <a:pPr>
+              <a:spcAft>
+                <a:spcPts val="800"/>
+              </a:spcAft>
+            </a:pPr>
+            <a:r>
+              <a:rPr lang="en-US" sz="1600" kern="100" dirty="0">
+                <a:effectLst/>
+                <a:latin typeface="Be Vietnam Pro" pitchFamily="2" charset="-93"/>
+                <a:ea typeface="DengXian" panose="02010600030101010101" pitchFamily="2" charset="-122"/>
+                <a:cs typeface="Times New Roman" panose="02020603050405020304" pitchFamily="18" charset="0"/>
+              </a:rPr>
+              <a:t>Tracks users' favorite content.</a:t>
+            </a:r>
+          </a:p>
+          <a:p>
+            <a:pPr lvl="0">
+              <a:spcAft>
+                <a:spcPts val="800"/>
+              </a:spcAft>
+              <a:buSzPts val="1000"/>
+              <a:tabLst>
+                <a:tab pos="457200" algn="l"/>
+              </a:tabLst>
+            </a:pPr>
+            <a:r>
+              <a:rPr lang="en-US" sz="1600" b="1" kern="100" dirty="0" err="1">
+                <a:effectLst/>
+                <a:latin typeface="Be Vietnam Pro" pitchFamily="2" charset="-93"/>
+                <a:ea typeface="DengXian" panose="02010600030101010101" pitchFamily="2" charset="-122"/>
+                <a:cs typeface="Times New Roman" panose="02020603050405020304" pitchFamily="18" charset="0"/>
+              </a:rPr>
+              <a:t>content_id</a:t>
+            </a:r>
+            <a:r>
+              <a:rPr lang="en-US" sz="1600" b="1" kern="100" dirty="0">
+                <a:effectLst/>
+                <a:latin typeface="Be Vietnam Pro" pitchFamily="2" charset="-93"/>
+                <a:ea typeface="DengXian" panose="02010600030101010101" pitchFamily="2" charset="-122"/>
+                <a:cs typeface="Times New Roman" panose="02020603050405020304" pitchFamily="18" charset="0"/>
+              </a:rPr>
+              <a:t>: </a:t>
+            </a:r>
+            <a:r>
+              <a:rPr lang="en-US" sz="1600" kern="100" dirty="0">
+                <a:effectLst/>
+                <a:latin typeface="Be Vietnam Pro" pitchFamily="2" charset="-93"/>
+                <a:ea typeface="DengXian" panose="02010600030101010101" pitchFamily="2" charset="-122"/>
+                <a:cs typeface="Times New Roman" panose="02020603050405020304" pitchFamily="18" charset="0"/>
+              </a:rPr>
+              <a:t>Identifier of a content (Foreign Key referencing </a:t>
+            </a:r>
+            <a:r>
+              <a:rPr lang="en-US" sz="1600" kern="100" dirty="0" err="1">
+                <a:effectLst/>
+                <a:latin typeface="Be Vietnam Pro" pitchFamily="2" charset="-93"/>
+                <a:ea typeface="DengXian" panose="02010600030101010101" pitchFamily="2" charset="-122"/>
+                <a:cs typeface="Times New Roman" panose="02020603050405020304" pitchFamily="18" charset="0"/>
+              </a:rPr>
+              <a:t>Content.content_id</a:t>
+            </a:r>
+            <a:r>
+              <a:rPr lang="en-US" sz="1600" kern="100" dirty="0">
+                <a:effectLst/>
+                <a:latin typeface="Be Vietnam Pro" pitchFamily="2" charset="-93"/>
+                <a:ea typeface="DengXian" panose="02010600030101010101" pitchFamily="2" charset="-122"/>
+                <a:cs typeface="Times New Roman" panose="02020603050405020304" pitchFamily="18" charset="0"/>
+              </a:rPr>
+              <a:t>).</a:t>
+            </a:r>
+          </a:p>
+          <a:p>
+            <a:pPr lvl="0">
+              <a:spcAft>
+                <a:spcPts val="800"/>
+              </a:spcAft>
+              <a:buSzPts val="1000"/>
+              <a:tabLst>
+                <a:tab pos="457200" algn="l"/>
+              </a:tabLst>
+            </a:pPr>
+            <a:r>
+              <a:rPr lang="en-US" sz="1600" b="1" kern="100" dirty="0" err="1">
+                <a:effectLst/>
+                <a:latin typeface="Be Vietnam Pro" pitchFamily="2" charset="-93"/>
+                <a:ea typeface="DengXian" panose="02010600030101010101" pitchFamily="2" charset="-122"/>
+                <a:cs typeface="Times New Roman" panose="02020603050405020304" pitchFamily="18" charset="0"/>
+              </a:rPr>
+              <a:t>user_id</a:t>
+            </a:r>
+            <a:r>
+              <a:rPr lang="en-US" sz="1600" b="1" kern="100" dirty="0">
+                <a:effectLst/>
+                <a:latin typeface="Be Vietnam Pro" pitchFamily="2" charset="-93"/>
+                <a:ea typeface="DengXian" panose="02010600030101010101" pitchFamily="2" charset="-122"/>
+                <a:cs typeface="Times New Roman" panose="02020603050405020304" pitchFamily="18" charset="0"/>
+              </a:rPr>
+              <a:t>: </a:t>
+            </a:r>
+            <a:r>
+              <a:rPr lang="en-US" sz="1600" kern="100" dirty="0">
+                <a:effectLst/>
+                <a:latin typeface="Be Vietnam Pro" pitchFamily="2" charset="-93"/>
+                <a:ea typeface="DengXian" panose="02010600030101010101" pitchFamily="2" charset="-122"/>
+                <a:cs typeface="Times New Roman" panose="02020603050405020304" pitchFamily="18" charset="0"/>
+              </a:rPr>
+              <a:t>Identifier of the user (Foreign Key referencing </a:t>
+            </a:r>
+            <a:r>
+              <a:rPr lang="en-US" sz="1600" kern="100" dirty="0" err="1">
+                <a:effectLst/>
+                <a:latin typeface="Be Vietnam Pro" pitchFamily="2" charset="-93"/>
+                <a:ea typeface="DengXian" panose="02010600030101010101" pitchFamily="2" charset="-122"/>
+                <a:cs typeface="Times New Roman" panose="02020603050405020304" pitchFamily="18" charset="0"/>
+              </a:rPr>
+              <a:t>Users.user_id</a:t>
+            </a:r>
+            <a:r>
+              <a:rPr lang="en-US" sz="1600" kern="100" dirty="0">
+                <a:effectLst/>
+                <a:latin typeface="Be Vietnam Pro" pitchFamily="2" charset="-93"/>
+                <a:ea typeface="DengXian" panose="02010600030101010101" pitchFamily="2" charset="-122"/>
+                <a:cs typeface="Times New Roman" panose="02020603050405020304" pitchFamily="18" charset="0"/>
+              </a:rPr>
+              <a:t>).</a:t>
+            </a:r>
+          </a:p>
+        </p:txBody>
+      </p:sp>
+      <p:sp>
+        <p:nvSpPr>
+          <p:cNvPr id="15" name="TextBox 14">
+            <a:extLst>
+              <a:ext uri="{FF2B5EF4-FFF2-40B4-BE49-F238E27FC236}">
+                <a16:creationId xmlns:a16="http://schemas.microsoft.com/office/drawing/2014/main" id="{61EEC0E3-335F-E9DD-C325-63839792CBD7}"/>
+              </a:ext>
+            </a:extLst>
+          </p:cNvPr>
+          <p:cNvSpPr txBox="1"/>
+          <p:nvPr/>
+        </p:nvSpPr>
+        <p:spPr>
+          <a:xfrm>
+            <a:off x="454308" y="6725986"/>
+            <a:ext cx="3431892" cy="488275"/>
+          </a:xfrm>
+          <a:prstGeom prst="rect">
+            <a:avLst/>
+          </a:prstGeom>
+          <a:noFill/>
+        </p:spPr>
+        <p:txBody>
+          <a:bodyPr wrap="square">
+            <a:spAutoFit/>
+          </a:bodyPr>
+          <a:lstStyle/>
+          <a:p>
+            <a:pPr>
+              <a:lnSpc>
+                <a:spcPct val="115000"/>
+              </a:lnSpc>
+              <a:spcAft>
+                <a:spcPts val="800"/>
+              </a:spcAft>
+            </a:pPr>
+            <a:r>
+              <a:rPr lang="en-US" sz="2400" b="1" kern="100" dirty="0" err="1">
+                <a:effectLst/>
+                <a:latin typeface="Be Vietnam Pro" pitchFamily="2" charset="-93"/>
+                <a:ea typeface="DengXian" panose="02010600030101010101" pitchFamily="2" charset="-122"/>
+                <a:cs typeface="Times New Roman" panose="02020603050405020304" pitchFamily="18" charset="0"/>
+              </a:rPr>
+              <a:t>Favourite</a:t>
+            </a:r>
+            <a:r>
+              <a:rPr lang="en-US" sz="2400" b="1" kern="100" dirty="0">
+                <a:effectLst/>
+                <a:latin typeface="Be Vietnam Pro" pitchFamily="2" charset="-93"/>
+                <a:ea typeface="DengXian" panose="02010600030101010101" pitchFamily="2" charset="-122"/>
+                <a:cs typeface="Times New Roman" panose="02020603050405020304" pitchFamily="18" charset="0"/>
+              </a:rPr>
+              <a:t> list</a:t>
+            </a:r>
+            <a:endParaRPr lang="en-US" sz="2400" kern="100" dirty="0">
+              <a:effectLst/>
+              <a:latin typeface="Be Vietnam Pro" pitchFamily="2" charset="-93"/>
+              <a:ea typeface="DengXian" panose="02010600030101010101" pitchFamily="2" charset="-122"/>
+              <a:cs typeface="Times New Roman" panose="02020603050405020304" pitchFamily="18" charset="0"/>
+            </a:endParaRPr>
+          </a:p>
+        </p:txBody>
+      </p:sp>
+      <p:cxnSp>
+        <p:nvCxnSpPr>
+          <p:cNvPr id="16" name="Straight Connector 15">
+            <a:extLst>
+              <a:ext uri="{FF2B5EF4-FFF2-40B4-BE49-F238E27FC236}">
+                <a16:creationId xmlns:a16="http://schemas.microsoft.com/office/drawing/2014/main" id="{02D219F9-7BE1-460E-3589-9920A1624633}"/>
+              </a:ext>
+            </a:extLst>
+          </p:cNvPr>
+          <p:cNvCxnSpPr>
+            <a:cxnSpLocks/>
+          </p:cNvCxnSpPr>
+          <p:nvPr/>
+        </p:nvCxnSpPr>
+        <p:spPr>
+          <a:xfrm>
+            <a:off x="560030" y="7214261"/>
+            <a:ext cx="5853896" cy="0"/>
+          </a:xfrm>
+          <a:prstGeom prst="line">
+            <a:avLst/>
+          </a:prstGeom>
+          <a:ln>
+            <a:solidFill>
+              <a:srgbClr val="F05222"/>
+            </a:solidFill>
+          </a:ln>
+        </p:spPr>
+        <p:style>
+          <a:lnRef idx="2">
+            <a:schemeClr val="accent1"/>
+          </a:lnRef>
+          <a:fillRef idx="0">
+            <a:schemeClr val="accent1"/>
+          </a:fillRef>
+          <a:effectRef idx="1">
+            <a:schemeClr val="accent1"/>
+          </a:effectRef>
+          <a:fontRef idx="minor">
+            <a:schemeClr val="tx1"/>
+          </a:fontRef>
+        </p:style>
+      </p:cxnSp>
+    </p:spTree>
+    <p:extLst>
+      <p:ext uri="{BB962C8B-B14F-4D97-AF65-F5344CB8AC3E}">
+        <p14:creationId xmlns:p14="http://schemas.microsoft.com/office/powerpoint/2010/main" val="67062313"/>
+      </p:ext>
+    </p:extLst>
+  </p:cSld>
+  <p:clrMapOvr>
+    <a:masterClrMapping/>
+  </p:clrMapOvr>
+</p:sld>
+</file>
+
+<file path=ppt/slides/slide14.xml><?xml version="1.0" encoding="utf-8"?>
+<p:sld xmlns:a="http://schemas.openxmlformats.org/drawingml/2006/main" xmlns:r="http://schemas.openxmlformats.org/officeDocument/2006/relationships" xmlns:p="http://schemas.openxmlformats.org/presentationml/2006/main">
+  <p:cSld>
+    <p:bg>
+      <p:bgPr>
+        <a:solidFill>
+          <a:schemeClr val="bg1"/>
+        </a:solidFill>
+        <a:effectLst/>
+      </p:bgPr>
+    </p:bg>
+    <p:spTree>
+      <p:nvGrpSpPr>
+        <p:cNvPr id="1" name="">
+          <a:extLst>
+            <a:ext uri="{FF2B5EF4-FFF2-40B4-BE49-F238E27FC236}">
+              <a16:creationId xmlns:a16="http://schemas.microsoft.com/office/drawing/2014/main" id="{479C0781-E68C-7996-F5F1-3A70251C0B53}"/>
+            </a:ext>
+          </a:extLst>
+        </p:cNvPr>
+        <p:cNvGrpSpPr/>
+        <p:nvPr/>
+      </p:nvGrpSpPr>
+      <p:grpSpPr>
+        <a:xfrm>
+          <a:off x="0" y="0"/>
+          <a:ext cx="0" cy="0"/>
+          <a:chOff x="0" y="0"/>
+          <a:chExt cx="0" cy="0"/>
+        </a:xfrm>
+      </p:grpSpPr>
+      <p:sp>
+        <p:nvSpPr>
+          <p:cNvPr id="20" name="TextBox 19">
+            <a:extLst>
+              <a:ext uri="{FF2B5EF4-FFF2-40B4-BE49-F238E27FC236}">
+                <a16:creationId xmlns:a16="http://schemas.microsoft.com/office/drawing/2014/main" id="{3AC5B516-1D92-D556-F9B6-55A02407A038}"/>
+              </a:ext>
+            </a:extLst>
+          </p:cNvPr>
+          <p:cNvSpPr txBox="1"/>
+          <p:nvPr/>
+        </p:nvSpPr>
+        <p:spPr>
+          <a:xfrm>
+            <a:off x="348584" y="1678152"/>
+            <a:ext cx="6113173" cy="1528624"/>
+          </a:xfrm>
+          <a:prstGeom prst="rect">
+            <a:avLst/>
+          </a:prstGeom>
+          <a:noFill/>
+        </p:spPr>
+        <p:txBody>
+          <a:bodyPr wrap="square">
+            <a:spAutoFit/>
+          </a:bodyPr>
+          <a:lstStyle/>
+          <a:p>
+            <a:pPr>
+              <a:spcAft>
+                <a:spcPts val="800"/>
+              </a:spcAft>
+            </a:pPr>
+            <a:r>
+              <a:rPr lang="en-US" sz="1600" kern="100" dirty="0">
+                <a:effectLst/>
+                <a:latin typeface="Be Vietnam Pro" pitchFamily="2" charset="-93"/>
+                <a:ea typeface="DengXian" panose="02010600030101010101" pitchFamily="2" charset="-122"/>
+                <a:cs typeface="Times New Roman" panose="02020603050405020304" pitchFamily="18" charset="0"/>
+              </a:rPr>
+              <a:t>Represents the available languages.</a:t>
+            </a:r>
+          </a:p>
+          <a:p>
+            <a:pPr lvl="0">
+              <a:spcAft>
+                <a:spcPts val="800"/>
+              </a:spcAft>
+              <a:buSzPts val="1000"/>
+              <a:tabLst>
+                <a:tab pos="457200" algn="l"/>
+              </a:tabLst>
+            </a:pPr>
+            <a:r>
+              <a:rPr lang="en-US" sz="1600" b="1" kern="100" dirty="0" err="1">
+                <a:effectLst/>
+                <a:latin typeface="Be Vietnam Pro" pitchFamily="2" charset="-93"/>
+                <a:ea typeface="DengXian" panose="02010600030101010101" pitchFamily="2" charset="-122"/>
+                <a:cs typeface="Times New Roman" panose="02020603050405020304" pitchFamily="18" charset="0"/>
+              </a:rPr>
+              <a:t>language_id</a:t>
+            </a:r>
+            <a:r>
+              <a:rPr lang="en-US" sz="1600" b="1" kern="100" dirty="0">
+                <a:effectLst/>
+                <a:latin typeface="Be Vietnam Pro" pitchFamily="2" charset="-93"/>
+                <a:ea typeface="DengXian" panose="02010600030101010101" pitchFamily="2" charset="-122"/>
+                <a:cs typeface="Times New Roman" panose="02020603050405020304" pitchFamily="18" charset="0"/>
+              </a:rPr>
+              <a:t>: </a:t>
+            </a:r>
+            <a:r>
+              <a:rPr lang="en-US" sz="1600" kern="100" dirty="0">
+                <a:effectLst/>
+                <a:latin typeface="Be Vietnam Pro" pitchFamily="2" charset="-93"/>
+                <a:ea typeface="DengXian" panose="02010600030101010101" pitchFamily="2" charset="-122"/>
+                <a:cs typeface="Times New Roman" panose="02020603050405020304" pitchFamily="18" charset="0"/>
+              </a:rPr>
+              <a:t>Unique identifier for each language (Primary Key).</a:t>
+            </a:r>
+          </a:p>
+          <a:p>
+            <a:pPr lvl="0">
+              <a:spcAft>
+                <a:spcPts val="800"/>
+              </a:spcAft>
+              <a:buSzPts val="1000"/>
+              <a:tabLst>
+                <a:tab pos="457200" algn="l"/>
+              </a:tabLst>
+            </a:pPr>
+            <a:r>
+              <a:rPr lang="en-US" sz="1600" b="1" kern="100" dirty="0" err="1">
+                <a:effectLst/>
+                <a:latin typeface="Be Vietnam Pro" pitchFamily="2" charset="-93"/>
+                <a:ea typeface="DengXian" panose="02010600030101010101" pitchFamily="2" charset="-122"/>
+                <a:cs typeface="Times New Roman" panose="02020603050405020304" pitchFamily="18" charset="0"/>
+              </a:rPr>
+              <a:t>language_name</a:t>
+            </a:r>
+            <a:r>
+              <a:rPr lang="en-US" sz="1600" b="1" kern="100" dirty="0">
+                <a:effectLst/>
+                <a:latin typeface="Be Vietnam Pro" pitchFamily="2" charset="-93"/>
+                <a:ea typeface="DengXian" panose="02010600030101010101" pitchFamily="2" charset="-122"/>
+                <a:cs typeface="Times New Roman" panose="02020603050405020304" pitchFamily="18" charset="0"/>
+              </a:rPr>
+              <a:t>: </a:t>
+            </a:r>
+            <a:r>
+              <a:rPr lang="en-US" sz="1600" kern="100" dirty="0">
+                <a:effectLst/>
+                <a:latin typeface="Be Vietnam Pro" pitchFamily="2" charset="-93"/>
+                <a:ea typeface="DengXian" panose="02010600030101010101" pitchFamily="2" charset="-122"/>
+                <a:cs typeface="Times New Roman" panose="02020603050405020304" pitchFamily="18" charset="0"/>
+              </a:rPr>
+              <a:t>Name of the language (e.g., 'English', 'Spanish').</a:t>
+            </a:r>
+          </a:p>
+        </p:txBody>
+      </p:sp>
+      <p:sp>
+        <p:nvSpPr>
+          <p:cNvPr id="21" name="TextBox 20">
+            <a:extLst>
+              <a:ext uri="{FF2B5EF4-FFF2-40B4-BE49-F238E27FC236}">
+                <a16:creationId xmlns:a16="http://schemas.microsoft.com/office/drawing/2014/main" id="{25E1A4F2-F7AD-ABD3-3957-A8340059A1AE}"/>
+              </a:ext>
+            </a:extLst>
+          </p:cNvPr>
+          <p:cNvSpPr txBox="1"/>
+          <p:nvPr/>
+        </p:nvSpPr>
+        <p:spPr>
+          <a:xfrm>
+            <a:off x="348585" y="1010890"/>
+            <a:ext cx="3431892" cy="488275"/>
+          </a:xfrm>
+          <a:prstGeom prst="rect">
+            <a:avLst/>
+          </a:prstGeom>
+          <a:noFill/>
+        </p:spPr>
+        <p:txBody>
+          <a:bodyPr wrap="square">
+            <a:spAutoFit/>
+          </a:bodyPr>
+          <a:lstStyle/>
+          <a:p>
+            <a:pPr>
+              <a:lnSpc>
+                <a:spcPct val="115000"/>
+              </a:lnSpc>
+              <a:spcAft>
+                <a:spcPts val="800"/>
+              </a:spcAft>
+            </a:pPr>
+            <a:r>
+              <a:rPr lang="en-US" sz="2400" b="1" kern="100" dirty="0">
+                <a:effectLst/>
+                <a:latin typeface="Be Vietnam Pro" pitchFamily="2" charset="-93"/>
+                <a:ea typeface="DengXian" panose="02010600030101010101" pitchFamily="2" charset="-122"/>
+                <a:cs typeface="Times New Roman" panose="02020603050405020304" pitchFamily="18" charset="0"/>
+              </a:rPr>
+              <a:t>Language</a:t>
+            </a:r>
+            <a:endParaRPr lang="en-US" sz="2400" kern="100" dirty="0">
+              <a:effectLst/>
+              <a:latin typeface="Be Vietnam Pro" pitchFamily="2" charset="-93"/>
+              <a:ea typeface="DengXian" panose="02010600030101010101" pitchFamily="2" charset="-122"/>
+              <a:cs typeface="Times New Roman" panose="02020603050405020304" pitchFamily="18" charset="0"/>
+            </a:endParaRPr>
+          </a:p>
+        </p:txBody>
+      </p:sp>
+      <p:cxnSp>
+        <p:nvCxnSpPr>
+          <p:cNvPr id="22" name="Straight Connector 21">
+            <a:extLst>
+              <a:ext uri="{FF2B5EF4-FFF2-40B4-BE49-F238E27FC236}">
+                <a16:creationId xmlns:a16="http://schemas.microsoft.com/office/drawing/2014/main" id="{2EA35BF7-4242-95FD-9EFC-E06A320109BD}"/>
+              </a:ext>
+            </a:extLst>
+          </p:cNvPr>
+          <p:cNvCxnSpPr>
+            <a:cxnSpLocks/>
+          </p:cNvCxnSpPr>
+          <p:nvPr/>
+        </p:nvCxnSpPr>
+        <p:spPr>
+          <a:xfrm>
+            <a:off x="454307" y="1499165"/>
+            <a:ext cx="5853896" cy="0"/>
+          </a:xfrm>
+          <a:prstGeom prst="line">
+            <a:avLst/>
+          </a:prstGeom>
+          <a:ln>
+            <a:solidFill>
+              <a:srgbClr val="F05222"/>
+            </a:solidFill>
+          </a:ln>
+        </p:spPr>
+        <p:style>
+          <a:lnRef idx="2">
+            <a:schemeClr val="accent1"/>
+          </a:lnRef>
+          <a:fillRef idx="0">
+            <a:schemeClr val="accent1"/>
+          </a:fillRef>
+          <a:effectRef idx="1">
+            <a:schemeClr val="accent1"/>
+          </a:effectRef>
+          <a:fontRef idx="minor">
+            <a:schemeClr val="tx1"/>
+          </a:fontRef>
+        </p:style>
+      </p:cxnSp>
+      <p:sp>
+        <p:nvSpPr>
+          <p:cNvPr id="3" name="TextBox 2">
+            <a:extLst>
+              <a:ext uri="{FF2B5EF4-FFF2-40B4-BE49-F238E27FC236}">
+                <a16:creationId xmlns:a16="http://schemas.microsoft.com/office/drawing/2014/main" id="{9709E606-7FD4-200A-5727-BF4C79C9CC3A}"/>
+              </a:ext>
+            </a:extLst>
+          </p:cNvPr>
+          <p:cNvSpPr txBox="1"/>
+          <p:nvPr/>
+        </p:nvSpPr>
+        <p:spPr>
+          <a:xfrm>
+            <a:off x="454307" y="4362736"/>
+            <a:ext cx="6113173" cy="1874552"/>
+          </a:xfrm>
+          <a:prstGeom prst="rect">
+            <a:avLst/>
+          </a:prstGeom>
+          <a:noFill/>
+        </p:spPr>
+        <p:txBody>
+          <a:bodyPr wrap="square">
+            <a:spAutoFit/>
+          </a:bodyPr>
+          <a:lstStyle/>
+          <a:p>
+            <a:pPr>
+              <a:lnSpc>
+                <a:spcPct val="115000"/>
+              </a:lnSpc>
+              <a:spcAft>
+                <a:spcPts val="800"/>
+              </a:spcAft>
+            </a:pPr>
+            <a:r>
+              <a:rPr lang="en-US" sz="1800" kern="100" dirty="0">
+                <a:effectLst/>
+                <a:latin typeface="Aptos" panose="020B0004020202020204" pitchFamily="34" charset="0"/>
+                <a:ea typeface="DengXian" panose="02010600030101010101" pitchFamily="2" charset="-122"/>
+                <a:cs typeface="Times New Roman" panose="02020603050405020304" pitchFamily="18" charset="0"/>
+              </a:rPr>
+              <a:t>Tracks languages in which content is available.</a:t>
+            </a:r>
+          </a:p>
+          <a:p>
+            <a:pPr lvl="0">
+              <a:lnSpc>
+                <a:spcPct val="115000"/>
+              </a:lnSpc>
+              <a:spcAft>
+                <a:spcPts val="800"/>
+              </a:spcAft>
+              <a:buSzPts val="1000"/>
+              <a:tabLst>
+                <a:tab pos="457200" algn="l"/>
+              </a:tabLst>
+            </a:pPr>
+            <a:r>
+              <a:rPr lang="en-US" sz="1800" b="1" kern="100" dirty="0" err="1">
+                <a:effectLst/>
+                <a:latin typeface="Aptos" panose="020B0004020202020204" pitchFamily="34" charset="0"/>
+                <a:ea typeface="DengXian" panose="02010600030101010101" pitchFamily="2" charset="-122"/>
+                <a:cs typeface="Times New Roman" panose="02020603050405020304" pitchFamily="18" charset="0"/>
+              </a:rPr>
+              <a:t>content_id</a:t>
+            </a:r>
+            <a:r>
+              <a:rPr lang="en-US" sz="1800" b="1" kern="100" dirty="0">
+                <a:effectLst/>
+                <a:latin typeface="Aptos" panose="020B0004020202020204" pitchFamily="34" charset="0"/>
+                <a:ea typeface="DengXian" panose="02010600030101010101" pitchFamily="2" charset="-122"/>
+                <a:cs typeface="Times New Roman" panose="02020603050405020304" pitchFamily="18" charset="0"/>
+              </a:rPr>
+              <a:t>: </a:t>
+            </a:r>
+            <a:r>
+              <a:rPr lang="en-US" sz="1800" kern="100" dirty="0">
+                <a:effectLst/>
+                <a:latin typeface="Aptos" panose="020B0004020202020204" pitchFamily="34" charset="0"/>
+                <a:ea typeface="DengXian" panose="02010600030101010101" pitchFamily="2" charset="-122"/>
+                <a:cs typeface="Times New Roman" panose="02020603050405020304" pitchFamily="18" charset="0"/>
+              </a:rPr>
+              <a:t>Identifier of the content (Foreign Key referencing </a:t>
+            </a:r>
+            <a:r>
+              <a:rPr lang="en-US" sz="1800" kern="100" dirty="0" err="1">
+                <a:effectLst/>
+                <a:latin typeface="Aptos" panose="020B0004020202020204" pitchFamily="34" charset="0"/>
+                <a:ea typeface="DengXian" panose="02010600030101010101" pitchFamily="2" charset="-122"/>
+                <a:cs typeface="Times New Roman" panose="02020603050405020304" pitchFamily="18" charset="0"/>
+              </a:rPr>
+              <a:t>Content.content_id</a:t>
+            </a:r>
+            <a:r>
+              <a:rPr lang="en-US" sz="1800" kern="100" dirty="0">
+                <a:effectLst/>
+                <a:latin typeface="Aptos" panose="020B0004020202020204" pitchFamily="34" charset="0"/>
+                <a:ea typeface="DengXian" panose="02010600030101010101" pitchFamily="2" charset="-122"/>
+                <a:cs typeface="Times New Roman" panose="02020603050405020304" pitchFamily="18" charset="0"/>
+              </a:rPr>
+              <a:t>).</a:t>
+            </a:r>
+          </a:p>
+          <a:p>
+            <a:pPr lvl="0">
+              <a:lnSpc>
+                <a:spcPct val="115000"/>
+              </a:lnSpc>
+              <a:spcAft>
+                <a:spcPts val="800"/>
+              </a:spcAft>
+              <a:buSzPts val="1000"/>
+              <a:tabLst>
+                <a:tab pos="457200" algn="l"/>
+              </a:tabLst>
+            </a:pPr>
+            <a:r>
+              <a:rPr lang="en-US" sz="1800" b="1" kern="100" dirty="0" err="1">
+                <a:effectLst/>
+                <a:latin typeface="Aptos" panose="020B0004020202020204" pitchFamily="34" charset="0"/>
+                <a:ea typeface="DengXian" panose="02010600030101010101" pitchFamily="2" charset="-122"/>
+                <a:cs typeface="Times New Roman" panose="02020603050405020304" pitchFamily="18" charset="0"/>
+              </a:rPr>
+              <a:t>language_id</a:t>
+            </a:r>
+            <a:r>
+              <a:rPr lang="en-US" sz="1800" b="1" kern="100" dirty="0">
+                <a:effectLst/>
+                <a:latin typeface="Aptos" panose="020B0004020202020204" pitchFamily="34" charset="0"/>
+                <a:ea typeface="DengXian" panose="02010600030101010101" pitchFamily="2" charset="-122"/>
+                <a:cs typeface="Times New Roman" panose="02020603050405020304" pitchFamily="18" charset="0"/>
+              </a:rPr>
+              <a:t>: </a:t>
+            </a:r>
+            <a:r>
+              <a:rPr lang="en-US" sz="1800" kern="100" dirty="0">
+                <a:effectLst/>
+                <a:latin typeface="Aptos" panose="020B0004020202020204" pitchFamily="34" charset="0"/>
+                <a:ea typeface="DengXian" panose="02010600030101010101" pitchFamily="2" charset="-122"/>
+                <a:cs typeface="Times New Roman" panose="02020603050405020304" pitchFamily="18" charset="0"/>
+              </a:rPr>
+              <a:t>Identifier of the language (Foreign Key referencing </a:t>
+            </a:r>
+            <a:r>
+              <a:rPr lang="en-US" sz="1800" kern="100" dirty="0" err="1">
+                <a:effectLst/>
+                <a:latin typeface="Aptos" panose="020B0004020202020204" pitchFamily="34" charset="0"/>
+                <a:ea typeface="DengXian" panose="02010600030101010101" pitchFamily="2" charset="-122"/>
+                <a:cs typeface="Times New Roman" panose="02020603050405020304" pitchFamily="18" charset="0"/>
+              </a:rPr>
+              <a:t>Language.language_id</a:t>
+            </a:r>
+            <a:r>
+              <a:rPr lang="en-US" sz="1800" kern="100" dirty="0">
+                <a:effectLst/>
+                <a:latin typeface="Aptos" panose="020B0004020202020204" pitchFamily="34" charset="0"/>
+                <a:ea typeface="DengXian" panose="02010600030101010101" pitchFamily="2" charset="-122"/>
+                <a:cs typeface="Times New Roman" panose="02020603050405020304" pitchFamily="18" charset="0"/>
+              </a:rPr>
+              <a:t>).</a:t>
+            </a:r>
+          </a:p>
+        </p:txBody>
+      </p:sp>
+      <p:sp>
+        <p:nvSpPr>
+          <p:cNvPr id="12" name="TextBox 11">
+            <a:extLst>
+              <a:ext uri="{FF2B5EF4-FFF2-40B4-BE49-F238E27FC236}">
+                <a16:creationId xmlns:a16="http://schemas.microsoft.com/office/drawing/2014/main" id="{86AF26A7-BA74-38EE-458C-152AE5C2B1ED}"/>
+              </a:ext>
+            </a:extLst>
+          </p:cNvPr>
+          <p:cNvSpPr txBox="1"/>
+          <p:nvPr/>
+        </p:nvSpPr>
+        <p:spPr>
+          <a:xfrm>
+            <a:off x="454308" y="3695474"/>
+            <a:ext cx="3431892" cy="488275"/>
+          </a:xfrm>
+          <a:prstGeom prst="rect">
+            <a:avLst/>
+          </a:prstGeom>
+          <a:noFill/>
+        </p:spPr>
+        <p:txBody>
+          <a:bodyPr wrap="square">
+            <a:spAutoFit/>
+          </a:bodyPr>
+          <a:lstStyle/>
+          <a:p>
+            <a:pPr>
+              <a:lnSpc>
+                <a:spcPct val="115000"/>
+              </a:lnSpc>
+              <a:spcAft>
+                <a:spcPts val="800"/>
+              </a:spcAft>
+            </a:pPr>
+            <a:r>
+              <a:rPr lang="en-US" sz="2400" b="1" kern="100" dirty="0" err="1">
+                <a:effectLst/>
+                <a:latin typeface="Be Vietnam Pro" pitchFamily="2" charset="-93"/>
+                <a:ea typeface="DengXian" panose="02010600030101010101" pitchFamily="2" charset="-122"/>
+                <a:cs typeface="Times New Roman" panose="02020603050405020304" pitchFamily="18" charset="0"/>
+              </a:rPr>
+              <a:t>Language_available</a:t>
+            </a:r>
+            <a:endParaRPr lang="en-US" sz="2400" kern="100" dirty="0">
+              <a:effectLst/>
+              <a:latin typeface="Be Vietnam Pro" pitchFamily="2" charset="-93"/>
+              <a:ea typeface="DengXian" panose="02010600030101010101" pitchFamily="2" charset="-122"/>
+              <a:cs typeface="Times New Roman" panose="02020603050405020304" pitchFamily="18" charset="0"/>
+            </a:endParaRPr>
+          </a:p>
+        </p:txBody>
+      </p:sp>
+      <p:cxnSp>
+        <p:nvCxnSpPr>
+          <p:cNvPr id="13" name="Straight Connector 12">
+            <a:extLst>
+              <a:ext uri="{FF2B5EF4-FFF2-40B4-BE49-F238E27FC236}">
+                <a16:creationId xmlns:a16="http://schemas.microsoft.com/office/drawing/2014/main" id="{E1D79F43-C200-FC6A-7DCA-26909AA62F36}"/>
+              </a:ext>
+            </a:extLst>
+          </p:cNvPr>
+          <p:cNvCxnSpPr>
+            <a:cxnSpLocks/>
+          </p:cNvCxnSpPr>
+          <p:nvPr/>
+        </p:nvCxnSpPr>
+        <p:spPr>
+          <a:xfrm>
+            <a:off x="560030" y="4183749"/>
+            <a:ext cx="5853896" cy="0"/>
+          </a:xfrm>
+          <a:prstGeom prst="line">
+            <a:avLst/>
+          </a:prstGeom>
+          <a:ln>
+            <a:solidFill>
+              <a:srgbClr val="F05222"/>
+            </a:solidFill>
+          </a:ln>
+        </p:spPr>
+        <p:style>
+          <a:lnRef idx="2">
+            <a:schemeClr val="accent1"/>
+          </a:lnRef>
+          <a:fillRef idx="0">
+            <a:schemeClr val="accent1"/>
+          </a:fillRef>
+          <a:effectRef idx="1">
+            <a:schemeClr val="accent1"/>
+          </a:effectRef>
+          <a:fontRef idx="minor">
+            <a:schemeClr val="tx1"/>
+          </a:fontRef>
+        </p:style>
+      </p:cxnSp>
+      <p:sp>
+        <p:nvSpPr>
+          <p:cNvPr id="14" name="TextBox 13">
+            <a:extLst>
+              <a:ext uri="{FF2B5EF4-FFF2-40B4-BE49-F238E27FC236}">
+                <a16:creationId xmlns:a16="http://schemas.microsoft.com/office/drawing/2014/main" id="{8DD88AE7-F6AC-FFF3-044B-B38532881C7E}"/>
+              </a:ext>
+            </a:extLst>
+          </p:cNvPr>
+          <p:cNvSpPr txBox="1"/>
+          <p:nvPr/>
+        </p:nvSpPr>
+        <p:spPr>
+          <a:xfrm>
+            <a:off x="454307" y="7393248"/>
+            <a:ext cx="6113173" cy="1874552"/>
+          </a:xfrm>
+          <a:prstGeom prst="rect">
+            <a:avLst/>
+          </a:prstGeom>
+          <a:noFill/>
+        </p:spPr>
+        <p:txBody>
+          <a:bodyPr wrap="square">
+            <a:spAutoFit/>
+          </a:bodyPr>
+          <a:lstStyle/>
+          <a:p>
+            <a:pPr>
+              <a:lnSpc>
+                <a:spcPct val="115000"/>
+              </a:lnSpc>
+              <a:spcAft>
+                <a:spcPts val="800"/>
+              </a:spcAft>
+            </a:pPr>
+            <a:r>
+              <a:rPr lang="en-US" sz="1800" kern="100" dirty="0">
+                <a:effectLst/>
+                <a:latin typeface="Aptos" panose="020B0004020202020204" pitchFamily="34" charset="0"/>
+                <a:ea typeface="DengXian" panose="02010600030101010101" pitchFamily="2" charset="-122"/>
+                <a:cs typeface="Times New Roman" panose="02020603050405020304" pitchFamily="18" charset="0"/>
+              </a:rPr>
+              <a:t>Maps countries to their officially supported languages.</a:t>
+            </a:r>
+          </a:p>
+          <a:p>
+            <a:pPr lvl="0">
+              <a:lnSpc>
+                <a:spcPct val="115000"/>
+              </a:lnSpc>
+              <a:spcAft>
+                <a:spcPts val="800"/>
+              </a:spcAft>
+              <a:buSzPts val="1000"/>
+              <a:tabLst>
+                <a:tab pos="457200" algn="l"/>
+              </a:tabLst>
+            </a:pPr>
+            <a:r>
+              <a:rPr lang="en-US" sz="1800" b="1" kern="100" dirty="0" err="1">
+                <a:effectLst/>
+                <a:latin typeface="Aptos" panose="020B0004020202020204" pitchFamily="34" charset="0"/>
+                <a:ea typeface="DengXian" panose="02010600030101010101" pitchFamily="2" charset="-122"/>
+                <a:cs typeface="Times New Roman" panose="02020603050405020304" pitchFamily="18" charset="0"/>
+              </a:rPr>
+              <a:t>country_id</a:t>
+            </a:r>
+            <a:r>
+              <a:rPr lang="en-US" sz="1800" b="1" kern="100" dirty="0">
+                <a:effectLst/>
+                <a:latin typeface="Aptos" panose="020B0004020202020204" pitchFamily="34" charset="0"/>
+                <a:ea typeface="DengXian" panose="02010600030101010101" pitchFamily="2" charset="-122"/>
+                <a:cs typeface="Times New Roman" panose="02020603050405020304" pitchFamily="18" charset="0"/>
+              </a:rPr>
+              <a:t>: </a:t>
+            </a:r>
+            <a:r>
+              <a:rPr lang="en-US" sz="1800" kern="100" dirty="0">
+                <a:effectLst/>
+                <a:latin typeface="Aptos" panose="020B0004020202020204" pitchFamily="34" charset="0"/>
+                <a:ea typeface="DengXian" panose="02010600030101010101" pitchFamily="2" charset="-122"/>
+                <a:cs typeface="Times New Roman" panose="02020603050405020304" pitchFamily="18" charset="0"/>
+              </a:rPr>
+              <a:t>Identifier of the country (Foreign Key referencing </a:t>
+            </a:r>
+            <a:r>
+              <a:rPr lang="en-US" sz="1800" kern="100" dirty="0" err="1">
+                <a:effectLst/>
+                <a:latin typeface="Aptos" panose="020B0004020202020204" pitchFamily="34" charset="0"/>
+                <a:ea typeface="DengXian" panose="02010600030101010101" pitchFamily="2" charset="-122"/>
+                <a:cs typeface="Times New Roman" panose="02020603050405020304" pitchFamily="18" charset="0"/>
+              </a:rPr>
+              <a:t>Country.country_id</a:t>
+            </a:r>
+            <a:r>
+              <a:rPr lang="en-US" sz="1800" kern="100" dirty="0">
+                <a:effectLst/>
+                <a:latin typeface="Aptos" panose="020B0004020202020204" pitchFamily="34" charset="0"/>
+                <a:ea typeface="DengXian" panose="02010600030101010101" pitchFamily="2" charset="-122"/>
+                <a:cs typeface="Times New Roman" panose="02020603050405020304" pitchFamily="18" charset="0"/>
+              </a:rPr>
+              <a:t>).</a:t>
+            </a:r>
+          </a:p>
+          <a:p>
+            <a:pPr lvl="0">
+              <a:lnSpc>
+                <a:spcPct val="115000"/>
+              </a:lnSpc>
+              <a:spcAft>
+                <a:spcPts val="800"/>
+              </a:spcAft>
+              <a:buSzPts val="1000"/>
+              <a:tabLst>
+                <a:tab pos="457200" algn="l"/>
+              </a:tabLst>
+            </a:pPr>
+            <a:r>
+              <a:rPr lang="en-US" sz="1800" b="1" kern="100" dirty="0" err="1">
+                <a:effectLst/>
+                <a:latin typeface="Aptos" panose="020B0004020202020204" pitchFamily="34" charset="0"/>
+                <a:ea typeface="DengXian" panose="02010600030101010101" pitchFamily="2" charset="-122"/>
+                <a:cs typeface="Times New Roman" panose="02020603050405020304" pitchFamily="18" charset="0"/>
+              </a:rPr>
+              <a:t>language_id</a:t>
+            </a:r>
+            <a:r>
+              <a:rPr lang="en-US" sz="1800" b="1" kern="100" dirty="0">
+                <a:effectLst/>
+                <a:latin typeface="Aptos" panose="020B0004020202020204" pitchFamily="34" charset="0"/>
+                <a:ea typeface="DengXian" panose="02010600030101010101" pitchFamily="2" charset="-122"/>
+                <a:cs typeface="Times New Roman" panose="02020603050405020304" pitchFamily="18" charset="0"/>
+              </a:rPr>
+              <a:t>: </a:t>
+            </a:r>
+            <a:r>
+              <a:rPr lang="en-US" sz="1800" kern="100" dirty="0">
+                <a:effectLst/>
+                <a:latin typeface="Aptos" panose="020B0004020202020204" pitchFamily="34" charset="0"/>
+                <a:ea typeface="DengXian" panose="02010600030101010101" pitchFamily="2" charset="-122"/>
+                <a:cs typeface="Times New Roman" panose="02020603050405020304" pitchFamily="18" charset="0"/>
+              </a:rPr>
+              <a:t>Identifier of the language (Foreign Key referencing </a:t>
+            </a:r>
+            <a:r>
+              <a:rPr lang="en-US" sz="1800" kern="100" dirty="0" err="1">
+                <a:effectLst/>
+                <a:latin typeface="Aptos" panose="020B0004020202020204" pitchFamily="34" charset="0"/>
+                <a:ea typeface="DengXian" panose="02010600030101010101" pitchFamily="2" charset="-122"/>
+                <a:cs typeface="Times New Roman" panose="02020603050405020304" pitchFamily="18" charset="0"/>
+              </a:rPr>
+              <a:t>Language.language_id</a:t>
+            </a:r>
+            <a:r>
+              <a:rPr lang="en-US" sz="1800" kern="100" dirty="0">
+                <a:effectLst/>
+                <a:latin typeface="Aptos" panose="020B0004020202020204" pitchFamily="34" charset="0"/>
+                <a:ea typeface="DengXian" panose="02010600030101010101" pitchFamily="2" charset="-122"/>
+                <a:cs typeface="Times New Roman" panose="02020603050405020304" pitchFamily="18" charset="0"/>
+              </a:rPr>
+              <a:t>).</a:t>
+            </a:r>
+          </a:p>
+        </p:txBody>
+      </p:sp>
+      <p:sp>
+        <p:nvSpPr>
+          <p:cNvPr id="15" name="TextBox 14">
+            <a:extLst>
+              <a:ext uri="{FF2B5EF4-FFF2-40B4-BE49-F238E27FC236}">
+                <a16:creationId xmlns:a16="http://schemas.microsoft.com/office/drawing/2014/main" id="{4BC79834-EE5B-FEAA-FF9C-143501DCB730}"/>
+              </a:ext>
+            </a:extLst>
+          </p:cNvPr>
+          <p:cNvSpPr txBox="1"/>
+          <p:nvPr/>
+        </p:nvSpPr>
+        <p:spPr>
+          <a:xfrm>
+            <a:off x="454308" y="6725986"/>
+            <a:ext cx="3431892" cy="488275"/>
+          </a:xfrm>
+          <a:prstGeom prst="rect">
+            <a:avLst/>
+          </a:prstGeom>
+          <a:noFill/>
+        </p:spPr>
+        <p:txBody>
+          <a:bodyPr wrap="square">
+            <a:spAutoFit/>
+          </a:bodyPr>
+          <a:lstStyle/>
+          <a:p>
+            <a:pPr>
+              <a:lnSpc>
+                <a:spcPct val="115000"/>
+              </a:lnSpc>
+              <a:spcAft>
+                <a:spcPts val="800"/>
+              </a:spcAft>
+            </a:pPr>
+            <a:r>
+              <a:rPr lang="en-US" sz="2400" b="1" kern="100" dirty="0" err="1">
+                <a:effectLst/>
+                <a:latin typeface="Be Vietnam Pro" pitchFamily="2" charset="-93"/>
+                <a:ea typeface="DengXian" panose="02010600030101010101" pitchFamily="2" charset="-122"/>
+                <a:cs typeface="Times New Roman" panose="02020603050405020304" pitchFamily="18" charset="0"/>
+              </a:rPr>
+              <a:t>Country_language</a:t>
+            </a:r>
+            <a:endParaRPr lang="en-US" sz="2400" kern="100" dirty="0">
+              <a:effectLst/>
+              <a:latin typeface="Be Vietnam Pro" pitchFamily="2" charset="-93"/>
+              <a:ea typeface="DengXian" panose="02010600030101010101" pitchFamily="2" charset="-122"/>
+              <a:cs typeface="Times New Roman" panose="02020603050405020304" pitchFamily="18" charset="0"/>
+            </a:endParaRPr>
+          </a:p>
+        </p:txBody>
+      </p:sp>
+      <p:cxnSp>
+        <p:nvCxnSpPr>
+          <p:cNvPr id="16" name="Straight Connector 15">
+            <a:extLst>
+              <a:ext uri="{FF2B5EF4-FFF2-40B4-BE49-F238E27FC236}">
+                <a16:creationId xmlns:a16="http://schemas.microsoft.com/office/drawing/2014/main" id="{8E411E65-17EA-A92A-2832-FEBBC8988C08}"/>
+              </a:ext>
+            </a:extLst>
+          </p:cNvPr>
+          <p:cNvCxnSpPr>
+            <a:cxnSpLocks/>
+          </p:cNvCxnSpPr>
+          <p:nvPr/>
+        </p:nvCxnSpPr>
+        <p:spPr>
+          <a:xfrm>
+            <a:off x="560030" y="7214261"/>
+            <a:ext cx="5853896" cy="0"/>
+          </a:xfrm>
+          <a:prstGeom prst="line">
+            <a:avLst/>
+          </a:prstGeom>
+          <a:ln>
+            <a:solidFill>
+              <a:srgbClr val="F05222"/>
+            </a:solidFill>
+          </a:ln>
+        </p:spPr>
+        <p:style>
+          <a:lnRef idx="2">
+            <a:schemeClr val="accent1"/>
+          </a:lnRef>
+          <a:fillRef idx="0">
+            <a:schemeClr val="accent1"/>
+          </a:fillRef>
+          <a:effectRef idx="1">
+            <a:schemeClr val="accent1"/>
+          </a:effectRef>
+          <a:fontRef idx="minor">
+            <a:schemeClr val="tx1"/>
+          </a:fontRef>
+        </p:style>
+      </p:cxnSp>
+    </p:spTree>
+    <p:extLst>
+      <p:ext uri="{BB962C8B-B14F-4D97-AF65-F5344CB8AC3E}">
+        <p14:creationId xmlns:p14="http://schemas.microsoft.com/office/powerpoint/2010/main" val="2317249222"/>
+      </p:ext>
+    </p:extLst>
+  </p:cSld>
+  <p:clrMapOvr>
+    <a:masterClrMapping/>
+  </p:clrMapOvr>
+</p:sld>
+</file>
+
+<file path=ppt/slides/slide15.xml><?xml version="1.0" encoding="utf-8"?>
+<p:sld xmlns:a="http://schemas.openxmlformats.org/drawingml/2006/main" xmlns:r="http://schemas.openxmlformats.org/officeDocument/2006/relationships" xmlns:p="http://schemas.openxmlformats.org/presentationml/2006/main">
+  <p:cSld>
+    <p:bg>
+      <p:bgPr>
+        <a:solidFill>
+          <a:schemeClr val="bg1"/>
+        </a:solidFill>
+        <a:effectLst/>
+      </p:bgPr>
+    </p:bg>
+    <p:spTree>
+      <p:nvGrpSpPr>
+        <p:cNvPr id="1" name="">
+          <a:extLst>
+            <a:ext uri="{FF2B5EF4-FFF2-40B4-BE49-F238E27FC236}">
+              <a16:creationId xmlns:a16="http://schemas.microsoft.com/office/drawing/2014/main" id="{8197BBA4-EA5A-0E8A-9186-02EF738921C3}"/>
+            </a:ext>
+          </a:extLst>
+        </p:cNvPr>
+        <p:cNvGrpSpPr/>
+        <p:nvPr/>
+      </p:nvGrpSpPr>
+      <p:grpSpPr>
+        <a:xfrm>
+          <a:off x="0" y="0"/>
+          <a:ext cx="0" cy="0"/>
+          <a:chOff x="0" y="0"/>
+          <a:chExt cx="0" cy="0"/>
+        </a:xfrm>
+      </p:grpSpPr>
+      <p:sp>
+        <p:nvSpPr>
+          <p:cNvPr id="20" name="TextBox 19">
+            <a:extLst>
+              <a:ext uri="{FF2B5EF4-FFF2-40B4-BE49-F238E27FC236}">
+                <a16:creationId xmlns:a16="http://schemas.microsoft.com/office/drawing/2014/main" id="{188F56B2-5A28-B767-F19B-23143BF5177E}"/>
+              </a:ext>
+            </a:extLst>
+          </p:cNvPr>
+          <p:cNvSpPr txBox="1"/>
+          <p:nvPr/>
+        </p:nvSpPr>
+        <p:spPr>
+          <a:xfrm>
+            <a:off x="348584" y="1678152"/>
+            <a:ext cx="6113173" cy="3662541"/>
+          </a:xfrm>
+          <a:prstGeom prst="rect">
+            <a:avLst/>
+          </a:prstGeom>
+          <a:noFill/>
+        </p:spPr>
+        <p:txBody>
+          <a:bodyPr wrap="square">
+            <a:spAutoFit/>
+          </a:bodyPr>
+          <a:lstStyle/>
+          <a:p>
+            <a:pPr>
+              <a:spcAft>
+                <a:spcPts val="800"/>
+              </a:spcAft>
+            </a:pPr>
+            <a:r>
+              <a:rPr lang="en-US" sz="1600" kern="100" dirty="0">
+                <a:effectLst/>
+                <a:latin typeface="Be Vietnam Pro" pitchFamily="2" charset="-93"/>
+                <a:ea typeface="DengXian" panose="02010600030101010101" pitchFamily="2" charset="-122"/>
+                <a:cs typeface="Times New Roman" panose="02020603050405020304" pitchFamily="18" charset="0"/>
+              </a:rPr>
+              <a:t>Tracks users' viewing activities on the platform.</a:t>
+            </a:r>
+          </a:p>
+          <a:p>
+            <a:pPr lvl="0">
+              <a:spcAft>
+                <a:spcPts val="800"/>
+              </a:spcAft>
+              <a:buSzPts val="1000"/>
+              <a:tabLst>
+                <a:tab pos="457200" algn="l"/>
+              </a:tabLst>
+            </a:pPr>
+            <a:r>
+              <a:rPr lang="en-US" sz="1600" b="1" kern="100" dirty="0" err="1">
+                <a:effectLst/>
+                <a:latin typeface="Be Vietnam Pro" pitchFamily="2" charset="-93"/>
+                <a:ea typeface="DengXian" panose="02010600030101010101" pitchFamily="2" charset="-122"/>
+                <a:cs typeface="Times New Roman" panose="02020603050405020304" pitchFamily="18" charset="0"/>
+              </a:rPr>
+              <a:t>user_id</a:t>
+            </a:r>
+            <a:r>
+              <a:rPr lang="en-US" sz="1600" b="1" kern="100" dirty="0">
+                <a:effectLst/>
+                <a:latin typeface="Be Vietnam Pro" pitchFamily="2" charset="-93"/>
+                <a:ea typeface="DengXian" panose="02010600030101010101" pitchFamily="2" charset="-122"/>
+                <a:cs typeface="Times New Roman" panose="02020603050405020304" pitchFamily="18" charset="0"/>
+              </a:rPr>
+              <a:t>: </a:t>
+            </a:r>
+            <a:r>
+              <a:rPr lang="en-US" sz="1600" kern="100" dirty="0">
+                <a:effectLst/>
+                <a:latin typeface="Be Vietnam Pro" pitchFamily="2" charset="-93"/>
+                <a:ea typeface="DengXian" panose="02010600030101010101" pitchFamily="2" charset="-122"/>
+                <a:cs typeface="Times New Roman" panose="02020603050405020304" pitchFamily="18" charset="0"/>
+              </a:rPr>
+              <a:t>Identifier of the user (Foreign Key referencing </a:t>
+            </a:r>
+            <a:r>
+              <a:rPr lang="en-US" sz="1600" kern="100" dirty="0" err="1">
+                <a:effectLst/>
+                <a:latin typeface="Be Vietnam Pro" pitchFamily="2" charset="-93"/>
+                <a:ea typeface="DengXian" panose="02010600030101010101" pitchFamily="2" charset="-122"/>
+                <a:cs typeface="Times New Roman" panose="02020603050405020304" pitchFamily="18" charset="0"/>
+              </a:rPr>
+              <a:t>Users.user_id</a:t>
+            </a:r>
+            <a:r>
+              <a:rPr lang="en-US" sz="1600" kern="100" dirty="0">
+                <a:effectLst/>
+                <a:latin typeface="Be Vietnam Pro" pitchFamily="2" charset="-93"/>
+                <a:ea typeface="DengXian" panose="02010600030101010101" pitchFamily="2" charset="-122"/>
+                <a:cs typeface="Times New Roman" panose="02020603050405020304" pitchFamily="18" charset="0"/>
+              </a:rPr>
+              <a:t>).</a:t>
+            </a:r>
+          </a:p>
+          <a:p>
+            <a:pPr lvl="0">
+              <a:spcAft>
+                <a:spcPts val="800"/>
+              </a:spcAft>
+              <a:buSzPts val="1000"/>
+              <a:tabLst>
+                <a:tab pos="457200" algn="l"/>
+              </a:tabLst>
+            </a:pPr>
+            <a:r>
+              <a:rPr lang="en-US" sz="1600" b="1" kern="100" dirty="0" err="1">
+                <a:effectLst/>
+                <a:latin typeface="Be Vietnam Pro" pitchFamily="2" charset="-93"/>
+                <a:ea typeface="DengXian" panose="02010600030101010101" pitchFamily="2" charset="-122"/>
+                <a:cs typeface="Times New Roman" panose="02020603050405020304" pitchFamily="18" charset="0"/>
+              </a:rPr>
+              <a:t>content_id</a:t>
+            </a:r>
+            <a:r>
+              <a:rPr lang="en-US" sz="1600" b="1" kern="100" dirty="0">
+                <a:effectLst/>
+                <a:latin typeface="Be Vietnam Pro" pitchFamily="2" charset="-93"/>
+                <a:ea typeface="DengXian" panose="02010600030101010101" pitchFamily="2" charset="-122"/>
+                <a:cs typeface="Times New Roman" panose="02020603050405020304" pitchFamily="18" charset="0"/>
+              </a:rPr>
+              <a:t>: </a:t>
+            </a:r>
+            <a:r>
+              <a:rPr lang="en-US" sz="1600" kern="100" dirty="0">
+                <a:effectLst/>
+                <a:latin typeface="Be Vietnam Pro" pitchFamily="2" charset="-93"/>
+                <a:ea typeface="DengXian" panose="02010600030101010101" pitchFamily="2" charset="-122"/>
+                <a:cs typeface="Times New Roman" panose="02020603050405020304" pitchFamily="18" charset="0"/>
+              </a:rPr>
+              <a:t>Identifier of the content (Foreign Key referencing </a:t>
+            </a:r>
+            <a:r>
+              <a:rPr lang="en-US" sz="1600" kern="100" dirty="0" err="1">
+                <a:effectLst/>
+                <a:latin typeface="Be Vietnam Pro" pitchFamily="2" charset="-93"/>
+                <a:ea typeface="DengXian" panose="02010600030101010101" pitchFamily="2" charset="-122"/>
+                <a:cs typeface="Times New Roman" panose="02020603050405020304" pitchFamily="18" charset="0"/>
+              </a:rPr>
+              <a:t>Episode.content_id</a:t>
+            </a:r>
+            <a:r>
+              <a:rPr lang="en-US" sz="1600" kern="100" dirty="0">
+                <a:effectLst/>
+                <a:latin typeface="Be Vietnam Pro" pitchFamily="2" charset="-93"/>
+                <a:ea typeface="DengXian" panose="02010600030101010101" pitchFamily="2" charset="-122"/>
+                <a:cs typeface="Times New Roman" panose="02020603050405020304" pitchFamily="18" charset="0"/>
+              </a:rPr>
+              <a:t>).</a:t>
+            </a:r>
+          </a:p>
+          <a:p>
+            <a:pPr lvl="0">
+              <a:spcAft>
+                <a:spcPts val="800"/>
+              </a:spcAft>
+              <a:buSzPts val="1000"/>
+              <a:tabLst>
+                <a:tab pos="457200" algn="l"/>
+              </a:tabLst>
+            </a:pPr>
+            <a:r>
+              <a:rPr lang="en-US" sz="1600" b="1" kern="100" dirty="0" err="1">
+                <a:effectLst/>
+                <a:latin typeface="Be Vietnam Pro" pitchFamily="2" charset="-93"/>
+                <a:ea typeface="DengXian" panose="02010600030101010101" pitchFamily="2" charset="-122"/>
+                <a:cs typeface="Times New Roman" panose="02020603050405020304" pitchFamily="18" charset="0"/>
+              </a:rPr>
+              <a:t>episode_no</a:t>
+            </a:r>
+            <a:r>
+              <a:rPr lang="en-US" sz="1600" b="1" kern="100" dirty="0">
+                <a:effectLst/>
+                <a:latin typeface="Be Vietnam Pro" pitchFamily="2" charset="-93"/>
+                <a:ea typeface="DengXian" panose="02010600030101010101" pitchFamily="2" charset="-122"/>
+                <a:cs typeface="Times New Roman" panose="02020603050405020304" pitchFamily="18" charset="0"/>
+              </a:rPr>
+              <a:t>: </a:t>
+            </a:r>
+            <a:r>
+              <a:rPr lang="en-US" sz="1600" kern="100" dirty="0">
+                <a:effectLst/>
+                <a:latin typeface="Be Vietnam Pro" pitchFamily="2" charset="-93"/>
+                <a:ea typeface="DengXian" panose="02010600030101010101" pitchFamily="2" charset="-122"/>
+                <a:cs typeface="Times New Roman" panose="02020603050405020304" pitchFamily="18" charset="0"/>
+              </a:rPr>
+              <a:t>Episode number (Foreign Key referencing </a:t>
+            </a:r>
+            <a:r>
+              <a:rPr lang="en-US" sz="1600" kern="100" dirty="0" err="1">
+                <a:effectLst/>
+                <a:latin typeface="Be Vietnam Pro" pitchFamily="2" charset="-93"/>
+                <a:ea typeface="DengXian" panose="02010600030101010101" pitchFamily="2" charset="-122"/>
+                <a:cs typeface="Times New Roman" panose="02020603050405020304" pitchFamily="18" charset="0"/>
+              </a:rPr>
+              <a:t>Episode.episode_no</a:t>
+            </a:r>
+            <a:r>
+              <a:rPr lang="en-US" sz="1600" kern="100" dirty="0">
+                <a:effectLst/>
+                <a:latin typeface="Be Vietnam Pro" pitchFamily="2" charset="-93"/>
+                <a:ea typeface="DengXian" panose="02010600030101010101" pitchFamily="2" charset="-122"/>
+                <a:cs typeface="Times New Roman" panose="02020603050405020304" pitchFamily="18" charset="0"/>
+              </a:rPr>
+              <a:t>).</a:t>
+            </a:r>
+          </a:p>
+          <a:p>
+            <a:pPr lvl="0">
+              <a:spcAft>
+                <a:spcPts val="800"/>
+              </a:spcAft>
+              <a:buSzPts val="1000"/>
+              <a:tabLst>
+                <a:tab pos="457200" algn="l"/>
+              </a:tabLst>
+            </a:pPr>
+            <a:r>
+              <a:rPr lang="en-US" sz="1600" b="1" kern="100" dirty="0" err="1">
+                <a:effectLst/>
+                <a:latin typeface="Be Vietnam Pro" pitchFamily="2" charset="-93"/>
+                <a:ea typeface="DengXian" panose="02010600030101010101" pitchFamily="2" charset="-122"/>
+                <a:cs typeface="Times New Roman" panose="02020603050405020304" pitchFamily="18" charset="0"/>
+              </a:rPr>
+              <a:t>view_time</a:t>
+            </a:r>
+            <a:r>
+              <a:rPr lang="en-US" sz="1600" b="1" kern="100" dirty="0">
+                <a:effectLst/>
+                <a:latin typeface="Be Vietnam Pro" pitchFamily="2" charset="-93"/>
+                <a:ea typeface="DengXian" panose="02010600030101010101" pitchFamily="2" charset="-122"/>
+                <a:cs typeface="Times New Roman" panose="02020603050405020304" pitchFamily="18" charset="0"/>
+              </a:rPr>
+              <a:t>: </a:t>
+            </a:r>
+            <a:r>
+              <a:rPr lang="en-US" sz="1600" kern="100" dirty="0">
+                <a:effectLst/>
+                <a:latin typeface="Be Vietnam Pro" pitchFamily="2" charset="-93"/>
+                <a:ea typeface="DengXian" panose="02010600030101010101" pitchFamily="2" charset="-122"/>
+                <a:cs typeface="Times New Roman" panose="02020603050405020304" pitchFamily="18" charset="0"/>
+              </a:rPr>
+              <a:t>Timestamp of when the viewing occurred (Primary Key).</a:t>
+            </a:r>
+          </a:p>
+          <a:p>
+            <a:pPr lvl="0">
+              <a:spcAft>
+                <a:spcPts val="800"/>
+              </a:spcAft>
+              <a:buSzPts val="1000"/>
+              <a:tabLst>
+                <a:tab pos="457200" algn="l"/>
+              </a:tabLst>
+            </a:pPr>
+            <a:r>
+              <a:rPr lang="en-US" sz="1600" b="1" kern="100" dirty="0" err="1">
+                <a:effectLst/>
+                <a:latin typeface="Be Vietnam Pro" pitchFamily="2" charset="-93"/>
+                <a:ea typeface="DengXian" panose="02010600030101010101" pitchFamily="2" charset="-122"/>
+                <a:cs typeface="Times New Roman" panose="02020603050405020304" pitchFamily="18" charset="0"/>
+              </a:rPr>
+              <a:t>check_point</a:t>
+            </a:r>
+            <a:r>
+              <a:rPr lang="en-US" sz="1600" b="1" kern="100" dirty="0">
+                <a:effectLst/>
+                <a:latin typeface="Be Vietnam Pro" pitchFamily="2" charset="-93"/>
+                <a:ea typeface="DengXian" panose="02010600030101010101" pitchFamily="2" charset="-122"/>
+                <a:cs typeface="Times New Roman" panose="02020603050405020304" pitchFamily="18" charset="0"/>
+              </a:rPr>
+              <a:t>: </a:t>
+            </a:r>
+            <a:r>
+              <a:rPr lang="en-US" sz="1600" kern="100" dirty="0">
+                <a:effectLst/>
+                <a:latin typeface="Be Vietnam Pro" pitchFamily="2" charset="-93"/>
+                <a:ea typeface="DengXian" panose="02010600030101010101" pitchFamily="2" charset="-122"/>
+                <a:cs typeface="Times New Roman" panose="02020603050405020304" pitchFamily="18" charset="0"/>
+              </a:rPr>
+              <a:t>The timestamp in the video where the user paused or stopped.</a:t>
+            </a:r>
+          </a:p>
+          <a:p>
+            <a:pPr lvl="0">
+              <a:spcAft>
+                <a:spcPts val="800"/>
+              </a:spcAft>
+              <a:buSzPts val="1000"/>
+              <a:tabLst>
+                <a:tab pos="457200" algn="l"/>
+              </a:tabLst>
+            </a:pPr>
+            <a:r>
+              <a:rPr lang="en-US" sz="1600" b="1" kern="100" dirty="0">
+                <a:latin typeface="Be Vietnam Pro" pitchFamily="2" charset="-93"/>
+                <a:ea typeface="DengXian" panose="02010600030101010101" pitchFamily="2" charset="-122"/>
+                <a:cs typeface="Times New Roman" panose="02020603050405020304" pitchFamily="18" charset="0"/>
+              </a:rPr>
+              <a:t>PK(</a:t>
+            </a:r>
+            <a:r>
+              <a:rPr lang="en-US" sz="1600" b="1" kern="100" dirty="0" err="1">
+                <a:latin typeface="Be Vietnam Pro" pitchFamily="2" charset="-93"/>
+                <a:ea typeface="DengXian" panose="02010600030101010101" pitchFamily="2" charset="-122"/>
+                <a:cs typeface="Times New Roman" panose="02020603050405020304" pitchFamily="18" charset="0"/>
+              </a:rPr>
+              <a:t>user_id</a:t>
+            </a:r>
+            <a:r>
+              <a:rPr lang="en-US" sz="1600" b="1" kern="100" dirty="0">
+                <a:latin typeface="Be Vietnam Pro" pitchFamily="2" charset="-93"/>
+                <a:ea typeface="DengXian" panose="02010600030101010101" pitchFamily="2" charset="-122"/>
+                <a:cs typeface="Times New Roman" panose="02020603050405020304" pitchFamily="18" charset="0"/>
+              </a:rPr>
+              <a:t>, </a:t>
+            </a:r>
+            <a:r>
+              <a:rPr lang="en-US" sz="1600" b="1" kern="100" dirty="0" err="1">
+                <a:latin typeface="Be Vietnam Pro" pitchFamily="2" charset="-93"/>
+                <a:ea typeface="DengXian" panose="02010600030101010101" pitchFamily="2" charset="-122"/>
+                <a:cs typeface="Times New Roman" panose="02020603050405020304" pitchFamily="18" charset="0"/>
+              </a:rPr>
+              <a:t>content_id</a:t>
+            </a:r>
+            <a:r>
+              <a:rPr lang="en-US" sz="1600" b="1" kern="100" dirty="0">
+                <a:latin typeface="Be Vietnam Pro" pitchFamily="2" charset="-93"/>
+                <a:ea typeface="DengXian" panose="02010600030101010101" pitchFamily="2" charset="-122"/>
+                <a:cs typeface="Times New Roman" panose="02020603050405020304" pitchFamily="18" charset="0"/>
+              </a:rPr>
+              <a:t>, </a:t>
+            </a:r>
+            <a:r>
+              <a:rPr lang="en-US" sz="1600" b="1" kern="100" dirty="0" err="1">
+                <a:latin typeface="Be Vietnam Pro" pitchFamily="2" charset="-93"/>
+                <a:ea typeface="DengXian" panose="02010600030101010101" pitchFamily="2" charset="-122"/>
+                <a:cs typeface="Times New Roman" panose="02020603050405020304" pitchFamily="18" charset="0"/>
+              </a:rPr>
+              <a:t>episode_id</a:t>
+            </a:r>
+            <a:r>
+              <a:rPr lang="en-US" sz="1600" b="1" kern="100" dirty="0">
+                <a:latin typeface="Be Vietnam Pro" pitchFamily="2" charset="-93"/>
+                <a:ea typeface="DengXian" panose="02010600030101010101" pitchFamily="2" charset="-122"/>
+                <a:cs typeface="Times New Roman" panose="02020603050405020304" pitchFamily="18" charset="0"/>
+              </a:rPr>
+              <a:t>, </a:t>
+            </a:r>
+            <a:r>
+              <a:rPr lang="en-US" sz="1600" b="1" kern="100" dirty="0" err="1">
+                <a:latin typeface="Be Vietnam Pro" pitchFamily="2" charset="-93"/>
+                <a:ea typeface="DengXian" panose="02010600030101010101" pitchFamily="2" charset="-122"/>
+                <a:cs typeface="Times New Roman" panose="02020603050405020304" pitchFamily="18" charset="0"/>
+              </a:rPr>
+              <a:t>view_time</a:t>
+            </a:r>
+            <a:r>
+              <a:rPr lang="en-US" sz="1600" b="1" kern="100" dirty="0">
+                <a:latin typeface="Be Vietnam Pro" pitchFamily="2" charset="-93"/>
+                <a:ea typeface="DengXian" panose="02010600030101010101" pitchFamily="2" charset="-122"/>
+                <a:cs typeface="Times New Roman" panose="02020603050405020304" pitchFamily="18" charset="0"/>
+              </a:rPr>
+              <a:t>)</a:t>
+            </a:r>
+            <a:endParaRPr lang="en-US" sz="1600" b="1" kern="100" dirty="0">
+              <a:effectLst/>
+              <a:latin typeface="Be Vietnam Pro" pitchFamily="2" charset="-93"/>
+              <a:ea typeface="DengXian" panose="02010600030101010101" pitchFamily="2" charset="-122"/>
+              <a:cs typeface="Times New Roman" panose="02020603050405020304" pitchFamily="18" charset="0"/>
+            </a:endParaRPr>
+          </a:p>
+        </p:txBody>
+      </p:sp>
+      <p:sp>
+        <p:nvSpPr>
+          <p:cNvPr id="21" name="TextBox 20">
+            <a:extLst>
+              <a:ext uri="{FF2B5EF4-FFF2-40B4-BE49-F238E27FC236}">
+                <a16:creationId xmlns:a16="http://schemas.microsoft.com/office/drawing/2014/main" id="{0A25522C-0DAC-4093-72A4-BE9D01D8BA2D}"/>
+              </a:ext>
+            </a:extLst>
+          </p:cNvPr>
+          <p:cNvSpPr txBox="1"/>
+          <p:nvPr/>
+        </p:nvSpPr>
+        <p:spPr>
+          <a:xfrm>
+            <a:off x="348585" y="1010890"/>
+            <a:ext cx="3431892" cy="488275"/>
+          </a:xfrm>
+          <a:prstGeom prst="rect">
+            <a:avLst/>
+          </a:prstGeom>
+          <a:noFill/>
+        </p:spPr>
+        <p:txBody>
+          <a:bodyPr wrap="square">
+            <a:spAutoFit/>
+          </a:bodyPr>
+          <a:lstStyle/>
+          <a:p>
+            <a:pPr>
+              <a:lnSpc>
+                <a:spcPct val="115000"/>
+              </a:lnSpc>
+              <a:spcAft>
+                <a:spcPts val="800"/>
+              </a:spcAft>
+            </a:pPr>
+            <a:r>
+              <a:rPr lang="en-US" sz="2400" b="1" kern="100" dirty="0" err="1">
+                <a:effectLst/>
+                <a:latin typeface="Be Vietnam Pro" pitchFamily="2" charset="-93"/>
+                <a:ea typeface="DengXian" panose="02010600030101010101" pitchFamily="2" charset="-122"/>
+                <a:cs typeface="Times New Roman" panose="02020603050405020304" pitchFamily="18" charset="0"/>
+              </a:rPr>
+              <a:t>View_history</a:t>
+            </a:r>
+            <a:endParaRPr lang="en-US" sz="2400" kern="100" dirty="0">
+              <a:effectLst/>
+              <a:latin typeface="Be Vietnam Pro" pitchFamily="2" charset="-93"/>
+              <a:ea typeface="DengXian" panose="02010600030101010101" pitchFamily="2" charset="-122"/>
+              <a:cs typeface="Times New Roman" panose="02020603050405020304" pitchFamily="18" charset="0"/>
+            </a:endParaRPr>
+          </a:p>
+        </p:txBody>
+      </p:sp>
+      <p:cxnSp>
+        <p:nvCxnSpPr>
+          <p:cNvPr id="22" name="Straight Connector 21">
+            <a:extLst>
+              <a:ext uri="{FF2B5EF4-FFF2-40B4-BE49-F238E27FC236}">
+                <a16:creationId xmlns:a16="http://schemas.microsoft.com/office/drawing/2014/main" id="{DA412720-3364-3571-8D83-E56F6C50F3E1}"/>
+              </a:ext>
+            </a:extLst>
+          </p:cNvPr>
+          <p:cNvCxnSpPr>
+            <a:cxnSpLocks/>
+          </p:cNvCxnSpPr>
+          <p:nvPr/>
+        </p:nvCxnSpPr>
+        <p:spPr>
+          <a:xfrm>
+            <a:off x="454307" y="1499165"/>
+            <a:ext cx="5853896" cy="0"/>
+          </a:xfrm>
+          <a:prstGeom prst="line">
+            <a:avLst/>
+          </a:prstGeom>
+          <a:ln>
+            <a:solidFill>
+              <a:srgbClr val="F05222"/>
+            </a:solidFill>
+          </a:ln>
+        </p:spPr>
+        <p:style>
+          <a:lnRef idx="2">
+            <a:schemeClr val="accent1"/>
+          </a:lnRef>
+          <a:fillRef idx="0">
+            <a:schemeClr val="accent1"/>
+          </a:fillRef>
+          <a:effectRef idx="1">
+            <a:schemeClr val="accent1"/>
+          </a:effectRef>
+          <a:fontRef idx="minor">
+            <a:schemeClr val="tx1"/>
+          </a:fontRef>
+        </p:style>
+      </p:cxnSp>
+    </p:spTree>
+    <p:extLst>
+      <p:ext uri="{BB962C8B-B14F-4D97-AF65-F5344CB8AC3E}">
+        <p14:creationId xmlns:p14="http://schemas.microsoft.com/office/powerpoint/2010/main" val="1182452049"/>
+      </p:ext>
+    </p:extLst>
+  </p:cSld>
+  <p:clrMapOvr>
+    <a:masterClrMapping/>
+  </p:clrMapOvr>
+</p:sld>
+</file>
+
+<file path=ppt/slides/slide16.xml><?xml version="1.0" encoding="utf-8"?>
+<p:sld xmlns:a="http://schemas.openxmlformats.org/drawingml/2006/main" xmlns:r="http://schemas.openxmlformats.org/officeDocument/2006/relationships" xmlns:p="http://schemas.openxmlformats.org/presentationml/2006/main">
+  <p:cSld>
+    <p:bg>
+      <p:bgPr>
+        <a:solidFill>
+          <a:schemeClr val="bg1"/>
+        </a:solidFill>
+        <a:effectLst/>
+      </p:bgPr>
+    </p:bg>
+    <p:spTree>
+      <p:nvGrpSpPr>
+        <p:cNvPr id="1" name="">
+          <a:extLst>
+            <a:ext uri="{FF2B5EF4-FFF2-40B4-BE49-F238E27FC236}">
+              <a16:creationId xmlns:a16="http://schemas.microsoft.com/office/drawing/2014/main" id="{8E597CFC-C354-AB4F-CD9F-92A8BA4BD5FE}"/>
+            </a:ext>
+          </a:extLst>
+        </p:cNvPr>
+        <p:cNvGrpSpPr/>
+        <p:nvPr/>
+      </p:nvGrpSpPr>
+      <p:grpSpPr>
+        <a:xfrm>
+          <a:off x="0" y="0"/>
+          <a:ext cx="0" cy="0"/>
+          <a:chOff x="0" y="0"/>
+          <a:chExt cx="0" cy="0"/>
+        </a:xfrm>
+      </p:grpSpPr>
+      <p:sp>
+        <p:nvSpPr>
+          <p:cNvPr id="3" name="TextBox 2">
+            <a:extLst>
+              <a:ext uri="{FF2B5EF4-FFF2-40B4-BE49-F238E27FC236}">
+                <a16:creationId xmlns:a16="http://schemas.microsoft.com/office/drawing/2014/main" id="{1BF3BBFD-03BA-A0F1-9F2D-DB754F014E50}"/>
+              </a:ext>
+            </a:extLst>
+          </p:cNvPr>
+          <p:cNvSpPr txBox="1"/>
+          <p:nvPr/>
+        </p:nvSpPr>
+        <p:spPr>
+          <a:xfrm>
+            <a:off x="348584" y="363086"/>
+            <a:ext cx="3380809" cy="707886"/>
+          </a:xfrm>
+          <a:prstGeom prst="rect">
+            <a:avLst/>
+          </a:prstGeom>
+          <a:noFill/>
+        </p:spPr>
+        <p:txBody>
+          <a:bodyPr wrap="square" rtlCol="0">
+            <a:spAutoFit/>
+          </a:bodyPr>
+          <a:lstStyle/>
+          <a:p>
+            <a:r>
+              <a:rPr lang="en-US" sz="4000" dirty="0">
+                <a:latin typeface="#9Slide03 BoosterNextFYBlack" panose="02000A03000000020004" pitchFamily="2" charset="-93"/>
+              </a:rPr>
+              <a:t>05. TRIGGER</a:t>
+            </a:r>
+            <a:endParaRPr lang="en-US" sz="2400" dirty="0">
+              <a:latin typeface="#9Slide03 BoosterNextFYBlack" panose="02000A03000000020004" pitchFamily="2" charset="-93"/>
+            </a:endParaRPr>
+          </a:p>
+        </p:txBody>
+      </p:sp>
+    </p:spTree>
+    <p:extLst>
+      <p:ext uri="{BB962C8B-B14F-4D97-AF65-F5344CB8AC3E}">
+        <p14:creationId xmlns:p14="http://schemas.microsoft.com/office/powerpoint/2010/main" val="4206749983"/>
+      </p:ext>
+    </p:extLst>
+  </p:cSld>
+  <p:clrMapOvr>
+    <a:masterClrMapping/>
+  </p:clrMapOvr>
+</p:sld>
+</file>
+
+<file path=ppt/slides/slide17.xml><?xml version="1.0" encoding="utf-8"?>
+<p:sld xmlns:a="http://schemas.openxmlformats.org/drawingml/2006/main" xmlns:r="http://schemas.openxmlformats.org/officeDocument/2006/relationships" xmlns:p="http://schemas.openxmlformats.org/presentationml/2006/main">
+  <p:cSld>
+    <p:bg>
+      <p:bgPr>
+        <a:solidFill>
+          <a:schemeClr val="bg1"/>
+        </a:solidFill>
+        <a:effectLst/>
+      </p:bgPr>
+    </p:bg>
+    <p:spTree>
+      <p:nvGrpSpPr>
+        <p:cNvPr id="1" name="">
+          <a:extLst>
+            <a:ext uri="{FF2B5EF4-FFF2-40B4-BE49-F238E27FC236}">
+              <a16:creationId xmlns:a16="http://schemas.microsoft.com/office/drawing/2014/main" id="{560380B2-70E0-ACED-190A-2510D910D6E0}"/>
+            </a:ext>
+          </a:extLst>
+        </p:cNvPr>
+        <p:cNvGrpSpPr/>
+        <p:nvPr/>
+      </p:nvGrpSpPr>
+      <p:grpSpPr>
+        <a:xfrm>
+          <a:off x="0" y="0"/>
+          <a:ext cx="0" cy="0"/>
+          <a:chOff x="0" y="0"/>
+          <a:chExt cx="0" cy="0"/>
+        </a:xfrm>
+      </p:grpSpPr>
+      <p:sp>
+        <p:nvSpPr>
+          <p:cNvPr id="3" name="TextBox 2">
+            <a:extLst>
+              <a:ext uri="{FF2B5EF4-FFF2-40B4-BE49-F238E27FC236}">
+                <a16:creationId xmlns:a16="http://schemas.microsoft.com/office/drawing/2014/main" id="{9561C3FC-1D4F-B62D-4D0E-55B3DD96C26B}"/>
+              </a:ext>
+            </a:extLst>
+          </p:cNvPr>
+          <p:cNvSpPr txBox="1"/>
+          <p:nvPr/>
+        </p:nvSpPr>
+        <p:spPr>
+          <a:xfrm>
+            <a:off x="348584" y="363086"/>
+            <a:ext cx="4444642" cy="707886"/>
+          </a:xfrm>
+          <a:prstGeom prst="rect">
+            <a:avLst/>
+          </a:prstGeom>
+          <a:noFill/>
+        </p:spPr>
+        <p:txBody>
+          <a:bodyPr wrap="square" rtlCol="0">
+            <a:spAutoFit/>
+          </a:bodyPr>
+          <a:lstStyle/>
+          <a:p>
+            <a:r>
+              <a:rPr lang="en-US" sz="4000" dirty="0">
+                <a:latin typeface="#9Slide03 BoosterNextFYBlack" panose="02000A03000000020004" pitchFamily="2" charset="-93"/>
+              </a:rPr>
+              <a:t>06. VIEWS</a:t>
+            </a:r>
+            <a:endParaRPr lang="en-US" sz="2400" dirty="0">
+              <a:latin typeface="#9Slide03 BoosterNextFYBlack" panose="02000A03000000020004" pitchFamily="2" charset="-93"/>
+            </a:endParaRPr>
+          </a:p>
+        </p:txBody>
+      </p:sp>
+    </p:spTree>
+    <p:extLst>
+      <p:ext uri="{BB962C8B-B14F-4D97-AF65-F5344CB8AC3E}">
+        <p14:creationId xmlns:p14="http://schemas.microsoft.com/office/powerpoint/2010/main" val="749123372"/>
+      </p:ext>
+    </p:extLst>
+  </p:cSld>
+  <p:clrMapOvr>
+    <a:masterClrMapping/>
+  </p:clrMapOvr>
+</p:sld>
+</file>
+
+<file path=ppt/slides/slide18.xml><?xml version="1.0" encoding="utf-8"?>
+<p:sld xmlns:a="http://schemas.openxmlformats.org/drawingml/2006/main" xmlns:r="http://schemas.openxmlformats.org/officeDocument/2006/relationships" xmlns:p="http://schemas.openxmlformats.org/presentationml/2006/main">
+  <p:cSld>
+    <p:bg>
+      <p:bgPr>
+        <a:solidFill>
+          <a:schemeClr val="bg1"/>
+        </a:solidFill>
+        <a:effectLst/>
+      </p:bgPr>
+    </p:bg>
+    <p:spTree>
+      <p:nvGrpSpPr>
+        <p:cNvPr id="1" name="">
+          <a:extLst>
+            <a:ext uri="{FF2B5EF4-FFF2-40B4-BE49-F238E27FC236}">
+              <a16:creationId xmlns:a16="http://schemas.microsoft.com/office/drawing/2014/main" id="{7318B022-D70E-EFA1-FCA9-214197936E95}"/>
+            </a:ext>
+          </a:extLst>
+        </p:cNvPr>
+        <p:cNvGrpSpPr/>
+        <p:nvPr/>
+      </p:nvGrpSpPr>
+      <p:grpSpPr>
+        <a:xfrm>
+          <a:off x="0" y="0"/>
+          <a:ext cx="0" cy="0"/>
+          <a:chOff x="0" y="0"/>
+          <a:chExt cx="0" cy="0"/>
+        </a:xfrm>
+      </p:grpSpPr>
+      <p:sp>
+        <p:nvSpPr>
+          <p:cNvPr id="3" name="TextBox 2">
+            <a:extLst>
+              <a:ext uri="{FF2B5EF4-FFF2-40B4-BE49-F238E27FC236}">
+                <a16:creationId xmlns:a16="http://schemas.microsoft.com/office/drawing/2014/main" id="{6E65B2BB-448E-CA4E-57B9-5718F302957B}"/>
+              </a:ext>
+            </a:extLst>
+          </p:cNvPr>
+          <p:cNvSpPr txBox="1"/>
+          <p:nvPr/>
+        </p:nvSpPr>
+        <p:spPr>
+          <a:xfrm>
+            <a:off x="348584" y="363086"/>
+            <a:ext cx="4444642" cy="707886"/>
+          </a:xfrm>
+          <a:prstGeom prst="rect">
+            <a:avLst/>
+          </a:prstGeom>
+          <a:noFill/>
+        </p:spPr>
+        <p:txBody>
+          <a:bodyPr wrap="square" rtlCol="0">
+            <a:spAutoFit/>
+          </a:bodyPr>
+          <a:lstStyle/>
+          <a:p>
+            <a:r>
+              <a:rPr lang="en-US" sz="4000" dirty="0">
+                <a:latin typeface="#9Slide03 BoosterNextFYBlack" panose="02000A03000000020004" pitchFamily="2" charset="-93"/>
+              </a:rPr>
+              <a:t>07. FUNCTION</a:t>
+            </a:r>
+            <a:endParaRPr lang="en-US" sz="2400" dirty="0">
+              <a:latin typeface="#9Slide03 BoosterNextFYBlack" panose="02000A03000000020004" pitchFamily="2" charset="-93"/>
+            </a:endParaRPr>
+          </a:p>
+        </p:txBody>
+      </p:sp>
+    </p:spTree>
+    <p:extLst>
+      <p:ext uri="{BB962C8B-B14F-4D97-AF65-F5344CB8AC3E}">
+        <p14:creationId xmlns:p14="http://schemas.microsoft.com/office/powerpoint/2010/main" val="2578557926"/>
+      </p:ext>
+    </p:extLst>
+  </p:cSld>
+  <p:clrMapOvr>
+    <a:masterClrMapping/>
+  </p:clrMapOvr>
+</p:sld>
+</file>
+
+<file path=ppt/slides/slide19.xml><?xml version="1.0" encoding="utf-8"?>
+<p:sld xmlns:a="http://schemas.openxmlformats.org/drawingml/2006/main" xmlns:r="http://schemas.openxmlformats.org/officeDocument/2006/relationships" xmlns:p="http://schemas.openxmlformats.org/presentationml/2006/main">
+  <p:cSld>
+    <p:bg>
+      <p:bgPr>
+        <a:solidFill>
+          <a:schemeClr val="bg1"/>
+        </a:solidFill>
+        <a:effectLst/>
+      </p:bgPr>
+    </p:bg>
+    <p:spTree>
+      <p:nvGrpSpPr>
+        <p:cNvPr id="1" name="">
+          <a:extLst>
+            <a:ext uri="{FF2B5EF4-FFF2-40B4-BE49-F238E27FC236}">
+              <a16:creationId xmlns:a16="http://schemas.microsoft.com/office/drawing/2014/main" id="{8FDC2A2A-2AC2-622F-0476-653FCF34AF00}"/>
+            </a:ext>
+          </a:extLst>
+        </p:cNvPr>
+        <p:cNvGrpSpPr/>
+        <p:nvPr/>
+      </p:nvGrpSpPr>
+      <p:grpSpPr>
+        <a:xfrm>
+          <a:off x="0" y="0"/>
+          <a:ext cx="0" cy="0"/>
+          <a:chOff x="0" y="0"/>
+          <a:chExt cx="0" cy="0"/>
+        </a:xfrm>
+      </p:grpSpPr>
+      <p:sp>
+        <p:nvSpPr>
+          <p:cNvPr id="2" name="TextBox 1">
+            <a:extLst>
+              <a:ext uri="{FF2B5EF4-FFF2-40B4-BE49-F238E27FC236}">
+                <a16:creationId xmlns:a16="http://schemas.microsoft.com/office/drawing/2014/main" id="{78FD0E83-262C-267F-804F-1EDBED5BC175}"/>
+              </a:ext>
+            </a:extLst>
+          </p:cNvPr>
+          <p:cNvSpPr txBox="1"/>
+          <p:nvPr/>
+        </p:nvSpPr>
+        <p:spPr>
+          <a:xfrm>
+            <a:off x="348584" y="363086"/>
+            <a:ext cx="4444642" cy="707886"/>
+          </a:xfrm>
+          <a:prstGeom prst="rect">
+            <a:avLst/>
+          </a:prstGeom>
+          <a:noFill/>
+        </p:spPr>
+        <p:txBody>
+          <a:bodyPr wrap="square" rtlCol="0">
+            <a:spAutoFit/>
+          </a:bodyPr>
+          <a:lstStyle/>
+          <a:p>
+            <a:r>
+              <a:rPr lang="en-US" sz="4000" dirty="0">
+                <a:latin typeface="#9Slide03 BoosterNextFYBlack" panose="02000A03000000020004" pitchFamily="2" charset="-93"/>
+              </a:rPr>
+              <a:t>08. INDEX</a:t>
+            </a:r>
+            <a:endParaRPr lang="en-US" sz="2400" dirty="0">
+              <a:latin typeface="#9Slide03 BoosterNextFYBlack" panose="02000A03000000020004" pitchFamily="2" charset="-93"/>
+            </a:endParaRPr>
+          </a:p>
+        </p:txBody>
+      </p:sp>
+    </p:spTree>
+    <p:extLst>
+      <p:ext uri="{BB962C8B-B14F-4D97-AF65-F5344CB8AC3E}">
+        <p14:creationId xmlns:p14="http://schemas.microsoft.com/office/powerpoint/2010/main" val="2785344942"/>
+      </p:ext>
+    </p:extLst>
+  </p:cSld>
+  <p:clrMapOvr>
+    <a:masterClrMapping/>
+  </p:clrMapOvr>
+</p:sld>
+</file>
+
 <file path=ppt/slides/slide2.xml><?xml version="1.0" encoding="utf-8"?>
 <p:sld xmlns:a="http://schemas.openxmlformats.org/drawingml/2006/main" xmlns:r="http://schemas.openxmlformats.org/officeDocument/2006/relationships" xmlns:p="http://schemas.openxmlformats.org/presentationml/2006/main">
   <p:cSld>
@@ -4459,6 +9646,128 @@
           </a:p>
         </p:txBody>
       </p:sp>
+      <p:sp>
+        <p:nvSpPr>
+          <p:cNvPr id="5" name="TextBox 4">
+            <a:extLst>
+              <a:ext uri="{FF2B5EF4-FFF2-40B4-BE49-F238E27FC236}">
+                <a16:creationId xmlns:a16="http://schemas.microsoft.com/office/drawing/2014/main" id="{C5AEAADB-D508-F21D-C7B1-565C5ACBA604}"/>
+              </a:ext>
+            </a:extLst>
+          </p:cNvPr>
+          <p:cNvSpPr txBox="1"/>
+          <p:nvPr/>
+        </p:nvSpPr>
+        <p:spPr>
+          <a:xfrm>
+            <a:off x="614643" y="2754407"/>
+            <a:ext cx="5628713" cy="5251887"/>
+          </a:xfrm>
+          <a:prstGeom prst="rect">
+            <a:avLst/>
+          </a:prstGeom>
+          <a:noFill/>
+        </p:spPr>
+        <p:txBody>
+          <a:bodyPr wrap="square">
+            <a:spAutoFit/>
+          </a:bodyPr>
+          <a:lstStyle/>
+          <a:p>
+            <a:pPr algn="just">
+              <a:lnSpc>
+                <a:spcPct val="115000"/>
+              </a:lnSpc>
+              <a:spcAft>
+                <a:spcPts val="800"/>
+              </a:spcAft>
+            </a:pPr>
+            <a:r>
+              <a:rPr lang="en-US" sz="1250" kern="100" dirty="0">
+                <a:effectLst/>
+                <a:latin typeface="Be Vietnam Pro" pitchFamily="2" charset="-93"/>
+                <a:ea typeface="DengXian" panose="02010600030101010101" pitchFamily="2" charset="-122"/>
+                <a:cs typeface="Times New Roman" panose="02020603050405020304" pitchFamily="18" charset="0"/>
+              </a:rPr>
+              <a:t>The movie streaming service database system is designed to manage user subscriptions, payments, and content. </a:t>
+            </a:r>
+          </a:p>
+          <a:p>
+            <a:pPr algn="just">
+              <a:lnSpc>
+                <a:spcPct val="115000"/>
+              </a:lnSpc>
+              <a:spcAft>
+                <a:spcPts val="800"/>
+              </a:spcAft>
+            </a:pPr>
+            <a:r>
+              <a:rPr lang="en-US" sz="1250" kern="100" dirty="0">
+                <a:effectLst/>
+                <a:latin typeface="Be Vietnam Pro" pitchFamily="2" charset="-93"/>
+                <a:ea typeface="DengXian" panose="02010600030101010101" pitchFamily="2" charset="-122"/>
+                <a:cs typeface="Times New Roman" panose="02020603050405020304" pitchFamily="18" charset="0"/>
+              </a:rPr>
+              <a:t>Each account is uniquely identified by an id, some attributes of user account including password hash, account status (active/</a:t>
+            </a:r>
+            <a:r>
+              <a:rPr lang="en-US" sz="1250" kern="100" dirty="0">
+                <a:latin typeface="Be Vietnam Pro" pitchFamily="2" charset="-93"/>
+                <a:ea typeface="DengXian" panose="02010600030101010101" pitchFamily="2" charset="-122"/>
+                <a:cs typeface="Times New Roman" panose="02020603050405020304" pitchFamily="18" charset="0"/>
+              </a:rPr>
+              <a:t>inactive</a:t>
+            </a:r>
+            <a:r>
+              <a:rPr lang="en-US" sz="1250" kern="100" dirty="0">
+                <a:effectLst/>
+                <a:latin typeface="Be Vietnam Pro" pitchFamily="2" charset="-93"/>
+                <a:ea typeface="DengXian" panose="02010600030101010101" pitchFamily="2" charset="-122"/>
+                <a:cs typeface="Times New Roman" panose="02020603050405020304" pitchFamily="18" charset="0"/>
+              </a:rPr>
+              <a:t>), their name (first name and last name) and their nationality. An account can subscribe to a pre-determined subscription pack. The available subscription packs differs by level of access (1, 2, 3 – Default level is 1) and duration ( 6 months and 12 months). When they pay for the pack, a record of that subscription is added. Each level can access a certain number of contents. When a user is created, the user will automatically subscribe to a level 1 pack with unlimited duration.</a:t>
+            </a:r>
+          </a:p>
+          <a:p>
+            <a:pPr algn="just">
+              <a:lnSpc>
+                <a:spcPct val="115000"/>
+              </a:lnSpc>
+              <a:spcAft>
+                <a:spcPts val="800"/>
+              </a:spcAft>
+            </a:pPr>
+            <a:r>
+              <a:rPr lang="en-US" sz="1250" kern="100" dirty="0">
+                <a:effectLst/>
+                <a:latin typeface="Be Vietnam Pro" pitchFamily="2" charset="-93"/>
+                <a:ea typeface="DengXian" panose="02010600030101010101" pitchFamily="2" charset="-122"/>
+                <a:cs typeface="Times New Roman" panose="02020603050405020304" pitchFamily="18" charset="0"/>
+              </a:rPr>
+              <a:t>Each content (includes movies and series) contains at least 1 episode. We consider movies as a series that have only one episode. Each content can belong to many different genres and involves different actors or actresses. Each content also has a list of available subtitles (language) which correspond to some countries. </a:t>
+            </a:r>
+          </a:p>
+          <a:p>
+            <a:pPr algn="just">
+              <a:lnSpc>
+                <a:spcPct val="115000"/>
+              </a:lnSpc>
+              <a:spcAft>
+                <a:spcPts val="800"/>
+              </a:spcAft>
+            </a:pPr>
+            <a:r>
+              <a:rPr lang="en-US" sz="1250" kern="100" dirty="0">
+                <a:effectLst/>
+                <a:latin typeface="Be Vietnam Pro" pitchFamily="2" charset="-93"/>
+                <a:ea typeface="DengXian" panose="02010600030101010101" pitchFamily="2" charset="-122"/>
+                <a:cs typeface="Times New Roman" panose="02020603050405020304" pitchFamily="18" charset="0"/>
+              </a:rPr>
+              <a:t>Each time an user watches an episode, the timestamp and the last checkpoint of the episodes will be recorded. We also consider if the user has finished their movies or not. Users can also mark some contents as their favorite and rate each content by giving a point from 1 to 5.</a:t>
+            </a:r>
+          </a:p>
+        </p:txBody>
+      </p:sp>
     </p:spTree>
     <p:extLst>
       <p:ext uri="{BB962C8B-B14F-4D97-AF65-F5344CB8AC3E}">
@@ -4613,6 +9922,782 @@
         <p:cNvPr id="1" name="">
           <a:extLst>
             <a:ext uri="{FF2B5EF4-FFF2-40B4-BE49-F238E27FC236}">
+              <a16:creationId xmlns:a16="http://schemas.microsoft.com/office/drawing/2014/main" id="{D30F2F2E-8057-6486-E9B1-EBBC58753AE1}"/>
+            </a:ext>
+          </a:extLst>
+        </p:cNvPr>
+        <p:cNvGrpSpPr/>
+        <p:nvPr/>
+      </p:nvGrpSpPr>
+      <p:grpSpPr>
+        <a:xfrm>
+          <a:off x="0" y="0"/>
+          <a:ext cx="0" cy="0"/>
+          <a:chOff x="0" y="0"/>
+          <a:chExt cx="0" cy="0"/>
+        </a:xfrm>
+      </p:grpSpPr>
+      <p:sp>
+        <p:nvSpPr>
+          <p:cNvPr id="3" name="TextBox 2">
+            <a:extLst>
+              <a:ext uri="{FF2B5EF4-FFF2-40B4-BE49-F238E27FC236}">
+                <a16:creationId xmlns:a16="http://schemas.microsoft.com/office/drawing/2014/main" id="{7A2548A6-45CE-59BD-7812-3328532F8085}"/>
+              </a:ext>
+            </a:extLst>
+          </p:cNvPr>
+          <p:cNvSpPr txBox="1"/>
+          <p:nvPr/>
+        </p:nvSpPr>
+        <p:spPr>
+          <a:xfrm>
+            <a:off x="532294" y="968772"/>
+            <a:ext cx="5793412" cy="830997"/>
+          </a:xfrm>
+          <a:prstGeom prst="rect">
+            <a:avLst/>
+          </a:prstGeom>
+          <a:noFill/>
+        </p:spPr>
+        <p:txBody>
+          <a:bodyPr wrap="square" rtlCol="0">
+            <a:spAutoFit/>
+          </a:bodyPr>
+          <a:lstStyle/>
+          <a:p>
+            <a:pPr algn="ctr"/>
+            <a:r>
+              <a:rPr lang="en-US" sz="4800" dirty="0">
+                <a:latin typeface="#9Slide03 BoosterNextFYBlack" panose="02000A03000000020004" pitchFamily="2" charset="-93"/>
+              </a:rPr>
+              <a:t>DATABASE DESIGN</a:t>
+            </a:r>
+            <a:endParaRPr lang="en-US" sz="3200" dirty="0">
+              <a:latin typeface="#9Slide03 BoosterNextFYBlack" panose="02000A03000000020004" pitchFamily="2" charset="-93"/>
+            </a:endParaRPr>
+          </a:p>
+        </p:txBody>
+      </p:sp>
+      <p:sp>
+        <p:nvSpPr>
+          <p:cNvPr id="2" name="TextBox 1">
+            <a:extLst>
+              <a:ext uri="{FF2B5EF4-FFF2-40B4-BE49-F238E27FC236}">
+                <a16:creationId xmlns:a16="http://schemas.microsoft.com/office/drawing/2014/main" id="{D2C3D2DE-7FA3-105B-66CD-31572870F1C8}"/>
+              </a:ext>
+            </a:extLst>
+          </p:cNvPr>
+          <p:cNvSpPr txBox="1"/>
+          <p:nvPr/>
+        </p:nvSpPr>
+        <p:spPr>
+          <a:xfrm>
+            <a:off x="474650" y="2222854"/>
+            <a:ext cx="3359929" cy="523220"/>
+          </a:xfrm>
+          <a:prstGeom prst="rect">
+            <a:avLst/>
+          </a:prstGeom>
+          <a:noFill/>
+        </p:spPr>
+        <p:txBody>
+          <a:bodyPr wrap="square" rtlCol="0">
+            <a:spAutoFit/>
+          </a:bodyPr>
+          <a:lstStyle/>
+          <a:p>
+            <a:r>
+              <a:rPr lang="en-US" sz="2800" dirty="0">
+                <a:latin typeface="#9Slide03 BoosterNextFYBlack" panose="02000A03000000020004" pitchFamily="2" charset="-93"/>
+              </a:rPr>
+              <a:t>Entities</a:t>
+            </a:r>
+          </a:p>
+        </p:txBody>
+      </p:sp>
+      <p:sp>
+        <p:nvSpPr>
+          <p:cNvPr id="4" name="TextBox 3">
+            <a:extLst>
+              <a:ext uri="{FF2B5EF4-FFF2-40B4-BE49-F238E27FC236}">
+                <a16:creationId xmlns:a16="http://schemas.microsoft.com/office/drawing/2014/main" id="{AD1AC80A-5E14-2316-77A0-E5C31ABB42CF}"/>
+              </a:ext>
+            </a:extLst>
+          </p:cNvPr>
+          <p:cNvSpPr txBox="1"/>
+          <p:nvPr/>
+        </p:nvSpPr>
+        <p:spPr>
+          <a:xfrm>
+            <a:off x="474650" y="2979613"/>
+            <a:ext cx="5987110" cy="5759269"/>
+          </a:xfrm>
+          <a:prstGeom prst="rect">
+            <a:avLst/>
+          </a:prstGeom>
+          <a:noFill/>
+        </p:spPr>
+        <p:txBody>
+          <a:bodyPr wrap="square" rtlCol="0">
+            <a:spAutoFit/>
+          </a:bodyPr>
+          <a:lstStyle/>
+          <a:p>
+            <a:pPr algn="just">
+              <a:lnSpc>
+                <a:spcPct val="115000"/>
+              </a:lnSpc>
+              <a:spcAft>
+                <a:spcPts val="800"/>
+              </a:spcAft>
+            </a:pPr>
+            <a:r>
+              <a:rPr lang="en-US" sz="1500" b="1" kern="100" dirty="0">
+                <a:effectLst/>
+                <a:latin typeface="Be Vietnam Pro" pitchFamily="2" charset="-93"/>
+                <a:ea typeface="Yu Gothic" panose="020B0400000000000000" pitchFamily="34" charset="-128"/>
+                <a:cs typeface="Times New Roman" panose="02020603050405020304" pitchFamily="18" charset="0"/>
+              </a:rPr>
+              <a:t>Country:</a:t>
+            </a:r>
+            <a:r>
+              <a:rPr lang="en-US" sz="1500" b="1" kern="100" dirty="0">
+                <a:latin typeface="Be Vietnam Pro" pitchFamily="2" charset="-93"/>
+                <a:ea typeface="Yu Gothic" panose="020B0400000000000000" pitchFamily="34" charset="-128"/>
+                <a:cs typeface="Times New Roman" panose="02020603050405020304" pitchFamily="18" charset="0"/>
+              </a:rPr>
+              <a:t> </a:t>
+            </a:r>
+            <a:r>
+              <a:rPr lang="en-US" sz="1500" kern="100" dirty="0">
+                <a:effectLst/>
+                <a:latin typeface="Be Vietnam Pro" pitchFamily="2" charset="-93"/>
+                <a:ea typeface="Yu Gothic" panose="020B0400000000000000" pitchFamily="34" charset="-128"/>
+                <a:cs typeface="Times New Roman" panose="02020603050405020304" pitchFamily="18" charset="0"/>
+              </a:rPr>
+              <a:t>Information about countries where the service operates.</a:t>
+            </a:r>
+          </a:p>
+          <a:p>
+            <a:pPr algn="just">
+              <a:lnSpc>
+                <a:spcPct val="115000"/>
+              </a:lnSpc>
+              <a:spcAft>
+                <a:spcPts val="800"/>
+              </a:spcAft>
+            </a:pPr>
+            <a:r>
+              <a:rPr lang="en-US" sz="1500" b="1" kern="100" dirty="0">
+                <a:effectLst/>
+                <a:latin typeface="Be Vietnam Pro" pitchFamily="2" charset="-93"/>
+                <a:ea typeface="Yu Gothic" panose="020B0400000000000000" pitchFamily="34" charset="-128"/>
+                <a:cs typeface="Times New Roman" panose="02020603050405020304" pitchFamily="18" charset="0"/>
+              </a:rPr>
+              <a:t>Users:</a:t>
+            </a:r>
+            <a:r>
+              <a:rPr lang="en-US" sz="1500" b="1" kern="100" dirty="0">
+                <a:latin typeface="Be Vietnam Pro" pitchFamily="2" charset="-93"/>
+                <a:ea typeface="Yu Gothic" panose="020B0400000000000000" pitchFamily="34" charset="-128"/>
+                <a:cs typeface="Times New Roman" panose="02020603050405020304" pitchFamily="18" charset="0"/>
+              </a:rPr>
+              <a:t> </a:t>
+            </a:r>
+            <a:r>
+              <a:rPr lang="en-US" sz="1500" kern="100" dirty="0">
+                <a:effectLst/>
+                <a:latin typeface="Be Vietnam Pro" pitchFamily="2" charset="-93"/>
+                <a:ea typeface="Yu Gothic" panose="020B0400000000000000" pitchFamily="34" charset="-128"/>
+                <a:cs typeface="Times New Roman" panose="02020603050405020304" pitchFamily="18" charset="0"/>
+              </a:rPr>
+              <a:t>Details about the accounts registered on the platform.</a:t>
+            </a:r>
+          </a:p>
+          <a:p>
+            <a:pPr algn="just">
+              <a:lnSpc>
+                <a:spcPct val="115000"/>
+              </a:lnSpc>
+              <a:spcAft>
+                <a:spcPts val="800"/>
+              </a:spcAft>
+            </a:pPr>
+            <a:r>
+              <a:rPr lang="en-US" sz="1500" b="1" kern="100" dirty="0">
+                <a:effectLst/>
+                <a:latin typeface="Be Vietnam Pro" pitchFamily="2" charset="-93"/>
+                <a:ea typeface="Yu Gothic" panose="020B0400000000000000" pitchFamily="34" charset="-128"/>
+                <a:cs typeface="Times New Roman" panose="02020603050405020304" pitchFamily="18" charset="0"/>
+              </a:rPr>
+              <a:t>Content:</a:t>
+            </a:r>
+            <a:r>
+              <a:rPr lang="en-US" sz="1500" b="1" kern="100" dirty="0">
+                <a:latin typeface="Be Vietnam Pro" pitchFamily="2" charset="-93"/>
+                <a:ea typeface="Yu Gothic" panose="020B0400000000000000" pitchFamily="34" charset="-128"/>
+                <a:cs typeface="Times New Roman" panose="02020603050405020304" pitchFamily="18" charset="0"/>
+              </a:rPr>
+              <a:t> </a:t>
+            </a:r>
+            <a:r>
+              <a:rPr lang="en-US" sz="1500" kern="100" dirty="0">
+                <a:effectLst/>
+                <a:latin typeface="Be Vietnam Pro" pitchFamily="2" charset="-93"/>
+                <a:ea typeface="Yu Gothic" panose="020B0400000000000000" pitchFamily="34" charset="-128"/>
+                <a:cs typeface="Times New Roman" panose="02020603050405020304" pitchFamily="18" charset="0"/>
+              </a:rPr>
+              <a:t>Details of all available content, including movies and series.</a:t>
+            </a:r>
+          </a:p>
+          <a:p>
+            <a:pPr algn="just">
+              <a:lnSpc>
+                <a:spcPct val="115000"/>
+              </a:lnSpc>
+              <a:spcAft>
+                <a:spcPts val="800"/>
+              </a:spcAft>
+            </a:pPr>
+            <a:r>
+              <a:rPr lang="en-US" sz="1500" b="1" kern="100" dirty="0" err="1">
+                <a:effectLst/>
+                <a:latin typeface="Be Vietnam Pro" pitchFamily="2" charset="-93"/>
+                <a:ea typeface="Yu Gothic" panose="020B0400000000000000" pitchFamily="34" charset="-128"/>
+                <a:cs typeface="Times New Roman" panose="02020603050405020304" pitchFamily="18" charset="0"/>
+              </a:rPr>
+              <a:t>View_history</a:t>
+            </a:r>
+            <a:r>
+              <a:rPr lang="en-US" sz="1500" b="1" kern="100" dirty="0">
+                <a:effectLst/>
+                <a:latin typeface="Be Vietnam Pro" pitchFamily="2" charset="-93"/>
+                <a:ea typeface="Yu Gothic" panose="020B0400000000000000" pitchFamily="34" charset="-128"/>
+                <a:cs typeface="Times New Roman" panose="02020603050405020304" pitchFamily="18" charset="0"/>
+              </a:rPr>
+              <a:t> (Weak Entity):</a:t>
+            </a:r>
+            <a:r>
+              <a:rPr lang="en-US" sz="1500" b="1" kern="100" dirty="0">
+                <a:latin typeface="Be Vietnam Pro" pitchFamily="2" charset="-93"/>
+                <a:ea typeface="Yu Gothic" panose="020B0400000000000000" pitchFamily="34" charset="-128"/>
+                <a:cs typeface="Times New Roman" panose="02020603050405020304" pitchFamily="18" charset="0"/>
+              </a:rPr>
+              <a:t> </a:t>
+            </a:r>
+            <a:r>
+              <a:rPr lang="en-US" sz="1500" kern="100" dirty="0">
+                <a:effectLst/>
+                <a:latin typeface="Be Vietnam Pro" pitchFamily="2" charset="-93"/>
+                <a:ea typeface="Yu Gothic" panose="020B0400000000000000" pitchFamily="34" charset="-128"/>
+                <a:cs typeface="Times New Roman" panose="02020603050405020304" pitchFamily="18" charset="0"/>
+              </a:rPr>
+              <a:t>Tracks the viewing activity of users for specific episodes.</a:t>
+            </a:r>
+          </a:p>
+          <a:p>
+            <a:pPr algn="just">
+              <a:lnSpc>
+                <a:spcPct val="115000"/>
+              </a:lnSpc>
+              <a:spcAft>
+                <a:spcPts val="800"/>
+              </a:spcAft>
+            </a:pPr>
+            <a:r>
+              <a:rPr lang="en-US" sz="1500" b="1" kern="100" dirty="0">
+                <a:effectLst/>
+                <a:latin typeface="Be Vietnam Pro" pitchFamily="2" charset="-93"/>
+                <a:ea typeface="Yu Gothic" panose="020B0400000000000000" pitchFamily="34" charset="-128"/>
+                <a:cs typeface="Times New Roman" panose="02020603050405020304" pitchFamily="18" charset="0"/>
+              </a:rPr>
+              <a:t>Episode (Weak Entity):</a:t>
+            </a:r>
+            <a:r>
+              <a:rPr lang="en-US" sz="1500" b="1" kern="100" dirty="0">
+                <a:latin typeface="Be Vietnam Pro" pitchFamily="2" charset="-93"/>
+                <a:ea typeface="Yu Gothic" panose="020B0400000000000000" pitchFamily="34" charset="-128"/>
+                <a:cs typeface="Times New Roman" panose="02020603050405020304" pitchFamily="18" charset="0"/>
+              </a:rPr>
+              <a:t> </a:t>
+            </a:r>
+            <a:r>
+              <a:rPr lang="en-US" sz="1500" kern="100" dirty="0">
+                <a:effectLst/>
+                <a:latin typeface="Be Vietnam Pro" pitchFamily="2" charset="-93"/>
+                <a:ea typeface="Yu Gothic" panose="020B0400000000000000" pitchFamily="34" charset="-128"/>
+                <a:cs typeface="Times New Roman" panose="02020603050405020304" pitchFamily="18" charset="0"/>
+              </a:rPr>
+              <a:t>Represents individual episodes of series or standalone episodes for movies.</a:t>
+            </a:r>
+          </a:p>
+          <a:p>
+            <a:pPr algn="just">
+              <a:lnSpc>
+                <a:spcPct val="115000"/>
+              </a:lnSpc>
+              <a:spcAft>
+                <a:spcPts val="800"/>
+              </a:spcAft>
+            </a:pPr>
+            <a:r>
+              <a:rPr lang="en-US" sz="1500" b="1" kern="100" dirty="0">
+                <a:effectLst/>
+                <a:latin typeface="Be Vietnam Pro" pitchFamily="2" charset="-93"/>
+                <a:ea typeface="Yu Gothic" panose="020B0400000000000000" pitchFamily="34" charset="-128"/>
+                <a:cs typeface="Times New Roman" panose="02020603050405020304" pitchFamily="18" charset="0"/>
+              </a:rPr>
+              <a:t>Language:</a:t>
+            </a:r>
+            <a:r>
+              <a:rPr lang="en-US" sz="1500" b="1" kern="100" dirty="0">
+                <a:latin typeface="Be Vietnam Pro" pitchFamily="2" charset="-93"/>
+                <a:ea typeface="Yu Gothic" panose="020B0400000000000000" pitchFamily="34" charset="-128"/>
+                <a:cs typeface="Times New Roman" panose="02020603050405020304" pitchFamily="18" charset="0"/>
+              </a:rPr>
+              <a:t> </a:t>
+            </a:r>
+            <a:r>
+              <a:rPr lang="en-US" sz="1500" kern="100" dirty="0">
+                <a:effectLst/>
+                <a:latin typeface="Be Vietnam Pro" pitchFamily="2" charset="-93"/>
+                <a:ea typeface="Yu Gothic" panose="020B0400000000000000" pitchFamily="34" charset="-128"/>
+                <a:cs typeface="Times New Roman" panose="02020603050405020304" pitchFamily="18" charset="0"/>
+              </a:rPr>
+              <a:t>Details of languages available on the platform.</a:t>
+            </a:r>
+          </a:p>
+          <a:p>
+            <a:pPr algn="just">
+              <a:lnSpc>
+                <a:spcPct val="115000"/>
+              </a:lnSpc>
+              <a:spcAft>
+                <a:spcPts val="800"/>
+              </a:spcAft>
+            </a:pPr>
+            <a:r>
+              <a:rPr lang="en-US" sz="1500" b="1" kern="100" dirty="0">
+                <a:effectLst/>
+                <a:latin typeface="Be Vietnam Pro" pitchFamily="2" charset="-93"/>
+                <a:ea typeface="Yu Gothic" panose="020B0400000000000000" pitchFamily="34" charset="-128"/>
+                <a:cs typeface="Times New Roman" panose="02020603050405020304" pitchFamily="18" charset="0"/>
+              </a:rPr>
+              <a:t>Casts:</a:t>
+            </a:r>
+            <a:r>
+              <a:rPr lang="en-US" sz="1500" b="1" kern="100" dirty="0">
+                <a:latin typeface="Be Vietnam Pro" pitchFamily="2" charset="-93"/>
+                <a:ea typeface="Yu Gothic" panose="020B0400000000000000" pitchFamily="34" charset="-128"/>
+                <a:cs typeface="Times New Roman" panose="02020603050405020304" pitchFamily="18" charset="0"/>
+              </a:rPr>
+              <a:t> </a:t>
+            </a:r>
+            <a:r>
+              <a:rPr lang="en-US" sz="1500" kern="100" dirty="0">
+                <a:effectLst/>
+                <a:latin typeface="Be Vietnam Pro" pitchFamily="2" charset="-93"/>
+                <a:ea typeface="Yu Gothic" panose="020B0400000000000000" pitchFamily="34" charset="-128"/>
+                <a:cs typeface="Times New Roman" panose="02020603050405020304" pitchFamily="18" charset="0"/>
+              </a:rPr>
+              <a:t>Information about actors and actresses involved in the content.</a:t>
+            </a:r>
+          </a:p>
+          <a:p>
+            <a:pPr algn="just">
+              <a:lnSpc>
+                <a:spcPct val="115000"/>
+              </a:lnSpc>
+              <a:spcAft>
+                <a:spcPts val="800"/>
+              </a:spcAft>
+            </a:pPr>
+            <a:r>
+              <a:rPr lang="en-US" sz="1500" b="1" kern="100" dirty="0">
+                <a:effectLst/>
+                <a:latin typeface="Be Vietnam Pro" pitchFamily="2" charset="-93"/>
+                <a:ea typeface="Yu Gothic" panose="020B0400000000000000" pitchFamily="34" charset="-128"/>
+                <a:cs typeface="Times New Roman" panose="02020603050405020304" pitchFamily="18" charset="0"/>
+              </a:rPr>
+              <a:t>Genre:</a:t>
+            </a:r>
+            <a:r>
+              <a:rPr lang="en-US" sz="1500" b="1" kern="100" dirty="0">
+                <a:latin typeface="Be Vietnam Pro" pitchFamily="2" charset="-93"/>
+                <a:ea typeface="Yu Gothic" panose="020B0400000000000000" pitchFamily="34" charset="-128"/>
+                <a:cs typeface="Times New Roman" panose="02020603050405020304" pitchFamily="18" charset="0"/>
+              </a:rPr>
+              <a:t> </a:t>
+            </a:r>
+            <a:r>
+              <a:rPr lang="en-US" sz="1500" kern="100" dirty="0">
+                <a:effectLst/>
+                <a:latin typeface="Be Vietnam Pro" pitchFamily="2" charset="-93"/>
+                <a:ea typeface="Yu Gothic" panose="020B0400000000000000" pitchFamily="34" charset="-128"/>
+                <a:cs typeface="Times New Roman" panose="02020603050405020304" pitchFamily="18" charset="0"/>
+              </a:rPr>
+              <a:t>Categories of content available on the platform, such as drama, comedy, or thriller.</a:t>
+            </a:r>
+          </a:p>
+          <a:p>
+            <a:pPr algn="just">
+              <a:lnSpc>
+                <a:spcPct val="115000"/>
+              </a:lnSpc>
+              <a:spcAft>
+                <a:spcPts val="800"/>
+              </a:spcAft>
+            </a:pPr>
+            <a:r>
+              <a:rPr lang="en-US" sz="1500" b="1" kern="100" dirty="0" err="1">
+                <a:effectLst/>
+                <a:latin typeface="Be Vietnam Pro" pitchFamily="2" charset="-93"/>
+                <a:ea typeface="Yu Gothic" panose="020B0400000000000000" pitchFamily="34" charset="-128"/>
+                <a:cs typeface="Times New Roman" panose="02020603050405020304" pitchFamily="18" charset="0"/>
+              </a:rPr>
+              <a:t>Subscription_pack</a:t>
+            </a:r>
+            <a:r>
+              <a:rPr lang="en-US" sz="1500" b="1" kern="100" dirty="0">
+                <a:effectLst/>
+                <a:latin typeface="Be Vietnam Pro" pitchFamily="2" charset="-93"/>
+                <a:ea typeface="Yu Gothic" panose="020B0400000000000000" pitchFamily="34" charset="-128"/>
+                <a:cs typeface="Times New Roman" panose="02020603050405020304" pitchFamily="18" charset="0"/>
+              </a:rPr>
+              <a:t>:</a:t>
+            </a:r>
+            <a:r>
+              <a:rPr lang="en-US" sz="1500" b="1" kern="100" dirty="0">
+                <a:latin typeface="Be Vietnam Pro" pitchFamily="2" charset="-93"/>
+                <a:ea typeface="Yu Gothic" panose="020B0400000000000000" pitchFamily="34" charset="-128"/>
+                <a:cs typeface="Times New Roman" panose="02020603050405020304" pitchFamily="18" charset="0"/>
+              </a:rPr>
+              <a:t> </a:t>
+            </a:r>
+            <a:r>
+              <a:rPr lang="en-US" sz="1500" kern="100" dirty="0">
+                <a:effectLst/>
+                <a:latin typeface="Be Vietnam Pro" pitchFamily="2" charset="-93"/>
+                <a:ea typeface="Yu Gothic" panose="020B0400000000000000" pitchFamily="34" charset="-128"/>
+                <a:cs typeface="Times New Roman" panose="02020603050405020304" pitchFamily="18" charset="0"/>
+              </a:rPr>
+              <a:t>Details of subscription plans offered by the service: Free, Standard (6/12 months), Premium (6/12 months).</a:t>
+            </a:r>
+          </a:p>
+          <a:p>
+            <a:endParaRPr lang="en-US" sz="1500" dirty="0">
+              <a:latin typeface="Be Vietnam Pro" pitchFamily="2" charset="-93"/>
+            </a:endParaRPr>
+          </a:p>
+        </p:txBody>
+      </p:sp>
+      <p:sp>
+        <p:nvSpPr>
+          <p:cNvPr id="7" name="TextBox 6">
+            <a:extLst>
+              <a:ext uri="{FF2B5EF4-FFF2-40B4-BE49-F238E27FC236}">
+                <a16:creationId xmlns:a16="http://schemas.microsoft.com/office/drawing/2014/main" id="{A7DFACC2-E38A-EBC2-B51E-17BE7F779255}"/>
+              </a:ext>
+            </a:extLst>
+          </p:cNvPr>
+          <p:cNvSpPr txBox="1"/>
+          <p:nvPr/>
+        </p:nvSpPr>
+        <p:spPr>
+          <a:xfrm>
+            <a:off x="2628899" y="227402"/>
+            <a:ext cx="1600201" cy="923330"/>
+          </a:xfrm>
+          <a:prstGeom prst="rect">
+            <a:avLst/>
+          </a:prstGeom>
+          <a:noFill/>
+        </p:spPr>
+        <p:txBody>
+          <a:bodyPr wrap="square">
+            <a:spAutoFit/>
+          </a:bodyPr>
+          <a:lstStyle/>
+          <a:p>
+            <a:pPr algn="ctr"/>
+            <a:r>
+              <a:rPr lang="en-US" sz="5400" dirty="0">
+                <a:latin typeface="#9Slide03 BoosterNextFYBlack" panose="02000A03000000020004" pitchFamily="2" charset="-93"/>
+              </a:rPr>
+              <a:t>03</a:t>
+            </a:r>
+            <a:endParaRPr lang="en-US" sz="5400" dirty="0"/>
+          </a:p>
+        </p:txBody>
+      </p:sp>
+    </p:spTree>
+    <p:extLst>
+      <p:ext uri="{BB962C8B-B14F-4D97-AF65-F5344CB8AC3E}">
+        <p14:creationId xmlns:p14="http://schemas.microsoft.com/office/powerpoint/2010/main" val="2489561043"/>
+      </p:ext>
+    </p:extLst>
+  </p:cSld>
+  <p:clrMapOvr>
+    <a:masterClrMapping/>
+  </p:clrMapOvr>
+</p:sld>
+</file>
+
+<file path=ppt/slides/slide7.xml><?xml version="1.0" encoding="utf-8"?>
+<p:sld xmlns:a="http://schemas.openxmlformats.org/drawingml/2006/main" xmlns:r="http://schemas.openxmlformats.org/officeDocument/2006/relationships" xmlns:p="http://schemas.openxmlformats.org/presentationml/2006/main">
+  <p:cSld>
+    <p:bg>
+      <p:bgPr>
+        <a:solidFill>
+          <a:schemeClr val="bg1"/>
+        </a:solidFill>
+        <a:effectLst/>
+      </p:bgPr>
+    </p:bg>
+    <p:spTree>
+      <p:nvGrpSpPr>
+        <p:cNvPr id="1" name="">
+          <a:extLst>
+            <a:ext uri="{FF2B5EF4-FFF2-40B4-BE49-F238E27FC236}">
+              <a16:creationId xmlns:a16="http://schemas.microsoft.com/office/drawing/2014/main" id="{C7D7D135-5F57-A0F3-44C1-A7E9099B93F1}"/>
+            </a:ext>
+          </a:extLst>
+        </p:cNvPr>
+        <p:cNvGrpSpPr/>
+        <p:nvPr/>
+      </p:nvGrpSpPr>
+      <p:grpSpPr>
+        <a:xfrm>
+          <a:off x="0" y="0"/>
+          <a:ext cx="0" cy="0"/>
+          <a:chOff x="0" y="0"/>
+          <a:chExt cx="0" cy="0"/>
+        </a:xfrm>
+      </p:grpSpPr>
+      <p:sp>
+        <p:nvSpPr>
+          <p:cNvPr id="5" name="TextBox 4">
+            <a:extLst>
+              <a:ext uri="{FF2B5EF4-FFF2-40B4-BE49-F238E27FC236}">
+                <a16:creationId xmlns:a16="http://schemas.microsoft.com/office/drawing/2014/main" id="{6009DDAA-DB21-750D-A302-FD9B462DB4C0}"/>
+              </a:ext>
+            </a:extLst>
+          </p:cNvPr>
+          <p:cNvSpPr txBox="1"/>
+          <p:nvPr/>
+        </p:nvSpPr>
+        <p:spPr>
+          <a:xfrm rot="5400000">
+            <a:off x="5234265" y="910303"/>
+            <a:ext cx="1708229" cy="707886"/>
+          </a:xfrm>
+          <a:prstGeom prst="rect">
+            <a:avLst/>
+          </a:prstGeom>
+          <a:noFill/>
+        </p:spPr>
+        <p:txBody>
+          <a:bodyPr wrap="square" rtlCol="0">
+            <a:spAutoFit/>
+          </a:bodyPr>
+          <a:lstStyle/>
+          <a:p>
+            <a:r>
+              <a:rPr lang="en-US" sz="4000" b="1" dirty="0">
+                <a:latin typeface="#9Slide03 BoosterNextFYBlack" panose="02000A03000000020004" pitchFamily="2" charset="-93"/>
+              </a:rPr>
+              <a:t>ERD</a:t>
+            </a:r>
+            <a:endParaRPr lang="en-US" sz="2400" b="1" dirty="0">
+              <a:latin typeface="#9Slide03 BoosterNextFYBlack" panose="02000A03000000020004" pitchFamily="2" charset="-93"/>
+            </a:endParaRPr>
+          </a:p>
+        </p:txBody>
+      </p:sp>
+      <p:pic>
+        <p:nvPicPr>
+          <p:cNvPr id="8" name="Picture 7" descr="A diagram of a flowchart&#10;&#10;Description automatically generated">
+            <a:extLst>
+              <a:ext uri="{FF2B5EF4-FFF2-40B4-BE49-F238E27FC236}">
+                <a16:creationId xmlns:a16="http://schemas.microsoft.com/office/drawing/2014/main" id="{1D7735D6-9E40-30D4-9701-BBFE8A70DD04}"/>
+              </a:ext>
+            </a:extLst>
+          </p:cNvPr>
+          <p:cNvPicPr>
+            <a:picLocks noChangeAspect="1"/>
+          </p:cNvPicPr>
+          <p:nvPr/>
+        </p:nvPicPr>
+        <p:blipFill>
+          <a:blip r:embed="rId2">
+            <a:extLst>
+              <a:ext uri="{28A0092B-C50C-407E-A947-70E740481C1C}">
+                <a14:useLocalDpi xmlns:a14="http://schemas.microsoft.com/office/drawing/2010/main" val="0"/>
+              </a:ext>
+            </a:extLst>
+          </a:blip>
+          <a:stretch>
+            <a:fillRect/>
+          </a:stretch>
+        </p:blipFill>
+        <p:spPr>
+          <a:xfrm rot="5400000">
+            <a:off x="-1539655" y="2313013"/>
+            <a:ext cx="9268209" cy="5279972"/>
+          </a:xfrm>
+          <a:prstGeom prst="rect">
+            <a:avLst/>
+          </a:prstGeom>
+        </p:spPr>
+      </p:pic>
+    </p:spTree>
+    <p:extLst>
+      <p:ext uri="{BB962C8B-B14F-4D97-AF65-F5344CB8AC3E}">
+        <p14:creationId xmlns:p14="http://schemas.microsoft.com/office/powerpoint/2010/main" val="1831668105"/>
+      </p:ext>
+    </p:extLst>
+  </p:cSld>
+  <p:clrMapOvr>
+    <a:masterClrMapping/>
+  </p:clrMapOvr>
+</p:sld>
+</file>
+
+<file path=ppt/slides/slide8.xml><?xml version="1.0" encoding="utf-8"?>
+<p:sld xmlns:a="http://schemas.openxmlformats.org/drawingml/2006/main" xmlns:r="http://schemas.openxmlformats.org/officeDocument/2006/relationships" xmlns:p="http://schemas.openxmlformats.org/presentationml/2006/main">
+  <p:cSld>
+    <p:bg>
+      <p:bgPr>
+        <a:solidFill>
+          <a:srgbClr val="FBFBFB"/>
+        </a:solidFill>
+        <a:effectLst/>
+      </p:bgPr>
+    </p:bg>
+    <p:spTree>
+      <p:nvGrpSpPr>
+        <p:cNvPr id="1" name="">
+          <a:extLst>
+            <a:ext uri="{FF2B5EF4-FFF2-40B4-BE49-F238E27FC236}">
+              <a16:creationId xmlns:a16="http://schemas.microsoft.com/office/drawing/2014/main" id="{A1F7A6AA-CEF5-13EC-2216-116234682EDF}"/>
+            </a:ext>
+          </a:extLst>
+        </p:cNvPr>
+        <p:cNvGrpSpPr/>
+        <p:nvPr/>
+      </p:nvGrpSpPr>
+      <p:grpSpPr>
+        <a:xfrm>
+          <a:off x="0" y="0"/>
+          <a:ext cx="0" cy="0"/>
+          <a:chOff x="0" y="0"/>
+          <a:chExt cx="0" cy="0"/>
+        </a:xfrm>
+      </p:grpSpPr>
+      <p:pic>
+        <p:nvPicPr>
+          <p:cNvPr id="6" name="Picture 5">
+            <a:extLst>
+              <a:ext uri="{FF2B5EF4-FFF2-40B4-BE49-F238E27FC236}">
+                <a16:creationId xmlns:a16="http://schemas.microsoft.com/office/drawing/2014/main" id="{C11101E4-9FB7-0F42-B7A2-341E92CC05E7}"/>
+              </a:ext>
+            </a:extLst>
+          </p:cNvPr>
+          <p:cNvPicPr>
+            <a:picLocks noChangeAspect="1"/>
+          </p:cNvPicPr>
+          <p:nvPr/>
+        </p:nvPicPr>
+        <p:blipFill>
+          <a:blip r:embed="rId2">
+            <a:extLst>
+              <a:ext uri="{28A0092B-C50C-407E-A947-70E740481C1C}">
+                <a14:useLocalDpi xmlns:a14="http://schemas.microsoft.com/office/drawing/2010/main" val="0"/>
+              </a:ext>
+            </a:extLst>
+          </a:blip>
+          <a:srcRect r="2135" b="6608"/>
+          <a:stretch/>
+        </p:blipFill>
+        <p:spPr>
+          <a:xfrm rot="5400000">
+            <a:off x="-1422714" y="2224721"/>
+            <a:ext cx="9314640" cy="5289222"/>
+          </a:xfrm>
+          <a:prstGeom prst="rect">
+            <a:avLst/>
+          </a:prstGeom>
+        </p:spPr>
+      </p:pic>
+      <p:sp>
+        <p:nvSpPr>
+          <p:cNvPr id="3" name="TextBox 2">
+            <a:extLst>
+              <a:ext uri="{FF2B5EF4-FFF2-40B4-BE49-F238E27FC236}">
+                <a16:creationId xmlns:a16="http://schemas.microsoft.com/office/drawing/2014/main" id="{E64FA6E1-95AD-B8C3-A77F-3FF4B230115D}"/>
+              </a:ext>
+            </a:extLst>
+          </p:cNvPr>
+          <p:cNvSpPr txBox="1"/>
+          <p:nvPr/>
+        </p:nvSpPr>
+        <p:spPr>
+          <a:xfrm rot="5400000">
+            <a:off x="3573780" y="2791769"/>
+            <a:ext cx="5318760" cy="707886"/>
+          </a:xfrm>
+          <a:prstGeom prst="rect">
+            <a:avLst/>
+          </a:prstGeom>
+          <a:noFill/>
+        </p:spPr>
+        <p:txBody>
+          <a:bodyPr wrap="square" rtlCol="0">
+            <a:spAutoFit/>
+          </a:bodyPr>
+          <a:lstStyle/>
+          <a:p>
+            <a:r>
+              <a:rPr lang="en-US" sz="4000" dirty="0">
+                <a:latin typeface="#9Slide03 BoosterNextFYBlack" panose="02000A03000000020004" pitchFamily="2" charset="-93"/>
+              </a:rPr>
+              <a:t>Relational schema</a:t>
+            </a:r>
+            <a:endParaRPr lang="en-US" sz="2400" dirty="0">
+              <a:latin typeface="#9Slide03 BoosterNextFYBlack" panose="02000A03000000020004" pitchFamily="2" charset="-93"/>
+            </a:endParaRPr>
+          </a:p>
+        </p:txBody>
+      </p:sp>
+    </p:spTree>
+    <p:extLst>
+      <p:ext uri="{BB962C8B-B14F-4D97-AF65-F5344CB8AC3E}">
+        <p14:creationId xmlns:p14="http://schemas.microsoft.com/office/powerpoint/2010/main" val="3057429076"/>
+      </p:ext>
+    </p:extLst>
+  </p:cSld>
+  <p:clrMapOvr>
+    <a:masterClrMapping/>
+  </p:clrMapOvr>
+</p:sld>
+</file>
+
+<file path=ppt/slides/slide9.xml><?xml version="1.0" encoding="utf-8"?>
+<p:sld xmlns:a="http://schemas.openxmlformats.org/drawingml/2006/main" xmlns:r="http://schemas.openxmlformats.org/officeDocument/2006/relationships" xmlns:p="http://schemas.openxmlformats.org/presentationml/2006/main">
+  <p:cSld>
+    <p:bg>
+      <p:bgPr>
+        <a:solidFill>
+          <a:schemeClr val="bg1"/>
+        </a:solidFill>
+        <a:effectLst/>
+      </p:bgPr>
+    </p:bg>
+    <p:spTree>
+      <p:nvGrpSpPr>
+        <p:cNvPr id="1" name="">
+          <a:extLst>
+            <a:ext uri="{FF2B5EF4-FFF2-40B4-BE49-F238E27FC236}">
               <a16:creationId xmlns:a16="http://schemas.microsoft.com/office/drawing/2014/main" id="{5D519875-058E-A5D1-E65E-B43BDC6E926C}"/>
             </a:ext>
           </a:extLst>
@@ -4642,8 +10727,8 @@
         </p:nvSpPr>
         <p:spPr>
           <a:xfrm>
-            <a:off x="-533402" y="470639"/>
-            <a:ext cx="6797041" cy="707886"/>
+            <a:off x="348584" y="363086"/>
+            <a:ext cx="3380809" cy="707886"/>
           </a:xfrm>
           <a:prstGeom prst="rect">
             <a:avLst/>
@@ -4656,12 +10741,11 @@
           </a:bodyPr>
           <a:lstStyle/>
           <a:p>
-            <a:pPr algn="ctr"/>
             <a:r>
               <a:rPr lang="en-US" sz="4000" dirty="0">
                 <a:latin typeface="#9Slide03 BoosterNextFYBlack" panose="02000A03000000020004" pitchFamily="2" charset="-93"/>
               </a:rPr>
-              <a:t>02. REQUIREMENTS</a:t>
+              <a:t>04. TABLES</a:t>
             </a:r>
             <a:endParaRPr lang="en-US" sz="2400" dirty="0">
               <a:latin typeface="#9Slide03 BoosterNextFYBlack" panose="02000A03000000020004" pitchFamily="2" charset="-93"/>
@@ -4669,29 +10753,206 @@
           </a:p>
         </p:txBody>
       </p:sp>
-      <p:cxnSp>
-        <p:nvCxnSpPr>
-          <p:cNvPr id="5" name="Straight Connector 4">
+      <p:sp>
+        <p:nvSpPr>
+          <p:cNvPr id="4" name="TextBox 3">
             <a:extLst>
               <a:ext uri="{FF2B5EF4-FFF2-40B4-BE49-F238E27FC236}">
-                <a16:creationId xmlns:a16="http://schemas.microsoft.com/office/drawing/2014/main" id="{044C2A3F-4E9B-EF3E-B480-9609323E8963}"/>
+                <a16:creationId xmlns:a16="http://schemas.microsoft.com/office/drawing/2014/main" id="{BB634710-CFD4-703B-C47A-31B06E24B9F7}"/>
               </a:ext>
             </a:extLst>
           </p:cNvPr>
-          <p:cNvCxnSpPr/>
+          <p:cNvSpPr txBox="1"/>
+          <p:nvPr/>
+        </p:nvSpPr>
+        <p:spPr>
+          <a:xfrm>
+            <a:off x="348584" y="2267311"/>
+            <a:ext cx="6113173" cy="1282402"/>
+          </a:xfrm>
+          <a:prstGeom prst="rect">
+            <a:avLst/>
+          </a:prstGeom>
+          <a:noFill/>
+        </p:spPr>
+        <p:txBody>
+          <a:bodyPr wrap="square">
+            <a:spAutoFit/>
+          </a:bodyPr>
+          <a:lstStyle/>
+          <a:p>
+            <a:pPr>
+              <a:spcAft>
+                <a:spcPts val="800"/>
+              </a:spcAft>
+            </a:pPr>
+            <a:r>
+              <a:rPr lang="en-US" sz="1600" kern="100" dirty="0">
+                <a:effectLst/>
+                <a:latin typeface="Be Vietnam Pro" pitchFamily="2" charset="-93"/>
+                <a:ea typeface="DengXian" panose="02010600030101010101" pitchFamily="2" charset="-122"/>
+                <a:cs typeface="Times New Roman" panose="02020603050405020304" pitchFamily="18" charset="0"/>
+              </a:rPr>
+              <a:t>Represents the countries where the platform is available.</a:t>
+            </a:r>
+          </a:p>
+          <a:p>
+            <a:pPr lvl="0">
+              <a:spcAft>
+                <a:spcPts val="800"/>
+              </a:spcAft>
+              <a:buSzPts val="1000"/>
+              <a:tabLst>
+                <a:tab pos="457200" algn="l"/>
+              </a:tabLst>
+            </a:pPr>
+            <a:r>
+              <a:rPr lang="en-US" sz="1600" b="1" kern="100" dirty="0" err="1">
+                <a:effectLst/>
+                <a:latin typeface="Be Vietnam Pro" pitchFamily="2" charset="-93"/>
+                <a:ea typeface="DengXian" panose="02010600030101010101" pitchFamily="2" charset="-122"/>
+                <a:cs typeface="Times New Roman" panose="02020603050405020304" pitchFamily="18" charset="0"/>
+              </a:rPr>
+              <a:t>country_id</a:t>
+            </a:r>
+            <a:r>
+              <a:rPr lang="en-US" sz="1600" b="1" kern="100" dirty="0">
+                <a:effectLst/>
+                <a:latin typeface="Be Vietnam Pro" pitchFamily="2" charset="-93"/>
+                <a:ea typeface="DengXian" panose="02010600030101010101" pitchFamily="2" charset="-122"/>
+                <a:cs typeface="Times New Roman" panose="02020603050405020304" pitchFamily="18" charset="0"/>
+              </a:rPr>
+              <a:t>: </a:t>
+            </a:r>
+            <a:r>
+              <a:rPr lang="en-US" sz="1600" kern="100" dirty="0">
+                <a:effectLst/>
+                <a:latin typeface="Be Vietnam Pro" pitchFamily="2" charset="-93"/>
+                <a:ea typeface="DengXian" panose="02010600030101010101" pitchFamily="2" charset="-122"/>
+                <a:cs typeface="Times New Roman" panose="02020603050405020304" pitchFamily="18" charset="0"/>
+              </a:rPr>
+              <a:t>Unique identifier for each country (Primary Key).</a:t>
+            </a:r>
+          </a:p>
+          <a:p>
+            <a:pPr lvl="0">
+              <a:spcAft>
+                <a:spcPts val="800"/>
+              </a:spcAft>
+              <a:buSzPts val="1000"/>
+              <a:tabLst>
+                <a:tab pos="457200" algn="l"/>
+              </a:tabLst>
+            </a:pPr>
+            <a:r>
+              <a:rPr lang="en-US" sz="1600" b="1" kern="100" dirty="0" err="1">
+                <a:effectLst/>
+                <a:latin typeface="Be Vietnam Pro" pitchFamily="2" charset="-93"/>
+                <a:ea typeface="DengXian" panose="02010600030101010101" pitchFamily="2" charset="-122"/>
+                <a:cs typeface="Times New Roman" panose="02020603050405020304" pitchFamily="18" charset="0"/>
+              </a:rPr>
+              <a:t>country_name</a:t>
+            </a:r>
+            <a:r>
+              <a:rPr lang="en-US" sz="1600" b="1" kern="100" dirty="0">
+                <a:effectLst/>
+                <a:latin typeface="Be Vietnam Pro" pitchFamily="2" charset="-93"/>
+                <a:ea typeface="DengXian" panose="02010600030101010101" pitchFamily="2" charset="-122"/>
+                <a:cs typeface="Times New Roman" panose="02020603050405020304" pitchFamily="18" charset="0"/>
+              </a:rPr>
+              <a:t>:</a:t>
+            </a:r>
+            <a:r>
+              <a:rPr lang="en-US" sz="1600" kern="100" dirty="0">
+                <a:effectLst/>
+                <a:latin typeface="Be Vietnam Pro" pitchFamily="2" charset="-93"/>
+                <a:ea typeface="DengXian" panose="02010600030101010101" pitchFamily="2" charset="-122"/>
+                <a:cs typeface="Times New Roman" panose="02020603050405020304" pitchFamily="18" charset="0"/>
+              </a:rPr>
+              <a:t> Name of the country (e.g., 'USA', 'India').</a:t>
+            </a:r>
+          </a:p>
+        </p:txBody>
+      </p:sp>
+      <p:sp>
+        <p:nvSpPr>
+          <p:cNvPr id="7" name="TextBox 6">
+            <a:extLst>
+              <a:ext uri="{FF2B5EF4-FFF2-40B4-BE49-F238E27FC236}">
+                <a16:creationId xmlns:a16="http://schemas.microsoft.com/office/drawing/2014/main" id="{4E7EA461-C7AE-A53D-571F-6512A64F4C58}"/>
+              </a:ext>
+            </a:extLst>
+          </p:cNvPr>
+          <p:cNvSpPr txBox="1"/>
+          <p:nvPr/>
+        </p:nvSpPr>
+        <p:spPr>
+          <a:xfrm>
+            <a:off x="348585" y="1600050"/>
+            <a:ext cx="3431892" cy="488275"/>
+          </a:xfrm>
+          <a:prstGeom prst="rect">
+            <a:avLst/>
+          </a:prstGeom>
+          <a:noFill/>
+        </p:spPr>
+        <p:txBody>
+          <a:bodyPr wrap="square">
+            <a:spAutoFit/>
+          </a:bodyPr>
+          <a:lstStyle/>
+          <a:p>
+            <a:pPr>
+              <a:lnSpc>
+                <a:spcPct val="115000"/>
+              </a:lnSpc>
+              <a:spcAft>
+                <a:spcPts val="800"/>
+              </a:spcAft>
+            </a:pPr>
+            <a:r>
+              <a:rPr lang="en-US" sz="2400" b="1" kern="100" dirty="0">
+                <a:effectLst/>
+                <a:latin typeface="Be Vietnam Pro" pitchFamily="2" charset="-93"/>
+                <a:ea typeface="DengXian" panose="02010600030101010101" pitchFamily="2" charset="-122"/>
+                <a:cs typeface="Times New Roman" panose="02020603050405020304" pitchFamily="18" charset="0"/>
+              </a:rPr>
+              <a:t>Country</a:t>
+            </a:r>
+            <a:endParaRPr lang="en-US" sz="2400" kern="100" dirty="0">
+              <a:effectLst/>
+              <a:latin typeface="Be Vietnam Pro" pitchFamily="2" charset="-93"/>
+              <a:ea typeface="DengXian" panose="02010600030101010101" pitchFamily="2" charset="-122"/>
+              <a:cs typeface="Times New Roman" panose="02020603050405020304" pitchFamily="18" charset="0"/>
+            </a:endParaRPr>
+          </a:p>
+        </p:txBody>
+      </p:sp>
+      <p:cxnSp>
+        <p:nvCxnSpPr>
+          <p:cNvPr id="9" name="Straight Connector 8">
+            <a:extLst>
+              <a:ext uri="{FF2B5EF4-FFF2-40B4-BE49-F238E27FC236}">
+                <a16:creationId xmlns:a16="http://schemas.microsoft.com/office/drawing/2014/main" id="{A8BAC662-63E0-4678-8B3A-890578C78018}"/>
+              </a:ext>
+            </a:extLst>
+          </p:cNvPr>
+          <p:cNvCxnSpPr>
+            <a:cxnSpLocks/>
+          </p:cNvCxnSpPr>
           <p:nvPr/>
         </p:nvCxnSpPr>
         <p:spPr>
           <a:xfrm>
-            <a:off x="548640" y="1300445"/>
-            <a:ext cx="5532120" cy="0"/>
+            <a:off x="454307" y="2088325"/>
+            <a:ext cx="5853896" cy="0"/>
           </a:xfrm>
           <a:prstGeom prst="line">
             <a:avLst/>
           </a:prstGeom>
-          <a:ln w="28575">
+          <a:ln>
             <a:solidFill>
-              <a:srgbClr val="FF4B02"/>
+              <a:srgbClr val="F05222"/>
             </a:solidFill>
           </a:ln>
         </p:spPr>
@@ -4710,6 +10971,408 @@
           </a:fontRef>
         </p:style>
       </p:cxnSp>
+      <p:sp>
+        <p:nvSpPr>
+          <p:cNvPr id="16" name="TextBox 15">
+            <a:extLst>
+              <a:ext uri="{FF2B5EF4-FFF2-40B4-BE49-F238E27FC236}">
+                <a16:creationId xmlns:a16="http://schemas.microsoft.com/office/drawing/2014/main" id="{CDF8A68F-7D21-F047-5F86-C0059D10C5B6}"/>
+              </a:ext>
+            </a:extLst>
+          </p:cNvPr>
+          <p:cNvSpPr txBox="1"/>
+          <p:nvPr/>
+        </p:nvSpPr>
+        <p:spPr>
+          <a:xfrm>
+            <a:off x="348585" y="4103028"/>
+            <a:ext cx="3431892" cy="488275"/>
+          </a:xfrm>
+          <a:prstGeom prst="rect">
+            <a:avLst/>
+          </a:prstGeom>
+          <a:noFill/>
+        </p:spPr>
+        <p:txBody>
+          <a:bodyPr wrap="square">
+            <a:spAutoFit/>
+          </a:bodyPr>
+          <a:lstStyle/>
+          <a:p>
+            <a:pPr>
+              <a:lnSpc>
+                <a:spcPct val="115000"/>
+              </a:lnSpc>
+              <a:spcAft>
+                <a:spcPts val="800"/>
+              </a:spcAft>
+            </a:pPr>
+            <a:r>
+              <a:rPr lang="en-US" sz="2400" b="1" kern="100" dirty="0">
+                <a:effectLst/>
+                <a:latin typeface="Be Vietnam Pro" pitchFamily="2" charset="-93"/>
+                <a:ea typeface="DengXian" panose="02010600030101010101" pitchFamily="2" charset="-122"/>
+                <a:cs typeface="Times New Roman" panose="02020603050405020304" pitchFamily="18" charset="0"/>
+              </a:rPr>
+              <a:t>Users</a:t>
+            </a:r>
+            <a:endParaRPr lang="en-US" sz="2400" kern="100" dirty="0">
+              <a:effectLst/>
+              <a:latin typeface="Be Vietnam Pro" pitchFamily="2" charset="-93"/>
+              <a:ea typeface="DengXian" panose="02010600030101010101" pitchFamily="2" charset="-122"/>
+              <a:cs typeface="Times New Roman" panose="02020603050405020304" pitchFamily="18" charset="0"/>
+            </a:endParaRPr>
+          </a:p>
+        </p:txBody>
+      </p:sp>
+      <p:cxnSp>
+        <p:nvCxnSpPr>
+          <p:cNvPr id="17" name="Straight Connector 16">
+            <a:extLst>
+              <a:ext uri="{FF2B5EF4-FFF2-40B4-BE49-F238E27FC236}">
+                <a16:creationId xmlns:a16="http://schemas.microsoft.com/office/drawing/2014/main" id="{60ED1386-EFC9-9470-BF99-C6DCFE3711D4}"/>
+              </a:ext>
+            </a:extLst>
+          </p:cNvPr>
+          <p:cNvCxnSpPr>
+            <a:cxnSpLocks/>
+          </p:cNvCxnSpPr>
+          <p:nvPr/>
+        </p:nvCxnSpPr>
+        <p:spPr>
+          <a:xfrm>
+            <a:off x="454307" y="4591303"/>
+            <a:ext cx="5853896" cy="0"/>
+          </a:xfrm>
+          <a:prstGeom prst="line">
+            <a:avLst/>
+          </a:prstGeom>
+          <a:ln>
+            <a:solidFill>
+              <a:srgbClr val="F05222"/>
+            </a:solidFill>
+          </a:ln>
+        </p:spPr>
+        <p:style>
+          <a:lnRef idx="2">
+            <a:schemeClr val="accent1"/>
+          </a:lnRef>
+          <a:fillRef idx="0">
+            <a:schemeClr val="accent1"/>
+          </a:fillRef>
+          <a:effectRef idx="1">
+            <a:schemeClr val="accent1"/>
+          </a:effectRef>
+          <a:fontRef idx="minor">
+            <a:schemeClr val="tx1"/>
+          </a:fontRef>
+        </p:style>
+      </p:cxnSp>
+      <p:sp>
+        <p:nvSpPr>
+          <p:cNvPr id="19" name="TextBox 18">
+            <a:extLst>
+              <a:ext uri="{FF2B5EF4-FFF2-40B4-BE49-F238E27FC236}">
+                <a16:creationId xmlns:a16="http://schemas.microsoft.com/office/drawing/2014/main" id="{891131A6-055B-CD9D-AFA7-F28C36424683}"/>
+              </a:ext>
+            </a:extLst>
+          </p:cNvPr>
+          <p:cNvSpPr txBox="1"/>
+          <p:nvPr/>
+        </p:nvSpPr>
+        <p:spPr>
+          <a:xfrm>
+            <a:off x="348586" y="4724821"/>
+            <a:ext cx="6113174" cy="3622787"/>
+          </a:xfrm>
+          <a:prstGeom prst="rect">
+            <a:avLst/>
+          </a:prstGeom>
+          <a:noFill/>
+        </p:spPr>
+        <p:txBody>
+          <a:bodyPr wrap="square">
+            <a:spAutoFit/>
+          </a:bodyPr>
+          <a:lstStyle/>
+          <a:p>
+            <a:pPr>
+              <a:lnSpc>
+                <a:spcPct val="115000"/>
+              </a:lnSpc>
+              <a:spcAft>
+                <a:spcPts val="800"/>
+              </a:spcAft>
+            </a:pPr>
+            <a:r>
+              <a:rPr lang="en-US" sz="1600" kern="100" dirty="0">
+                <a:latin typeface="Be Vietnam Pro" pitchFamily="2" charset="-93"/>
+                <a:ea typeface="DengXian" panose="02010600030101010101" pitchFamily="2" charset="-122"/>
+                <a:cs typeface="Times New Roman" panose="02020603050405020304" pitchFamily="18" charset="0"/>
+              </a:rPr>
+              <a:t>Stores user information and their registration details.</a:t>
+            </a:r>
+          </a:p>
+          <a:p>
+            <a:pPr lvl="0">
+              <a:lnSpc>
+                <a:spcPct val="115000"/>
+              </a:lnSpc>
+              <a:spcAft>
+                <a:spcPts val="800"/>
+              </a:spcAft>
+              <a:buSzPts val="1000"/>
+              <a:tabLst>
+                <a:tab pos="457200" algn="l"/>
+              </a:tabLst>
+            </a:pPr>
+            <a:r>
+              <a:rPr lang="en-US" sz="1600" b="1" kern="100" dirty="0" err="1">
+                <a:latin typeface="Be Vietnam Pro" pitchFamily="2" charset="-93"/>
+                <a:ea typeface="DengXian" panose="02010600030101010101" pitchFamily="2" charset="-122"/>
+                <a:cs typeface="Times New Roman" panose="02020603050405020304" pitchFamily="18" charset="0"/>
+              </a:rPr>
+              <a:t>user_id</a:t>
+            </a:r>
+            <a:r>
+              <a:rPr lang="en-US" sz="1600" b="1" kern="100" dirty="0">
+                <a:latin typeface="Be Vietnam Pro" pitchFamily="2" charset="-93"/>
+                <a:ea typeface="DengXian" panose="02010600030101010101" pitchFamily="2" charset="-122"/>
+                <a:cs typeface="Times New Roman" panose="02020603050405020304" pitchFamily="18" charset="0"/>
+              </a:rPr>
+              <a:t>: </a:t>
+            </a:r>
+            <a:r>
+              <a:rPr lang="en-US" sz="1600" kern="100" dirty="0">
+                <a:latin typeface="Be Vietnam Pro" pitchFamily="2" charset="-93"/>
+                <a:ea typeface="DengXian" panose="02010600030101010101" pitchFamily="2" charset="-122"/>
+                <a:cs typeface="Times New Roman" panose="02020603050405020304" pitchFamily="18" charset="0"/>
+              </a:rPr>
+              <a:t>Unique identifier for each user (Primary Key).</a:t>
+            </a:r>
+          </a:p>
+          <a:p>
+            <a:pPr lvl="0">
+              <a:lnSpc>
+                <a:spcPct val="115000"/>
+              </a:lnSpc>
+              <a:spcAft>
+                <a:spcPts val="800"/>
+              </a:spcAft>
+              <a:buSzPts val="1000"/>
+              <a:tabLst>
+                <a:tab pos="457200" algn="l"/>
+              </a:tabLst>
+            </a:pPr>
+            <a:r>
+              <a:rPr lang="en-US" sz="1600" b="1" kern="100" dirty="0" err="1">
+                <a:latin typeface="Be Vietnam Pro" pitchFamily="2" charset="-93"/>
+                <a:ea typeface="DengXian" panose="02010600030101010101" pitchFamily="2" charset="-122"/>
+                <a:cs typeface="Times New Roman" panose="02020603050405020304" pitchFamily="18" charset="0"/>
+              </a:rPr>
+              <a:t>first_name</a:t>
+            </a:r>
+            <a:r>
+              <a:rPr lang="en-US" sz="1600" b="1" kern="100" dirty="0">
+                <a:latin typeface="Be Vietnam Pro" pitchFamily="2" charset="-93"/>
+                <a:ea typeface="DengXian" panose="02010600030101010101" pitchFamily="2" charset="-122"/>
+                <a:cs typeface="Times New Roman" panose="02020603050405020304" pitchFamily="18" charset="0"/>
+              </a:rPr>
+              <a:t>: </a:t>
+            </a:r>
+            <a:r>
+              <a:rPr lang="en-US" sz="1600" kern="100" dirty="0">
+                <a:latin typeface="Be Vietnam Pro" pitchFamily="2" charset="-93"/>
+                <a:ea typeface="DengXian" panose="02010600030101010101" pitchFamily="2" charset="-122"/>
+                <a:cs typeface="Times New Roman" panose="02020603050405020304" pitchFamily="18" charset="0"/>
+              </a:rPr>
+              <a:t>User's first name.</a:t>
+            </a:r>
+          </a:p>
+          <a:p>
+            <a:pPr lvl="0">
+              <a:lnSpc>
+                <a:spcPct val="115000"/>
+              </a:lnSpc>
+              <a:spcAft>
+                <a:spcPts val="800"/>
+              </a:spcAft>
+              <a:buSzPts val="1000"/>
+              <a:tabLst>
+                <a:tab pos="457200" algn="l"/>
+              </a:tabLst>
+            </a:pPr>
+            <a:r>
+              <a:rPr lang="en-US" sz="1600" b="1" kern="100" dirty="0" err="1">
+                <a:latin typeface="Be Vietnam Pro" pitchFamily="2" charset="-93"/>
+                <a:ea typeface="DengXian" panose="02010600030101010101" pitchFamily="2" charset="-122"/>
+                <a:cs typeface="Times New Roman" panose="02020603050405020304" pitchFamily="18" charset="0"/>
+              </a:rPr>
+              <a:t>last_name</a:t>
+            </a:r>
+            <a:r>
+              <a:rPr lang="en-US" sz="1600" b="1" kern="100" dirty="0">
+                <a:latin typeface="Be Vietnam Pro" pitchFamily="2" charset="-93"/>
+                <a:ea typeface="DengXian" panose="02010600030101010101" pitchFamily="2" charset="-122"/>
+                <a:cs typeface="Times New Roman" panose="02020603050405020304" pitchFamily="18" charset="0"/>
+              </a:rPr>
+              <a:t>: </a:t>
+            </a:r>
+            <a:r>
+              <a:rPr lang="en-US" sz="1600" kern="100" dirty="0">
+                <a:latin typeface="Be Vietnam Pro" pitchFamily="2" charset="-93"/>
+                <a:ea typeface="DengXian" panose="02010600030101010101" pitchFamily="2" charset="-122"/>
+                <a:cs typeface="Times New Roman" panose="02020603050405020304" pitchFamily="18" charset="0"/>
+              </a:rPr>
+              <a:t>User's last name.</a:t>
+            </a:r>
+          </a:p>
+          <a:p>
+            <a:pPr lvl="0">
+              <a:lnSpc>
+                <a:spcPct val="115000"/>
+              </a:lnSpc>
+              <a:spcAft>
+                <a:spcPts val="800"/>
+              </a:spcAft>
+              <a:buSzPts val="1000"/>
+              <a:tabLst>
+                <a:tab pos="457200" algn="l"/>
+              </a:tabLst>
+            </a:pPr>
+            <a:r>
+              <a:rPr lang="en-US" sz="1600" b="1" kern="100" dirty="0">
+                <a:latin typeface="Be Vietnam Pro" pitchFamily="2" charset="-93"/>
+                <a:ea typeface="DengXian" panose="02010600030101010101" pitchFamily="2" charset="-122"/>
+                <a:cs typeface="Times New Roman" panose="02020603050405020304" pitchFamily="18" charset="0"/>
+              </a:rPr>
+              <a:t>email: </a:t>
+            </a:r>
+            <a:r>
+              <a:rPr lang="en-US" sz="1600" kern="100" dirty="0">
+                <a:latin typeface="Be Vietnam Pro" pitchFamily="2" charset="-93"/>
+                <a:ea typeface="DengXian" panose="02010600030101010101" pitchFamily="2" charset="-122"/>
+                <a:cs typeface="Times New Roman" panose="02020603050405020304" pitchFamily="18" charset="0"/>
+              </a:rPr>
+              <a:t>Unique email address for the user</a:t>
+            </a:r>
+          </a:p>
+          <a:p>
+            <a:pPr lvl="0">
+              <a:lnSpc>
+                <a:spcPct val="115000"/>
+              </a:lnSpc>
+              <a:spcAft>
+                <a:spcPts val="800"/>
+              </a:spcAft>
+              <a:buSzPts val="1000"/>
+              <a:tabLst>
+                <a:tab pos="457200" algn="l"/>
+              </a:tabLst>
+            </a:pPr>
+            <a:r>
+              <a:rPr lang="en-US" sz="1600" b="1" kern="100" dirty="0">
+                <a:latin typeface="Be Vietnam Pro" pitchFamily="2" charset="-93"/>
+                <a:ea typeface="DengXian" panose="02010600030101010101" pitchFamily="2" charset="-122"/>
+                <a:cs typeface="Times New Roman" panose="02020603050405020304" pitchFamily="18" charset="0"/>
+              </a:rPr>
+              <a:t>password: </a:t>
+            </a:r>
+            <a:r>
+              <a:rPr lang="en-US" sz="1600" kern="100" dirty="0">
+                <a:latin typeface="Be Vietnam Pro" pitchFamily="2" charset="-93"/>
+                <a:ea typeface="DengXian" panose="02010600030101010101" pitchFamily="2" charset="-122"/>
+                <a:cs typeface="Times New Roman" panose="02020603050405020304" pitchFamily="18" charset="0"/>
+              </a:rPr>
+              <a:t>User’s account password</a:t>
+            </a:r>
+          </a:p>
+          <a:p>
+            <a:pPr lvl="0">
+              <a:lnSpc>
+                <a:spcPct val="115000"/>
+              </a:lnSpc>
+              <a:spcAft>
+                <a:spcPts val="800"/>
+              </a:spcAft>
+              <a:buSzPts val="1000"/>
+              <a:tabLst>
+                <a:tab pos="457200" algn="l"/>
+              </a:tabLst>
+            </a:pPr>
+            <a:r>
+              <a:rPr lang="en-US" sz="1600" b="1" kern="100" dirty="0">
+                <a:latin typeface="Be Vietnam Pro" pitchFamily="2" charset="-93"/>
+                <a:ea typeface="DengXian" panose="02010600030101010101" pitchFamily="2" charset="-122"/>
+                <a:cs typeface="Times New Roman" panose="02020603050405020304" pitchFamily="18" charset="0"/>
+              </a:rPr>
+              <a:t>status: </a:t>
+            </a:r>
+            <a:r>
+              <a:rPr lang="en-US" sz="1600" kern="100" dirty="0">
+                <a:latin typeface="Be Vietnam Pro" pitchFamily="2" charset="-93"/>
+                <a:ea typeface="DengXian" panose="02010600030101010101" pitchFamily="2" charset="-122"/>
+                <a:cs typeface="Times New Roman" panose="02020603050405020304" pitchFamily="18" charset="0"/>
+              </a:rPr>
+              <a:t>Current status of the user (active, deleted, suspended).</a:t>
+            </a:r>
+          </a:p>
+          <a:p>
+            <a:pPr lvl="0">
+              <a:lnSpc>
+                <a:spcPct val="115000"/>
+              </a:lnSpc>
+              <a:spcAft>
+                <a:spcPts val="800"/>
+              </a:spcAft>
+              <a:buSzPts val="1000"/>
+              <a:tabLst>
+                <a:tab pos="457200" algn="l"/>
+              </a:tabLst>
+            </a:pPr>
+            <a:r>
+              <a:rPr lang="en-US" sz="1600" b="1" kern="100" dirty="0" err="1">
+                <a:latin typeface="Be Vietnam Pro" pitchFamily="2" charset="-93"/>
+                <a:ea typeface="DengXian" panose="02010600030101010101" pitchFamily="2" charset="-122"/>
+                <a:cs typeface="Times New Roman" panose="02020603050405020304" pitchFamily="18" charset="0"/>
+              </a:rPr>
+              <a:t>country_id</a:t>
+            </a:r>
+            <a:r>
+              <a:rPr lang="en-US" sz="1600" b="1" kern="100" dirty="0">
+                <a:latin typeface="Be Vietnam Pro" pitchFamily="2" charset="-93"/>
+                <a:ea typeface="DengXian" panose="02010600030101010101" pitchFamily="2" charset="-122"/>
+                <a:cs typeface="Times New Roman" panose="02020603050405020304" pitchFamily="18" charset="0"/>
+              </a:rPr>
+              <a:t>: </a:t>
+            </a:r>
+            <a:r>
+              <a:rPr lang="en-US" sz="1600" kern="100" dirty="0">
+                <a:latin typeface="Be Vietnam Pro" pitchFamily="2" charset="-93"/>
+                <a:ea typeface="DengXian" panose="02010600030101010101" pitchFamily="2" charset="-122"/>
+                <a:cs typeface="Times New Roman" panose="02020603050405020304" pitchFamily="18" charset="0"/>
+              </a:rPr>
+              <a:t>Country associated with the user (Foreign Key referencing </a:t>
+            </a:r>
+            <a:r>
+              <a:rPr lang="en-US" sz="1600" kern="100" dirty="0" err="1">
+                <a:latin typeface="Be Vietnam Pro" pitchFamily="2" charset="-93"/>
+                <a:ea typeface="DengXian" panose="02010600030101010101" pitchFamily="2" charset="-122"/>
+                <a:cs typeface="Times New Roman" panose="02020603050405020304" pitchFamily="18" charset="0"/>
+              </a:rPr>
+              <a:t>Country.country_id</a:t>
+            </a:r>
+            <a:r>
+              <a:rPr lang="en-US" sz="1600" kern="100" dirty="0">
+                <a:latin typeface="Be Vietnam Pro" pitchFamily="2" charset="-93"/>
+                <a:ea typeface="DengXian" panose="02010600030101010101" pitchFamily="2" charset="-122"/>
+                <a:cs typeface="Times New Roman" panose="02020603050405020304" pitchFamily="18" charset="0"/>
+              </a:rPr>
+              <a:t>).</a:t>
+            </a:r>
+          </a:p>
+        </p:txBody>
+      </p:sp>
     </p:spTree>
     <p:extLst>
       <p:ext uri="{BB962C8B-B14F-4D97-AF65-F5344CB8AC3E}">
@@ -5036,4 +11699,319 @@
     </a:ext>
   </a:extLst>
 </a:theme>
+</file>
+
+<file path=ppt/theme/theme2.xml><?xml version="1.0" encoding="utf-8"?>
+<a:theme xmlns:a="http://schemas.openxmlformats.org/drawingml/2006/main" name="Office Theme">
+  <a:themeElements>
+    <a:clrScheme name="Office">
+      <a:dk1>
+        <a:sysClr val="windowText" lastClr="000000"/>
+      </a:dk1>
+      <a:lt1>
+        <a:sysClr val="window" lastClr="FFFFFF"/>
+      </a:lt1>
+      <a:dk2>
+        <a:srgbClr val="0E2841"/>
+      </a:dk2>
+      <a:lt2>
+        <a:srgbClr val="E8E8E8"/>
+      </a:lt2>
+      <a:accent1>
+        <a:srgbClr val="156082"/>
+      </a:accent1>
+      <a:accent2>
+        <a:srgbClr val="E97132"/>
+      </a:accent2>
+      <a:accent3>
+        <a:srgbClr val="196B24"/>
+      </a:accent3>
+      <a:accent4>
+        <a:srgbClr val="0F9ED5"/>
+      </a:accent4>
+      <a:accent5>
+        <a:srgbClr val="A02B93"/>
+      </a:accent5>
+      <a:accent6>
+        <a:srgbClr val="4EA72E"/>
+      </a:accent6>
+      <a:hlink>
+        <a:srgbClr val="467886"/>
+      </a:hlink>
+      <a:folHlink>
+        <a:srgbClr val="96607D"/>
+      </a:folHlink>
+    </a:clrScheme>
+    <a:fontScheme name="Office">
+      <a:majorFont>
+        <a:latin typeface="Aptos Display" panose="02110004020202020204"/>
+        <a:ea typeface=""/>
+        <a:cs typeface=""/>
+        <a:font script="Jpan" typeface="游ゴシック Light"/>
+        <a:font script="Hang" typeface="맑은 고딕"/>
+        <a:font script="Hans" typeface="等线 Light"/>
+        <a:font script="Hant" typeface="新細明體"/>
+        <a:font script="Arab" typeface="Times New Roman"/>
+        <a:font script="Hebr" typeface="Times New Roman"/>
+        <a:font script="Thai" typeface="Angsana New"/>
+        <a:font script="Ethi" typeface="Nyala"/>
+        <a:font script="Beng" typeface="Vrinda"/>
+        <a:font script="Gujr" typeface="Shruti"/>
+        <a:font script="Khmr" typeface="MoolBoran"/>
+        <a:font script="Knda" typeface="Tunga"/>
+        <a:font script="Guru" typeface="Raavi"/>
+        <a:font script="Cans" typeface="Euphemia"/>
+        <a:font script="Cher" typeface="Plantagenet Cherokee"/>
+        <a:font script="Yiii" typeface="Microsoft Yi Baiti"/>
+        <a:font script="Tibt" typeface="Microsoft Himalaya"/>
+        <a:font script="Thaa" typeface="MV Boli"/>
+        <a:font script="Deva" typeface="Mangal"/>
+        <a:font script="Telu" typeface="Gautami"/>
+        <a:font script="Taml" typeface="Latha"/>
+        <a:font script="Syrc" typeface="Estrangelo Edessa"/>
+        <a:font script="Orya" typeface="Kalinga"/>
+        <a:font script="Mlym" typeface="Kartika"/>
+        <a:font script="Laoo" typeface="DokChampa"/>
+        <a:font script="Sinh" typeface="Iskoola Pota"/>
+        <a:font script="Mong" typeface="Mongolian Baiti"/>
+        <a:font script="Viet" typeface="Times New Roman"/>
+        <a:font script="Uigh" typeface="Microsoft Uighur"/>
+        <a:font script="Geor" typeface="Sylfaen"/>
+        <a:font script="Armn" typeface="Arial"/>
+        <a:font script="Bugi" typeface="Leelawadee UI"/>
+        <a:font script="Bopo" typeface="Microsoft JhengHei"/>
+        <a:font script="Java" typeface="Javanese Text"/>
+        <a:font script="Lisu" typeface="Segoe UI"/>
+        <a:font script="Mymr" typeface="Myanmar Text"/>
+        <a:font script="Nkoo" typeface="Ebrima"/>
+        <a:font script="Olck" typeface="Nirmala UI"/>
+        <a:font script="Osma" typeface="Ebrima"/>
+        <a:font script="Phag" typeface="Phagspa"/>
+        <a:font script="Syrn" typeface="Estrangelo Edessa"/>
+        <a:font script="Syrj" typeface="Estrangelo Edessa"/>
+        <a:font script="Syre" typeface="Estrangelo Edessa"/>
+        <a:font script="Sora" typeface="Nirmala UI"/>
+        <a:font script="Tale" typeface="Microsoft Tai Le"/>
+        <a:font script="Talu" typeface="Microsoft New Tai Lue"/>
+        <a:font script="Tfng" typeface="Ebrima"/>
+      </a:majorFont>
+      <a:minorFont>
+        <a:latin typeface="Aptos" panose="02110004020202020204"/>
+        <a:ea typeface=""/>
+        <a:cs typeface=""/>
+        <a:font script="Jpan" typeface="游ゴシック"/>
+        <a:font script="Hang" typeface="맑은 고딕"/>
+        <a:font script="Hans" typeface="等线"/>
+        <a:font script="Hant" typeface="新細明體"/>
+        <a:font script="Arab" typeface="Arial"/>
+        <a:font script="Hebr" typeface="Arial"/>
+        <a:font script="Thai" typeface="Cordia New"/>
+        <a:font script="Ethi" typeface="Nyala"/>
+        <a:font script="Beng" typeface="Vrinda"/>
+        <a:font script="Gujr" typeface="Shruti"/>
+        <a:font script="Khmr" typeface="DaunPenh"/>
+        <a:font script="Knda" typeface="Tunga"/>
+        <a:font script="Guru" typeface="Raavi"/>
+        <a:font script="Cans" typeface="Euphemia"/>
+        <a:font script="Cher" typeface="Plantagenet Cherokee"/>
+        <a:font script="Yiii" typeface="Microsoft Yi Baiti"/>
+        <a:font script="Tibt" typeface="Microsoft Himalaya"/>
+        <a:font script="Thaa" typeface="MV Boli"/>
+        <a:font script="Deva" typeface="Mangal"/>
+        <a:font script="Telu" typeface="Gautami"/>
+        <a:font script="Taml" typeface="Latha"/>
+        <a:font script="Syrc" typeface="Estrangelo Edessa"/>
+        <a:font script="Orya" typeface="Kalinga"/>
+        <a:font script="Mlym" typeface="Kartika"/>
+        <a:font script="Laoo" typeface="DokChampa"/>
+        <a:font script="Sinh" typeface="Iskoola Pota"/>
+        <a:font script="Mong" typeface="Mongolian Baiti"/>
+        <a:font script="Viet" typeface="Arial"/>
+        <a:font script="Uigh" typeface="Microsoft Uighur"/>
+        <a:font script="Geor" typeface="Sylfaen"/>
+        <a:font script="Armn" typeface="Arial"/>
+        <a:font script="Bugi" typeface="Leelawadee UI"/>
+        <a:font script="Bopo" typeface="Microsoft JhengHei"/>
+        <a:font script="Java" typeface="Javanese Text"/>
+        <a:font script="Lisu" typeface="Segoe UI"/>
+        <a:font script="Mymr" typeface="Myanmar Text"/>
+        <a:font script="Nkoo" typeface="Ebrima"/>
+        <a:font script="Olck" typeface="Nirmala UI"/>
+        <a:font script="Osma" typeface="Ebrima"/>
+        <a:font script="Phag" typeface="Phagspa"/>
+        <a:font script="Syrn" typeface="Estrangelo Edessa"/>
+        <a:font script="Syrj" typeface="Estrangelo Edessa"/>
+        <a:font script="Syre" typeface="Estrangelo Edessa"/>
+        <a:font script="Sora" typeface="Nirmala UI"/>
+        <a:font script="Tale" typeface="Microsoft Tai Le"/>
+        <a:font script="Talu" typeface="Microsoft New Tai Lue"/>
+        <a:font script="Tfng" typeface="Ebrima"/>
+      </a:minorFont>
+    </a:fontScheme>
+    <a:fmtScheme name="Office">
+      <a:fillStyleLst>
+        <a:solidFill>
+          <a:schemeClr val="phClr"/>
+        </a:solidFill>
+        <a:gradFill rotWithShape="1">
+          <a:gsLst>
+            <a:gs pos="0">
+              <a:schemeClr val="phClr">
+                <a:lumMod val="110000"/>
+                <a:satMod val="105000"/>
+                <a:tint val="67000"/>
+              </a:schemeClr>
+            </a:gs>
+            <a:gs pos="50000">
+              <a:schemeClr val="phClr">
+                <a:lumMod val="105000"/>
+                <a:satMod val="103000"/>
+                <a:tint val="73000"/>
+              </a:schemeClr>
+            </a:gs>
+            <a:gs pos="100000">
+              <a:schemeClr val="phClr">
+                <a:lumMod val="105000"/>
+                <a:satMod val="109000"/>
+                <a:tint val="81000"/>
+              </a:schemeClr>
+            </a:gs>
+          </a:gsLst>
+          <a:lin ang="5400000" scaled="0"/>
+        </a:gradFill>
+        <a:gradFill rotWithShape="1">
+          <a:gsLst>
+            <a:gs pos="0">
+              <a:schemeClr val="phClr">
+                <a:satMod val="103000"/>
+                <a:lumMod val="102000"/>
+                <a:tint val="94000"/>
+              </a:schemeClr>
+            </a:gs>
+            <a:gs pos="50000">
+              <a:schemeClr val="phClr">
+                <a:satMod val="110000"/>
+                <a:lumMod val="100000"/>
+                <a:shade val="100000"/>
+              </a:schemeClr>
+            </a:gs>
+            <a:gs pos="100000">
+              <a:schemeClr val="phClr">
+                <a:lumMod val="99000"/>
+                <a:satMod val="120000"/>
+                <a:shade val="78000"/>
+              </a:schemeClr>
+            </a:gs>
+          </a:gsLst>
+          <a:lin ang="5400000" scaled="0"/>
+        </a:gradFill>
+      </a:fillStyleLst>
+      <a:lnStyleLst>
+        <a:ln w="12700" cap="flat" cmpd="sng" algn="ctr">
+          <a:solidFill>
+            <a:schemeClr val="phClr"/>
+          </a:solidFill>
+          <a:prstDash val="solid"/>
+          <a:miter lim="800000"/>
+        </a:ln>
+        <a:ln w="19050" cap="flat" cmpd="sng" algn="ctr">
+          <a:solidFill>
+            <a:schemeClr val="phClr"/>
+          </a:solidFill>
+          <a:prstDash val="solid"/>
+          <a:miter lim="800000"/>
+        </a:ln>
+        <a:ln w="25400" cap="flat" cmpd="sng" algn="ctr">
+          <a:solidFill>
+            <a:schemeClr val="phClr"/>
+          </a:solidFill>
+          <a:prstDash val="solid"/>
+          <a:miter lim="800000"/>
+        </a:ln>
+      </a:lnStyleLst>
+      <a:effectStyleLst>
+        <a:effectStyle>
+          <a:effectLst/>
+        </a:effectStyle>
+        <a:effectStyle>
+          <a:effectLst/>
+        </a:effectStyle>
+        <a:effectStyle>
+          <a:effectLst>
+            <a:outerShdw blurRad="57150" dist="19050" dir="5400000" algn="ctr" rotWithShape="0">
+              <a:srgbClr val="000000">
+                <a:alpha val="63000"/>
+              </a:srgbClr>
+            </a:outerShdw>
+          </a:effectLst>
+        </a:effectStyle>
+      </a:effectStyleLst>
+      <a:bgFillStyleLst>
+        <a:solidFill>
+          <a:schemeClr val="phClr"/>
+        </a:solidFill>
+        <a:solidFill>
+          <a:schemeClr val="phClr">
+            <a:tint val="95000"/>
+            <a:satMod val="170000"/>
+          </a:schemeClr>
+        </a:solidFill>
+        <a:gradFill rotWithShape="1">
+          <a:gsLst>
+            <a:gs pos="0">
+              <a:schemeClr val="phClr">
+                <a:tint val="93000"/>
+                <a:satMod val="150000"/>
+                <a:shade val="98000"/>
+                <a:lumMod val="102000"/>
+              </a:schemeClr>
+            </a:gs>
+            <a:gs pos="50000">
+              <a:schemeClr val="phClr">
+                <a:tint val="98000"/>
+                <a:satMod val="130000"/>
+                <a:shade val="90000"/>
+                <a:lumMod val="103000"/>
+              </a:schemeClr>
+            </a:gs>
+            <a:gs pos="100000">
+              <a:schemeClr val="phClr">
+                <a:shade val="63000"/>
+                <a:satMod val="120000"/>
+              </a:schemeClr>
+            </a:gs>
+          </a:gsLst>
+          <a:lin ang="5400000" scaled="0"/>
+        </a:gradFill>
+      </a:bgFillStyleLst>
+    </a:fmtScheme>
+  </a:themeElements>
+  <a:objectDefaults>
+    <a:lnDef>
+      <a:spPr/>
+      <a:bodyPr/>
+      <a:lstStyle/>
+      <a:style>
+        <a:lnRef idx="2">
+          <a:schemeClr val="accent1"/>
+        </a:lnRef>
+        <a:fillRef idx="0">
+          <a:schemeClr val="accent1"/>
+        </a:fillRef>
+        <a:effectRef idx="1">
+          <a:schemeClr val="accent1"/>
+        </a:effectRef>
+        <a:fontRef idx="minor">
+          <a:schemeClr val="tx1"/>
+        </a:fontRef>
+      </a:style>
+    </a:lnDef>
+  </a:objectDefaults>
+  <a:extraClrSchemeLst/>
+  <a:extLst>
+    <a:ext uri="{05A4C25C-085E-4340-85A3-A5531E510DB2}">
+      <thm15:themeFamily xmlns:thm15="http://schemas.microsoft.com/office/thememl/2012/main" name="Office Theme" id="{2E142A2C-CD16-42D6-873A-C26D2A0506FA}" vid="{1BDDFF52-6CD6-40A5-AB3C-68EB2F1E4D0A}"/>
+    </a:ext>
+  </a:extLst>
+</a:theme>
 </file>
--- a/movie_stream_report.pptx
+++ b/movie_stream_report.pptx
@@ -5,7 +5,7 @@
     <p:sldMasterId id="2147483672" r:id="rId1"/>
   </p:sldMasterIdLst>
   <p:notesMasterIdLst>
-    <p:notesMasterId r:id="rId21"/>
+    <p:notesMasterId r:id="rId28"/>
   </p:notesMasterIdLst>
   <p:sldIdLst>
     <p:sldId id="256" r:id="rId2"/>
@@ -13,20 +13,27 @@
     <p:sldId id="259" r:id="rId4"/>
     <p:sldId id="258" r:id="rId5"/>
     <p:sldId id="260" r:id="rId6"/>
-    <p:sldId id="268" r:id="rId7"/>
-    <p:sldId id="274" r:id="rId8"/>
-    <p:sldId id="273" r:id="rId9"/>
-    <p:sldId id="261" r:id="rId10"/>
-    <p:sldId id="262" r:id="rId11"/>
-    <p:sldId id="265" r:id="rId12"/>
-    <p:sldId id="264" r:id="rId13"/>
-    <p:sldId id="263" r:id="rId14"/>
-    <p:sldId id="266" r:id="rId15"/>
-    <p:sldId id="267" r:id="rId16"/>
-    <p:sldId id="270" r:id="rId17"/>
-    <p:sldId id="271" r:id="rId18"/>
-    <p:sldId id="272" r:id="rId19"/>
-    <p:sldId id="269" r:id="rId20"/>
+    <p:sldId id="280" r:id="rId7"/>
+    <p:sldId id="281" r:id="rId8"/>
+    <p:sldId id="268" r:id="rId9"/>
+    <p:sldId id="274" r:id="rId10"/>
+    <p:sldId id="273" r:id="rId11"/>
+    <p:sldId id="261" r:id="rId12"/>
+    <p:sldId id="262" r:id="rId13"/>
+    <p:sldId id="265" r:id="rId14"/>
+    <p:sldId id="264" r:id="rId15"/>
+    <p:sldId id="263" r:id="rId16"/>
+    <p:sldId id="266" r:id="rId17"/>
+    <p:sldId id="267" r:id="rId18"/>
+    <p:sldId id="270" r:id="rId19"/>
+    <p:sldId id="282" r:id="rId20"/>
+    <p:sldId id="271" r:id="rId21"/>
+    <p:sldId id="275" r:id="rId22"/>
+    <p:sldId id="276" r:id="rId23"/>
+    <p:sldId id="277" r:id="rId24"/>
+    <p:sldId id="278" r:id="rId25"/>
+    <p:sldId id="279" r:id="rId26"/>
+    <p:sldId id="283" r:id="rId27"/>
   </p:sldIdLst>
   <p:sldSz cx="6858000" cy="9906000" type="A4"/>
   <p:notesSz cx="6858000" cy="9144000"/>
@@ -128,7 +135,7 @@
   <p:extLst>
     <p:ext uri="{EFAFB233-063F-42B5-8137-9DF3F51BA10A}">
       <p15:sldGuideLst xmlns:p15="http://schemas.microsoft.com/office/powerpoint/2012/main">
-        <p15:guide id="1" orient="horz" pos="3120" userDrawn="1">
+        <p15:guide id="1" orient="horz" pos="3143" userDrawn="1">
           <p15:clr>
             <a:srgbClr val="A4A3A4"/>
           </p15:clr>
@@ -226,7 +233,7 @@
           <a:p>
             <a:fld id="{8BD96C4E-5041-4518-A097-5123827B043E}" type="datetimeFigureOut">
               <a:rPr lang="en-US" smtClean="0"/>
-              <a:t>12/6/2024</a:t>
+              <a:t>12/9/2024</a:t>
             </a:fld>
             <a:endParaRPr lang="en-US"/>
           </a:p>
@@ -558,7 +565,7 @@
           <a:p>
             <a:fld id="{125ACDC8-9594-482E-AD34-18E8D671EBCE}" type="slidenum">
               <a:rPr lang="en-US" smtClean="0"/>
-              <a:t>12</a:t>
+              <a:t>14</a:t>
             </a:fld>
             <a:endParaRPr lang="en-US"/>
           </a:p>
@@ -708,7 +715,7 @@
           <a:p>
             <a:fld id="{66EBA8CF-DD17-4A72-80FE-9E25C88A3DD4}" type="datetimeFigureOut">
               <a:rPr lang="en-US" smtClean="0"/>
-              <a:t>12/6/2024</a:t>
+              <a:t>12/9/2024</a:t>
             </a:fld>
             <a:endParaRPr lang="en-US"/>
           </a:p>
@@ -878,7 +885,7 @@
           <a:p>
             <a:fld id="{66EBA8CF-DD17-4A72-80FE-9E25C88A3DD4}" type="datetimeFigureOut">
               <a:rPr lang="en-US" smtClean="0"/>
-              <a:t>12/6/2024</a:t>
+              <a:t>12/9/2024</a:t>
             </a:fld>
             <a:endParaRPr lang="en-US"/>
           </a:p>
@@ -1058,7 +1065,7 @@
           <a:p>
             <a:fld id="{66EBA8CF-DD17-4A72-80FE-9E25C88A3DD4}" type="datetimeFigureOut">
               <a:rPr lang="en-US" smtClean="0"/>
-              <a:t>12/6/2024</a:t>
+              <a:t>12/9/2024</a:t>
             </a:fld>
             <a:endParaRPr lang="en-US"/>
           </a:p>
@@ -1228,7 +1235,7 @@
           <a:p>
             <a:fld id="{66EBA8CF-DD17-4A72-80FE-9E25C88A3DD4}" type="datetimeFigureOut">
               <a:rPr lang="en-US" smtClean="0"/>
-              <a:t>12/6/2024</a:t>
+              <a:t>12/9/2024</a:t>
             </a:fld>
             <a:endParaRPr lang="en-US"/>
           </a:p>
@@ -1474,7 +1481,7 @@
           <a:p>
             <a:fld id="{66EBA8CF-DD17-4A72-80FE-9E25C88A3DD4}" type="datetimeFigureOut">
               <a:rPr lang="en-US" smtClean="0"/>
-              <a:t>12/6/2024</a:t>
+              <a:t>12/9/2024</a:t>
             </a:fld>
             <a:endParaRPr lang="en-US"/>
           </a:p>
@@ -1706,7 +1713,7 @@
           <a:p>
             <a:fld id="{66EBA8CF-DD17-4A72-80FE-9E25C88A3DD4}" type="datetimeFigureOut">
               <a:rPr lang="en-US" smtClean="0"/>
-              <a:t>12/6/2024</a:t>
+              <a:t>12/9/2024</a:t>
             </a:fld>
             <a:endParaRPr lang="en-US"/>
           </a:p>
@@ -2073,7 +2080,7 @@
           <a:p>
             <a:fld id="{66EBA8CF-DD17-4A72-80FE-9E25C88A3DD4}" type="datetimeFigureOut">
               <a:rPr lang="en-US" smtClean="0"/>
-              <a:t>12/6/2024</a:t>
+              <a:t>12/9/2024</a:t>
             </a:fld>
             <a:endParaRPr lang="en-US"/>
           </a:p>
@@ -2191,7 +2198,7 @@
           <a:p>
             <a:fld id="{66EBA8CF-DD17-4A72-80FE-9E25C88A3DD4}" type="datetimeFigureOut">
               <a:rPr lang="en-US" smtClean="0"/>
-              <a:t>12/6/2024</a:t>
+              <a:t>12/9/2024</a:t>
             </a:fld>
             <a:endParaRPr lang="en-US"/>
           </a:p>
@@ -2286,7 +2293,7 @@
           <a:p>
             <a:fld id="{66EBA8CF-DD17-4A72-80FE-9E25C88A3DD4}" type="datetimeFigureOut">
               <a:rPr lang="en-US" smtClean="0"/>
-              <a:t>12/6/2024</a:t>
+              <a:t>12/9/2024</a:t>
             </a:fld>
             <a:endParaRPr lang="en-US"/>
           </a:p>
@@ -2563,7 +2570,7 @@
           <a:p>
             <a:fld id="{66EBA8CF-DD17-4A72-80FE-9E25C88A3DD4}" type="datetimeFigureOut">
               <a:rPr lang="en-US" smtClean="0"/>
-              <a:t>12/6/2024</a:t>
+              <a:t>12/9/2024</a:t>
             </a:fld>
             <a:endParaRPr lang="en-US"/>
           </a:p>
@@ -2820,7 +2827,7 @@
           <a:p>
             <a:fld id="{66EBA8CF-DD17-4A72-80FE-9E25C88A3DD4}" type="datetimeFigureOut">
               <a:rPr lang="en-US" smtClean="0"/>
-              <a:t>12/6/2024</a:t>
+              <a:t>12/9/2024</a:t>
             </a:fld>
             <a:endParaRPr lang="en-US"/>
           </a:p>
@@ -3033,7 +3040,7 @@
           <a:p>
             <a:fld id="{66EBA8CF-DD17-4A72-80FE-9E25C88A3DD4}" type="datetimeFigureOut">
               <a:rPr lang="en-US" smtClean="0"/>
-              <a:t>12/6/2024</a:t>
+              <a:t>12/9/2024</a:t>
             </a:fld>
             <a:endParaRPr lang="en-US"/>
           </a:p>
@@ -3714,6 +3721,842 @@
     <p:bg>
       <p:bgPr>
         <a:solidFill>
+          <a:srgbClr val="FBFBFB"/>
+        </a:solidFill>
+        <a:effectLst/>
+      </p:bgPr>
+    </p:bg>
+    <p:spTree>
+      <p:nvGrpSpPr>
+        <p:cNvPr id="1" name="">
+          <a:extLst>
+            <a:ext uri="{FF2B5EF4-FFF2-40B4-BE49-F238E27FC236}">
+              <a16:creationId xmlns:a16="http://schemas.microsoft.com/office/drawing/2014/main" id="{A1F7A6AA-CEF5-13EC-2216-116234682EDF}"/>
+            </a:ext>
+          </a:extLst>
+        </p:cNvPr>
+        <p:cNvGrpSpPr/>
+        <p:nvPr/>
+      </p:nvGrpSpPr>
+      <p:grpSpPr>
+        <a:xfrm>
+          <a:off x="0" y="0"/>
+          <a:ext cx="0" cy="0"/>
+          <a:chOff x="0" y="0"/>
+          <a:chExt cx="0" cy="0"/>
+        </a:xfrm>
+      </p:grpSpPr>
+      <p:pic>
+        <p:nvPicPr>
+          <p:cNvPr id="6" name="Picture 5">
+            <a:extLst>
+              <a:ext uri="{FF2B5EF4-FFF2-40B4-BE49-F238E27FC236}">
+                <a16:creationId xmlns:a16="http://schemas.microsoft.com/office/drawing/2014/main" id="{C11101E4-9FB7-0F42-B7A2-341E92CC05E7}"/>
+              </a:ext>
+            </a:extLst>
+          </p:cNvPr>
+          <p:cNvPicPr>
+            <a:picLocks noChangeAspect="1"/>
+          </p:cNvPicPr>
+          <p:nvPr/>
+        </p:nvPicPr>
+        <p:blipFill>
+          <a:blip r:embed="rId2">
+            <a:extLst>
+              <a:ext uri="{28A0092B-C50C-407E-A947-70E740481C1C}">
+                <a14:useLocalDpi xmlns:a14="http://schemas.microsoft.com/office/drawing/2010/main" val="0"/>
+              </a:ext>
+            </a:extLst>
+          </a:blip>
+          <a:srcRect r="2135" b="6608"/>
+          <a:stretch/>
+        </p:blipFill>
+        <p:spPr>
+          <a:xfrm rot="5400000">
+            <a:off x="-1422714" y="2224721"/>
+            <a:ext cx="9314640" cy="5289222"/>
+          </a:xfrm>
+          <a:prstGeom prst="rect">
+            <a:avLst/>
+          </a:prstGeom>
+        </p:spPr>
+      </p:pic>
+      <p:sp>
+        <p:nvSpPr>
+          <p:cNvPr id="3" name="TextBox 2">
+            <a:extLst>
+              <a:ext uri="{FF2B5EF4-FFF2-40B4-BE49-F238E27FC236}">
+                <a16:creationId xmlns:a16="http://schemas.microsoft.com/office/drawing/2014/main" id="{E64FA6E1-95AD-B8C3-A77F-3FF4B230115D}"/>
+              </a:ext>
+            </a:extLst>
+          </p:cNvPr>
+          <p:cNvSpPr txBox="1"/>
+          <p:nvPr/>
+        </p:nvSpPr>
+        <p:spPr>
+          <a:xfrm rot="5400000">
+            <a:off x="3573780" y="2791769"/>
+            <a:ext cx="5318760" cy="707886"/>
+          </a:xfrm>
+          <a:prstGeom prst="rect">
+            <a:avLst/>
+          </a:prstGeom>
+          <a:noFill/>
+        </p:spPr>
+        <p:txBody>
+          <a:bodyPr wrap="square" rtlCol="0">
+            <a:spAutoFit/>
+          </a:bodyPr>
+          <a:lstStyle/>
+          <a:p>
+            <a:r>
+              <a:rPr lang="en-US" sz="4000" dirty="0">
+                <a:latin typeface="#9Slide03 BoosterNextFYBlack" panose="02000A03000000020004" pitchFamily="2" charset="-93"/>
+              </a:rPr>
+              <a:t>Relational schema</a:t>
+            </a:r>
+            <a:endParaRPr lang="en-US" sz="2400" dirty="0">
+              <a:latin typeface="#9Slide03 BoosterNextFYBlack" panose="02000A03000000020004" pitchFamily="2" charset="-93"/>
+            </a:endParaRPr>
+          </a:p>
+        </p:txBody>
+      </p:sp>
+    </p:spTree>
+    <p:extLst>
+      <p:ext uri="{BB962C8B-B14F-4D97-AF65-F5344CB8AC3E}">
+        <p14:creationId xmlns:p14="http://schemas.microsoft.com/office/powerpoint/2010/main" val="3057429076"/>
+      </p:ext>
+    </p:extLst>
+  </p:cSld>
+  <p:clrMapOvr>
+    <a:masterClrMapping/>
+  </p:clrMapOvr>
+</p:sld>
+</file>
+
+<file path=ppt/slides/slide11.xml><?xml version="1.0" encoding="utf-8"?>
+<p:sld xmlns:a="http://schemas.openxmlformats.org/drawingml/2006/main" xmlns:r="http://schemas.openxmlformats.org/officeDocument/2006/relationships" xmlns:p="http://schemas.openxmlformats.org/presentationml/2006/main">
+  <p:cSld>
+    <p:bg>
+      <p:bgPr>
+        <a:solidFill>
+          <a:schemeClr val="bg1"/>
+        </a:solidFill>
+        <a:effectLst/>
+      </p:bgPr>
+    </p:bg>
+    <p:spTree>
+      <p:nvGrpSpPr>
+        <p:cNvPr id="1" name="">
+          <a:extLst>
+            <a:ext uri="{FF2B5EF4-FFF2-40B4-BE49-F238E27FC236}">
+              <a16:creationId xmlns:a16="http://schemas.microsoft.com/office/drawing/2014/main" id="{5D519875-058E-A5D1-E65E-B43BDC6E926C}"/>
+            </a:ext>
+          </a:extLst>
+        </p:cNvPr>
+        <p:cNvGrpSpPr/>
+        <p:nvPr/>
+      </p:nvGrpSpPr>
+      <p:grpSpPr>
+        <a:xfrm>
+          <a:off x="0" y="0"/>
+          <a:ext cx="0" cy="0"/>
+          <a:chOff x="0" y="0"/>
+          <a:chExt cx="0" cy="0"/>
+        </a:xfrm>
+      </p:grpSpPr>
+      <p:sp>
+        <p:nvSpPr>
+          <p:cNvPr id="3" name="TextBox 2">
+            <a:extLst>
+              <a:ext uri="{FF2B5EF4-FFF2-40B4-BE49-F238E27FC236}">
+                <a16:creationId xmlns:a16="http://schemas.microsoft.com/office/drawing/2014/main" id="{84DEAD69-5900-77B6-33BB-9770618473F5}"/>
+              </a:ext>
+            </a:extLst>
+          </p:cNvPr>
+          <p:cNvSpPr txBox="1"/>
+          <p:nvPr/>
+        </p:nvSpPr>
+        <p:spPr>
+          <a:xfrm>
+            <a:off x="348584" y="363086"/>
+            <a:ext cx="3380809" cy="707886"/>
+          </a:xfrm>
+          <a:prstGeom prst="rect">
+            <a:avLst/>
+          </a:prstGeom>
+          <a:noFill/>
+        </p:spPr>
+        <p:txBody>
+          <a:bodyPr wrap="square" rtlCol="0">
+            <a:spAutoFit/>
+          </a:bodyPr>
+          <a:lstStyle/>
+          <a:p>
+            <a:r>
+              <a:rPr lang="en-US" sz="4000" dirty="0">
+                <a:latin typeface="#9Slide03 BoosterNextFYBlack" panose="02000A03000000020004" pitchFamily="2" charset="-93"/>
+              </a:rPr>
+              <a:t>04. TABLES</a:t>
+            </a:r>
+            <a:endParaRPr lang="en-US" sz="2400" dirty="0">
+              <a:latin typeface="#9Slide03 BoosterNextFYBlack" panose="02000A03000000020004" pitchFamily="2" charset="-93"/>
+            </a:endParaRPr>
+          </a:p>
+        </p:txBody>
+      </p:sp>
+      <p:sp>
+        <p:nvSpPr>
+          <p:cNvPr id="4" name="TextBox 3">
+            <a:extLst>
+              <a:ext uri="{FF2B5EF4-FFF2-40B4-BE49-F238E27FC236}">
+                <a16:creationId xmlns:a16="http://schemas.microsoft.com/office/drawing/2014/main" id="{BB634710-CFD4-703B-C47A-31B06E24B9F7}"/>
+              </a:ext>
+            </a:extLst>
+          </p:cNvPr>
+          <p:cNvSpPr txBox="1"/>
+          <p:nvPr/>
+        </p:nvSpPr>
+        <p:spPr>
+          <a:xfrm>
+            <a:off x="348584" y="2267311"/>
+            <a:ext cx="6113173" cy="1282402"/>
+          </a:xfrm>
+          <a:prstGeom prst="rect">
+            <a:avLst/>
+          </a:prstGeom>
+          <a:noFill/>
+        </p:spPr>
+        <p:txBody>
+          <a:bodyPr wrap="square">
+            <a:spAutoFit/>
+          </a:bodyPr>
+          <a:lstStyle/>
+          <a:p>
+            <a:pPr>
+              <a:spcAft>
+                <a:spcPts val="800"/>
+              </a:spcAft>
+            </a:pPr>
+            <a:r>
+              <a:rPr lang="en-US" sz="1600" kern="100" dirty="0">
+                <a:effectLst/>
+                <a:latin typeface="Be Vietnam Pro" pitchFamily="2" charset="-93"/>
+                <a:ea typeface="DengXian" panose="02010600030101010101" pitchFamily="2" charset="-122"/>
+                <a:cs typeface="Times New Roman" panose="02020603050405020304" pitchFamily="18" charset="0"/>
+              </a:rPr>
+              <a:t>Represents the countries where the platform is available.</a:t>
+            </a:r>
+          </a:p>
+          <a:p>
+            <a:pPr lvl="0">
+              <a:spcAft>
+                <a:spcPts val="800"/>
+              </a:spcAft>
+              <a:buSzPts val="1000"/>
+              <a:tabLst>
+                <a:tab pos="457200" algn="l"/>
+              </a:tabLst>
+            </a:pPr>
+            <a:r>
+              <a:rPr lang="en-US" sz="1600" b="1" kern="100" dirty="0" err="1">
+                <a:effectLst/>
+                <a:latin typeface="Be Vietnam Pro" pitchFamily="2" charset="-93"/>
+                <a:ea typeface="DengXian" panose="02010600030101010101" pitchFamily="2" charset="-122"/>
+                <a:cs typeface="Times New Roman" panose="02020603050405020304" pitchFamily="18" charset="0"/>
+              </a:rPr>
+              <a:t>country_id</a:t>
+            </a:r>
+            <a:r>
+              <a:rPr lang="en-US" sz="1600" b="1" kern="100" dirty="0">
+                <a:effectLst/>
+                <a:latin typeface="Be Vietnam Pro" pitchFamily="2" charset="-93"/>
+                <a:ea typeface="DengXian" panose="02010600030101010101" pitchFamily="2" charset="-122"/>
+                <a:cs typeface="Times New Roman" panose="02020603050405020304" pitchFamily="18" charset="0"/>
+              </a:rPr>
+              <a:t>: </a:t>
+            </a:r>
+            <a:r>
+              <a:rPr lang="en-US" sz="1600" kern="100" dirty="0">
+                <a:effectLst/>
+                <a:latin typeface="Be Vietnam Pro" pitchFamily="2" charset="-93"/>
+                <a:ea typeface="DengXian" panose="02010600030101010101" pitchFamily="2" charset="-122"/>
+                <a:cs typeface="Times New Roman" panose="02020603050405020304" pitchFamily="18" charset="0"/>
+              </a:rPr>
+              <a:t>Unique identifier for each country (Primary Key).</a:t>
+            </a:r>
+          </a:p>
+          <a:p>
+            <a:pPr lvl="0">
+              <a:spcAft>
+                <a:spcPts val="800"/>
+              </a:spcAft>
+              <a:buSzPts val="1000"/>
+              <a:tabLst>
+                <a:tab pos="457200" algn="l"/>
+              </a:tabLst>
+            </a:pPr>
+            <a:r>
+              <a:rPr lang="en-US" sz="1600" b="1" kern="100" dirty="0" err="1">
+                <a:effectLst/>
+                <a:latin typeface="Be Vietnam Pro" pitchFamily="2" charset="-93"/>
+                <a:ea typeface="DengXian" panose="02010600030101010101" pitchFamily="2" charset="-122"/>
+                <a:cs typeface="Times New Roman" panose="02020603050405020304" pitchFamily="18" charset="0"/>
+              </a:rPr>
+              <a:t>country_name</a:t>
+            </a:r>
+            <a:r>
+              <a:rPr lang="en-US" sz="1600" b="1" kern="100" dirty="0">
+                <a:effectLst/>
+                <a:latin typeface="Be Vietnam Pro" pitchFamily="2" charset="-93"/>
+                <a:ea typeface="DengXian" panose="02010600030101010101" pitchFamily="2" charset="-122"/>
+                <a:cs typeface="Times New Roman" panose="02020603050405020304" pitchFamily="18" charset="0"/>
+              </a:rPr>
+              <a:t>:</a:t>
+            </a:r>
+            <a:r>
+              <a:rPr lang="en-US" sz="1600" kern="100" dirty="0">
+                <a:effectLst/>
+                <a:latin typeface="Be Vietnam Pro" pitchFamily="2" charset="-93"/>
+                <a:ea typeface="DengXian" panose="02010600030101010101" pitchFamily="2" charset="-122"/>
+                <a:cs typeface="Times New Roman" panose="02020603050405020304" pitchFamily="18" charset="0"/>
+              </a:rPr>
+              <a:t> Name of the country (e.g., 'USA', 'India').</a:t>
+            </a:r>
+          </a:p>
+        </p:txBody>
+      </p:sp>
+      <p:sp>
+        <p:nvSpPr>
+          <p:cNvPr id="7" name="TextBox 6">
+            <a:extLst>
+              <a:ext uri="{FF2B5EF4-FFF2-40B4-BE49-F238E27FC236}">
+                <a16:creationId xmlns:a16="http://schemas.microsoft.com/office/drawing/2014/main" id="{4E7EA461-C7AE-A53D-571F-6512A64F4C58}"/>
+              </a:ext>
+            </a:extLst>
+          </p:cNvPr>
+          <p:cNvSpPr txBox="1"/>
+          <p:nvPr/>
+        </p:nvSpPr>
+        <p:spPr>
+          <a:xfrm>
+            <a:off x="348585" y="1600050"/>
+            <a:ext cx="3431892" cy="488275"/>
+          </a:xfrm>
+          <a:prstGeom prst="rect">
+            <a:avLst/>
+          </a:prstGeom>
+          <a:noFill/>
+        </p:spPr>
+        <p:txBody>
+          <a:bodyPr wrap="square">
+            <a:spAutoFit/>
+          </a:bodyPr>
+          <a:lstStyle/>
+          <a:p>
+            <a:pPr>
+              <a:lnSpc>
+                <a:spcPct val="115000"/>
+              </a:lnSpc>
+              <a:spcAft>
+                <a:spcPts val="800"/>
+              </a:spcAft>
+            </a:pPr>
+            <a:r>
+              <a:rPr lang="en-US" sz="2400" b="1" kern="100" dirty="0">
+                <a:effectLst/>
+                <a:latin typeface="Be Vietnam Pro" pitchFamily="2" charset="-93"/>
+                <a:ea typeface="DengXian" panose="02010600030101010101" pitchFamily="2" charset="-122"/>
+                <a:cs typeface="Times New Roman" panose="02020603050405020304" pitchFamily="18" charset="0"/>
+              </a:rPr>
+              <a:t>Country</a:t>
+            </a:r>
+            <a:endParaRPr lang="en-US" sz="2400" kern="100" dirty="0">
+              <a:effectLst/>
+              <a:latin typeface="Be Vietnam Pro" pitchFamily="2" charset="-93"/>
+              <a:ea typeface="DengXian" panose="02010600030101010101" pitchFamily="2" charset="-122"/>
+              <a:cs typeface="Times New Roman" panose="02020603050405020304" pitchFamily="18" charset="0"/>
+            </a:endParaRPr>
+          </a:p>
+        </p:txBody>
+      </p:sp>
+      <p:cxnSp>
+        <p:nvCxnSpPr>
+          <p:cNvPr id="9" name="Straight Connector 8">
+            <a:extLst>
+              <a:ext uri="{FF2B5EF4-FFF2-40B4-BE49-F238E27FC236}">
+                <a16:creationId xmlns:a16="http://schemas.microsoft.com/office/drawing/2014/main" id="{A8BAC662-63E0-4678-8B3A-890578C78018}"/>
+              </a:ext>
+            </a:extLst>
+          </p:cNvPr>
+          <p:cNvCxnSpPr>
+            <a:cxnSpLocks/>
+          </p:cNvCxnSpPr>
+          <p:nvPr/>
+        </p:nvCxnSpPr>
+        <p:spPr>
+          <a:xfrm>
+            <a:off x="454307" y="2088325"/>
+            <a:ext cx="5853896" cy="0"/>
+          </a:xfrm>
+          <a:prstGeom prst="line">
+            <a:avLst/>
+          </a:prstGeom>
+          <a:ln>
+            <a:solidFill>
+              <a:srgbClr val="F05222"/>
+            </a:solidFill>
+          </a:ln>
+        </p:spPr>
+        <p:style>
+          <a:lnRef idx="2">
+            <a:schemeClr val="accent1"/>
+          </a:lnRef>
+          <a:fillRef idx="0">
+            <a:schemeClr val="accent1"/>
+          </a:fillRef>
+          <a:effectRef idx="1">
+            <a:schemeClr val="accent1"/>
+          </a:effectRef>
+          <a:fontRef idx="minor">
+            <a:schemeClr val="tx1"/>
+          </a:fontRef>
+        </p:style>
+      </p:cxnSp>
+      <p:sp>
+        <p:nvSpPr>
+          <p:cNvPr id="16" name="TextBox 15">
+            <a:extLst>
+              <a:ext uri="{FF2B5EF4-FFF2-40B4-BE49-F238E27FC236}">
+                <a16:creationId xmlns:a16="http://schemas.microsoft.com/office/drawing/2014/main" id="{CDF8A68F-7D21-F047-5F86-C0059D10C5B6}"/>
+              </a:ext>
+            </a:extLst>
+          </p:cNvPr>
+          <p:cNvSpPr txBox="1"/>
+          <p:nvPr/>
+        </p:nvSpPr>
+        <p:spPr>
+          <a:xfrm>
+            <a:off x="348585" y="4103028"/>
+            <a:ext cx="3431892" cy="488275"/>
+          </a:xfrm>
+          <a:prstGeom prst="rect">
+            <a:avLst/>
+          </a:prstGeom>
+          <a:noFill/>
+        </p:spPr>
+        <p:txBody>
+          <a:bodyPr wrap="square">
+            <a:spAutoFit/>
+          </a:bodyPr>
+          <a:lstStyle/>
+          <a:p>
+            <a:pPr>
+              <a:lnSpc>
+                <a:spcPct val="115000"/>
+              </a:lnSpc>
+              <a:spcAft>
+                <a:spcPts val="800"/>
+              </a:spcAft>
+            </a:pPr>
+            <a:r>
+              <a:rPr lang="en-US" sz="2400" b="1" kern="100" dirty="0">
+                <a:effectLst/>
+                <a:latin typeface="Be Vietnam Pro" pitchFamily="2" charset="-93"/>
+                <a:ea typeface="DengXian" panose="02010600030101010101" pitchFamily="2" charset="-122"/>
+                <a:cs typeface="Times New Roman" panose="02020603050405020304" pitchFamily="18" charset="0"/>
+              </a:rPr>
+              <a:t>Users</a:t>
+            </a:r>
+            <a:endParaRPr lang="en-US" sz="2400" kern="100" dirty="0">
+              <a:effectLst/>
+              <a:latin typeface="Be Vietnam Pro" pitchFamily="2" charset="-93"/>
+              <a:ea typeface="DengXian" panose="02010600030101010101" pitchFamily="2" charset="-122"/>
+              <a:cs typeface="Times New Roman" panose="02020603050405020304" pitchFamily="18" charset="0"/>
+            </a:endParaRPr>
+          </a:p>
+        </p:txBody>
+      </p:sp>
+      <p:cxnSp>
+        <p:nvCxnSpPr>
+          <p:cNvPr id="17" name="Straight Connector 16">
+            <a:extLst>
+              <a:ext uri="{FF2B5EF4-FFF2-40B4-BE49-F238E27FC236}">
+                <a16:creationId xmlns:a16="http://schemas.microsoft.com/office/drawing/2014/main" id="{60ED1386-EFC9-9470-BF99-C6DCFE3711D4}"/>
+              </a:ext>
+            </a:extLst>
+          </p:cNvPr>
+          <p:cNvCxnSpPr>
+            <a:cxnSpLocks/>
+          </p:cNvCxnSpPr>
+          <p:nvPr/>
+        </p:nvCxnSpPr>
+        <p:spPr>
+          <a:xfrm>
+            <a:off x="454307" y="4591303"/>
+            <a:ext cx="5853896" cy="0"/>
+          </a:xfrm>
+          <a:prstGeom prst="line">
+            <a:avLst/>
+          </a:prstGeom>
+          <a:ln>
+            <a:solidFill>
+              <a:srgbClr val="F05222"/>
+            </a:solidFill>
+          </a:ln>
+        </p:spPr>
+        <p:style>
+          <a:lnRef idx="2">
+            <a:schemeClr val="accent1"/>
+          </a:lnRef>
+          <a:fillRef idx="0">
+            <a:schemeClr val="accent1"/>
+          </a:fillRef>
+          <a:effectRef idx="1">
+            <a:schemeClr val="accent1"/>
+          </a:effectRef>
+          <a:fontRef idx="minor">
+            <a:schemeClr val="tx1"/>
+          </a:fontRef>
+        </p:style>
+      </p:cxnSp>
+      <p:sp>
+        <p:nvSpPr>
+          <p:cNvPr id="19" name="TextBox 18">
+            <a:extLst>
+              <a:ext uri="{FF2B5EF4-FFF2-40B4-BE49-F238E27FC236}">
+                <a16:creationId xmlns:a16="http://schemas.microsoft.com/office/drawing/2014/main" id="{891131A6-055B-CD9D-AFA7-F28C36424683}"/>
+              </a:ext>
+            </a:extLst>
+          </p:cNvPr>
+          <p:cNvSpPr txBox="1"/>
+          <p:nvPr/>
+        </p:nvSpPr>
+        <p:spPr>
+          <a:xfrm>
+            <a:off x="348586" y="4724821"/>
+            <a:ext cx="6113174" cy="3339632"/>
+          </a:xfrm>
+          <a:prstGeom prst="rect">
+            <a:avLst/>
+          </a:prstGeom>
+          <a:noFill/>
+        </p:spPr>
+        <p:txBody>
+          <a:bodyPr wrap="square">
+            <a:spAutoFit/>
+          </a:bodyPr>
+          <a:lstStyle/>
+          <a:p>
+            <a:pPr>
+              <a:lnSpc>
+                <a:spcPct val="115000"/>
+              </a:lnSpc>
+              <a:spcAft>
+                <a:spcPts val="800"/>
+              </a:spcAft>
+            </a:pPr>
+            <a:r>
+              <a:rPr lang="en-US" sz="1600" kern="100" dirty="0">
+                <a:latin typeface="Be Vietnam Pro" pitchFamily="2" charset="-93"/>
+                <a:ea typeface="DengXian" panose="02010600030101010101" pitchFamily="2" charset="-122"/>
+                <a:cs typeface="Times New Roman" panose="02020603050405020304" pitchFamily="18" charset="0"/>
+              </a:rPr>
+              <a:t>Stores user information and their registration details.</a:t>
+            </a:r>
+          </a:p>
+          <a:p>
+            <a:pPr lvl="0">
+              <a:lnSpc>
+                <a:spcPct val="115000"/>
+              </a:lnSpc>
+              <a:spcAft>
+                <a:spcPts val="800"/>
+              </a:spcAft>
+              <a:buSzPts val="1000"/>
+              <a:tabLst>
+                <a:tab pos="457200" algn="l"/>
+              </a:tabLst>
+            </a:pPr>
+            <a:r>
+              <a:rPr lang="en-US" sz="1600" b="1" kern="100" dirty="0" err="1">
+                <a:latin typeface="Be Vietnam Pro" pitchFamily="2" charset="-93"/>
+                <a:ea typeface="DengXian" panose="02010600030101010101" pitchFamily="2" charset="-122"/>
+                <a:cs typeface="Times New Roman" panose="02020603050405020304" pitchFamily="18" charset="0"/>
+              </a:rPr>
+              <a:t>user_id</a:t>
+            </a:r>
+            <a:r>
+              <a:rPr lang="en-US" sz="1600" b="1" kern="100" dirty="0">
+                <a:latin typeface="Be Vietnam Pro" pitchFamily="2" charset="-93"/>
+                <a:ea typeface="DengXian" panose="02010600030101010101" pitchFamily="2" charset="-122"/>
+                <a:cs typeface="Times New Roman" panose="02020603050405020304" pitchFamily="18" charset="0"/>
+              </a:rPr>
+              <a:t>: </a:t>
+            </a:r>
+            <a:r>
+              <a:rPr lang="en-US" sz="1600" kern="100" dirty="0">
+                <a:latin typeface="Be Vietnam Pro" pitchFamily="2" charset="-93"/>
+                <a:ea typeface="DengXian" panose="02010600030101010101" pitchFamily="2" charset="-122"/>
+                <a:cs typeface="Times New Roman" panose="02020603050405020304" pitchFamily="18" charset="0"/>
+              </a:rPr>
+              <a:t>Unique identifier for each user (Primary Key).</a:t>
+            </a:r>
+          </a:p>
+          <a:p>
+            <a:pPr lvl="0">
+              <a:lnSpc>
+                <a:spcPct val="115000"/>
+              </a:lnSpc>
+              <a:spcAft>
+                <a:spcPts val="800"/>
+              </a:spcAft>
+              <a:buSzPts val="1000"/>
+              <a:tabLst>
+                <a:tab pos="457200" algn="l"/>
+              </a:tabLst>
+            </a:pPr>
+            <a:r>
+              <a:rPr lang="en-US" sz="1600" b="1" kern="100" dirty="0" err="1">
+                <a:latin typeface="Be Vietnam Pro" pitchFamily="2" charset="-93"/>
+                <a:ea typeface="DengXian" panose="02010600030101010101" pitchFamily="2" charset="-122"/>
+                <a:cs typeface="Times New Roman" panose="02020603050405020304" pitchFamily="18" charset="0"/>
+              </a:rPr>
+              <a:t>first_name</a:t>
+            </a:r>
+            <a:r>
+              <a:rPr lang="en-US" sz="1600" b="1" kern="100" dirty="0">
+                <a:latin typeface="Be Vietnam Pro" pitchFamily="2" charset="-93"/>
+                <a:ea typeface="DengXian" panose="02010600030101010101" pitchFamily="2" charset="-122"/>
+                <a:cs typeface="Times New Roman" panose="02020603050405020304" pitchFamily="18" charset="0"/>
+              </a:rPr>
+              <a:t>: </a:t>
+            </a:r>
+            <a:r>
+              <a:rPr lang="en-US" sz="1600" kern="100" dirty="0">
+                <a:latin typeface="Be Vietnam Pro" pitchFamily="2" charset="-93"/>
+                <a:ea typeface="DengXian" panose="02010600030101010101" pitchFamily="2" charset="-122"/>
+                <a:cs typeface="Times New Roman" panose="02020603050405020304" pitchFamily="18" charset="0"/>
+              </a:rPr>
+              <a:t>User's first name.</a:t>
+            </a:r>
+          </a:p>
+          <a:p>
+            <a:pPr lvl="0">
+              <a:lnSpc>
+                <a:spcPct val="115000"/>
+              </a:lnSpc>
+              <a:spcAft>
+                <a:spcPts val="800"/>
+              </a:spcAft>
+              <a:buSzPts val="1000"/>
+              <a:tabLst>
+                <a:tab pos="457200" algn="l"/>
+              </a:tabLst>
+            </a:pPr>
+            <a:r>
+              <a:rPr lang="en-US" sz="1600" b="1" kern="100" dirty="0" err="1">
+                <a:latin typeface="Be Vietnam Pro" pitchFamily="2" charset="-93"/>
+                <a:ea typeface="DengXian" panose="02010600030101010101" pitchFamily="2" charset="-122"/>
+                <a:cs typeface="Times New Roman" panose="02020603050405020304" pitchFamily="18" charset="0"/>
+              </a:rPr>
+              <a:t>last_name</a:t>
+            </a:r>
+            <a:r>
+              <a:rPr lang="en-US" sz="1600" b="1" kern="100" dirty="0">
+                <a:latin typeface="Be Vietnam Pro" pitchFamily="2" charset="-93"/>
+                <a:ea typeface="DengXian" panose="02010600030101010101" pitchFamily="2" charset="-122"/>
+                <a:cs typeface="Times New Roman" panose="02020603050405020304" pitchFamily="18" charset="0"/>
+              </a:rPr>
+              <a:t>: </a:t>
+            </a:r>
+            <a:r>
+              <a:rPr lang="en-US" sz="1600" kern="100" dirty="0">
+                <a:latin typeface="Be Vietnam Pro" pitchFamily="2" charset="-93"/>
+                <a:ea typeface="DengXian" panose="02010600030101010101" pitchFamily="2" charset="-122"/>
+                <a:cs typeface="Times New Roman" panose="02020603050405020304" pitchFamily="18" charset="0"/>
+              </a:rPr>
+              <a:t>User's last name.</a:t>
+            </a:r>
+          </a:p>
+          <a:p>
+            <a:pPr lvl="0">
+              <a:lnSpc>
+                <a:spcPct val="115000"/>
+              </a:lnSpc>
+              <a:spcAft>
+                <a:spcPts val="800"/>
+              </a:spcAft>
+              <a:buSzPts val="1000"/>
+              <a:tabLst>
+                <a:tab pos="457200" algn="l"/>
+              </a:tabLst>
+            </a:pPr>
+            <a:r>
+              <a:rPr lang="en-US" sz="1600" b="1" kern="100" dirty="0">
+                <a:latin typeface="Be Vietnam Pro" pitchFamily="2" charset="-93"/>
+                <a:ea typeface="DengXian" panose="02010600030101010101" pitchFamily="2" charset="-122"/>
+                <a:cs typeface="Times New Roman" panose="02020603050405020304" pitchFamily="18" charset="0"/>
+              </a:rPr>
+              <a:t>email: </a:t>
+            </a:r>
+            <a:r>
+              <a:rPr lang="en-US" sz="1600" kern="100" dirty="0">
+                <a:latin typeface="Be Vietnam Pro" pitchFamily="2" charset="-93"/>
+                <a:ea typeface="DengXian" panose="02010600030101010101" pitchFamily="2" charset="-122"/>
+                <a:cs typeface="Times New Roman" panose="02020603050405020304" pitchFamily="18" charset="0"/>
+              </a:rPr>
+              <a:t>Unique email address for the user</a:t>
+            </a:r>
+          </a:p>
+          <a:p>
+            <a:pPr lvl="0">
+              <a:lnSpc>
+                <a:spcPct val="115000"/>
+              </a:lnSpc>
+              <a:spcAft>
+                <a:spcPts val="800"/>
+              </a:spcAft>
+              <a:buSzPts val="1000"/>
+              <a:tabLst>
+                <a:tab pos="457200" algn="l"/>
+              </a:tabLst>
+            </a:pPr>
+            <a:r>
+              <a:rPr lang="en-US" sz="1600" b="1" kern="100" dirty="0">
+                <a:latin typeface="Be Vietnam Pro" pitchFamily="2" charset="-93"/>
+                <a:ea typeface="DengXian" panose="02010600030101010101" pitchFamily="2" charset="-122"/>
+                <a:cs typeface="Times New Roman" panose="02020603050405020304" pitchFamily="18" charset="0"/>
+              </a:rPr>
+              <a:t>password: </a:t>
+            </a:r>
+            <a:r>
+              <a:rPr lang="en-US" sz="1600" kern="100" dirty="0">
+                <a:latin typeface="Be Vietnam Pro" pitchFamily="2" charset="-93"/>
+                <a:ea typeface="DengXian" panose="02010600030101010101" pitchFamily="2" charset="-122"/>
+                <a:cs typeface="Times New Roman" panose="02020603050405020304" pitchFamily="18" charset="0"/>
+              </a:rPr>
+              <a:t>User’s account password</a:t>
+            </a:r>
+          </a:p>
+          <a:p>
+            <a:pPr lvl="0">
+              <a:lnSpc>
+                <a:spcPct val="115000"/>
+              </a:lnSpc>
+              <a:spcAft>
+                <a:spcPts val="800"/>
+              </a:spcAft>
+              <a:buSzPts val="1000"/>
+              <a:tabLst>
+                <a:tab pos="457200" algn="l"/>
+              </a:tabLst>
+            </a:pPr>
+            <a:r>
+              <a:rPr lang="en-US" sz="1600" b="1" kern="100" dirty="0">
+                <a:latin typeface="Be Vietnam Pro" pitchFamily="2" charset="-93"/>
+                <a:ea typeface="DengXian" panose="02010600030101010101" pitchFamily="2" charset="-122"/>
+                <a:cs typeface="Times New Roman" panose="02020603050405020304" pitchFamily="18" charset="0"/>
+              </a:rPr>
+              <a:t>status: </a:t>
+            </a:r>
+            <a:r>
+              <a:rPr lang="en-US" sz="1600" kern="100" dirty="0">
+                <a:latin typeface="Be Vietnam Pro" pitchFamily="2" charset="-93"/>
+                <a:ea typeface="DengXian" panose="02010600030101010101" pitchFamily="2" charset="-122"/>
+                <a:cs typeface="Times New Roman" panose="02020603050405020304" pitchFamily="18" charset="0"/>
+              </a:rPr>
+              <a:t>Current status of the user (active</a:t>
+            </a:r>
+            <a:r>
+              <a:rPr lang="en-US" sz="1600" kern="100">
+                <a:latin typeface="Be Vietnam Pro" pitchFamily="2" charset="-93"/>
+                <a:ea typeface="DengXian" panose="02010600030101010101" pitchFamily="2" charset="-122"/>
+                <a:cs typeface="Times New Roman" panose="02020603050405020304" pitchFamily="18" charset="0"/>
+              </a:rPr>
+              <a:t>, inactive).</a:t>
+            </a:r>
+            <a:endParaRPr lang="en-US" sz="1600" kern="100" dirty="0">
+              <a:latin typeface="Be Vietnam Pro" pitchFamily="2" charset="-93"/>
+              <a:ea typeface="DengXian" panose="02010600030101010101" pitchFamily="2" charset="-122"/>
+              <a:cs typeface="Times New Roman" panose="02020603050405020304" pitchFamily="18" charset="0"/>
+            </a:endParaRPr>
+          </a:p>
+          <a:p>
+            <a:pPr lvl="0">
+              <a:lnSpc>
+                <a:spcPct val="115000"/>
+              </a:lnSpc>
+              <a:spcAft>
+                <a:spcPts val="800"/>
+              </a:spcAft>
+              <a:buSzPts val="1000"/>
+              <a:tabLst>
+                <a:tab pos="457200" algn="l"/>
+              </a:tabLst>
+            </a:pPr>
+            <a:r>
+              <a:rPr lang="en-US" sz="1600" b="1" kern="100" dirty="0" err="1">
+                <a:latin typeface="Be Vietnam Pro" pitchFamily="2" charset="-93"/>
+                <a:ea typeface="DengXian" panose="02010600030101010101" pitchFamily="2" charset="-122"/>
+                <a:cs typeface="Times New Roman" panose="02020603050405020304" pitchFamily="18" charset="0"/>
+              </a:rPr>
+              <a:t>country_id</a:t>
+            </a:r>
+            <a:r>
+              <a:rPr lang="en-US" sz="1600" b="1" kern="100" dirty="0">
+                <a:latin typeface="Be Vietnam Pro" pitchFamily="2" charset="-93"/>
+                <a:ea typeface="DengXian" panose="02010600030101010101" pitchFamily="2" charset="-122"/>
+                <a:cs typeface="Times New Roman" panose="02020603050405020304" pitchFamily="18" charset="0"/>
+              </a:rPr>
+              <a:t>: </a:t>
+            </a:r>
+            <a:r>
+              <a:rPr lang="en-US" sz="1600" kern="100" dirty="0">
+                <a:latin typeface="Be Vietnam Pro" pitchFamily="2" charset="-93"/>
+                <a:ea typeface="DengXian" panose="02010600030101010101" pitchFamily="2" charset="-122"/>
+                <a:cs typeface="Times New Roman" panose="02020603050405020304" pitchFamily="18" charset="0"/>
+              </a:rPr>
+              <a:t>Country associated with the user (Foreign Key referencing </a:t>
+            </a:r>
+            <a:r>
+              <a:rPr lang="en-US" sz="1600" kern="100" dirty="0" err="1">
+                <a:latin typeface="Be Vietnam Pro" pitchFamily="2" charset="-93"/>
+                <a:ea typeface="DengXian" panose="02010600030101010101" pitchFamily="2" charset="-122"/>
+                <a:cs typeface="Times New Roman" panose="02020603050405020304" pitchFamily="18" charset="0"/>
+              </a:rPr>
+              <a:t>Country.country_id</a:t>
+            </a:r>
+            <a:r>
+              <a:rPr lang="en-US" sz="1600" kern="100" dirty="0">
+                <a:latin typeface="Be Vietnam Pro" pitchFamily="2" charset="-93"/>
+                <a:ea typeface="DengXian" panose="02010600030101010101" pitchFamily="2" charset="-122"/>
+                <a:cs typeface="Times New Roman" panose="02020603050405020304" pitchFamily="18" charset="0"/>
+              </a:rPr>
+              <a:t>).</a:t>
+            </a:r>
+          </a:p>
+        </p:txBody>
+      </p:sp>
+    </p:spTree>
+    <p:extLst>
+      <p:ext uri="{BB962C8B-B14F-4D97-AF65-F5344CB8AC3E}">
+        <p14:creationId xmlns:p14="http://schemas.microsoft.com/office/powerpoint/2010/main" val="1932432794"/>
+      </p:ext>
+    </p:extLst>
+  </p:cSld>
+  <p:clrMapOvr>
+    <a:masterClrMapping/>
+  </p:clrMapOvr>
+</p:sld>
+</file>
+
+<file path=ppt/slides/slide12.xml><?xml version="1.0" encoding="utf-8"?>
+<p:sld xmlns:a="http://schemas.openxmlformats.org/drawingml/2006/main" xmlns:r="http://schemas.openxmlformats.org/officeDocument/2006/relationships" xmlns:p="http://schemas.openxmlformats.org/presentationml/2006/main">
+  <p:cSld>
+    <p:bg>
+      <p:bgPr>
+        <a:solidFill>
           <a:schemeClr val="bg1"/>
         </a:solidFill>
         <a:effectLst/>
@@ -4461,7 +5304,7 @@
 </p:sld>
 </file>
 
-<file path=ppt/slides/slide11.xml><?xml version="1.0" encoding="utf-8"?>
+<file path=ppt/slides/slide13.xml><?xml version="1.0" encoding="utf-8"?>
 <p:sld xmlns:a="http://schemas.openxmlformats.org/drawingml/2006/main" xmlns:r="http://schemas.openxmlformats.org/officeDocument/2006/relationships" xmlns:p="http://schemas.openxmlformats.org/presentationml/2006/main">
   <p:cSld>
     <p:bg>
@@ -5303,7 +6146,7 @@
 </p:sld>
 </file>
 
-<file path=ppt/slides/slide12.xml><?xml version="1.0" encoding="utf-8"?>
+<file path=ppt/slides/slide14.xml><?xml version="1.0" encoding="utf-8"?>
 <p:sld xmlns:a="http://schemas.openxmlformats.org/drawingml/2006/main" xmlns:r="http://schemas.openxmlformats.org/officeDocument/2006/relationships" xmlns:p="http://schemas.openxmlformats.org/presentationml/2006/main">
   <p:cSld>
     <p:bg>
@@ -5991,7 +6834,7 @@
 </p:sld>
 </file>
 
-<file path=ppt/slides/slide13.xml><?xml version="1.0" encoding="utf-8"?>
+<file path=ppt/slides/slide15.xml><?xml version="1.0" encoding="utf-8"?>
 <p:sld xmlns:a="http://schemas.openxmlformats.org/drawingml/2006/main" xmlns:r="http://schemas.openxmlformats.org/officeDocument/2006/relationships" xmlns:p="http://schemas.openxmlformats.org/presentationml/2006/main">
   <p:cSld>
     <p:bg>
@@ -6803,7 +7646,7 @@
 </p:sld>
 </file>
 
-<file path=ppt/slides/slide14.xml><?xml version="1.0" encoding="utf-8"?>
+<file path=ppt/slides/slide16.xml><?xml version="1.0" encoding="utf-8"?>
 <p:sld xmlns:a="http://schemas.openxmlformats.org/drawingml/2006/main" xmlns:r="http://schemas.openxmlformats.org/officeDocument/2006/relationships" xmlns:p="http://schemas.openxmlformats.org/presentationml/2006/main">
   <p:cSld>
     <p:bg>
@@ -7591,7 +8434,7 @@
 </p:sld>
 </file>
 
-<file path=ppt/slides/slide15.xml><?xml version="1.0" encoding="utf-8"?>
+<file path=ppt/slides/slide17.xml><?xml version="1.0" encoding="utf-8"?>
 <p:sld xmlns:a="http://schemas.openxmlformats.org/drawingml/2006/main" xmlns:r="http://schemas.openxmlformats.org/officeDocument/2006/relationships" xmlns:p="http://schemas.openxmlformats.org/presentationml/2006/main">
   <p:cSld>
     <p:bg>
@@ -8110,7 +8953,7 @@
 </p:sld>
 </file>
 
-<file path=ppt/slides/slide16.xml><?xml version="1.0" encoding="utf-8"?>
+<file path=ppt/slides/slide18.xml><?xml version="1.0" encoding="utf-8"?>
 <p:sld xmlns:a="http://schemas.openxmlformats.org/drawingml/2006/main" xmlns:r="http://schemas.openxmlformats.org/officeDocument/2006/relationships" xmlns:p="http://schemas.openxmlformats.org/presentationml/2006/main">
   <p:cSld>
     <p:bg>
@@ -8155,7 +8998,7 @@
         </p:nvSpPr>
         <p:spPr>
           <a:xfrm>
-            <a:off x="348584" y="363086"/>
+            <a:off x="378080" y="561206"/>
             <a:ext cx="3380809" cy="707886"/>
           </a:xfrm>
           <a:prstGeom prst="rect">
@@ -8181,56 +9024,12 @@
           </a:p>
         </p:txBody>
       </p:sp>
-    </p:spTree>
-    <p:extLst>
-      <p:ext uri="{BB962C8B-B14F-4D97-AF65-F5344CB8AC3E}">
-        <p14:creationId xmlns:p14="http://schemas.microsoft.com/office/powerpoint/2010/main" val="4206749983"/>
-      </p:ext>
-    </p:extLst>
-  </p:cSld>
-  <p:clrMapOvr>
-    <a:masterClrMapping/>
-  </p:clrMapOvr>
-</p:sld>
-</file>
-
-<file path=ppt/slides/slide17.xml><?xml version="1.0" encoding="utf-8"?>
-<p:sld xmlns:a="http://schemas.openxmlformats.org/drawingml/2006/main" xmlns:r="http://schemas.openxmlformats.org/officeDocument/2006/relationships" xmlns:p="http://schemas.openxmlformats.org/presentationml/2006/main">
-  <p:cSld>
-    <p:bg>
-      <p:bgPr>
-        <a:solidFill>
-          <a:schemeClr val="bg1"/>
-        </a:solidFill>
-        <a:effectLst/>
-      </p:bgPr>
-    </p:bg>
-    <p:spTree>
-      <p:nvGrpSpPr>
-        <p:cNvPr id="1" name="">
-          <a:extLst>
-            <a:ext uri="{FF2B5EF4-FFF2-40B4-BE49-F238E27FC236}">
-              <a16:creationId xmlns:a16="http://schemas.microsoft.com/office/drawing/2014/main" id="{560380B2-70E0-ACED-190A-2510D910D6E0}"/>
-            </a:ext>
-          </a:extLst>
-        </p:cNvPr>
-        <p:cNvGrpSpPr/>
-        <p:nvPr/>
-      </p:nvGrpSpPr>
-      <p:grpSpPr>
-        <a:xfrm>
-          <a:off x="0" y="0"/>
-          <a:ext cx="0" cy="0"/>
-          <a:chOff x="0" y="0"/>
-          <a:chExt cx="0" cy="0"/>
-        </a:xfrm>
-      </p:grpSpPr>
-      <p:sp>
-        <p:nvSpPr>
-          <p:cNvPr id="3" name="TextBox 2">
+      <p:sp>
+        <p:nvSpPr>
+          <p:cNvPr id="2" name="TextBox 1">
             <a:extLst>
               <a:ext uri="{FF2B5EF4-FFF2-40B4-BE49-F238E27FC236}">
-                <a16:creationId xmlns:a16="http://schemas.microsoft.com/office/drawing/2014/main" id="{9561C3FC-1D4F-B62D-4D0E-55B3DD96C26B}"/>
+                <a16:creationId xmlns:a16="http://schemas.microsoft.com/office/drawing/2014/main" id="{1C8B71F5-260F-9DEB-FB85-1AFAC947B299}"/>
               </a:ext>
             </a:extLst>
           </p:cNvPr>
@@ -8239,8 +9038,8 @@
         </p:nvSpPr>
         <p:spPr>
           <a:xfrm>
-            <a:off x="348584" y="363086"/>
-            <a:ext cx="4444642" cy="707886"/>
+            <a:off x="378080" y="1700575"/>
+            <a:ext cx="5641720" cy="861774"/>
           </a:xfrm>
           <a:prstGeom prst="rect">
             <a:avLst/>
@@ -8254,67 +9053,37 @@
           <a:lstStyle/>
           <a:p>
             <a:r>
-              <a:rPr lang="en-US" sz="4000" dirty="0">
-                <a:latin typeface="#9Slide03 BoosterNextFYBlack" panose="02000A03000000020004" pitchFamily="2" charset="-93"/>
-              </a:rPr>
-              <a:t>06. VIEWS</a:t>
-            </a:r>
-            <a:endParaRPr lang="en-US" sz="2400" dirty="0">
-              <a:latin typeface="#9Slide03 BoosterNextFYBlack" panose="02000A03000000020004" pitchFamily="2" charset="-93"/>
-            </a:endParaRPr>
-          </a:p>
-        </p:txBody>
-      </p:sp>
-    </p:spTree>
-    <p:extLst>
-      <p:ext uri="{BB962C8B-B14F-4D97-AF65-F5344CB8AC3E}">
-        <p14:creationId xmlns:p14="http://schemas.microsoft.com/office/powerpoint/2010/main" val="749123372"/>
-      </p:ext>
-    </p:extLst>
-  </p:cSld>
-  <p:clrMapOvr>
-    <a:masterClrMapping/>
-  </p:clrMapOvr>
-</p:sld>
-</file>
-
-<file path=ppt/slides/slide18.xml><?xml version="1.0" encoding="utf-8"?>
-<p:sld xmlns:a="http://schemas.openxmlformats.org/drawingml/2006/main" xmlns:r="http://schemas.openxmlformats.org/officeDocument/2006/relationships" xmlns:p="http://schemas.openxmlformats.org/presentationml/2006/main">
-  <p:cSld>
-    <p:bg>
-      <p:bgPr>
-        <a:solidFill>
-          <a:schemeClr val="bg1"/>
-        </a:solidFill>
-        <a:effectLst/>
-      </p:bgPr>
-    </p:bg>
-    <p:spTree>
-      <p:nvGrpSpPr>
-        <p:cNvPr id="1" name="">
-          <a:extLst>
-            <a:ext uri="{FF2B5EF4-FFF2-40B4-BE49-F238E27FC236}">
-              <a16:creationId xmlns:a16="http://schemas.microsoft.com/office/drawing/2014/main" id="{7318B022-D70E-EFA1-FCA9-214197936E95}"/>
-            </a:ext>
-          </a:extLst>
-        </p:cNvPr>
-        <p:cNvGrpSpPr/>
-        <p:nvPr/>
-      </p:nvGrpSpPr>
-      <p:grpSpPr>
-        <a:xfrm>
-          <a:off x="0" y="0"/>
-          <a:ext cx="0" cy="0"/>
-          <a:chOff x="0" y="0"/>
-          <a:chExt cx="0" cy="0"/>
-        </a:xfrm>
-      </p:grpSpPr>
-      <p:sp>
-        <p:nvSpPr>
-          <p:cNvPr id="3" name="TextBox 2">
+              <a:rPr lang="en-US" sz="2500" b="1" dirty="0">
+                <a:solidFill>
+                  <a:srgbClr val="FF3300"/>
+                </a:solidFill>
+                <a:latin typeface="Be Vietnam Pro" pitchFamily="2" charset="-93"/>
+              </a:rPr>
+              <a:t>Trigger 1: </a:t>
+            </a:r>
+          </a:p>
+          <a:p>
+            <a:r>
+              <a:rPr lang="en-US" sz="2500" b="1" dirty="0" err="1">
+                <a:latin typeface="Be Vietnam Pro" pitchFamily="2" charset="-93"/>
+              </a:rPr>
+              <a:t>update_content_rating</a:t>
+            </a:r>
+            <a:r>
+              <a:rPr lang="en-US" sz="2500" b="1" dirty="0">
+                <a:latin typeface="Be Vietnam Pro" pitchFamily="2" charset="-93"/>
+              </a:rPr>
+              <a:t> </a:t>
+            </a:r>
+          </a:p>
+        </p:txBody>
+      </p:sp>
+      <p:sp>
+        <p:nvSpPr>
+          <p:cNvPr id="5" name="TextBox 4">
             <a:extLst>
               <a:ext uri="{FF2B5EF4-FFF2-40B4-BE49-F238E27FC236}">
-                <a16:creationId xmlns:a16="http://schemas.microsoft.com/office/drawing/2014/main" id="{6E65B2BB-448E-CA4E-57B9-5718F302957B}"/>
+                <a16:creationId xmlns:a16="http://schemas.microsoft.com/office/drawing/2014/main" id="{1636002E-C5B7-A5CD-F458-73FD6ED1D681}"/>
               </a:ext>
             </a:extLst>
           </p:cNvPr>
@@ -8323,8 +9092,8 @@
         </p:nvSpPr>
         <p:spPr>
           <a:xfrm>
-            <a:off x="348584" y="363086"/>
-            <a:ext cx="4444642" cy="707886"/>
+            <a:off x="378080" y="2704777"/>
+            <a:ext cx="5931280" cy="1200329"/>
           </a:xfrm>
           <a:prstGeom prst="rect">
             <a:avLst/>
@@ -8337,22 +9106,213 @@
           </a:bodyPr>
           <a:lstStyle/>
           <a:p>
-            <a:r>
-              <a:rPr lang="en-US" sz="4000" dirty="0">
-                <a:latin typeface="#9Slide03 BoosterNextFYBlack" panose="02000A03000000020004" pitchFamily="2" charset="-93"/>
-              </a:rPr>
-              <a:t>07. FUNCTION</a:t>
-            </a:r>
-            <a:endParaRPr lang="en-US" sz="2400" dirty="0">
-              <a:latin typeface="#9Slide03 BoosterNextFYBlack" panose="02000A03000000020004" pitchFamily="2" charset="-93"/>
+            <a:pPr algn="just"/>
+            <a:r>
+              <a:rPr lang="en-US" dirty="0">
+                <a:latin typeface="Be Vietnam Pro" pitchFamily="2" charset="-93"/>
+              </a:rPr>
+              <a:t>This trigger will update the average rating attributes of each content in table Content whenever a record of rating of that content is inserted or deleted in </a:t>
+            </a:r>
+            <a:r>
+              <a:rPr lang="en-US" b="1" dirty="0">
+                <a:latin typeface="Be Vietnam Pro" pitchFamily="2" charset="-93"/>
+              </a:rPr>
+              <a:t>Rate</a:t>
+            </a:r>
+            <a:r>
+              <a:rPr lang="en-US" dirty="0">
+                <a:latin typeface="Be Vietnam Pro" pitchFamily="2" charset="-93"/>
+              </a:rPr>
+              <a:t> table. </a:t>
+            </a:r>
+          </a:p>
+        </p:txBody>
+      </p:sp>
+      <p:sp>
+        <p:nvSpPr>
+          <p:cNvPr id="6" name="TextBox 5">
+            <a:extLst>
+              <a:ext uri="{FF2B5EF4-FFF2-40B4-BE49-F238E27FC236}">
+                <a16:creationId xmlns:a16="http://schemas.microsoft.com/office/drawing/2014/main" id="{8C16DFD6-AC4B-8270-A2D4-08550E307698}"/>
+              </a:ext>
+            </a:extLst>
+          </p:cNvPr>
+          <p:cNvSpPr txBox="1"/>
+          <p:nvPr/>
+        </p:nvSpPr>
+        <p:spPr>
+          <a:xfrm>
+            <a:off x="378080" y="4254588"/>
+            <a:ext cx="5931280" cy="861774"/>
+          </a:xfrm>
+          <a:prstGeom prst="rect">
+            <a:avLst/>
+          </a:prstGeom>
+          <a:noFill/>
+        </p:spPr>
+        <p:txBody>
+          <a:bodyPr wrap="square" rtlCol="0">
+            <a:spAutoFit/>
+          </a:bodyPr>
+          <a:lstStyle/>
+          <a:p>
+            <a:r>
+              <a:rPr lang="en-US" sz="2500" b="1" dirty="0">
+                <a:solidFill>
+                  <a:srgbClr val="FF3300"/>
+                </a:solidFill>
+                <a:latin typeface="Be Vietnam Pro" pitchFamily="2" charset="-93"/>
+              </a:rPr>
+              <a:t>Trigger 2:</a:t>
+            </a:r>
+          </a:p>
+          <a:p>
+            <a:r>
+              <a:rPr lang="en-US" sz="2500" b="1" dirty="0" err="1">
+                <a:latin typeface="Be Vietnam Pro" pitchFamily="2" charset="-93"/>
+              </a:rPr>
+              <a:t>check_subscription_overlapping</a:t>
+            </a:r>
+            <a:endParaRPr lang="en-US" sz="2500" b="1" dirty="0">
+              <a:latin typeface="Be Vietnam Pro" pitchFamily="2" charset="-93"/>
             </a:endParaRPr>
+          </a:p>
+        </p:txBody>
+      </p:sp>
+      <p:sp>
+        <p:nvSpPr>
+          <p:cNvPr id="7" name="TextBox 6">
+            <a:extLst>
+              <a:ext uri="{FF2B5EF4-FFF2-40B4-BE49-F238E27FC236}">
+                <a16:creationId xmlns:a16="http://schemas.microsoft.com/office/drawing/2014/main" id="{B0780177-E2A3-E4FE-5EDE-A9AA34F43B1C}"/>
+              </a:ext>
+            </a:extLst>
+          </p:cNvPr>
+          <p:cNvSpPr txBox="1"/>
+          <p:nvPr/>
+        </p:nvSpPr>
+        <p:spPr>
+          <a:xfrm>
+            <a:off x="378080" y="5298204"/>
+            <a:ext cx="5931280" cy="1477328"/>
+          </a:xfrm>
+          <a:prstGeom prst="rect">
+            <a:avLst/>
+          </a:prstGeom>
+          <a:noFill/>
+        </p:spPr>
+        <p:txBody>
+          <a:bodyPr wrap="square" rtlCol="0">
+            <a:spAutoFit/>
+          </a:bodyPr>
+          <a:lstStyle/>
+          <a:p>
+            <a:pPr algn="just"/>
+            <a:r>
+              <a:rPr lang="en-US" dirty="0">
+                <a:latin typeface="Be Vietnam Pro" pitchFamily="2" charset="-93"/>
+              </a:rPr>
+              <a:t>This trigger will check whether a user can subscribe to a new pack. The condition is that the access level of the new pack must be greater than the current pack. If the condition is false, the trigger will raise exception.</a:t>
+            </a:r>
+          </a:p>
+        </p:txBody>
+      </p:sp>
+      <p:sp>
+        <p:nvSpPr>
+          <p:cNvPr id="8" name="TextBox 7">
+            <a:extLst>
+              <a:ext uri="{FF2B5EF4-FFF2-40B4-BE49-F238E27FC236}">
+                <a16:creationId xmlns:a16="http://schemas.microsoft.com/office/drawing/2014/main" id="{191B0D80-6341-66EC-077D-97689505EF80}"/>
+              </a:ext>
+            </a:extLst>
+          </p:cNvPr>
+          <p:cNvSpPr txBox="1"/>
+          <p:nvPr/>
+        </p:nvSpPr>
+        <p:spPr>
+          <a:xfrm>
+            <a:off x="378080" y="6957374"/>
+            <a:ext cx="5931280" cy="861774"/>
+          </a:xfrm>
+          <a:prstGeom prst="rect">
+            <a:avLst/>
+          </a:prstGeom>
+          <a:noFill/>
+        </p:spPr>
+        <p:txBody>
+          <a:bodyPr wrap="square" rtlCol="0">
+            <a:spAutoFit/>
+          </a:bodyPr>
+          <a:lstStyle/>
+          <a:p>
+            <a:r>
+              <a:rPr lang="en-US" sz="2500" b="1" dirty="0">
+                <a:solidFill>
+                  <a:srgbClr val="FF3300"/>
+                </a:solidFill>
+                <a:latin typeface="Be Vietnam Pro" pitchFamily="2" charset="-93"/>
+              </a:rPr>
+              <a:t>Trigger 3: </a:t>
+            </a:r>
+            <a:endParaRPr lang="en-US" sz="2500" b="1" dirty="0">
+              <a:latin typeface="Be Vietnam Pro" pitchFamily="2" charset="-93"/>
+            </a:endParaRPr>
+          </a:p>
+          <a:p>
+            <a:r>
+              <a:rPr lang="en-US" sz="2500" b="1" dirty="0" err="1">
+                <a:latin typeface="Be Vietnam Pro" pitchFamily="2" charset="-93"/>
+              </a:rPr>
+              <a:t>new_user_pack</a:t>
+            </a:r>
+            <a:endParaRPr lang="en-US" sz="2500" b="1" dirty="0">
+              <a:latin typeface="Be Vietnam Pro" pitchFamily="2" charset="-93"/>
+            </a:endParaRPr>
+          </a:p>
+        </p:txBody>
+      </p:sp>
+      <p:sp>
+        <p:nvSpPr>
+          <p:cNvPr id="9" name="TextBox 8">
+            <a:extLst>
+              <a:ext uri="{FF2B5EF4-FFF2-40B4-BE49-F238E27FC236}">
+                <a16:creationId xmlns:a16="http://schemas.microsoft.com/office/drawing/2014/main" id="{6CDF916D-F0F0-EE19-C2B2-A75FE376C583}"/>
+              </a:ext>
+            </a:extLst>
+          </p:cNvPr>
+          <p:cNvSpPr txBox="1"/>
+          <p:nvPr/>
+        </p:nvSpPr>
+        <p:spPr>
+          <a:xfrm>
+            <a:off x="378080" y="8000990"/>
+            <a:ext cx="5931280" cy="923330"/>
+          </a:xfrm>
+          <a:prstGeom prst="rect">
+            <a:avLst/>
+          </a:prstGeom>
+          <a:noFill/>
+        </p:spPr>
+        <p:txBody>
+          <a:bodyPr wrap="square" rtlCol="0">
+            <a:spAutoFit/>
+          </a:bodyPr>
+          <a:lstStyle/>
+          <a:p>
+            <a:pPr algn="just"/>
+            <a:r>
+              <a:rPr lang="en-US" dirty="0">
+                <a:latin typeface="Be Vietnam Pro" pitchFamily="2" charset="-93"/>
+              </a:rPr>
+              <a:t>Whenever there is a new user, this trigger will automatically add a subscription record for that user with the free pack with unlimited duration.</a:t>
+            </a:r>
           </a:p>
         </p:txBody>
       </p:sp>
     </p:spTree>
     <p:extLst>
       <p:ext uri="{BB962C8B-B14F-4D97-AF65-F5344CB8AC3E}">
-        <p14:creationId xmlns:p14="http://schemas.microsoft.com/office/powerpoint/2010/main" val="2578557926"/>
+        <p14:creationId xmlns:p14="http://schemas.microsoft.com/office/powerpoint/2010/main" val="4206749983"/>
       </p:ext>
     </p:extLst>
   </p:cSld>
@@ -8378,7 +9338,7 @@
         <p:cNvPr id="1" name="">
           <a:extLst>
             <a:ext uri="{FF2B5EF4-FFF2-40B4-BE49-F238E27FC236}">
-              <a16:creationId xmlns:a16="http://schemas.microsoft.com/office/drawing/2014/main" id="{8FDC2A2A-2AC2-622F-0476-653FCF34AF00}"/>
+              <a16:creationId xmlns:a16="http://schemas.microsoft.com/office/drawing/2014/main" id="{A9C0A246-2162-B74C-53CC-FFE5C3C89F0D}"/>
             </a:ext>
           </a:extLst>
         </p:cNvPr>
@@ -8395,10 +9355,10 @@
       </p:grpSpPr>
       <p:sp>
         <p:nvSpPr>
-          <p:cNvPr id="2" name="TextBox 1">
+          <p:cNvPr id="3" name="TextBox 2">
             <a:extLst>
               <a:ext uri="{FF2B5EF4-FFF2-40B4-BE49-F238E27FC236}">
-                <a16:creationId xmlns:a16="http://schemas.microsoft.com/office/drawing/2014/main" id="{78FD0E83-262C-267F-804F-1EDBED5BC175}"/>
+                <a16:creationId xmlns:a16="http://schemas.microsoft.com/office/drawing/2014/main" id="{7742E638-8416-FDCD-BCD4-AB7DD2588FDF}"/>
               </a:ext>
             </a:extLst>
           </p:cNvPr>
@@ -8407,8 +9367,8 @@
         </p:nvSpPr>
         <p:spPr>
           <a:xfrm>
-            <a:off x="348584" y="363086"/>
-            <a:ext cx="4444642" cy="707886"/>
+            <a:off x="378080" y="561206"/>
+            <a:ext cx="3380809" cy="707886"/>
           </a:xfrm>
           <a:prstGeom prst="rect">
             <a:avLst/>
@@ -8425,7 +9385,7 @@
               <a:rPr lang="en-US" sz="4000" dirty="0">
                 <a:latin typeface="#9Slide03 BoosterNextFYBlack" panose="02000A03000000020004" pitchFamily="2" charset="-93"/>
               </a:rPr>
-              <a:t>08. INDEX</a:t>
+              <a:t>05. TRIGGER</a:t>
             </a:r>
             <a:endParaRPr lang="en-US" sz="2400" dirty="0">
               <a:latin typeface="#9Slide03 BoosterNextFYBlack" panose="02000A03000000020004" pitchFamily="2" charset="-93"/>
@@ -8433,10 +9393,310 @@
           </a:p>
         </p:txBody>
       </p:sp>
+      <p:sp>
+        <p:nvSpPr>
+          <p:cNvPr id="2" name="TextBox 1">
+            <a:extLst>
+              <a:ext uri="{FF2B5EF4-FFF2-40B4-BE49-F238E27FC236}">
+                <a16:creationId xmlns:a16="http://schemas.microsoft.com/office/drawing/2014/main" id="{F3328B34-A95F-7A42-3BD1-CDA87069046B}"/>
+              </a:ext>
+            </a:extLst>
+          </p:cNvPr>
+          <p:cNvSpPr txBox="1"/>
+          <p:nvPr/>
+        </p:nvSpPr>
+        <p:spPr>
+          <a:xfrm>
+            <a:off x="378080" y="1517695"/>
+            <a:ext cx="5641720" cy="861774"/>
+          </a:xfrm>
+          <a:prstGeom prst="rect">
+            <a:avLst/>
+          </a:prstGeom>
+          <a:noFill/>
+        </p:spPr>
+        <p:txBody>
+          <a:bodyPr wrap="square" rtlCol="0">
+            <a:spAutoFit/>
+          </a:bodyPr>
+          <a:lstStyle/>
+          <a:p>
+            <a:r>
+              <a:rPr lang="en-US" sz="2500" b="1" dirty="0">
+                <a:solidFill>
+                  <a:srgbClr val="FF3300"/>
+                </a:solidFill>
+                <a:latin typeface="Be Vietnam Pro" pitchFamily="2" charset="-93"/>
+              </a:rPr>
+              <a:t>Trigger 4: </a:t>
+            </a:r>
+          </a:p>
+          <a:p>
+            <a:r>
+              <a:rPr lang="en-US" sz="2500" b="1" dirty="0" err="1">
+                <a:latin typeface="Be Vietnam Pro" pitchFamily="2" charset="-93"/>
+              </a:rPr>
+              <a:t>check_user_can_rate_content</a:t>
+            </a:r>
+            <a:endParaRPr lang="en-US" sz="2500" b="1" dirty="0">
+              <a:latin typeface="Be Vietnam Pro" pitchFamily="2" charset="-93"/>
+            </a:endParaRPr>
+          </a:p>
+        </p:txBody>
+      </p:sp>
+      <p:sp>
+        <p:nvSpPr>
+          <p:cNvPr id="5" name="TextBox 4">
+            <a:extLst>
+              <a:ext uri="{FF2B5EF4-FFF2-40B4-BE49-F238E27FC236}">
+                <a16:creationId xmlns:a16="http://schemas.microsoft.com/office/drawing/2014/main" id="{1DD662B4-4B12-EA3A-C117-C23F7DF8689E}"/>
+              </a:ext>
+            </a:extLst>
+          </p:cNvPr>
+          <p:cNvSpPr txBox="1"/>
+          <p:nvPr/>
+        </p:nvSpPr>
+        <p:spPr>
+          <a:xfrm>
+            <a:off x="378080" y="2521897"/>
+            <a:ext cx="5931280" cy="1477328"/>
+          </a:xfrm>
+          <a:prstGeom prst="rect">
+            <a:avLst/>
+          </a:prstGeom>
+          <a:noFill/>
+        </p:spPr>
+        <p:txBody>
+          <a:bodyPr wrap="square" rtlCol="0">
+            <a:spAutoFit/>
+          </a:bodyPr>
+          <a:lstStyle/>
+          <a:p>
+            <a:pPr algn="just"/>
+            <a:r>
+              <a:rPr lang="en-US" dirty="0">
+                <a:latin typeface="Be Vietnam Pro" pitchFamily="2" charset="-93"/>
+              </a:rPr>
+              <a:t>This trigger check if a user can rate a content. If a user haven’t finished any episode of that content, they cannot rate it. If we try to add a new record into </a:t>
+            </a:r>
+            <a:r>
+              <a:rPr lang="en-US" b="1" dirty="0">
+                <a:latin typeface="Be Vietnam Pro" pitchFamily="2" charset="-93"/>
+              </a:rPr>
+              <a:t>Rate</a:t>
+            </a:r>
+            <a:r>
+              <a:rPr lang="en-US" dirty="0">
+                <a:latin typeface="Be Vietnam Pro" pitchFamily="2" charset="-93"/>
+              </a:rPr>
+              <a:t> table, the database will raise an exception.</a:t>
+            </a:r>
+          </a:p>
+        </p:txBody>
+      </p:sp>
+      <p:sp>
+        <p:nvSpPr>
+          <p:cNvPr id="6" name="TextBox 5">
+            <a:extLst>
+              <a:ext uri="{FF2B5EF4-FFF2-40B4-BE49-F238E27FC236}">
+                <a16:creationId xmlns:a16="http://schemas.microsoft.com/office/drawing/2014/main" id="{AB8C8081-6799-1491-C8A4-2AEA204D9B88}"/>
+              </a:ext>
+            </a:extLst>
+          </p:cNvPr>
+          <p:cNvSpPr txBox="1"/>
+          <p:nvPr/>
+        </p:nvSpPr>
+        <p:spPr>
+          <a:xfrm>
+            <a:off x="378080" y="4339233"/>
+            <a:ext cx="5931280" cy="861774"/>
+          </a:xfrm>
+          <a:prstGeom prst="rect">
+            <a:avLst/>
+          </a:prstGeom>
+          <a:noFill/>
+        </p:spPr>
+        <p:txBody>
+          <a:bodyPr wrap="square" rtlCol="0">
+            <a:spAutoFit/>
+          </a:bodyPr>
+          <a:lstStyle/>
+          <a:p>
+            <a:r>
+              <a:rPr lang="en-US" sz="2500" b="1" dirty="0">
+                <a:solidFill>
+                  <a:srgbClr val="FF3300"/>
+                </a:solidFill>
+                <a:latin typeface="Be Vietnam Pro" pitchFamily="2" charset="-93"/>
+              </a:rPr>
+              <a:t>Trigger 5:</a:t>
+            </a:r>
+          </a:p>
+          <a:p>
+            <a:r>
+              <a:rPr lang="en-US" sz="2500" b="1" dirty="0" err="1">
+                <a:latin typeface="Be Vietnam Pro" pitchFamily="2" charset="-93"/>
+              </a:rPr>
+              <a:t>check_user_access</a:t>
+            </a:r>
+            <a:endParaRPr lang="en-US" sz="2500" b="1" dirty="0">
+              <a:latin typeface="Be Vietnam Pro" pitchFamily="2" charset="-93"/>
+            </a:endParaRPr>
+          </a:p>
+        </p:txBody>
+      </p:sp>
+      <p:sp>
+        <p:nvSpPr>
+          <p:cNvPr id="7" name="TextBox 6">
+            <a:extLst>
+              <a:ext uri="{FF2B5EF4-FFF2-40B4-BE49-F238E27FC236}">
+                <a16:creationId xmlns:a16="http://schemas.microsoft.com/office/drawing/2014/main" id="{EA79D721-F615-59BF-F0EA-52D30932B39A}"/>
+              </a:ext>
+            </a:extLst>
+          </p:cNvPr>
+          <p:cNvSpPr txBox="1"/>
+          <p:nvPr/>
+        </p:nvSpPr>
+        <p:spPr>
+          <a:xfrm>
+            <a:off x="378080" y="5382849"/>
+            <a:ext cx="5931280" cy="1477328"/>
+          </a:xfrm>
+          <a:prstGeom prst="rect">
+            <a:avLst/>
+          </a:prstGeom>
+          <a:noFill/>
+        </p:spPr>
+        <p:txBody>
+          <a:bodyPr wrap="square" rtlCol="0">
+            <a:spAutoFit/>
+          </a:bodyPr>
+          <a:lstStyle/>
+          <a:p>
+            <a:pPr algn="just"/>
+            <a:r>
+              <a:rPr lang="en-US" dirty="0">
+                <a:latin typeface="Be Vietnam Pro" pitchFamily="2" charset="-93"/>
+              </a:rPr>
+              <a:t>This trigger checks whether users can access a content based on their current subscribed pack. If a user cannot access into a content, inserting new record into </a:t>
+            </a:r>
+            <a:r>
+              <a:rPr lang="en-US" b="1" dirty="0" err="1">
+                <a:latin typeface="Be Vietnam Pro" pitchFamily="2" charset="-93"/>
+              </a:rPr>
+              <a:t>View_history</a:t>
+            </a:r>
+            <a:r>
+              <a:rPr lang="en-US" b="1" dirty="0">
+                <a:latin typeface="Be Vietnam Pro" pitchFamily="2" charset="-93"/>
+              </a:rPr>
+              <a:t> </a:t>
+            </a:r>
+            <a:r>
+              <a:rPr lang="en-US" dirty="0">
+                <a:latin typeface="Be Vietnam Pro" pitchFamily="2" charset="-93"/>
+              </a:rPr>
+              <a:t>corresponding to that user and that content will raise an exception.</a:t>
+            </a:r>
+          </a:p>
+        </p:txBody>
+      </p:sp>
+      <p:sp>
+        <p:nvSpPr>
+          <p:cNvPr id="8" name="TextBox 7">
+            <a:extLst>
+              <a:ext uri="{FF2B5EF4-FFF2-40B4-BE49-F238E27FC236}">
+                <a16:creationId xmlns:a16="http://schemas.microsoft.com/office/drawing/2014/main" id="{4D9C9F89-BB82-F8C8-40A7-CC90BED401AD}"/>
+              </a:ext>
+            </a:extLst>
+          </p:cNvPr>
+          <p:cNvSpPr txBox="1"/>
+          <p:nvPr/>
+        </p:nvSpPr>
+        <p:spPr>
+          <a:xfrm>
+            <a:off x="378080" y="7270619"/>
+            <a:ext cx="5931280" cy="861774"/>
+          </a:xfrm>
+          <a:prstGeom prst="rect">
+            <a:avLst/>
+          </a:prstGeom>
+          <a:noFill/>
+        </p:spPr>
+        <p:txBody>
+          <a:bodyPr wrap="square" rtlCol="0">
+            <a:spAutoFit/>
+          </a:bodyPr>
+          <a:lstStyle/>
+          <a:p>
+            <a:r>
+              <a:rPr lang="en-US" sz="2500" b="1" dirty="0">
+                <a:solidFill>
+                  <a:srgbClr val="FF3300"/>
+                </a:solidFill>
+                <a:latin typeface="Be Vietnam Pro" pitchFamily="2" charset="-93"/>
+              </a:rPr>
+              <a:t>Trigger 6: </a:t>
+            </a:r>
+            <a:endParaRPr lang="en-US" sz="2500" b="1" dirty="0">
+              <a:latin typeface="Be Vietnam Pro" pitchFamily="2" charset="-93"/>
+            </a:endParaRPr>
+          </a:p>
+          <a:p>
+            <a:r>
+              <a:rPr lang="en-US" sz="2500" b="1" dirty="0" err="1">
+                <a:latin typeface="Be Vietnam Pro" pitchFamily="2" charset="-93"/>
+              </a:rPr>
+              <a:t>before_rate_insert</a:t>
+            </a:r>
+            <a:endParaRPr lang="en-US" sz="2500" b="1" dirty="0">
+              <a:latin typeface="Be Vietnam Pro" pitchFamily="2" charset="-93"/>
+            </a:endParaRPr>
+          </a:p>
+        </p:txBody>
+      </p:sp>
+      <p:sp>
+        <p:nvSpPr>
+          <p:cNvPr id="9" name="TextBox 8">
+            <a:extLst>
+              <a:ext uri="{FF2B5EF4-FFF2-40B4-BE49-F238E27FC236}">
+                <a16:creationId xmlns:a16="http://schemas.microsoft.com/office/drawing/2014/main" id="{664FD010-1B89-9F4B-935A-0D09956978BC}"/>
+              </a:ext>
+            </a:extLst>
+          </p:cNvPr>
+          <p:cNvSpPr txBox="1"/>
+          <p:nvPr/>
+        </p:nvSpPr>
+        <p:spPr>
+          <a:xfrm>
+            <a:off x="378080" y="8314235"/>
+            <a:ext cx="5931280" cy="1200329"/>
+          </a:xfrm>
+          <a:prstGeom prst="rect">
+            <a:avLst/>
+          </a:prstGeom>
+          <a:noFill/>
+        </p:spPr>
+        <p:txBody>
+          <a:bodyPr wrap="square" rtlCol="0">
+            <a:spAutoFit/>
+          </a:bodyPr>
+          <a:lstStyle/>
+          <a:p>
+            <a:pPr algn="just"/>
+            <a:r>
+              <a:rPr lang="en-US" dirty="0">
+                <a:latin typeface="Be Vietnam Pro" pitchFamily="2" charset="-93"/>
+              </a:rPr>
+              <a:t>This will delete old record of users’ rating to a content if they are trying to rate that content again. This makes sure that there is only a record corresponding to a pair of user and content.</a:t>
+            </a:r>
+          </a:p>
+        </p:txBody>
+      </p:sp>
     </p:spTree>
     <p:extLst>
       <p:ext uri="{BB962C8B-B14F-4D97-AF65-F5344CB8AC3E}">
-        <p14:creationId xmlns:p14="http://schemas.microsoft.com/office/powerpoint/2010/main" val="2785344942"/>
+        <p14:creationId xmlns:p14="http://schemas.microsoft.com/office/powerpoint/2010/main" val="3092326366"/>
       </p:ext>
     </p:extLst>
   </p:cSld>
@@ -8566,7 +9826,7 @@
           <p:nvPr>
             <p:extLst>
               <p:ext uri="{D42A27DB-BD31-4B8C-83A1-F6EECF244321}">
-                <p14:modId xmlns:p14="http://schemas.microsoft.com/office/powerpoint/2010/main" val="850155721"/>
+                <p14:modId xmlns:p14="http://schemas.microsoft.com/office/powerpoint/2010/main" val="633184707"/>
               </p:ext>
             </p:extLst>
           </p:nvPr>
@@ -8698,6 +9958,18 @@
                     <a:bodyPr/>
                     <a:lstStyle/>
                     <a:p>
+                      <a:r>
+                        <a:rPr lang="en-US" sz="1700" dirty="0">
+                          <a:latin typeface="Be Vietnam Pro" pitchFamily="2" charset="-93"/>
+                        </a:rPr>
+                        <a:t>Index</a:t>
+                      </a:r>
+                      <a:r>
+                        <a:rPr lang="en-US" sz="1700">
+                          <a:latin typeface="Be Vietnam Pro" pitchFamily="2" charset="-93"/>
+                        </a:rPr>
+                        <a:t>, Function, DB Demo</a:t>
+                      </a:r>
                       <a:endParaRPr lang="en-US" sz="1700" dirty="0">
                         <a:latin typeface="Be Vietnam Pro" pitchFamily="2" charset="-93"/>
                       </a:endParaRPr>
@@ -8756,9 +10028,12 @@
                     <a:bodyPr/>
                     <a:lstStyle/>
                     <a:p>
-                      <a:endParaRPr lang="en-US" sz="1700">
-                        <a:latin typeface="Be Vietnam Pro" pitchFamily="2" charset="-93"/>
-                      </a:endParaRPr>
+                      <a:r>
+                        <a:rPr lang="en-US" sz="1700" dirty="0">
+                          <a:latin typeface="Be Vietnam Pro" pitchFamily="2" charset="-93"/>
+                        </a:rPr>
+                        <a:t>ERD, Schema, Trigger, Report</a:t>
+                      </a:r>
                     </a:p>
                   </a:txBody>
                   <a:tcPr marL="120358" marR="120358" marT="60179" marB="60179" anchor="ctr"/>
@@ -8814,9 +10089,12 @@
                     <a:bodyPr/>
                     <a:lstStyle/>
                     <a:p>
-                      <a:endParaRPr lang="en-US" sz="1700" dirty="0">
-                        <a:latin typeface="Be Vietnam Pro" pitchFamily="2" charset="-93"/>
-                      </a:endParaRPr>
+                      <a:r>
+                        <a:rPr lang="en-US" sz="1700" dirty="0">
+                          <a:latin typeface="Be Vietnam Pro" pitchFamily="2" charset="-93"/>
+                        </a:rPr>
+                        <a:t>Create tables, Data Generation, View</a:t>
+                      </a:r>
                     </a:p>
                   </a:txBody>
                   <a:tcPr marL="120358" marR="120358" marT="60179" marB="60179" anchor="ctr"/>
@@ -8835,6 +10113,2806 @@
     <p:extLst>
       <p:ext uri="{BB962C8B-B14F-4D97-AF65-F5344CB8AC3E}">
         <p14:creationId xmlns:p14="http://schemas.microsoft.com/office/powerpoint/2010/main" val="3813790921"/>
+      </p:ext>
+    </p:extLst>
+  </p:cSld>
+  <p:clrMapOvr>
+    <a:masterClrMapping/>
+  </p:clrMapOvr>
+</p:sld>
+</file>
+
+<file path=ppt/slides/slide20.xml><?xml version="1.0" encoding="utf-8"?>
+<p:sld xmlns:a="http://schemas.openxmlformats.org/drawingml/2006/main" xmlns:r="http://schemas.openxmlformats.org/officeDocument/2006/relationships" xmlns:p="http://schemas.openxmlformats.org/presentationml/2006/main">
+  <p:cSld>
+    <p:bg>
+      <p:bgPr>
+        <a:solidFill>
+          <a:schemeClr val="bg1"/>
+        </a:solidFill>
+        <a:effectLst/>
+      </p:bgPr>
+    </p:bg>
+    <p:spTree>
+      <p:nvGrpSpPr>
+        <p:cNvPr id="1" name="">
+          <a:extLst>
+            <a:ext uri="{FF2B5EF4-FFF2-40B4-BE49-F238E27FC236}">
+              <a16:creationId xmlns:a16="http://schemas.microsoft.com/office/drawing/2014/main" id="{560380B2-70E0-ACED-190A-2510D910D6E0}"/>
+            </a:ext>
+          </a:extLst>
+        </p:cNvPr>
+        <p:cNvGrpSpPr/>
+        <p:nvPr/>
+      </p:nvGrpSpPr>
+      <p:grpSpPr>
+        <a:xfrm>
+          <a:off x="0" y="0"/>
+          <a:ext cx="0" cy="0"/>
+          <a:chOff x="0" y="0"/>
+          <a:chExt cx="0" cy="0"/>
+        </a:xfrm>
+      </p:grpSpPr>
+      <p:sp>
+        <p:nvSpPr>
+          <p:cNvPr id="3" name="TextBox 2">
+            <a:extLst>
+              <a:ext uri="{FF2B5EF4-FFF2-40B4-BE49-F238E27FC236}">
+                <a16:creationId xmlns:a16="http://schemas.microsoft.com/office/drawing/2014/main" id="{9561C3FC-1D4F-B62D-4D0E-55B3DD96C26B}"/>
+              </a:ext>
+            </a:extLst>
+          </p:cNvPr>
+          <p:cNvSpPr txBox="1"/>
+          <p:nvPr/>
+        </p:nvSpPr>
+        <p:spPr>
+          <a:xfrm>
+            <a:off x="378080" y="488693"/>
+            <a:ext cx="4444642" cy="707886"/>
+          </a:xfrm>
+          <a:prstGeom prst="rect">
+            <a:avLst/>
+          </a:prstGeom>
+          <a:noFill/>
+        </p:spPr>
+        <p:txBody>
+          <a:bodyPr wrap="square" rtlCol="0">
+            <a:spAutoFit/>
+          </a:bodyPr>
+          <a:lstStyle/>
+          <a:p>
+            <a:r>
+              <a:rPr lang="en-US" sz="4000" dirty="0">
+                <a:latin typeface="#9Slide03 BoosterNextFYBlack" panose="02000A03000000020004" pitchFamily="2" charset="-93"/>
+              </a:rPr>
+              <a:t>06. VIEWS</a:t>
+            </a:r>
+            <a:endParaRPr lang="en-US" sz="2400" dirty="0">
+              <a:latin typeface="#9Slide03 BoosterNextFYBlack" panose="02000A03000000020004" pitchFamily="2" charset="-93"/>
+            </a:endParaRPr>
+          </a:p>
+        </p:txBody>
+      </p:sp>
+      <p:sp>
+        <p:nvSpPr>
+          <p:cNvPr id="2" name="TextBox 1">
+            <a:extLst>
+              <a:ext uri="{FF2B5EF4-FFF2-40B4-BE49-F238E27FC236}">
+                <a16:creationId xmlns:a16="http://schemas.microsoft.com/office/drawing/2014/main" id="{9CBED0C6-7DF7-02F0-A53B-27ECD0D9CE4F}"/>
+              </a:ext>
+            </a:extLst>
+          </p:cNvPr>
+          <p:cNvSpPr txBox="1"/>
+          <p:nvPr/>
+        </p:nvSpPr>
+        <p:spPr>
+          <a:xfrm>
+            <a:off x="378080" y="1700575"/>
+            <a:ext cx="4444642" cy="477054"/>
+          </a:xfrm>
+          <a:prstGeom prst="rect">
+            <a:avLst/>
+          </a:prstGeom>
+          <a:noFill/>
+        </p:spPr>
+        <p:txBody>
+          <a:bodyPr wrap="square" rtlCol="0">
+            <a:spAutoFit/>
+          </a:bodyPr>
+          <a:lstStyle/>
+          <a:p>
+            <a:r>
+              <a:rPr lang="en-US" sz="2500" b="1" dirty="0">
+                <a:solidFill>
+                  <a:srgbClr val="FF3300"/>
+                </a:solidFill>
+                <a:latin typeface="Be Vietnam Pro" pitchFamily="2" charset="-93"/>
+              </a:rPr>
+              <a:t>1. User subscription history</a:t>
+            </a:r>
+          </a:p>
+        </p:txBody>
+      </p:sp>
+      <p:sp>
+        <p:nvSpPr>
+          <p:cNvPr id="8" name="TextBox 7">
+            <a:extLst>
+              <a:ext uri="{FF2B5EF4-FFF2-40B4-BE49-F238E27FC236}">
+                <a16:creationId xmlns:a16="http://schemas.microsoft.com/office/drawing/2014/main" id="{9B4AE049-DFFB-4C10-E4AC-4CE2EE9979F7}"/>
+              </a:ext>
+            </a:extLst>
+          </p:cNvPr>
+          <p:cNvSpPr txBox="1"/>
+          <p:nvPr/>
+        </p:nvSpPr>
+        <p:spPr>
+          <a:xfrm>
+            <a:off x="378080" y="2177629"/>
+            <a:ext cx="5899355" cy="1854482"/>
+          </a:xfrm>
+          <a:prstGeom prst="rect">
+            <a:avLst/>
+          </a:prstGeom>
+          <a:noFill/>
+        </p:spPr>
+        <p:txBody>
+          <a:bodyPr wrap="square">
+            <a:spAutoFit/>
+          </a:bodyPr>
+          <a:lstStyle/>
+          <a:p>
+            <a:pPr algn="just">
+              <a:lnSpc>
+                <a:spcPct val="107000"/>
+              </a:lnSpc>
+              <a:spcAft>
+                <a:spcPts val="800"/>
+              </a:spcAft>
+            </a:pPr>
+            <a:r>
+              <a:rPr lang="en-US" sz="1800" dirty="0">
+                <a:effectLst/>
+                <a:latin typeface="Be Vietnam Pro" pitchFamily="2" charset="-93"/>
+                <a:ea typeface="Times New Roman" panose="02020603050405020304" pitchFamily="18" charset="0"/>
+                <a:cs typeface="Times New Roman" panose="02020603050405020304" pitchFamily="18" charset="0"/>
+              </a:rPr>
+              <a:t>This view provides a detailed history of users' subscription activities, including their full name, the subscription pack they chose, the price of the pack, and the subscription's start and end times. It helps track users' subscription patterns and analyze subscription trends.</a:t>
+            </a:r>
+            <a:endParaRPr lang="en-US" sz="1600" dirty="0">
+              <a:effectLst/>
+              <a:latin typeface="Be Vietnam Pro" pitchFamily="2" charset="-93"/>
+              <a:ea typeface="Calibri" panose="020F0502020204030204" pitchFamily="34" charset="0"/>
+              <a:cs typeface="Times New Roman" panose="02020603050405020304" pitchFamily="18" charset="0"/>
+            </a:endParaRPr>
+          </a:p>
+        </p:txBody>
+      </p:sp>
+      <p:sp>
+        <p:nvSpPr>
+          <p:cNvPr id="9" name="TextBox 8">
+            <a:extLst>
+              <a:ext uri="{FF2B5EF4-FFF2-40B4-BE49-F238E27FC236}">
+                <a16:creationId xmlns:a16="http://schemas.microsoft.com/office/drawing/2014/main" id="{765B7C45-19C0-1A14-336D-B9FDF331B9B4}"/>
+              </a:ext>
+            </a:extLst>
+          </p:cNvPr>
+          <p:cNvSpPr txBox="1"/>
+          <p:nvPr/>
+        </p:nvSpPr>
+        <p:spPr>
+          <a:xfrm>
+            <a:off x="378080" y="4403375"/>
+            <a:ext cx="4444642" cy="477054"/>
+          </a:xfrm>
+          <a:prstGeom prst="rect">
+            <a:avLst/>
+          </a:prstGeom>
+          <a:noFill/>
+        </p:spPr>
+        <p:txBody>
+          <a:bodyPr wrap="square" rtlCol="0">
+            <a:spAutoFit/>
+          </a:bodyPr>
+          <a:lstStyle/>
+          <a:p>
+            <a:r>
+              <a:rPr lang="en-US" sz="2500" b="1" dirty="0">
+                <a:solidFill>
+                  <a:srgbClr val="FF3300"/>
+                </a:solidFill>
+                <a:latin typeface="Be Vietnam Pro" pitchFamily="2" charset="-93"/>
+              </a:rPr>
+              <a:t>2. User </a:t>
+            </a:r>
+            <a:r>
+              <a:rPr lang="en-US" sz="2500" b="1" dirty="0" err="1">
+                <a:solidFill>
+                  <a:srgbClr val="FF3300"/>
+                </a:solidFill>
+                <a:latin typeface="Be Vietnam Pro" pitchFamily="2" charset="-93"/>
+              </a:rPr>
+              <a:t>favourite</a:t>
+            </a:r>
+            <a:r>
+              <a:rPr lang="en-US" sz="2500" b="1" dirty="0">
+                <a:solidFill>
+                  <a:srgbClr val="FF3300"/>
+                </a:solidFill>
+                <a:latin typeface="Be Vietnam Pro" pitchFamily="2" charset="-93"/>
+              </a:rPr>
+              <a:t> list</a:t>
+            </a:r>
+          </a:p>
+        </p:txBody>
+      </p:sp>
+      <p:sp>
+        <p:nvSpPr>
+          <p:cNvPr id="11" name="TextBox 10">
+            <a:extLst>
+              <a:ext uri="{FF2B5EF4-FFF2-40B4-BE49-F238E27FC236}">
+                <a16:creationId xmlns:a16="http://schemas.microsoft.com/office/drawing/2014/main" id="{BFF6FCE1-61D1-D889-7F16-0560B85AA56A}"/>
+              </a:ext>
+            </a:extLst>
+          </p:cNvPr>
+          <p:cNvSpPr txBox="1"/>
+          <p:nvPr/>
+        </p:nvSpPr>
+        <p:spPr>
+          <a:xfrm>
+            <a:off x="378080" y="4880429"/>
+            <a:ext cx="5899355" cy="1754326"/>
+          </a:xfrm>
+          <a:prstGeom prst="rect">
+            <a:avLst/>
+          </a:prstGeom>
+          <a:noFill/>
+        </p:spPr>
+        <p:txBody>
+          <a:bodyPr wrap="square">
+            <a:spAutoFit/>
+          </a:bodyPr>
+          <a:lstStyle/>
+          <a:p>
+            <a:pPr algn="just"/>
+            <a:r>
+              <a:rPr lang="en-US" dirty="0">
+                <a:latin typeface="Be Vietnam Pro" pitchFamily="2" charset="-93"/>
+                <a:cs typeface="Times New Roman" panose="02020603050405020304" pitchFamily="18" charset="0"/>
+              </a:rPr>
+              <a:t>This view displays the list of content marked as favorites by users. It includes the user's full name, the title of the content, its type (e.g., movie or series), and its rating. This is useful for understanding user preferences and building recommendation systems</a:t>
+            </a:r>
+            <a:r>
+              <a:rPr lang="en-US" sz="1800" dirty="0">
+                <a:effectLst/>
+                <a:latin typeface="Times New Roman" panose="02020603050405020304" pitchFamily="18" charset="0"/>
+                <a:ea typeface="Times New Roman" panose="02020603050405020304" pitchFamily="18" charset="0"/>
+              </a:rPr>
+              <a:t>.</a:t>
+            </a:r>
+            <a:endParaRPr lang="en-US" dirty="0"/>
+          </a:p>
+        </p:txBody>
+      </p:sp>
+      <p:sp>
+        <p:nvSpPr>
+          <p:cNvPr id="12" name="TextBox 11">
+            <a:extLst>
+              <a:ext uri="{FF2B5EF4-FFF2-40B4-BE49-F238E27FC236}">
+                <a16:creationId xmlns:a16="http://schemas.microsoft.com/office/drawing/2014/main" id="{468F358A-66A1-A14A-1D0D-A4DA0862C3A7}"/>
+              </a:ext>
+            </a:extLst>
+          </p:cNvPr>
+          <p:cNvSpPr txBox="1"/>
+          <p:nvPr/>
+        </p:nvSpPr>
+        <p:spPr>
+          <a:xfrm>
+            <a:off x="378080" y="7006019"/>
+            <a:ext cx="4444642" cy="477054"/>
+          </a:xfrm>
+          <a:prstGeom prst="rect">
+            <a:avLst/>
+          </a:prstGeom>
+          <a:noFill/>
+        </p:spPr>
+        <p:txBody>
+          <a:bodyPr wrap="square" rtlCol="0">
+            <a:spAutoFit/>
+          </a:bodyPr>
+          <a:lstStyle/>
+          <a:p>
+            <a:r>
+              <a:rPr lang="en-US" sz="2500" b="1" dirty="0">
+                <a:solidFill>
+                  <a:srgbClr val="FF3300"/>
+                </a:solidFill>
+                <a:latin typeface="Be Vietnam Pro" pitchFamily="2" charset="-93"/>
+              </a:rPr>
+              <a:t>3. User watch history</a:t>
+            </a:r>
+          </a:p>
+        </p:txBody>
+      </p:sp>
+      <p:sp>
+        <p:nvSpPr>
+          <p:cNvPr id="14" name="TextBox 13">
+            <a:extLst>
+              <a:ext uri="{FF2B5EF4-FFF2-40B4-BE49-F238E27FC236}">
+                <a16:creationId xmlns:a16="http://schemas.microsoft.com/office/drawing/2014/main" id="{5B47DE1D-5805-D70B-B379-4DE86CBB155E}"/>
+              </a:ext>
+            </a:extLst>
+          </p:cNvPr>
+          <p:cNvSpPr txBox="1"/>
+          <p:nvPr/>
+        </p:nvSpPr>
+        <p:spPr>
+          <a:xfrm>
+            <a:off x="378080" y="7483073"/>
+            <a:ext cx="5899355" cy="2031325"/>
+          </a:xfrm>
+          <a:prstGeom prst="rect">
+            <a:avLst/>
+          </a:prstGeom>
+          <a:noFill/>
+        </p:spPr>
+        <p:txBody>
+          <a:bodyPr wrap="square">
+            <a:spAutoFit/>
+          </a:bodyPr>
+          <a:lstStyle/>
+          <a:p>
+            <a:pPr algn="just"/>
+            <a:r>
+              <a:rPr lang="en-US" dirty="0">
+                <a:latin typeface="Be Vietnam Pro" pitchFamily="2" charset="-93"/>
+                <a:cs typeface="Times New Roman" panose="02020603050405020304" pitchFamily="18" charset="0"/>
+              </a:rPr>
+              <a:t>This view shows users' watch histories, including the user's full name, the content title, episode number (if applicable), viewing progress (checkpoint), whether they finished watching, and the time of viewing. It is essential for tracking user engagement and </a:t>
+            </a:r>
+            <a:r>
+              <a:rPr lang="en-US" sz="1800" dirty="0">
+                <a:effectLst/>
+                <a:latin typeface="Be Vietnam Pro" pitchFamily="2" charset="-93"/>
+                <a:ea typeface="Times New Roman" panose="02020603050405020304" pitchFamily="18" charset="0"/>
+              </a:rPr>
+              <a:t>building personalized viewing experiences.</a:t>
+            </a:r>
+            <a:endParaRPr lang="en-US" dirty="0">
+              <a:latin typeface="Be Vietnam Pro" pitchFamily="2" charset="-93"/>
+            </a:endParaRPr>
+          </a:p>
+        </p:txBody>
+      </p:sp>
+    </p:spTree>
+    <p:extLst>
+      <p:ext uri="{BB962C8B-B14F-4D97-AF65-F5344CB8AC3E}">
+        <p14:creationId xmlns:p14="http://schemas.microsoft.com/office/powerpoint/2010/main" val="749123372"/>
+      </p:ext>
+    </p:extLst>
+  </p:cSld>
+  <p:clrMapOvr>
+    <a:masterClrMapping/>
+  </p:clrMapOvr>
+</p:sld>
+</file>
+
+<file path=ppt/slides/slide21.xml><?xml version="1.0" encoding="utf-8"?>
+<p:sld xmlns:a="http://schemas.openxmlformats.org/drawingml/2006/main" xmlns:r="http://schemas.openxmlformats.org/officeDocument/2006/relationships" xmlns:p="http://schemas.openxmlformats.org/presentationml/2006/main">
+  <p:cSld>
+    <p:bg>
+      <p:bgPr>
+        <a:solidFill>
+          <a:schemeClr val="bg1"/>
+        </a:solidFill>
+        <a:effectLst/>
+      </p:bgPr>
+    </p:bg>
+    <p:spTree>
+      <p:nvGrpSpPr>
+        <p:cNvPr id="1" name="">
+          <a:extLst>
+            <a:ext uri="{FF2B5EF4-FFF2-40B4-BE49-F238E27FC236}">
+              <a16:creationId xmlns:a16="http://schemas.microsoft.com/office/drawing/2014/main" id="{AD4CCAAC-3BCB-621E-F7D5-FE1805DA74B7}"/>
+            </a:ext>
+          </a:extLst>
+        </p:cNvPr>
+        <p:cNvGrpSpPr/>
+        <p:nvPr/>
+      </p:nvGrpSpPr>
+      <p:grpSpPr>
+        <a:xfrm>
+          <a:off x="0" y="0"/>
+          <a:ext cx="0" cy="0"/>
+          <a:chOff x="0" y="0"/>
+          <a:chExt cx="0" cy="0"/>
+        </a:xfrm>
+      </p:grpSpPr>
+      <p:sp>
+        <p:nvSpPr>
+          <p:cNvPr id="3" name="TextBox 2">
+            <a:extLst>
+              <a:ext uri="{FF2B5EF4-FFF2-40B4-BE49-F238E27FC236}">
+                <a16:creationId xmlns:a16="http://schemas.microsoft.com/office/drawing/2014/main" id="{6E6BECA6-BA16-477F-EE2B-E0FF5A52DFD8}"/>
+              </a:ext>
+            </a:extLst>
+          </p:cNvPr>
+          <p:cNvSpPr txBox="1"/>
+          <p:nvPr/>
+        </p:nvSpPr>
+        <p:spPr>
+          <a:xfrm>
+            <a:off x="378080" y="488693"/>
+            <a:ext cx="4444642" cy="707886"/>
+          </a:xfrm>
+          <a:prstGeom prst="rect">
+            <a:avLst/>
+          </a:prstGeom>
+          <a:noFill/>
+        </p:spPr>
+        <p:txBody>
+          <a:bodyPr wrap="square" rtlCol="0">
+            <a:spAutoFit/>
+          </a:bodyPr>
+          <a:lstStyle/>
+          <a:p>
+            <a:r>
+              <a:rPr lang="en-US" sz="4000" dirty="0">
+                <a:latin typeface="#9Slide03 BoosterNextFYBlack" panose="02000A03000000020004" pitchFamily="2" charset="-93"/>
+              </a:rPr>
+              <a:t>06. VIEWS</a:t>
+            </a:r>
+            <a:endParaRPr lang="en-US" sz="2400" dirty="0">
+              <a:latin typeface="#9Slide03 BoosterNextFYBlack" panose="02000A03000000020004" pitchFamily="2" charset="-93"/>
+            </a:endParaRPr>
+          </a:p>
+        </p:txBody>
+      </p:sp>
+      <p:sp>
+        <p:nvSpPr>
+          <p:cNvPr id="2" name="TextBox 1">
+            <a:extLst>
+              <a:ext uri="{FF2B5EF4-FFF2-40B4-BE49-F238E27FC236}">
+                <a16:creationId xmlns:a16="http://schemas.microsoft.com/office/drawing/2014/main" id="{83EB9F6D-A8B5-DD25-04CF-ACF4F5FC2880}"/>
+              </a:ext>
+            </a:extLst>
+          </p:cNvPr>
+          <p:cNvSpPr txBox="1"/>
+          <p:nvPr/>
+        </p:nvSpPr>
+        <p:spPr>
+          <a:xfrm>
+            <a:off x="378080" y="1700575"/>
+            <a:ext cx="4444642" cy="477054"/>
+          </a:xfrm>
+          <a:prstGeom prst="rect">
+            <a:avLst/>
+          </a:prstGeom>
+          <a:noFill/>
+        </p:spPr>
+        <p:txBody>
+          <a:bodyPr wrap="square" rtlCol="0">
+            <a:spAutoFit/>
+          </a:bodyPr>
+          <a:lstStyle/>
+          <a:p>
+            <a:r>
+              <a:rPr lang="en-US" sz="2500" b="1" dirty="0">
+                <a:solidFill>
+                  <a:srgbClr val="FF3300"/>
+                </a:solidFill>
+                <a:latin typeface="Be Vietnam Pro" pitchFamily="2" charset="-93"/>
+              </a:rPr>
+              <a:t>4. Content management</a:t>
+            </a:r>
+          </a:p>
+        </p:txBody>
+      </p:sp>
+      <p:sp>
+        <p:nvSpPr>
+          <p:cNvPr id="8" name="TextBox 7">
+            <a:extLst>
+              <a:ext uri="{FF2B5EF4-FFF2-40B4-BE49-F238E27FC236}">
+                <a16:creationId xmlns:a16="http://schemas.microsoft.com/office/drawing/2014/main" id="{596B0DD7-1104-96D9-168E-45680D35527D}"/>
+              </a:ext>
+            </a:extLst>
+          </p:cNvPr>
+          <p:cNvSpPr txBox="1"/>
+          <p:nvPr/>
+        </p:nvSpPr>
+        <p:spPr>
+          <a:xfrm>
+            <a:off x="378080" y="2177629"/>
+            <a:ext cx="5899355" cy="1854482"/>
+          </a:xfrm>
+          <a:prstGeom prst="rect">
+            <a:avLst/>
+          </a:prstGeom>
+          <a:noFill/>
+        </p:spPr>
+        <p:txBody>
+          <a:bodyPr wrap="square">
+            <a:spAutoFit/>
+          </a:bodyPr>
+          <a:lstStyle/>
+          <a:p>
+            <a:pPr algn="just">
+              <a:lnSpc>
+                <a:spcPct val="107000"/>
+              </a:lnSpc>
+              <a:spcAft>
+                <a:spcPts val="800"/>
+              </a:spcAft>
+            </a:pPr>
+            <a:r>
+              <a:rPr lang="en-US" sz="1800" dirty="0">
+                <a:effectLst/>
+                <a:latin typeface="Be Vietnam Pro" pitchFamily="2" charset="-93"/>
+                <a:ea typeface="Times New Roman" panose="02020603050405020304" pitchFamily="18" charset="0"/>
+              </a:rPr>
+              <a:t>This view provides an overview of content metadata, including the title, release date, director, rating, content type, access level, and associated genres. It groups content by genre and is useful for managing and categorizing the content library.</a:t>
+            </a:r>
+            <a:endParaRPr lang="en-US" sz="1600" dirty="0">
+              <a:effectLst/>
+              <a:latin typeface="Be Vietnam Pro" pitchFamily="2" charset="-93"/>
+              <a:ea typeface="Calibri" panose="020F0502020204030204" pitchFamily="34" charset="0"/>
+              <a:cs typeface="Times New Roman" panose="02020603050405020304" pitchFamily="18" charset="0"/>
+            </a:endParaRPr>
+          </a:p>
+        </p:txBody>
+      </p:sp>
+      <p:sp>
+        <p:nvSpPr>
+          <p:cNvPr id="9" name="TextBox 8">
+            <a:extLst>
+              <a:ext uri="{FF2B5EF4-FFF2-40B4-BE49-F238E27FC236}">
+                <a16:creationId xmlns:a16="http://schemas.microsoft.com/office/drawing/2014/main" id="{C35C0936-D415-B3E5-1016-E986DDCD8EEA}"/>
+              </a:ext>
+            </a:extLst>
+          </p:cNvPr>
+          <p:cNvSpPr txBox="1"/>
+          <p:nvPr/>
+        </p:nvSpPr>
+        <p:spPr>
+          <a:xfrm>
+            <a:off x="378080" y="4403375"/>
+            <a:ext cx="4444642" cy="477054"/>
+          </a:xfrm>
+          <a:prstGeom prst="rect">
+            <a:avLst/>
+          </a:prstGeom>
+          <a:noFill/>
+        </p:spPr>
+        <p:txBody>
+          <a:bodyPr wrap="square" rtlCol="0">
+            <a:spAutoFit/>
+          </a:bodyPr>
+          <a:lstStyle/>
+          <a:p>
+            <a:r>
+              <a:rPr lang="en-US" sz="2500" b="1" dirty="0">
+                <a:solidFill>
+                  <a:srgbClr val="FF3300"/>
+                </a:solidFill>
+                <a:latin typeface="Be Vietnam Pro" pitchFamily="2" charset="-93"/>
+              </a:rPr>
+              <a:t>5. Episode management</a:t>
+            </a:r>
+          </a:p>
+        </p:txBody>
+      </p:sp>
+      <p:sp>
+        <p:nvSpPr>
+          <p:cNvPr id="11" name="TextBox 10">
+            <a:extLst>
+              <a:ext uri="{FF2B5EF4-FFF2-40B4-BE49-F238E27FC236}">
+                <a16:creationId xmlns:a16="http://schemas.microsoft.com/office/drawing/2014/main" id="{4220A820-A1AE-6F85-972E-0885A07D048F}"/>
+              </a:ext>
+            </a:extLst>
+          </p:cNvPr>
+          <p:cNvSpPr txBox="1"/>
+          <p:nvPr/>
+        </p:nvSpPr>
+        <p:spPr>
+          <a:xfrm>
+            <a:off x="378080" y="4880429"/>
+            <a:ext cx="5899355" cy="1558119"/>
+          </a:xfrm>
+          <a:prstGeom prst="rect">
+            <a:avLst/>
+          </a:prstGeom>
+          <a:noFill/>
+        </p:spPr>
+        <p:txBody>
+          <a:bodyPr wrap="square">
+            <a:spAutoFit/>
+          </a:bodyPr>
+          <a:lstStyle/>
+          <a:p>
+            <a:pPr algn="just">
+              <a:lnSpc>
+                <a:spcPct val="107000"/>
+              </a:lnSpc>
+              <a:spcAft>
+                <a:spcPts val="800"/>
+              </a:spcAft>
+            </a:pPr>
+            <a:r>
+              <a:rPr lang="en-US" dirty="0">
+                <a:latin typeface="Be Vietnam Pro" pitchFamily="2" charset="-93"/>
+              </a:rPr>
+              <a:t>This view lists detailed information about episodes in a series, including the content title, episode number, episode title, and duration. It focuses exclusively on series content and is useful for managing episode-level data.</a:t>
+            </a:r>
+          </a:p>
+        </p:txBody>
+      </p:sp>
+      <p:sp>
+        <p:nvSpPr>
+          <p:cNvPr id="12" name="TextBox 11">
+            <a:extLst>
+              <a:ext uri="{FF2B5EF4-FFF2-40B4-BE49-F238E27FC236}">
+                <a16:creationId xmlns:a16="http://schemas.microsoft.com/office/drawing/2014/main" id="{EE28561F-95B7-EA53-51EF-3E2304D2385F}"/>
+              </a:ext>
+            </a:extLst>
+          </p:cNvPr>
+          <p:cNvSpPr txBox="1"/>
+          <p:nvPr/>
+        </p:nvSpPr>
+        <p:spPr>
+          <a:xfrm>
+            <a:off x="378080" y="7006019"/>
+            <a:ext cx="4444642" cy="477054"/>
+          </a:xfrm>
+          <a:prstGeom prst="rect">
+            <a:avLst/>
+          </a:prstGeom>
+          <a:noFill/>
+        </p:spPr>
+        <p:txBody>
+          <a:bodyPr wrap="square" rtlCol="0">
+            <a:spAutoFit/>
+          </a:bodyPr>
+          <a:lstStyle/>
+          <a:p>
+            <a:r>
+              <a:rPr lang="en-US" sz="2500" b="1" dirty="0">
+                <a:solidFill>
+                  <a:srgbClr val="FF3300"/>
+                </a:solidFill>
+                <a:latin typeface="Be Vietnam Pro" pitchFamily="2" charset="-93"/>
+              </a:rPr>
+              <a:t>6. User management</a:t>
+            </a:r>
+          </a:p>
+        </p:txBody>
+      </p:sp>
+      <p:sp>
+        <p:nvSpPr>
+          <p:cNvPr id="14" name="TextBox 13">
+            <a:extLst>
+              <a:ext uri="{FF2B5EF4-FFF2-40B4-BE49-F238E27FC236}">
+                <a16:creationId xmlns:a16="http://schemas.microsoft.com/office/drawing/2014/main" id="{F7414CDA-F278-3D25-CF3E-76E1E5E3D5F0}"/>
+              </a:ext>
+            </a:extLst>
+          </p:cNvPr>
+          <p:cNvSpPr txBox="1"/>
+          <p:nvPr/>
+        </p:nvSpPr>
+        <p:spPr>
+          <a:xfrm>
+            <a:off x="378080" y="7483073"/>
+            <a:ext cx="5899355" cy="1558119"/>
+          </a:xfrm>
+          <a:prstGeom prst="rect">
+            <a:avLst/>
+          </a:prstGeom>
+          <a:noFill/>
+        </p:spPr>
+        <p:txBody>
+          <a:bodyPr wrap="square">
+            <a:spAutoFit/>
+          </a:bodyPr>
+          <a:lstStyle/>
+          <a:p>
+            <a:pPr algn="just">
+              <a:lnSpc>
+                <a:spcPct val="107000"/>
+              </a:lnSpc>
+              <a:spcAft>
+                <a:spcPts val="800"/>
+              </a:spcAft>
+            </a:pPr>
+            <a:r>
+              <a:rPr lang="en-US" dirty="0">
+                <a:latin typeface="Be Vietnam Pro" pitchFamily="2" charset="-93"/>
+              </a:rPr>
+              <a:t>This view displays user account information, including the user's full name, email, account status, and country of residence. It helps administrators manage user accounts and monitor user activity geographically.</a:t>
+            </a:r>
+          </a:p>
+        </p:txBody>
+      </p:sp>
+    </p:spTree>
+    <p:extLst>
+      <p:ext uri="{BB962C8B-B14F-4D97-AF65-F5344CB8AC3E}">
+        <p14:creationId xmlns:p14="http://schemas.microsoft.com/office/powerpoint/2010/main" val="2337774502"/>
+      </p:ext>
+    </p:extLst>
+  </p:cSld>
+  <p:clrMapOvr>
+    <a:masterClrMapping/>
+  </p:clrMapOvr>
+</p:sld>
+</file>
+
+<file path=ppt/slides/slide22.xml><?xml version="1.0" encoding="utf-8"?>
+<p:sld xmlns:a="http://schemas.openxmlformats.org/drawingml/2006/main" xmlns:r="http://schemas.openxmlformats.org/officeDocument/2006/relationships" xmlns:p="http://schemas.openxmlformats.org/presentationml/2006/main">
+  <p:cSld>
+    <p:bg>
+      <p:bgPr>
+        <a:solidFill>
+          <a:schemeClr val="bg1"/>
+        </a:solidFill>
+        <a:effectLst/>
+      </p:bgPr>
+    </p:bg>
+    <p:spTree>
+      <p:nvGrpSpPr>
+        <p:cNvPr id="1" name="">
+          <a:extLst>
+            <a:ext uri="{FF2B5EF4-FFF2-40B4-BE49-F238E27FC236}">
+              <a16:creationId xmlns:a16="http://schemas.microsoft.com/office/drawing/2014/main" id="{4BF8655E-94F9-1BC8-8C76-329135FB2EB4}"/>
+            </a:ext>
+          </a:extLst>
+        </p:cNvPr>
+        <p:cNvGrpSpPr/>
+        <p:nvPr/>
+      </p:nvGrpSpPr>
+      <p:grpSpPr>
+        <a:xfrm>
+          <a:off x="0" y="0"/>
+          <a:ext cx="0" cy="0"/>
+          <a:chOff x="0" y="0"/>
+          <a:chExt cx="0" cy="0"/>
+        </a:xfrm>
+      </p:grpSpPr>
+      <p:sp>
+        <p:nvSpPr>
+          <p:cNvPr id="3" name="TextBox 2">
+            <a:extLst>
+              <a:ext uri="{FF2B5EF4-FFF2-40B4-BE49-F238E27FC236}">
+                <a16:creationId xmlns:a16="http://schemas.microsoft.com/office/drawing/2014/main" id="{B1A4D081-84CE-0C5D-28BA-AB682058256C}"/>
+              </a:ext>
+            </a:extLst>
+          </p:cNvPr>
+          <p:cNvSpPr txBox="1"/>
+          <p:nvPr/>
+        </p:nvSpPr>
+        <p:spPr>
+          <a:xfrm>
+            <a:off x="378080" y="488693"/>
+            <a:ext cx="4444642" cy="707886"/>
+          </a:xfrm>
+          <a:prstGeom prst="rect">
+            <a:avLst/>
+          </a:prstGeom>
+          <a:noFill/>
+        </p:spPr>
+        <p:txBody>
+          <a:bodyPr wrap="square" rtlCol="0">
+            <a:spAutoFit/>
+          </a:bodyPr>
+          <a:lstStyle/>
+          <a:p>
+            <a:r>
+              <a:rPr lang="en-US" sz="4000" dirty="0">
+                <a:latin typeface="#9Slide03 BoosterNextFYBlack" panose="02000A03000000020004" pitchFamily="2" charset="-93"/>
+              </a:rPr>
+              <a:t>06. VIEWS</a:t>
+            </a:r>
+            <a:endParaRPr lang="en-US" sz="2400" dirty="0">
+              <a:latin typeface="#9Slide03 BoosterNextFYBlack" panose="02000A03000000020004" pitchFamily="2" charset="-93"/>
+            </a:endParaRPr>
+          </a:p>
+        </p:txBody>
+      </p:sp>
+      <p:sp>
+        <p:nvSpPr>
+          <p:cNvPr id="2" name="TextBox 1">
+            <a:extLst>
+              <a:ext uri="{FF2B5EF4-FFF2-40B4-BE49-F238E27FC236}">
+                <a16:creationId xmlns:a16="http://schemas.microsoft.com/office/drawing/2014/main" id="{8F153A7B-42ED-C27A-3CE2-ABF6805ABF08}"/>
+              </a:ext>
+            </a:extLst>
+          </p:cNvPr>
+          <p:cNvSpPr txBox="1"/>
+          <p:nvPr/>
+        </p:nvSpPr>
+        <p:spPr>
+          <a:xfrm>
+            <a:off x="378080" y="1700575"/>
+            <a:ext cx="4444642" cy="477054"/>
+          </a:xfrm>
+          <a:prstGeom prst="rect">
+            <a:avLst/>
+          </a:prstGeom>
+          <a:noFill/>
+        </p:spPr>
+        <p:txBody>
+          <a:bodyPr wrap="square" rtlCol="0">
+            <a:spAutoFit/>
+          </a:bodyPr>
+          <a:lstStyle/>
+          <a:p>
+            <a:r>
+              <a:rPr lang="en-US" sz="2500" b="1" dirty="0">
+                <a:solidFill>
+                  <a:srgbClr val="FF3300"/>
+                </a:solidFill>
+                <a:latin typeface="Be Vietnam Pro" pitchFamily="2" charset="-93"/>
+              </a:rPr>
+              <a:t>7. Top rated content</a:t>
+            </a:r>
+          </a:p>
+        </p:txBody>
+      </p:sp>
+      <p:sp>
+        <p:nvSpPr>
+          <p:cNvPr id="8" name="TextBox 7">
+            <a:extLst>
+              <a:ext uri="{FF2B5EF4-FFF2-40B4-BE49-F238E27FC236}">
+                <a16:creationId xmlns:a16="http://schemas.microsoft.com/office/drawing/2014/main" id="{F2309401-B79F-8F62-CF46-87C73CB6019A}"/>
+              </a:ext>
+            </a:extLst>
+          </p:cNvPr>
+          <p:cNvSpPr txBox="1"/>
+          <p:nvPr/>
+        </p:nvSpPr>
+        <p:spPr>
+          <a:xfrm>
+            <a:off x="378080" y="2177629"/>
+            <a:ext cx="5899355" cy="1558119"/>
+          </a:xfrm>
+          <a:prstGeom prst="rect">
+            <a:avLst/>
+          </a:prstGeom>
+          <a:noFill/>
+        </p:spPr>
+        <p:txBody>
+          <a:bodyPr wrap="square">
+            <a:spAutoFit/>
+          </a:bodyPr>
+          <a:lstStyle/>
+          <a:p>
+            <a:pPr algn="just">
+              <a:lnSpc>
+                <a:spcPct val="107000"/>
+              </a:lnSpc>
+              <a:spcAft>
+                <a:spcPts val="800"/>
+              </a:spcAft>
+            </a:pPr>
+            <a:r>
+              <a:rPr lang="en-US" dirty="0">
+                <a:latin typeface="Be Vietnam Pro" pitchFamily="2" charset="-93"/>
+              </a:rPr>
+              <a:t>This view lists the highest-rated content, including the title, rating, and associated genres. It is sorted by rating in descending order and is useful for highlighting popular or critically acclaimed content.</a:t>
+            </a:r>
+          </a:p>
+        </p:txBody>
+      </p:sp>
+    </p:spTree>
+    <p:extLst>
+      <p:ext uri="{BB962C8B-B14F-4D97-AF65-F5344CB8AC3E}">
+        <p14:creationId xmlns:p14="http://schemas.microsoft.com/office/powerpoint/2010/main" val="2714799230"/>
+      </p:ext>
+    </p:extLst>
+  </p:cSld>
+  <p:clrMapOvr>
+    <a:masterClrMapping/>
+  </p:clrMapOvr>
+</p:sld>
+</file>
+
+<file path=ppt/slides/slide23.xml><?xml version="1.0" encoding="utf-8"?>
+<p:sld xmlns:a="http://schemas.openxmlformats.org/drawingml/2006/main" xmlns:r="http://schemas.openxmlformats.org/officeDocument/2006/relationships" xmlns:p="http://schemas.openxmlformats.org/presentationml/2006/main">
+  <p:cSld>
+    <p:bg>
+      <p:bgPr>
+        <a:solidFill>
+          <a:schemeClr val="bg1"/>
+        </a:solidFill>
+        <a:effectLst/>
+      </p:bgPr>
+    </p:bg>
+    <p:spTree>
+      <p:nvGrpSpPr>
+        <p:cNvPr id="1" name="">
+          <a:extLst>
+            <a:ext uri="{FF2B5EF4-FFF2-40B4-BE49-F238E27FC236}">
+              <a16:creationId xmlns:a16="http://schemas.microsoft.com/office/drawing/2014/main" id="{7813759F-93DF-4622-BC7A-8E090411A6A7}"/>
+            </a:ext>
+          </a:extLst>
+        </p:cNvPr>
+        <p:cNvGrpSpPr/>
+        <p:nvPr/>
+      </p:nvGrpSpPr>
+      <p:grpSpPr>
+        <a:xfrm>
+          <a:off x="0" y="0"/>
+          <a:ext cx="0" cy="0"/>
+          <a:chOff x="0" y="0"/>
+          <a:chExt cx="0" cy="0"/>
+        </a:xfrm>
+      </p:grpSpPr>
+      <p:sp>
+        <p:nvSpPr>
+          <p:cNvPr id="3" name="TextBox 2">
+            <a:extLst>
+              <a:ext uri="{FF2B5EF4-FFF2-40B4-BE49-F238E27FC236}">
+                <a16:creationId xmlns:a16="http://schemas.microsoft.com/office/drawing/2014/main" id="{4EED5A59-B4FC-88D8-A2E1-B245BCBC4E34}"/>
+              </a:ext>
+            </a:extLst>
+          </p:cNvPr>
+          <p:cNvSpPr txBox="1"/>
+          <p:nvPr/>
+        </p:nvSpPr>
+        <p:spPr>
+          <a:xfrm>
+            <a:off x="348584" y="363086"/>
+            <a:ext cx="4444642" cy="707886"/>
+          </a:xfrm>
+          <a:prstGeom prst="rect">
+            <a:avLst/>
+          </a:prstGeom>
+          <a:noFill/>
+        </p:spPr>
+        <p:txBody>
+          <a:bodyPr wrap="square" rtlCol="0">
+            <a:spAutoFit/>
+          </a:bodyPr>
+          <a:lstStyle/>
+          <a:p>
+            <a:r>
+              <a:rPr lang="en-US" sz="4000" dirty="0">
+                <a:latin typeface="#9Slide03 BoosterNextFYBlack" panose="02000A03000000020004" pitchFamily="2" charset="-93"/>
+              </a:rPr>
+              <a:t>07. FUNCTION</a:t>
+            </a:r>
+            <a:endParaRPr lang="en-US" sz="2400" dirty="0">
+              <a:latin typeface="#9Slide03 BoosterNextFYBlack" panose="02000A03000000020004" pitchFamily="2" charset="-93"/>
+            </a:endParaRPr>
+          </a:p>
+        </p:txBody>
+      </p:sp>
+      <p:sp>
+        <p:nvSpPr>
+          <p:cNvPr id="4" name="TextBox 3">
+            <a:extLst>
+              <a:ext uri="{FF2B5EF4-FFF2-40B4-BE49-F238E27FC236}">
+                <a16:creationId xmlns:a16="http://schemas.microsoft.com/office/drawing/2014/main" id="{0E2734BF-F68A-F8D2-DB57-BAAB58CD73BA}"/>
+              </a:ext>
+            </a:extLst>
+          </p:cNvPr>
+          <p:cNvSpPr txBox="1"/>
+          <p:nvPr/>
+        </p:nvSpPr>
+        <p:spPr>
+          <a:xfrm>
+            <a:off x="348584" y="1732266"/>
+            <a:ext cx="6110226" cy="738664"/>
+          </a:xfrm>
+          <a:prstGeom prst="rect">
+            <a:avLst/>
+          </a:prstGeom>
+          <a:noFill/>
+        </p:spPr>
+        <p:txBody>
+          <a:bodyPr wrap="square">
+            <a:spAutoFit/>
+          </a:bodyPr>
+          <a:lstStyle/>
+          <a:p>
+            <a:r>
+              <a:rPr lang="en-US" sz="2400" b="1" dirty="0">
+                <a:solidFill>
+                  <a:srgbClr val="FF3300"/>
+                </a:solidFill>
+                <a:effectLst/>
+                <a:latin typeface="Be Vietnam Pro" pitchFamily="2" charset="-93"/>
+                <a:ea typeface="DengXian" panose="02010600030101010101" pitchFamily="2" charset="-122"/>
+                <a:cs typeface="Times New Roman" panose="02020603050405020304" pitchFamily="18" charset="0"/>
+              </a:rPr>
+              <a:t>1. </a:t>
+            </a:r>
+            <a:r>
+              <a:rPr lang="en-US" sz="1800" b="1" dirty="0" err="1">
+                <a:effectLst/>
+                <a:latin typeface="Be Vietnam Pro" pitchFamily="2" charset="-93"/>
+                <a:ea typeface="DengXian" panose="02010600030101010101" pitchFamily="2" charset="-122"/>
+                <a:cs typeface="Times New Roman" panose="02020603050405020304" pitchFamily="18" charset="0"/>
+              </a:rPr>
+              <a:t>recommend_content_by_location</a:t>
+            </a:r>
+            <a:r>
+              <a:rPr lang="en-US" sz="1800" b="1" dirty="0">
+                <a:effectLst/>
+                <a:latin typeface="Be Vietnam Pro" pitchFamily="2" charset="-93"/>
+                <a:ea typeface="DengXian" panose="02010600030101010101" pitchFamily="2" charset="-122"/>
+                <a:cs typeface="Times New Roman" panose="02020603050405020304" pitchFamily="18" charset="0"/>
+              </a:rPr>
+              <a:t>(</a:t>
+            </a:r>
+            <a:r>
+              <a:rPr lang="en-US" sz="1800" b="1" dirty="0" err="1">
+                <a:effectLst/>
+                <a:latin typeface="Be Vietnam Pro" pitchFamily="2" charset="-93"/>
+                <a:ea typeface="DengXian" panose="02010600030101010101" pitchFamily="2" charset="-122"/>
+                <a:cs typeface="Times New Roman" panose="02020603050405020304" pitchFamily="18" charset="0"/>
+              </a:rPr>
+              <a:t>user_id_input</a:t>
+            </a:r>
+            <a:r>
+              <a:rPr lang="en-US" sz="1800" b="1" dirty="0">
+                <a:effectLst/>
+                <a:latin typeface="Be Vietnam Pro" pitchFamily="2" charset="-93"/>
+                <a:ea typeface="DengXian" panose="02010600030101010101" pitchFamily="2" charset="-122"/>
+                <a:cs typeface="Times New Roman" panose="02020603050405020304" pitchFamily="18" charset="0"/>
+              </a:rPr>
+              <a:t> INTEGER)</a:t>
+            </a:r>
+            <a:endParaRPr lang="en-US" dirty="0">
+              <a:latin typeface="Be Vietnam Pro" pitchFamily="2" charset="-93"/>
+            </a:endParaRPr>
+          </a:p>
+        </p:txBody>
+      </p:sp>
+      <p:sp>
+        <p:nvSpPr>
+          <p:cNvPr id="9" name="TextBox 8">
+            <a:extLst>
+              <a:ext uri="{FF2B5EF4-FFF2-40B4-BE49-F238E27FC236}">
+                <a16:creationId xmlns:a16="http://schemas.microsoft.com/office/drawing/2014/main" id="{9252B73A-DED5-938C-2705-93028DA4AC09}"/>
+              </a:ext>
+            </a:extLst>
+          </p:cNvPr>
+          <p:cNvSpPr txBox="1"/>
+          <p:nvPr/>
+        </p:nvSpPr>
+        <p:spPr>
+          <a:xfrm>
+            <a:off x="318104" y="2794542"/>
+            <a:ext cx="6140706" cy="5999015"/>
+          </a:xfrm>
+          <a:prstGeom prst="rect">
+            <a:avLst/>
+          </a:prstGeom>
+          <a:noFill/>
+        </p:spPr>
+        <p:txBody>
+          <a:bodyPr wrap="square">
+            <a:spAutoFit/>
+          </a:bodyPr>
+          <a:lstStyle/>
+          <a:p>
+            <a:pPr algn="just">
+              <a:lnSpc>
+                <a:spcPct val="115000"/>
+              </a:lnSpc>
+              <a:spcAft>
+                <a:spcPts val="800"/>
+              </a:spcAft>
+            </a:pPr>
+            <a:r>
+              <a:rPr lang="en-US" sz="1800" b="1" kern="100" dirty="0">
+                <a:effectLst/>
+                <a:latin typeface="Be Vietnam Pro" pitchFamily="2" charset="-93"/>
+                <a:ea typeface="DengXian" panose="02010600030101010101" pitchFamily="2" charset="-122"/>
+                <a:cs typeface="Times New Roman" panose="02020603050405020304" pitchFamily="18" charset="0"/>
+              </a:rPr>
+              <a:t>Purpose:</a:t>
+            </a:r>
+            <a:r>
+              <a:rPr lang="en-US" sz="1800" kern="100" dirty="0">
+                <a:effectLst/>
+                <a:latin typeface="Be Vietnam Pro" pitchFamily="2" charset="-93"/>
+                <a:ea typeface="DengXian" panose="02010600030101010101" pitchFamily="2" charset="-122"/>
+                <a:cs typeface="Times New Roman" panose="02020603050405020304" pitchFamily="18" charset="0"/>
+              </a:rPr>
+              <a:t> This function recommends content to a user based on the content viewed by others in the same location (country) within the last 30 days. The recommendations are based on popularity (most viewed) and rating.</a:t>
+            </a:r>
+          </a:p>
+          <a:p>
+            <a:pPr algn="just">
+              <a:lnSpc>
+                <a:spcPct val="115000"/>
+              </a:lnSpc>
+              <a:spcAft>
+                <a:spcPts val="800"/>
+              </a:spcAft>
+            </a:pPr>
+            <a:r>
+              <a:rPr lang="en-US" sz="1800" b="1" kern="100" dirty="0">
+                <a:effectLst/>
+                <a:latin typeface="Be Vietnam Pro" pitchFamily="2" charset="-93"/>
+                <a:ea typeface="DengXian" panose="02010600030101010101" pitchFamily="2" charset="-122"/>
+                <a:cs typeface="Times New Roman" panose="02020603050405020304" pitchFamily="18" charset="0"/>
+              </a:rPr>
+              <a:t>How it works:</a:t>
+            </a:r>
+            <a:endParaRPr lang="en-US" sz="1800" kern="100" dirty="0">
+              <a:effectLst/>
+              <a:latin typeface="Be Vietnam Pro" pitchFamily="2" charset="-93"/>
+              <a:ea typeface="DengXian" panose="02010600030101010101" pitchFamily="2" charset="-122"/>
+              <a:cs typeface="Times New Roman" panose="02020603050405020304" pitchFamily="18" charset="0"/>
+            </a:endParaRPr>
+          </a:p>
+          <a:p>
+            <a:pPr marL="342900" lvl="0" indent="-342900" algn="just">
+              <a:lnSpc>
+                <a:spcPct val="115000"/>
+              </a:lnSpc>
+              <a:spcAft>
+                <a:spcPts val="800"/>
+              </a:spcAft>
+              <a:buSzPts val="1000"/>
+              <a:buFont typeface="Symbol" panose="05050102010706020507" pitchFamily="18" charset="2"/>
+              <a:buChar char=""/>
+              <a:tabLst>
+                <a:tab pos="457200" algn="l"/>
+              </a:tabLst>
+            </a:pPr>
+            <a:r>
+              <a:rPr lang="en-US" sz="1800" kern="100" dirty="0">
+                <a:effectLst/>
+                <a:latin typeface="Be Vietnam Pro" pitchFamily="2" charset="-93"/>
+                <a:ea typeface="DengXian" panose="02010600030101010101" pitchFamily="2" charset="-122"/>
+                <a:cs typeface="Times New Roman" panose="02020603050405020304" pitchFamily="18" charset="0"/>
+              </a:rPr>
+              <a:t>The function first finds the country of the input user (</a:t>
+            </a:r>
+            <a:r>
+              <a:rPr lang="en-US" sz="1800" kern="100" dirty="0" err="1">
+                <a:effectLst/>
+                <a:latin typeface="Be Vietnam Pro" pitchFamily="2" charset="-93"/>
+                <a:ea typeface="DengXian" panose="02010600030101010101" pitchFamily="2" charset="-122"/>
+                <a:cs typeface="Times New Roman" panose="02020603050405020304" pitchFamily="18" charset="0"/>
+              </a:rPr>
+              <a:t>user_id_input</a:t>
+            </a:r>
+            <a:r>
+              <a:rPr lang="en-US" sz="1800" kern="100" dirty="0">
+                <a:effectLst/>
+                <a:latin typeface="Be Vietnam Pro" pitchFamily="2" charset="-93"/>
+                <a:ea typeface="DengXian" panose="02010600030101010101" pitchFamily="2" charset="-122"/>
+                <a:cs typeface="Times New Roman" panose="02020603050405020304" pitchFamily="18" charset="0"/>
+              </a:rPr>
+              <a:t>).</a:t>
+            </a:r>
+          </a:p>
+          <a:p>
+            <a:pPr marL="342900" lvl="0" indent="-342900" algn="just">
+              <a:lnSpc>
+                <a:spcPct val="115000"/>
+              </a:lnSpc>
+              <a:spcAft>
+                <a:spcPts val="800"/>
+              </a:spcAft>
+              <a:buSzPts val="1000"/>
+              <a:buFont typeface="Symbol" panose="05050102010706020507" pitchFamily="18" charset="2"/>
+              <a:buChar char=""/>
+              <a:tabLst>
+                <a:tab pos="457200" algn="l"/>
+              </a:tabLst>
+            </a:pPr>
+            <a:r>
+              <a:rPr lang="en-US" sz="1800" kern="100" dirty="0">
+                <a:effectLst/>
+                <a:latin typeface="Be Vietnam Pro" pitchFamily="2" charset="-93"/>
+                <a:ea typeface="DengXian" panose="02010600030101010101" pitchFamily="2" charset="-122"/>
+                <a:cs typeface="Times New Roman" panose="02020603050405020304" pitchFamily="18" charset="0"/>
+              </a:rPr>
+              <a:t>It then aggregates content viewed by users from the same country in the last 30 days, joining </a:t>
+            </a:r>
+            <a:r>
+              <a:rPr lang="en-US" sz="1800" kern="100" dirty="0" err="1">
+                <a:effectLst/>
+                <a:latin typeface="Be Vietnam Pro" pitchFamily="2" charset="-93"/>
+                <a:ea typeface="DengXian" panose="02010600030101010101" pitchFamily="2" charset="-122"/>
+                <a:cs typeface="Times New Roman" panose="02020603050405020304" pitchFamily="18" charset="0"/>
+              </a:rPr>
+              <a:t>view_history</a:t>
+            </a:r>
+            <a:r>
+              <a:rPr lang="en-US" sz="1800" kern="100" dirty="0">
+                <a:effectLst/>
+                <a:latin typeface="Be Vietnam Pro" pitchFamily="2" charset="-93"/>
+                <a:ea typeface="DengXian" panose="02010600030101010101" pitchFamily="2" charset="-122"/>
+                <a:cs typeface="Times New Roman" panose="02020603050405020304" pitchFamily="18" charset="0"/>
+              </a:rPr>
+              <a:t>, content, </a:t>
+            </a:r>
+            <a:r>
+              <a:rPr lang="en-US" sz="1800" kern="100" dirty="0" err="1">
+                <a:effectLst/>
+                <a:latin typeface="Be Vietnam Pro" pitchFamily="2" charset="-93"/>
+                <a:ea typeface="DengXian" panose="02010600030101010101" pitchFamily="2" charset="-122"/>
+                <a:cs typeface="Times New Roman" panose="02020603050405020304" pitchFamily="18" charset="0"/>
+              </a:rPr>
+              <a:t>content_genre</a:t>
+            </a:r>
+            <a:r>
+              <a:rPr lang="en-US" sz="1800" kern="100" dirty="0">
+                <a:effectLst/>
+                <a:latin typeface="Be Vietnam Pro" pitchFamily="2" charset="-93"/>
+                <a:ea typeface="DengXian" panose="02010600030101010101" pitchFamily="2" charset="-122"/>
+                <a:cs typeface="Times New Roman" panose="02020603050405020304" pitchFamily="18" charset="0"/>
+              </a:rPr>
+              <a:t>, and genre tables.</a:t>
+            </a:r>
+          </a:p>
+          <a:p>
+            <a:pPr marL="342900" lvl="0" indent="-342900" algn="just">
+              <a:lnSpc>
+                <a:spcPct val="115000"/>
+              </a:lnSpc>
+              <a:spcAft>
+                <a:spcPts val="800"/>
+              </a:spcAft>
+              <a:buSzPts val="1000"/>
+              <a:buFont typeface="Symbol" panose="05050102010706020507" pitchFamily="18" charset="2"/>
+              <a:buChar char=""/>
+              <a:tabLst>
+                <a:tab pos="457200" algn="l"/>
+              </a:tabLst>
+            </a:pPr>
+            <a:r>
+              <a:rPr lang="en-US" sz="1800" kern="100" dirty="0">
+                <a:effectLst/>
+                <a:latin typeface="Be Vietnam Pro" pitchFamily="2" charset="-93"/>
+                <a:ea typeface="DengXian" panose="02010600030101010101" pitchFamily="2" charset="-122"/>
+                <a:cs typeface="Times New Roman" panose="02020603050405020304" pitchFamily="18" charset="0"/>
+              </a:rPr>
+              <a:t>The results are ordered by the most viewed content and highest rating, limiting the results to the top 10 content.</a:t>
+            </a:r>
+          </a:p>
+          <a:p>
+            <a:pPr marL="342900" lvl="0" indent="-342900" algn="just">
+              <a:lnSpc>
+                <a:spcPct val="115000"/>
+              </a:lnSpc>
+              <a:spcAft>
+                <a:spcPts val="800"/>
+              </a:spcAft>
+              <a:buSzPts val="1000"/>
+              <a:buFont typeface="Symbol" panose="05050102010706020507" pitchFamily="18" charset="2"/>
+              <a:buChar char=""/>
+              <a:tabLst>
+                <a:tab pos="457200" algn="l"/>
+              </a:tabLst>
+            </a:pPr>
+            <a:r>
+              <a:rPr lang="en-US" sz="1800" kern="100" dirty="0">
+                <a:effectLst/>
+                <a:latin typeface="Be Vietnam Pro" pitchFamily="2" charset="-93"/>
+                <a:ea typeface="DengXian" panose="02010600030101010101" pitchFamily="2" charset="-122"/>
+                <a:cs typeface="Times New Roman" panose="02020603050405020304" pitchFamily="18" charset="0"/>
+              </a:rPr>
+              <a:t>The STRING_AGG function is used to gather distinct genre names for each content.</a:t>
+            </a:r>
+          </a:p>
+        </p:txBody>
+      </p:sp>
+    </p:spTree>
+    <p:extLst>
+      <p:ext uri="{BB962C8B-B14F-4D97-AF65-F5344CB8AC3E}">
+        <p14:creationId xmlns:p14="http://schemas.microsoft.com/office/powerpoint/2010/main" val="1848644658"/>
+      </p:ext>
+    </p:extLst>
+  </p:cSld>
+  <p:clrMapOvr>
+    <a:masterClrMapping/>
+  </p:clrMapOvr>
+</p:sld>
+</file>
+
+<file path=ppt/slides/slide24.xml><?xml version="1.0" encoding="utf-8"?>
+<p:sld xmlns:a="http://schemas.openxmlformats.org/drawingml/2006/main" xmlns:r="http://schemas.openxmlformats.org/officeDocument/2006/relationships" xmlns:p="http://schemas.openxmlformats.org/presentationml/2006/main">
+  <p:cSld>
+    <p:bg>
+      <p:bgPr>
+        <a:solidFill>
+          <a:schemeClr val="bg1"/>
+        </a:solidFill>
+        <a:effectLst/>
+      </p:bgPr>
+    </p:bg>
+    <p:spTree>
+      <p:nvGrpSpPr>
+        <p:cNvPr id="1" name="">
+          <a:extLst>
+            <a:ext uri="{FF2B5EF4-FFF2-40B4-BE49-F238E27FC236}">
+              <a16:creationId xmlns:a16="http://schemas.microsoft.com/office/drawing/2014/main" id="{FB72C0DC-4243-473D-A55A-C8E269ACFFCE}"/>
+            </a:ext>
+          </a:extLst>
+        </p:cNvPr>
+        <p:cNvGrpSpPr/>
+        <p:nvPr/>
+      </p:nvGrpSpPr>
+      <p:grpSpPr>
+        <a:xfrm>
+          <a:off x="0" y="0"/>
+          <a:ext cx="0" cy="0"/>
+          <a:chOff x="0" y="0"/>
+          <a:chExt cx="0" cy="0"/>
+        </a:xfrm>
+      </p:grpSpPr>
+      <p:sp>
+        <p:nvSpPr>
+          <p:cNvPr id="3" name="TextBox 2">
+            <a:extLst>
+              <a:ext uri="{FF2B5EF4-FFF2-40B4-BE49-F238E27FC236}">
+                <a16:creationId xmlns:a16="http://schemas.microsoft.com/office/drawing/2014/main" id="{C484FBD1-ED7A-21FD-EBD0-BF5884F8C295}"/>
+              </a:ext>
+            </a:extLst>
+          </p:cNvPr>
+          <p:cNvSpPr txBox="1"/>
+          <p:nvPr/>
+        </p:nvSpPr>
+        <p:spPr>
+          <a:xfrm>
+            <a:off x="348584" y="363086"/>
+            <a:ext cx="4444642" cy="707886"/>
+          </a:xfrm>
+          <a:prstGeom prst="rect">
+            <a:avLst/>
+          </a:prstGeom>
+          <a:noFill/>
+        </p:spPr>
+        <p:txBody>
+          <a:bodyPr wrap="square" rtlCol="0">
+            <a:spAutoFit/>
+          </a:bodyPr>
+          <a:lstStyle/>
+          <a:p>
+            <a:r>
+              <a:rPr lang="en-US" sz="4000" dirty="0">
+                <a:latin typeface="#9Slide03 BoosterNextFYBlack" panose="02000A03000000020004" pitchFamily="2" charset="-93"/>
+              </a:rPr>
+              <a:t>07. FUNCTION</a:t>
+            </a:r>
+            <a:endParaRPr lang="en-US" sz="2400" dirty="0">
+              <a:latin typeface="#9Slide03 BoosterNextFYBlack" panose="02000A03000000020004" pitchFamily="2" charset="-93"/>
+            </a:endParaRPr>
+          </a:p>
+        </p:txBody>
+      </p:sp>
+      <p:sp>
+        <p:nvSpPr>
+          <p:cNvPr id="4" name="TextBox 3">
+            <a:extLst>
+              <a:ext uri="{FF2B5EF4-FFF2-40B4-BE49-F238E27FC236}">
+                <a16:creationId xmlns:a16="http://schemas.microsoft.com/office/drawing/2014/main" id="{D6080A6E-9C53-F0E7-BDB0-C91EDA073F85}"/>
+              </a:ext>
+            </a:extLst>
+          </p:cNvPr>
+          <p:cNvSpPr txBox="1"/>
+          <p:nvPr/>
+        </p:nvSpPr>
+        <p:spPr>
+          <a:xfrm>
+            <a:off x="419151" y="1664876"/>
+            <a:ext cx="5869889" cy="814005"/>
+          </a:xfrm>
+          <a:prstGeom prst="rect">
+            <a:avLst/>
+          </a:prstGeom>
+          <a:noFill/>
+        </p:spPr>
+        <p:txBody>
+          <a:bodyPr wrap="square">
+            <a:spAutoFit/>
+          </a:bodyPr>
+          <a:lstStyle/>
+          <a:p>
+            <a:pPr>
+              <a:lnSpc>
+                <a:spcPct val="115000"/>
+              </a:lnSpc>
+              <a:spcAft>
+                <a:spcPts val="800"/>
+              </a:spcAft>
+            </a:pPr>
+            <a:r>
+              <a:rPr lang="en-US" sz="2400" b="1" kern="100" dirty="0">
+                <a:solidFill>
+                  <a:srgbClr val="FF3300"/>
+                </a:solidFill>
+                <a:effectLst/>
+                <a:latin typeface="Be Vietnam Pro" pitchFamily="2" charset="-93"/>
+                <a:ea typeface="DengXian" panose="02010600030101010101" pitchFamily="2" charset="-122"/>
+                <a:cs typeface="Times New Roman" panose="02020603050405020304" pitchFamily="18" charset="0"/>
+              </a:rPr>
+              <a:t>2. </a:t>
+            </a:r>
+            <a:r>
+              <a:rPr lang="en-US" b="1" kern="100" dirty="0" err="1">
+                <a:effectLst/>
+                <a:latin typeface="Be Vietnam Pro" pitchFamily="2" charset="-93"/>
+                <a:ea typeface="DengXian" panose="02010600030101010101" pitchFamily="2" charset="-122"/>
+                <a:cs typeface="Times New Roman" panose="02020603050405020304" pitchFamily="18" charset="0"/>
+              </a:rPr>
+              <a:t>recommend_content_by_genre</a:t>
+            </a:r>
+            <a:r>
+              <a:rPr lang="en-US" b="1" kern="100" dirty="0">
+                <a:effectLst/>
+                <a:latin typeface="Be Vietnam Pro" pitchFamily="2" charset="-93"/>
+                <a:ea typeface="DengXian" panose="02010600030101010101" pitchFamily="2" charset="-122"/>
+                <a:cs typeface="Times New Roman" panose="02020603050405020304" pitchFamily="18" charset="0"/>
+              </a:rPr>
+              <a:t>(</a:t>
+            </a:r>
+            <a:r>
+              <a:rPr lang="en-US" b="1" kern="100" dirty="0" err="1">
+                <a:effectLst/>
+                <a:latin typeface="Be Vietnam Pro" pitchFamily="2" charset="-93"/>
+                <a:ea typeface="DengXian" panose="02010600030101010101" pitchFamily="2" charset="-122"/>
+                <a:cs typeface="Times New Roman" panose="02020603050405020304" pitchFamily="18" charset="0"/>
+              </a:rPr>
+              <a:t>user_id_input</a:t>
+            </a:r>
+            <a:r>
+              <a:rPr lang="en-US" b="1" kern="100" dirty="0">
+                <a:effectLst/>
+                <a:latin typeface="Be Vietnam Pro" pitchFamily="2" charset="-93"/>
+                <a:ea typeface="DengXian" panose="02010600030101010101" pitchFamily="2" charset="-122"/>
+                <a:cs typeface="Times New Roman" panose="02020603050405020304" pitchFamily="18" charset="0"/>
+              </a:rPr>
+              <a:t> INTEGER, </a:t>
+            </a:r>
+            <a:r>
+              <a:rPr lang="en-US" b="1" kern="100" dirty="0" err="1">
+                <a:effectLst/>
+                <a:latin typeface="Be Vietnam Pro" pitchFamily="2" charset="-93"/>
+                <a:ea typeface="DengXian" panose="02010600030101010101" pitchFamily="2" charset="-122"/>
+                <a:cs typeface="Times New Roman" panose="02020603050405020304" pitchFamily="18" charset="0"/>
+              </a:rPr>
+              <a:t>top_genres_count</a:t>
+            </a:r>
+            <a:r>
+              <a:rPr lang="en-US" b="1" kern="100" dirty="0">
+                <a:effectLst/>
+                <a:latin typeface="Be Vietnam Pro" pitchFamily="2" charset="-93"/>
+                <a:ea typeface="DengXian" panose="02010600030101010101" pitchFamily="2" charset="-122"/>
+                <a:cs typeface="Times New Roman" panose="02020603050405020304" pitchFamily="18" charset="0"/>
+              </a:rPr>
+              <a:t> INTEGER DEFAULT 3)</a:t>
+            </a:r>
+            <a:endParaRPr lang="en-US" kern="100" dirty="0">
+              <a:effectLst/>
+              <a:latin typeface="Be Vietnam Pro" pitchFamily="2" charset="-93"/>
+              <a:ea typeface="DengXian" panose="02010600030101010101" pitchFamily="2" charset="-122"/>
+              <a:cs typeface="Times New Roman" panose="02020603050405020304" pitchFamily="18" charset="0"/>
+            </a:endParaRPr>
+          </a:p>
+        </p:txBody>
+      </p:sp>
+      <p:sp>
+        <p:nvSpPr>
+          <p:cNvPr id="9" name="TextBox 8">
+            <a:extLst>
+              <a:ext uri="{FF2B5EF4-FFF2-40B4-BE49-F238E27FC236}">
+                <a16:creationId xmlns:a16="http://schemas.microsoft.com/office/drawing/2014/main" id="{A83DB7DF-9C76-4821-047E-73D9D884B38E}"/>
+              </a:ext>
+            </a:extLst>
+          </p:cNvPr>
+          <p:cNvSpPr txBox="1"/>
+          <p:nvPr/>
+        </p:nvSpPr>
+        <p:spPr>
+          <a:xfrm>
+            <a:off x="318104" y="2794542"/>
+            <a:ext cx="6140706" cy="6317563"/>
+          </a:xfrm>
+          <a:prstGeom prst="rect">
+            <a:avLst/>
+          </a:prstGeom>
+          <a:noFill/>
+        </p:spPr>
+        <p:txBody>
+          <a:bodyPr wrap="square">
+            <a:spAutoFit/>
+          </a:bodyPr>
+          <a:lstStyle/>
+          <a:p>
+            <a:pPr algn="just">
+              <a:lnSpc>
+                <a:spcPct val="115000"/>
+              </a:lnSpc>
+              <a:spcAft>
+                <a:spcPts val="800"/>
+              </a:spcAft>
+            </a:pPr>
+            <a:r>
+              <a:rPr lang="en-US" sz="1800" b="1" kern="100" dirty="0">
+                <a:effectLst/>
+                <a:latin typeface="Be Vietnam Pro" pitchFamily="2" charset="-93"/>
+                <a:ea typeface="DengXian" panose="02010600030101010101" pitchFamily="2" charset="-122"/>
+                <a:cs typeface="Times New Roman" panose="02020603050405020304" pitchFamily="18" charset="0"/>
+              </a:rPr>
+              <a:t>Purpose:</a:t>
+            </a:r>
+            <a:r>
+              <a:rPr lang="en-US" sz="1800" kern="100" dirty="0">
+                <a:effectLst/>
+                <a:latin typeface="Be Vietnam Pro" pitchFamily="2" charset="-93"/>
+                <a:ea typeface="DengXian" panose="02010600030101010101" pitchFamily="2" charset="-122"/>
+                <a:cs typeface="Times New Roman" panose="02020603050405020304" pitchFamily="18" charset="0"/>
+              </a:rPr>
+              <a:t> This function recommends content based on the user's most viewed genres. It returns content matching the user's favorite genres that the user has not yet watched, with the highest-rated and newest content prioritized.</a:t>
+            </a:r>
+          </a:p>
+          <a:p>
+            <a:pPr algn="just">
+              <a:lnSpc>
+                <a:spcPct val="115000"/>
+              </a:lnSpc>
+              <a:spcAft>
+                <a:spcPts val="800"/>
+              </a:spcAft>
+            </a:pPr>
+            <a:r>
+              <a:rPr lang="en-US" sz="1800" b="1" kern="100" dirty="0">
+                <a:effectLst/>
+                <a:latin typeface="Be Vietnam Pro" pitchFamily="2" charset="-93"/>
+                <a:ea typeface="DengXian" panose="02010600030101010101" pitchFamily="2" charset="-122"/>
+                <a:cs typeface="Times New Roman" panose="02020603050405020304" pitchFamily="18" charset="0"/>
+              </a:rPr>
+              <a:t>How it works:</a:t>
+            </a:r>
+            <a:endParaRPr lang="en-US" sz="1800" kern="100" dirty="0">
+              <a:effectLst/>
+              <a:latin typeface="Be Vietnam Pro" pitchFamily="2" charset="-93"/>
+              <a:ea typeface="DengXian" panose="02010600030101010101" pitchFamily="2" charset="-122"/>
+              <a:cs typeface="Times New Roman" panose="02020603050405020304" pitchFamily="18" charset="0"/>
+            </a:endParaRPr>
+          </a:p>
+          <a:p>
+            <a:pPr marL="342900" lvl="0" indent="-342900" algn="just">
+              <a:lnSpc>
+                <a:spcPct val="115000"/>
+              </a:lnSpc>
+              <a:spcAft>
+                <a:spcPts val="800"/>
+              </a:spcAft>
+              <a:buSzPts val="1000"/>
+              <a:buFont typeface="Symbol" panose="05050102010706020507" pitchFamily="18" charset="2"/>
+              <a:buChar char=""/>
+              <a:tabLst>
+                <a:tab pos="457200" algn="l"/>
+              </a:tabLst>
+            </a:pPr>
+            <a:r>
+              <a:rPr lang="en-US" sz="1800" kern="100" dirty="0">
+                <a:effectLst/>
+                <a:latin typeface="Be Vietnam Pro" pitchFamily="2" charset="-93"/>
+                <a:ea typeface="DengXian" panose="02010600030101010101" pitchFamily="2" charset="-122"/>
+                <a:cs typeface="Times New Roman" panose="02020603050405020304" pitchFamily="18" charset="0"/>
+              </a:rPr>
+              <a:t>The function first identifies the top N genres (default is 3) that the user has watched most frequently, using the </a:t>
+            </a:r>
+            <a:r>
+              <a:rPr lang="en-US" sz="1800" kern="100" dirty="0" err="1">
+                <a:effectLst/>
+                <a:latin typeface="Be Vietnam Pro" pitchFamily="2" charset="-93"/>
+                <a:ea typeface="DengXian" panose="02010600030101010101" pitchFamily="2" charset="-122"/>
+                <a:cs typeface="Times New Roman" panose="02020603050405020304" pitchFamily="18" charset="0"/>
+              </a:rPr>
+              <a:t>view_history</a:t>
+            </a:r>
+            <a:r>
+              <a:rPr lang="en-US" sz="1800" kern="100" dirty="0">
+                <a:effectLst/>
+                <a:latin typeface="Be Vietnam Pro" pitchFamily="2" charset="-93"/>
+                <a:ea typeface="DengXian" panose="02010600030101010101" pitchFamily="2" charset="-122"/>
+                <a:cs typeface="Times New Roman" panose="02020603050405020304" pitchFamily="18" charset="0"/>
+              </a:rPr>
+              <a:t> and genre tables.</a:t>
+            </a:r>
+          </a:p>
+          <a:p>
+            <a:pPr marL="342900" lvl="0" indent="-342900" algn="just">
+              <a:lnSpc>
+                <a:spcPct val="115000"/>
+              </a:lnSpc>
+              <a:spcAft>
+                <a:spcPts val="800"/>
+              </a:spcAft>
+              <a:buSzPts val="1000"/>
+              <a:buFont typeface="Symbol" panose="05050102010706020507" pitchFamily="18" charset="2"/>
+              <a:buChar char=""/>
+              <a:tabLst>
+                <a:tab pos="457200" algn="l"/>
+              </a:tabLst>
+            </a:pPr>
+            <a:r>
+              <a:rPr lang="en-US" sz="1800" kern="100" dirty="0">
+                <a:effectLst/>
+                <a:latin typeface="Be Vietnam Pro" pitchFamily="2" charset="-93"/>
+                <a:ea typeface="DengXian" panose="02010600030101010101" pitchFamily="2" charset="-122"/>
+                <a:cs typeface="Times New Roman" panose="02020603050405020304" pitchFamily="18" charset="0"/>
+              </a:rPr>
+              <a:t>Then, it selects content that belongs to these genres, ensuring the content has not been watched by the user.</a:t>
+            </a:r>
+          </a:p>
+          <a:p>
+            <a:pPr marL="342900" lvl="0" indent="-342900" algn="just">
+              <a:lnSpc>
+                <a:spcPct val="115000"/>
+              </a:lnSpc>
+              <a:spcAft>
+                <a:spcPts val="800"/>
+              </a:spcAft>
+              <a:buSzPts val="1000"/>
+              <a:buFont typeface="Symbol" panose="05050102010706020507" pitchFamily="18" charset="2"/>
+              <a:buChar char=""/>
+              <a:tabLst>
+                <a:tab pos="457200" algn="l"/>
+              </a:tabLst>
+            </a:pPr>
+            <a:r>
+              <a:rPr lang="en-US" sz="1800" kern="100" dirty="0">
+                <a:effectLst/>
+                <a:latin typeface="Be Vietnam Pro" pitchFamily="2" charset="-93"/>
+                <a:ea typeface="DengXian" panose="02010600030101010101" pitchFamily="2" charset="-122"/>
+                <a:cs typeface="Times New Roman" panose="02020603050405020304" pitchFamily="18" charset="0"/>
+              </a:rPr>
+              <a:t>The results are sorted by rating and release date, limiting the results to the top 10 recommendations.</a:t>
+            </a:r>
+          </a:p>
+          <a:p>
+            <a:pPr marL="342900" lvl="0" indent="-342900" algn="just">
+              <a:lnSpc>
+                <a:spcPct val="115000"/>
+              </a:lnSpc>
+              <a:spcAft>
+                <a:spcPts val="800"/>
+              </a:spcAft>
+              <a:buSzPts val="1000"/>
+              <a:buFont typeface="Symbol" panose="05050102010706020507" pitchFamily="18" charset="2"/>
+              <a:buChar char=""/>
+              <a:tabLst>
+                <a:tab pos="457200" algn="l"/>
+              </a:tabLst>
+            </a:pPr>
+            <a:r>
+              <a:rPr lang="en-US" sz="1800" kern="100" dirty="0">
+                <a:effectLst/>
+                <a:latin typeface="Be Vietnam Pro" pitchFamily="2" charset="-93"/>
+                <a:ea typeface="DengXian" panose="02010600030101010101" pitchFamily="2" charset="-122"/>
+                <a:cs typeface="Times New Roman" panose="02020603050405020304" pitchFamily="18" charset="0"/>
+              </a:rPr>
+              <a:t>STRING_AGG again aggregates all genres associated with the content.</a:t>
+            </a:r>
+          </a:p>
+        </p:txBody>
+      </p:sp>
+    </p:spTree>
+    <p:extLst>
+      <p:ext uri="{BB962C8B-B14F-4D97-AF65-F5344CB8AC3E}">
+        <p14:creationId xmlns:p14="http://schemas.microsoft.com/office/powerpoint/2010/main" val="2129520796"/>
+      </p:ext>
+    </p:extLst>
+  </p:cSld>
+  <p:clrMapOvr>
+    <a:masterClrMapping/>
+  </p:clrMapOvr>
+</p:sld>
+</file>
+
+<file path=ppt/slides/slide25.xml><?xml version="1.0" encoding="utf-8"?>
+<p:sld xmlns:a="http://schemas.openxmlformats.org/drawingml/2006/main" xmlns:r="http://schemas.openxmlformats.org/officeDocument/2006/relationships" xmlns:p="http://schemas.openxmlformats.org/presentationml/2006/main">
+  <p:cSld>
+    <p:bg>
+      <p:bgPr>
+        <a:solidFill>
+          <a:schemeClr val="bg1"/>
+        </a:solidFill>
+        <a:effectLst/>
+      </p:bgPr>
+    </p:bg>
+    <p:spTree>
+      <p:nvGrpSpPr>
+        <p:cNvPr id="1" name="">
+          <a:extLst>
+            <a:ext uri="{FF2B5EF4-FFF2-40B4-BE49-F238E27FC236}">
+              <a16:creationId xmlns:a16="http://schemas.microsoft.com/office/drawing/2014/main" id="{7555E263-52A9-7640-B840-6464DC15F42C}"/>
+            </a:ext>
+          </a:extLst>
+        </p:cNvPr>
+        <p:cNvGrpSpPr/>
+        <p:nvPr/>
+      </p:nvGrpSpPr>
+      <p:grpSpPr>
+        <a:xfrm>
+          <a:off x="0" y="0"/>
+          <a:ext cx="0" cy="0"/>
+          <a:chOff x="0" y="0"/>
+          <a:chExt cx="0" cy="0"/>
+        </a:xfrm>
+      </p:grpSpPr>
+      <p:sp>
+        <p:nvSpPr>
+          <p:cNvPr id="3" name="TextBox 2">
+            <a:extLst>
+              <a:ext uri="{FF2B5EF4-FFF2-40B4-BE49-F238E27FC236}">
+                <a16:creationId xmlns:a16="http://schemas.microsoft.com/office/drawing/2014/main" id="{F3035BC8-53A1-561B-9B13-FE47AD039283}"/>
+              </a:ext>
+            </a:extLst>
+          </p:cNvPr>
+          <p:cNvSpPr txBox="1"/>
+          <p:nvPr/>
+        </p:nvSpPr>
+        <p:spPr>
+          <a:xfrm>
+            <a:off x="348584" y="363086"/>
+            <a:ext cx="4444642" cy="707886"/>
+          </a:xfrm>
+          <a:prstGeom prst="rect">
+            <a:avLst/>
+          </a:prstGeom>
+          <a:noFill/>
+        </p:spPr>
+        <p:txBody>
+          <a:bodyPr wrap="square" rtlCol="0">
+            <a:spAutoFit/>
+          </a:bodyPr>
+          <a:lstStyle/>
+          <a:p>
+            <a:r>
+              <a:rPr lang="en-US" sz="4000" dirty="0">
+                <a:latin typeface="#9Slide03 BoosterNextFYBlack" panose="02000A03000000020004" pitchFamily="2" charset="-93"/>
+              </a:rPr>
+              <a:t>07. FUNCTION</a:t>
+            </a:r>
+            <a:endParaRPr lang="en-US" sz="2400" dirty="0">
+              <a:latin typeface="#9Slide03 BoosterNextFYBlack" panose="02000A03000000020004" pitchFamily="2" charset="-93"/>
+            </a:endParaRPr>
+          </a:p>
+        </p:txBody>
+      </p:sp>
+      <p:sp>
+        <p:nvSpPr>
+          <p:cNvPr id="4" name="TextBox 3">
+            <a:extLst>
+              <a:ext uri="{FF2B5EF4-FFF2-40B4-BE49-F238E27FC236}">
+                <a16:creationId xmlns:a16="http://schemas.microsoft.com/office/drawing/2014/main" id="{C07B3A29-7AAF-53F2-37E9-52D06A59131C}"/>
+              </a:ext>
+            </a:extLst>
+          </p:cNvPr>
+          <p:cNvSpPr txBox="1"/>
+          <p:nvPr/>
+        </p:nvSpPr>
+        <p:spPr>
+          <a:xfrm>
+            <a:off x="419151" y="1710918"/>
+            <a:ext cx="5880049" cy="814005"/>
+          </a:xfrm>
+          <a:prstGeom prst="rect">
+            <a:avLst/>
+          </a:prstGeom>
+          <a:noFill/>
+        </p:spPr>
+        <p:txBody>
+          <a:bodyPr wrap="square">
+            <a:spAutoFit/>
+          </a:bodyPr>
+          <a:lstStyle/>
+          <a:p>
+            <a:pPr>
+              <a:lnSpc>
+                <a:spcPct val="115000"/>
+              </a:lnSpc>
+              <a:spcAft>
+                <a:spcPts val="800"/>
+              </a:spcAft>
+            </a:pPr>
+            <a:r>
+              <a:rPr lang="en-US" sz="2400" b="1" kern="100" dirty="0">
+                <a:solidFill>
+                  <a:srgbClr val="FF3300"/>
+                </a:solidFill>
+                <a:latin typeface="Be Vietnam Pro" pitchFamily="2" charset="-93"/>
+                <a:ea typeface="DengXian" panose="02010600030101010101" pitchFamily="2" charset="-122"/>
+                <a:cs typeface="Times New Roman" panose="02020603050405020304" pitchFamily="18" charset="0"/>
+              </a:rPr>
+              <a:t>3</a:t>
+            </a:r>
+            <a:r>
+              <a:rPr lang="en-US" sz="2400" b="1" kern="100" dirty="0">
+                <a:solidFill>
+                  <a:srgbClr val="FF3300"/>
+                </a:solidFill>
+                <a:effectLst/>
+                <a:latin typeface="Be Vietnam Pro" pitchFamily="2" charset="-93"/>
+                <a:ea typeface="DengXian" panose="02010600030101010101" pitchFamily="2" charset="-122"/>
+                <a:cs typeface="Times New Roman" panose="02020603050405020304" pitchFamily="18" charset="0"/>
+              </a:rPr>
+              <a:t>. </a:t>
+            </a:r>
+            <a:r>
+              <a:rPr lang="en-US" sz="1800" b="1" dirty="0" err="1">
+                <a:effectLst/>
+                <a:latin typeface="Be Vietnam Pro" pitchFamily="2" charset="-93"/>
+                <a:ea typeface="DengXian" panose="02010600030101010101" pitchFamily="2" charset="-122"/>
+                <a:cs typeface="Times New Roman" panose="02020603050405020304" pitchFamily="18" charset="0"/>
+              </a:rPr>
+              <a:t>subscribe_to_pack</a:t>
+            </a:r>
+            <a:r>
+              <a:rPr lang="en-US" sz="1800" b="1" dirty="0">
+                <a:effectLst/>
+                <a:latin typeface="Be Vietnam Pro" pitchFamily="2" charset="-93"/>
+                <a:ea typeface="DengXian" panose="02010600030101010101" pitchFamily="2" charset="-122"/>
+                <a:cs typeface="Times New Roman" panose="02020603050405020304" pitchFamily="18" charset="0"/>
+              </a:rPr>
+              <a:t>(NEW_USER_ID INT, NEW_PACK_ID INT)</a:t>
+            </a:r>
+            <a:endParaRPr lang="en-US" kern="100" dirty="0">
+              <a:effectLst/>
+              <a:latin typeface="Be Vietnam Pro" pitchFamily="2" charset="-93"/>
+              <a:ea typeface="DengXian" panose="02010600030101010101" pitchFamily="2" charset="-122"/>
+              <a:cs typeface="Times New Roman" panose="02020603050405020304" pitchFamily="18" charset="0"/>
+            </a:endParaRPr>
+          </a:p>
+        </p:txBody>
+      </p:sp>
+      <p:sp>
+        <p:nvSpPr>
+          <p:cNvPr id="9" name="TextBox 8">
+            <a:extLst>
+              <a:ext uri="{FF2B5EF4-FFF2-40B4-BE49-F238E27FC236}">
+                <a16:creationId xmlns:a16="http://schemas.microsoft.com/office/drawing/2014/main" id="{81C19C03-AF0A-4234-AE2A-F6AACD8782E8}"/>
+              </a:ext>
+            </a:extLst>
+          </p:cNvPr>
+          <p:cNvSpPr txBox="1"/>
+          <p:nvPr/>
+        </p:nvSpPr>
+        <p:spPr>
+          <a:xfrm>
+            <a:off x="419151" y="2534626"/>
+            <a:ext cx="6052769" cy="1350819"/>
+          </a:xfrm>
+          <a:prstGeom prst="rect">
+            <a:avLst/>
+          </a:prstGeom>
+          <a:noFill/>
+        </p:spPr>
+        <p:txBody>
+          <a:bodyPr wrap="square">
+            <a:spAutoFit/>
+          </a:bodyPr>
+          <a:lstStyle/>
+          <a:p>
+            <a:pPr algn="just">
+              <a:lnSpc>
+                <a:spcPct val="115000"/>
+              </a:lnSpc>
+              <a:spcAft>
+                <a:spcPts val="800"/>
+              </a:spcAft>
+            </a:pPr>
+            <a:r>
+              <a:rPr lang="en-US" sz="1800" b="1" kern="100" dirty="0">
+                <a:effectLst/>
+                <a:latin typeface="Aptos" panose="020B0004020202020204" pitchFamily="34" charset="0"/>
+                <a:ea typeface="DengXian" panose="02010600030101010101" pitchFamily="2" charset="-122"/>
+                <a:cs typeface="Times New Roman" panose="02020603050405020304" pitchFamily="18" charset="0"/>
+              </a:rPr>
+              <a:t>Purpose:</a:t>
+            </a:r>
+            <a:r>
+              <a:rPr lang="en-US" sz="1800" kern="100" dirty="0">
+                <a:effectLst/>
+                <a:latin typeface="Aptos" panose="020B0004020202020204" pitchFamily="34" charset="0"/>
+                <a:ea typeface="DengXian" panose="02010600030101010101" pitchFamily="2" charset="-122"/>
+                <a:cs typeface="Times New Roman" panose="02020603050405020304" pitchFamily="18" charset="0"/>
+              </a:rPr>
+              <a:t> This function subscribes a user to a specific subscription pack, ensuring that they are not already subscribed to the same pack and updating their subscription if necessary.</a:t>
+            </a:r>
+          </a:p>
+        </p:txBody>
+      </p:sp>
+      <p:sp>
+        <p:nvSpPr>
+          <p:cNvPr id="6" name="TextBox 5">
+            <a:extLst>
+              <a:ext uri="{FF2B5EF4-FFF2-40B4-BE49-F238E27FC236}">
+                <a16:creationId xmlns:a16="http://schemas.microsoft.com/office/drawing/2014/main" id="{29A99AE9-06BC-A905-36BE-6AB943A02A92}"/>
+              </a:ext>
+            </a:extLst>
+          </p:cNvPr>
+          <p:cNvSpPr txBox="1"/>
+          <p:nvPr/>
+        </p:nvSpPr>
+        <p:spPr>
+          <a:xfrm>
+            <a:off x="348584" y="4443958"/>
+            <a:ext cx="5880049" cy="488275"/>
+          </a:xfrm>
+          <a:prstGeom prst="rect">
+            <a:avLst/>
+          </a:prstGeom>
+          <a:noFill/>
+        </p:spPr>
+        <p:txBody>
+          <a:bodyPr wrap="square">
+            <a:spAutoFit/>
+          </a:bodyPr>
+          <a:lstStyle/>
+          <a:p>
+            <a:pPr>
+              <a:lnSpc>
+                <a:spcPct val="115000"/>
+              </a:lnSpc>
+              <a:spcAft>
+                <a:spcPts val="800"/>
+              </a:spcAft>
+            </a:pPr>
+            <a:r>
+              <a:rPr lang="en-US" sz="2400" b="1" kern="100" dirty="0">
+                <a:solidFill>
+                  <a:srgbClr val="FF3300"/>
+                </a:solidFill>
+                <a:effectLst/>
+                <a:latin typeface="Be Vietnam Pro" pitchFamily="2" charset="-93"/>
+                <a:ea typeface="DengXian" panose="02010600030101010101" pitchFamily="2" charset="-122"/>
+                <a:cs typeface="Times New Roman" panose="02020603050405020304" pitchFamily="18" charset="0"/>
+              </a:rPr>
+              <a:t>4. </a:t>
+            </a:r>
+            <a:r>
+              <a:rPr lang="en-US" sz="1800" b="1" dirty="0">
+                <a:effectLst/>
+                <a:latin typeface="Be Vietnam Pro" pitchFamily="2" charset="-93"/>
+                <a:ea typeface="DengXian" panose="02010600030101010101" pitchFamily="2" charset="-122"/>
+                <a:cs typeface="Times New Roman" panose="02020603050405020304" pitchFamily="18" charset="0"/>
+              </a:rPr>
+              <a:t>unsubscribe(NEW_USER_ID INT)</a:t>
+            </a:r>
+            <a:endParaRPr lang="en-US" kern="100" dirty="0">
+              <a:effectLst/>
+              <a:latin typeface="Be Vietnam Pro" pitchFamily="2" charset="-93"/>
+              <a:ea typeface="DengXian" panose="02010600030101010101" pitchFamily="2" charset="-122"/>
+              <a:cs typeface="Times New Roman" panose="02020603050405020304" pitchFamily="18" charset="0"/>
+            </a:endParaRPr>
+          </a:p>
+        </p:txBody>
+      </p:sp>
+      <p:sp>
+        <p:nvSpPr>
+          <p:cNvPr id="7" name="TextBox 6">
+            <a:extLst>
+              <a:ext uri="{FF2B5EF4-FFF2-40B4-BE49-F238E27FC236}">
+                <a16:creationId xmlns:a16="http://schemas.microsoft.com/office/drawing/2014/main" id="{FA78182C-87F2-7245-982E-05981556E233}"/>
+              </a:ext>
+            </a:extLst>
+          </p:cNvPr>
+          <p:cNvSpPr txBox="1"/>
+          <p:nvPr/>
+        </p:nvSpPr>
+        <p:spPr>
+          <a:xfrm>
+            <a:off x="348584" y="4953000"/>
+            <a:ext cx="6052769" cy="1032270"/>
+          </a:xfrm>
+          <a:prstGeom prst="rect">
+            <a:avLst/>
+          </a:prstGeom>
+          <a:noFill/>
+        </p:spPr>
+        <p:txBody>
+          <a:bodyPr wrap="square">
+            <a:spAutoFit/>
+          </a:bodyPr>
+          <a:lstStyle/>
+          <a:p>
+            <a:pPr>
+              <a:lnSpc>
+                <a:spcPct val="115000"/>
+              </a:lnSpc>
+              <a:spcAft>
+                <a:spcPts val="800"/>
+              </a:spcAft>
+            </a:pPr>
+            <a:r>
+              <a:rPr lang="en-US" sz="1800" b="1" kern="100" dirty="0">
+                <a:effectLst/>
+                <a:latin typeface="Aptos" panose="020B0004020202020204" pitchFamily="34" charset="0"/>
+                <a:ea typeface="DengXian" panose="02010600030101010101" pitchFamily="2" charset="-122"/>
+                <a:cs typeface="Times New Roman" panose="02020603050405020304" pitchFamily="18" charset="0"/>
+              </a:rPr>
+              <a:t>Purpose:</a:t>
+            </a:r>
+            <a:r>
+              <a:rPr lang="en-US" sz="1800" kern="100" dirty="0">
+                <a:effectLst/>
+                <a:latin typeface="Aptos" panose="020B0004020202020204" pitchFamily="34" charset="0"/>
+                <a:ea typeface="DengXian" panose="02010600030101010101" pitchFamily="2" charset="-122"/>
+                <a:cs typeface="Times New Roman" panose="02020603050405020304" pitchFamily="18" charset="0"/>
+              </a:rPr>
+              <a:t> This function allows a user to unsubscribe from their current pack and revert to the default subscription pack (</a:t>
+            </a:r>
+            <a:r>
+              <a:rPr lang="en-US" sz="1800" kern="100" dirty="0" err="1">
+                <a:effectLst/>
+                <a:latin typeface="Aptos" panose="020B0004020202020204" pitchFamily="34" charset="0"/>
+                <a:ea typeface="DengXian" panose="02010600030101010101" pitchFamily="2" charset="-122"/>
+                <a:cs typeface="Times New Roman" panose="02020603050405020304" pitchFamily="18" charset="0"/>
+              </a:rPr>
+              <a:t>pack_id</a:t>
+            </a:r>
+            <a:r>
+              <a:rPr lang="en-US" sz="1800" kern="100" dirty="0">
+                <a:effectLst/>
+                <a:latin typeface="Aptos" panose="020B0004020202020204" pitchFamily="34" charset="0"/>
+                <a:ea typeface="DengXian" panose="02010600030101010101" pitchFamily="2" charset="-122"/>
+                <a:cs typeface="Times New Roman" panose="02020603050405020304" pitchFamily="18" charset="0"/>
+              </a:rPr>
+              <a:t> = 1).</a:t>
+            </a:r>
+          </a:p>
+        </p:txBody>
+      </p:sp>
+    </p:spTree>
+    <p:extLst>
+      <p:ext uri="{BB962C8B-B14F-4D97-AF65-F5344CB8AC3E}">
+        <p14:creationId xmlns:p14="http://schemas.microsoft.com/office/powerpoint/2010/main" val="2143410609"/>
+      </p:ext>
+    </p:extLst>
+  </p:cSld>
+  <p:clrMapOvr>
+    <a:masterClrMapping/>
+  </p:clrMapOvr>
+</p:sld>
+</file>
+
+<file path=ppt/slides/slide26.xml><?xml version="1.0" encoding="utf-8"?>
+<p:sld xmlns:a="http://schemas.openxmlformats.org/drawingml/2006/main" xmlns:r="http://schemas.openxmlformats.org/officeDocument/2006/relationships" xmlns:p="http://schemas.openxmlformats.org/presentationml/2006/main">
+  <p:cSld>
+    <p:bg>
+      <p:bgPr>
+        <a:solidFill>
+          <a:schemeClr val="bg1"/>
+        </a:solidFill>
+        <a:effectLst/>
+      </p:bgPr>
+    </p:bg>
+    <p:spTree>
+      <p:nvGrpSpPr>
+        <p:cNvPr id="1" name="">
+          <a:extLst>
+            <a:ext uri="{FF2B5EF4-FFF2-40B4-BE49-F238E27FC236}">
+              <a16:creationId xmlns:a16="http://schemas.microsoft.com/office/drawing/2014/main" id="{6F693772-BD07-CD0D-E983-19F97DF4C536}"/>
+            </a:ext>
+          </a:extLst>
+        </p:cNvPr>
+        <p:cNvGrpSpPr/>
+        <p:nvPr/>
+      </p:nvGrpSpPr>
+      <p:grpSpPr>
+        <a:xfrm>
+          <a:off x="0" y="0"/>
+          <a:ext cx="0" cy="0"/>
+          <a:chOff x="0" y="0"/>
+          <a:chExt cx="0" cy="0"/>
+        </a:xfrm>
+      </p:grpSpPr>
+      <p:sp>
+        <p:nvSpPr>
+          <p:cNvPr id="2" name="TextBox 1">
+            <a:extLst>
+              <a:ext uri="{FF2B5EF4-FFF2-40B4-BE49-F238E27FC236}">
+                <a16:creationId xmlns:a16="http://schemas.microsoft.com/office/drawing/2014/main" id="{F3B2842D-C391-709B-B377-516A2D07A74E}"/>
+              </a:ext>
+            </a:extLst>
+          </p:cNvPr>
+          <p:cNvSpPr txBox="1"/>
+          <p:nvPr/>
+        </p:nvSpPr>
+        <p:spPr>
+          <a:xfrm>
+            <a:off x="348584" y="363086"/>
+            <a:ext cx="4444642" cy="707886"/>
+          </a:xfrm>
+          <a:prstGeom prst="rect">
+            <a:avLst/>
+          </a:prstGeom>
+          <a:noFill/>
+        </p:spPr>
+        <p:txBody>
+          <a:bodyPr wrap="square" rtlCol="0">
+            <a:spAutoFit/>
+          </a:bodyPr>
+          <a:lstStyle/>
+          <a:p>
+            <a:r>
+              <a:rPr lang="en-US" sz="4000" dirty="0">
+                <a:latin typeface="#9Slide03 BoosterNextFYBlack" panose="02000A03000000020004" pitchFamily="2" charset="-93"/>
+              </a:rPr>
+              <a:t>08. INDEX</a:t>
+            </a:r>
+            <a:endParaRPr lang="en-US" sz="2400" dirty="0">
+              <a:latin typeface="#9Slide03 BoosterNextFYBlack" panose="02000A03000000020004" pitchFamily="2" charset="-93"/>
+            </a:endParaRPr>
+          </a:p>
+        </p:txBody>
+      </p:sp>
+      <p:sp>
+        <p:nvSpPr>
+          <p:cNvPr id="4" name="TextBox 3">
+            <a:extLst>
+              <a:ext uri="{FF2B5EF4-FFF2-40B4-BE49-F238E27FC236}">
+                <a16:creationId xmlns:a16="http://schemas.microsoft.com/office/drawing/2014/main" id="{9799B8BA-F235-98F1-150B-2E7AA5BC73AA}"/>
+              </a:ext>
+            </a:extLst>
+          </p:cNvPr>
+          <p:cNvSpPr txBox="1"/>
+          <p:nvPr/>
+        </p:nvSpPr>
+        <p:spPr>
+          <a:xfrm>
+            <a:off x="348584" y="2640061"/>
+            <a:ext cx="6301740" cy="6682214"/>
+          </a:xfrm>
+          <a:prstGeom prst="rect">
+            <a:avLst/>
+          </a:prstGeom>
+          <a:noFill/>
+        </p:spPr>
+        <p:txBody>
+          <a:bodyPr wrap="square">
+            <a:spAutoFit/>
+          </a:bodyPr>
+          <a:lstStyle/>
+          <a:p>
+            <a:pPr>
+              <a:lnSpc>
+                <a:spcPct val="150000"/>
+              </a:lnSpc>
+            </a:pPr>
+            <a:r>
+              <a:rPr lang="en-US" sz="2400" b="1" i="0" dirty="0">
+                <a:solidFill>
+                  <a:srgbClr val="374151"/>
+                </a:solidFill>
+                <a:effectLst/>
+                <a:latin typeface="__Inter_d65c78"/>
+              </a:rPr>
+              <a:t>1. </a:t>
+            </a:r>
+            <a:r>
+              <a:rPr lang="en-US" sz="2400" b="0" i="0" dirty="0" err="1">
+                <a:solidFill>
+                  <a:srgbClr val="374151"/>
+                </a:solidFill>
+                <a:effectLst/>
+                <a:latin typeface="__Inter_d65c78"/>
+              </a:rPr>
+              <a:t>btree</a:t>
+            </a:r>
+            <a:r>
+              <a:rPr lang="en-US" sz="2400" b="0" i="0" dirty="0">
+                <a:solidFill>
+                  <a:srgbClr val="374151"/>
+                </a:solidFill>
+                <a:effectLst/>
+                <a:latin typeface="__Inter_d65c78"/>
+              </a:rPr>
+              <a:t> index on </a:t>
+            </a:r>
+            <a:r>
+              <a:rPr lang="en-US" sz="2400" b="0" i="0" dirty="0" err="1">
+                <a:solidFill>
+                  <a:srgbClr val="374151"/>
+                </a:solidFill>
+                <a:effectLst/>
+                <a:latin typeface="__Inter_d65c78"/>
+              </a:rPr>
+              <a:t>user_id</a:t>
+            </a:r>
+            <a:r>
+              <a:rPr lang="en-US" sz="2400" b="0" i="0" dirty="0">
+                <a:solidFill>
+                  <a:srgbClr val="374151"/>
+                </a:solidFill>
+                <a:effectLst/>
+                <a:latin typeface="__Inter_d65c78"/>
+              </a:rPr>
+              <a:t>, </a:t>
+            </a:r>
+            <a:r>
+              <a:rPr lang="en-US" sz="2400" b="0" i="0" dirty="0" err="1">
+                <a:solidFill>
+                  <a:srgbClr val="374151"/>
+                </a:solidFill>
+                <a:effectLst/>
+                <a:latin typeface="__Inter_d65c78"/>
+              </a:rPr>
+              <a:t>view_time</a:t>
+            </a:r>
+            <a:r>
+              <a:rPr lang="en-US" sz="2400" b="0" i="0" dirty="0">
+                <a:solidFill>
+                  <a:srgbClr val="374151"/>
+                </a:solidFill>
+                <a:effectLst/>
+                <a:latin typeface="__Inter_d65c78"/>
+              </a:rPr>
+              <a:t> desc, </a:t>
+            </a:r>
+            <a:r>
+              <a:rPr lang="en-US" sz="2400" b="0" i="0" dirty="0" err="1">
+                <a:solidFill>
+                  <a:srgbClr val="374151"/>
+                </a:solidFill>
+                <a:effectLst/>
+                <a:latin typeface="__Inter_d65c78"/>
+              </a:rPr>
+              <a:t>content_id</a:t>
+            </a:r>
+            <a:r>
+              <a:rPr lang="en-US" sz="2400" b="0" i="0" dirty="0">
+                <a:solidFill>
+                  <a:srgbClr val="374151"/>
+                </a:solidFill>
+                <a:effectLst/>
+                <a:latin typeface="__Inter_d65c78"/>
+              </a:rPr>
+              <a:t> in </a:t>
+            </a:r>
+            <a:r>
+              <a:rPr lang="en-US" sz="2400" b="0" i="0" dirty="0" err="1">
+                <a:solidFill>
+                  <a:srgbClr val="374151"/>
+                </a:solidFill>
+                <a:effectLst/>
+                <a:latin typeface="__Inter_d65c78"/>
+              </a:rPr>
+              <a:t>View_history</a:t>
+            </a:r>
+            <a:r>
+              <a:rPr lang="en-US" sz="2400" b="0" i="0" dirty="0">
+                <a:solidFill>
+                  <a:srgbClr val="374151"/>
+                </a:solidFill>
+                <a:effectLst/>
+                <a:latin typeface="__Inter_d65c78"/>
+              </a:rPr>
+              <a:t> table</a:t>
+            </a:r>
+            <a:br>
+              <a:rPr lang="en-US" sz="2400" dirty="0"/>
+            </a:br>
+            <a:r>
+              <a:rPr lang="en-US" sz="2400" b="1" i="0" dirty="0">
+                <a:solidFill>
+                  <a:srgbClr val="374151"/>
+                </a:solidFill>
+                <a:effectLst/>
+                <a:latin typeface="__Inter_d65c78"/>
+              </a:rPr>
+              <a:t>2. </a:t>
+            </a:r>
+            <a:r>
+              <a:rPr lang="en-US" sz="2400" b="0" i="0" dirty="0">
+                <a:solidFill>
+                  <a:srgbClr val="374151"/>
+                </a:solidFill>
+                <a:effectLst/>
+                <a:latin typeface="__Inter_d65c78"/>
+              </a:rPr>
+              <a:t>brin index on </a:t>
+            </a:r>
+            <a:r>
+              <a:rPr lang="en-US" sz="2400" b="0" i="0" dirty="0" err="1">
+                <a:solidFill>
+                  <a:srgbClr val="374151"/>
+                </a:solidFill>
+                <a:effectLst/>
+                <a:latin typeface="__Inter_d65c78"/>
+              </a:rPr>
+              <a:t>content_id</a:t>
+            </a:r>
+            <a:r>
+              <a:rPr lang="en-US" sz="2400" b="0" i="0" dirty="0">
+                <a:solidFill>
+                  <a:srgbClr val="374151"/>
+                </a:solidFill>
+                <a:effectLst/>
+                <a:latin typeface="__Inter_d65c78"/>
+              </a:rPr>
+              <a:t> in </a:t>
+            </a:r>
+            <a:r>
+              <a:rPr lang="en-US" sz="2400" b="0" i="0" dirty="0" err="1">
+                <a:solidFill>
+                  <a:srgbClr val="374151"/>
+                </a:solidFill>
+                <a:effectLst/>
+                <a:latin typeface="__Inter_d65c78"/>
+              </a:rPr>
+              <a:t>View_history</a:t>
+            </a:r>
+            <a:r>
+              <a:rPr lang="en-US" sz="2400" b="0" i="0" dirty="0">
+                <a:solidFill>
+                  <a:srgbClr val="374151"/>
+                </a:solidFill>
+                <a:effectLst/>
+                <a:latin typeface="__Inter_d65c78"/>
+              </a:rPr>
+              <a:t> table</a:t>
+            </a:r>
+            <a:br>
+              <a:rPr lang="en-US" sz="2400" dirty="0"/>
+            </a:br>
+            <a:r>
+              <a:rPr lang="en-US" sz="2400" b="1" i="0" dirty="0">
+                <a:solidFill>
+                  <a:srgbClr val="374151"/>
+                </a:solidFill>
+                <a:effectLst/>
+                <a:latin typeface="__Inter_d65c78"/>
+              </a:rPr>
+              <a:t>3. </a:t>
+            </a:r>
+            <a:r>
+              <a:rPr lang="en-US" sz="2400" b="0" i="0" dirty="0" err="1">
+                <a:solidFill>
+                  <a:srgbClr val="374151"/>
+                </a:solidFill>
+                <a:effectLst/>
+                <a:latin typeface="__Inter_d65c78"/>
+              </a:rPr>
+              <a:t>btree</a:t>
+            </a:r>
+            <a:r>
+              <a:rPr lang="en-US" sz="2400" b="0" i="0" dirty="0">
+                <a:solidFill>
+                  <a:srgbClr val="374151"/>
+                </a:solidFill>
+                <a:effectLst/>
+                <a:latin typeface="__Inter_d65c78"/>
+              </a:rPr>
+              <a:t> index on </a:t>
+            </a:r>
+            <a:r>
+              <a:rPr lang="en-US" sz="2400" b="0" i="0" dirty="0" err="1">
+                <a:solidFill>
+                  <a:srgbClr val="374151"/>
+                </a:solidFill>
+                <a:effectLst/>
+                <a:latin typeface="__Inter_d65c78"/>
+              </a:rPr>
+              <a:t>user_id</a:t>
+            </a:r>
+            <a:r>
+              <a:rPr lang="en-US" sz="2400" b="0" i="0" dirty="0">
+                <a:solidFill>
+                  <a:srgbClr val="374151"/>
+                </a:solidFill>
+                <a:effectLst/>
+                <a:latin typeface="__Inter_d65c78"/>
+              </a:rPr>
+              <a:t>, </a:t>
+            </a:r>
+            <a:r>
+              <a:rPr lang="en-US" sz="2400" b="0" i="0" dirty="0" err="1">
+                <a:solidFill>
+                  <a:srgbClr val="374151"/>
+                </a:solidFill>
+                <a:effectLst/>
+                <a:latin typeface="__Inter_d65c78"/>
+              </a:rPr>
+              <a:t>country_id</a:t>
+            </a:r>
+            <a:r>
+              <a:rPr lang="en-US" sz="2400" b="0" i="0" dirty="0">
+                <a:solidFill>
+                  <a:srgbClr val="374151"/>
+                </a:solidFill>
+                <a:effectLst/>
+                <a:latin typeface="__Inter_d65c78"/>
+              </a:rPr>
+              <a:t> in Users table</a:t>
+            </a:r>
+            <a:br>
+              <a:rPr lang="en-US" sz="2400" dirty="0"/>
+            </a:br>
+            <a:r>
+              <a:rPr lang="en-US" sz="2400" b="1" i="0" dirty="0">
+                <a:solidFill>
+                  <a:srgbClr val="374151"/>
+                </a:solidFill>
+                <a:effectLst/>
+                <a:latin typeface="__Inter_d65c78"/>
+              </a:rPr>
+              <a:t>4. </a:t>
+            </a:r>
+            <a:r>
+              <a:rPr lang="en-US" sz="2400" b="0" i="0" dirty="0" err="1">
+                <a:solidFill>
+                  <a:srgbClr val="374151"/>
+                </a:solidFill>
+                <a:effectLst/>
+                <a:latin typeface="__Inter_d65c78"/>
+              </a:rPr>
+              <a:t>btree</a:t>
+            </a:r>
+            <a:r>
+              <a:rPr lang="en-US" sz="2400" b="0" i="0" dirty="0">
+                <a:solidFill>
+                  <a:srgbClr val="374151"/>
+                </a:solidFill>
+                <a:effectLst/>
+                <a:latin typeface="__Inter_d65c78"/>
+              </a:rPr>
+              <a:t> index on </a:t>
+            </a:r>
+            <a:r>
+              <a:rPr lang="en-US" sz="2400" b="0" i="0" dirty="0" err="1">
+                <a:solidFill>
+                  <a:srgbClr val="374151"/>
+                </a:solidFill>
+                <a:effectLst/>
+                <a:latin typeface="__Inter_d65c78"/>
+              </a:rPr>
+              <a:t>content_id</a:t>
+            </a:r>
+            <a:r>
+              <a:rPr lang="en-US" sz="2400" b="0" i="0" dirty="0">
+                <a:solidFill>
+                  <a:srgbClr val="374151"/>
+                </a:solidFill>
+                <a:effectLst/>
+                <a:latin typeface="__Inter_d65c78"/>
+              </a:rPr>
+              <a:t>, </a:t>
+            </a:r>
+            <a:r>
+              <a:rPr lang="en-US" sz="2400" b="0" i="0" dirty="0" err="1">
+                <a:solidFill>
+                  <a:srgbClr val="374151"/>
+                </a:solidFill>
+                <a:effectLst/>
+                <a:latin typeface="__Inter_d65c78"/>
+              </a:rPr>
+              <a:t>genre_id</a:t>
+            </a:r>
+            <a:r>
+              <a:rPr lang="en-US" sz="2400" b="0" i="0" dirty="0">
+                <a:solidFill>
+                  <a:srgbClr val="374151"/>
+                </a:solidFill>
+                <a:effectLst/>
+                <a:latin typeface="__Inter_d65c78"/>
+              </a:rPr>
+              <a:t> in </a:t>
+            </a:r>
+            <a:r>
+              <a:rPr lang="en-US" sz="2400" b="0" i="0" dirty="0" err="1">
+                <a:solidFill>
+                  <a:srgbClr val="374151"/>
+                </a:solidFill>
+                <a:effectLst/>
+                <a:latin typeface="__Inter_d65c78"/>
+              </a:rPr>
+              <a:t>Content_genre</a:t>
+            </a:r>
+            <a:r>
+              <a:rPr lang="en-US" sz="2400" b="0" i="0" dirty="0">
+                <a:solidFill>
+                  <a:srgbClr val="374151"/>
+                </a:solidFill>
+                <a:effectLst/>
+                <a:latin typeface="__Inter_d65c78"/>
+              </a:rPr>
+              <a:t> table</a:t>
+            </a:r>
+            <a:br>
+              <a:rPr lang="en-US" sz="2400" dirty="0"/>
+            </a:br>
+            <a:r>
+              <a:rPr lang="en-US" sz="2400" b="1" i="0" dirty="0">
+                <a:solidFill>
+                  <a:srgbClr val="374151"/>
+                </a:solidFill>
+                <a:effectLst/>
+                <a:latin typeface="__Inter_d65c78"/>
+              </a:rPr>
+              <a:t>5. </a:t>
+            </a:r>
+            <a:r>
+              <a:rPr lang="en-US" sz="2400" b="0" i="0" dirty="0" err="1">
+                <a:solidFill>
+                  <a:srgbClr val="374151"/>
+                </a:solidFill>
+                <a:effectLst/>
+                <a:latin typeface="__Inter_d65c78"/>
+              </a:rPr>
+              <a:t>btree</a:t>
+            </a:r>
+            <a:r>
+              <a:rPr lang="en-US" sz="2400" b="0" i="0" dirty="0">
+                <a:solidFill>
+                  <a:srgbClr val="374151"/>
+                </a:solidFill>
+                <a:effectLst/>
+                <a:latin typeface="__Inter_d65c78"/>
+              </a:rPr>
+              <a:t> index on </a:t>
+            </a:r>
+            <a:r>
+              <a:rPr lang="en-US" sz="2400" b="0" i="0" dirty="0" err="1">
+                <a:solidFill>
+                  <a:srgbClr val="374151"/>
+                </a:solidFill>
+                <a:effectLst/>
+                <a:latin typeface="__Inter_d65c78"/>
+              </a:rPr>
+              <a:t>content_id</a:t>
+            </a:r>
+            <a:r>
+              <a:rPr lang="en-US" sz="2400" b="0" i="0" dirty="0">
+                <a:solidFill>
+                  <a:srgbClr val="374151"/>
+                </a:solidFill>
+                <a:effectLst/>
+                <a:latin typeface="__Inter_d65c78"/>
+              </a:rPr>
+              <a:t> in Content table</a:t>
+            </a:r>
+            <a:br>
+              <a:rPr lang="en-US" sz="2400" dirty="0"/>
+            </a:br>
+            <a:r>
+              <a:rPr lang="en-US" sz="2400" b="1" i="0" dirty="0">
+                <a:solidFill>
+                  <a:srgbClr val="374151"/>
+                </a:solidFill>
+                <a:effectLst/>
+                <a:latin typeface="__Inter_d65c78"/>
+              </a:rPr>
+              <a:t>6. </a:t>
+            </a:r>
+            <a:r>
+              <a:rPr lang="en-US" sz="2400" b="0" i="0" dirty="0" err="1">
+                <a:solidFill>
+                  <a:srgbClr val="374151"/>
+                </a:solidFill>
+                <a:effectLst/>
+                <a:latin typeface="__Inter_d65c78"/>
+              </a:rPr>
+              <a:t>btree</a:t>
+            </a:r>
+            <a:r>
+              <a:rPr lang="en-US" sz="2400" b="0" i="0" dirty="0">
+                <a:solidFill>
+                  <a:srgbClr val="374151"/>
+                </a:solidFill>
+                <a:effectLst/>
+                <a:latin typeface="__Inter_d65c78"/>
+              </a:rPr>
+              <a:t> index on rating desc in Content table</a:t>
+            </a:r>
+            <a:br>
+              <a:rPr lang="en-US" sz="2400" dirty="0"/>
+            </a:br>
+            <a:r>
+              <a:rPr lang="en-US" sz="2400" b="1" i="0" dirty="0">
+                <a:solidFill>
+                  <a:srgbClr val="374151"/>
+                </a:solidFill>
+                <a:effectLst/>
+                <a:latin typeface="__Inter_d65c78"/>
+              </a:rPr>
+              <a:t>7. </a:t>
+            </a:r>
+            <a:r>
+              <a:rPr lang="en-US" sz="2400" b="0" i="0" dirty="0" err="1">
+                <a:solidFill>
+                  <a:srgbClr val="374151"/>
+                </a:solidFill>
+                <a:effectLst/>
+                <a:latin typeface="__Inter_d65c78"/>
+              </a:rPr>
+              <a:t>btree</a:t>
+            </a:r>
+            <a:r>
+              <a:rPr lang="en-US" sz="2400" b="0" i="0" dirty="0">
+                <a:solidFill>
+                  <a:srgbClr val="374151"/>
+                </a:solidFill>
+                <a:effectLst/>
+                <a:latin typeface="__Inter_d65c78"/>
+              </a:rPr>
+              <a:t> index on </a:t>
+            </a:r>
+            <a:r>
+              <a:rPr lang="en-US" sz="2400" b="0" i="0" dirty="0" err="1">
+                <a:solidFill>
+                  <a:srgbClr val="374151"/>
+                </a:solidFill>
+                <a:effectLst/>
+                <a:latin typeface="__Inter_d65c78"/>
+              </a:rPr>
+              <a:t>genre_id</a:t>
+            </a:r>
+            <a:r>
+              <a:rPr lang="en-US" sz="2400" b="0" i="0" dirty="0">
+                <a:solidFill>
+                  <a:srgbClr val="374151"/>
+                </a:solidFill>
+                <a:effectLst/>
+                <a:latin typeface="__Inter_d65c78"/>
+              </a:rPr>
+              <a:t> in Genre table</a:t>
+            </a:r>
+            <a:br>
+              <a:rPr lang="en-US" sz="2400" dirty="0"/>
+            </a:br>
+            <a:r>
+              <a:rPr lang="en-US" sz="2400" b="1" i="0" dirty="0">
+                <a:solidFill>
+                  <a:srgbClr val="374151"/>
+                </a:solidFill>
+                <a:effectLst/>
+                <a:latin typeface="__Inter_d65c78"/>
+              </a:rPr>
+              <a:t>8. </a:t>
+            </a:r>
+            <a:r>
+              <a:rPr lang="en-US" sz="2400" b="0" i="0" dirty="0" err="1">
+                <a:solidFill>
+                  <a:srgbClr val="374151"/>
+                </a:solidFill>
+                <a:effectLst/>
+                <a:latin typeface="__Inter_d65c78"/>
+              </a:rPr>
+              <a:t>btree</a:t>
+            </a:r>
+            <a:r>
+              <a:rPr lang="en-US" sz="2400" b="0" i="0" dirty="0">
+                <a:solidFill>
+                  <a:srgbClr val="374151"/>
+                </a:solidFill>
+                <a:effectLst/>
+                <a:latin typeface="__Inter_d65c78"/>
+              </a:rPr>
+              <a:t> index on </a:t>
+            </a:r>
+            <a:r>
+              <a:rPr lang="en-US" sz="2400" b="0" i="0" dirty="0" err="1">
+                <a:solidFill>
+                  <a:srgbClr val="374151"/>
+                </a:solidFill>
+                <a:effectLst/>
+                <a:latin typeface="__Inter_d65c78"/>
+              </a:rPr>
+              <a:t>user_id</a:t>
+            </a:r>
+            <a:r>
+              <a:rPr lang="en-US" sz="2400" b="0" i="0" dirty="0">
+                <a:solidFill>
+                  <a:srgbClr val="374151"/>
+                </a:solidFill>
+                <a:effectLst/>
+                <a:latin typeface="__Inter_d65c78"/>
+              </a:rPr>
+              <a:t> in Subscription table where </a:t>
+            </a:r>
+            <a:r>
+              <a:rPr lang="en-US" sz="2400" b="0" i="0" dirty="0" err="1">
+                <a:solidFill>
+                  <a:srgbClr val="374151"/>
+                </a:solidFill>
+                <a:effectLst/>
+                <a:latin typeface="__Inter_d65c78"/>
+              </a:rPr>
+              <a:t>end_time</a:t>
+            </a:r>
+            <a:r>
+              <a:rPr lang="en-US" sz="2400" b="0" i="0" dirty="0">
+                <a:solidFill>
+                  <a:srgbClr val="374151"/>
+                </a:solidFill>
+                <a:effectLst/>
+                <a:latin typeface="__Inter_d65c78"/>
+              </a:rPr>
+              <a:t> = 'infinity'</a:t>
+            </a:r>
+            <a:endParaRPr lang="en-US" sz="2400" dirty="0">
+              <a:latin typeface="Be Vietnam Pro" pitchFamily="2" charset="-93"/>
+            </a:endParaRPr>
+          </a:p>
+        </p:txBody>
+      </p:sp>
+      <p:sp>
+        <p:nvSpPr>
+          <p:cNvPr id="3" name="TextBox 2">
+            <a:extLst>
+              <a:ext uri="{FF2B5EF4-FFF2-40B4-BE49-F238E27FC236}">
+                <a16:creationId xmlns:a16="http://schemas.microsoft.com/office/drawing/2014/main" id="{BDB88BF0-E708-8752-7B72-102207563715}"/>
+              </a:ext>
+            </a:extLst>
+          </p:cNvPr>
+          <p:cNvSpPr txBox="1"/>
+          <p:nvPr/>
+        </p:nvSpPr>
+        <p:spPr>
+          <a:xfrm>
+            <a:off x="348584" y="1290426"/>
+            <a:ext cx="6052769" cy="1130181"/>
+          </a:xfrm>
+          <a:prstGeom prst="rect">
+            <a:avLst/>
+          </a:prstGeom>
+          <a:noFill/>
+        </p:spPr>
+        <p:txBody>
+          <a:bodyPr wrap="square">
+            <a:spAutoFit/>
+          </a:bodyPr>
+          <a:lstStyle/>
+          <a:p>
+            <a:pPr algn="just">
+              <a:lnSpc>
+                <a:spcPct val="115000"/>
+              </a:lnSpc>
+              <a:spcAft>
+                <a:spcPts val="800"/>
+              </a:spcAft>
+            </a:pPr>
+            <a:r>
+              <a:rPr lang="en-US" sz="2000" b="1" kern="100" dirty="0">
+                <a:effectLst/>
+                <a:latin typeface="Be Vietnam Pro" pitchFamily="2" charset="-93"/>
+                <a:ea typeface="DengXian" panose="02010600030101010101" pitchFamily="2" charset="-122"/>
+                <a:cs typeface="Times New Roman" panose="02020603050405020304" pitchFamily="18" charset="0"/>
+              </a:rPr>
+              <a:t>Purpose:</a:t>
+            </a:r>
+            <a:r>
+              <a:rPr lang="en-US" sz="2000" kern="100" dirty="0">
+                <a:effectLst/>
+                <a:latin typeface="Be Vietnam Pro" pitchFamily="2" charset="-93"/>
+                <a:ea typeface="DengXian" panose="02010600030101010101" pitchFamily="2" charset="-122"/>
+                <a:cs typeface="Times New Roman" panose="02020603050405020304" pitchFamily="18" charset="0"/>
+              </a:rPr>
+              <a:t> This indices are trying to optimize the process of recommendation by user</a:t>
+            </a:r>
+            <a:r>
+              <a:rPr lang="en-US" sz="2000" kern="100" dirty="0">
+                <a:latin typeface="Be Vietnam Pro" pitchFamily="2" charset="-93"/>
+                <a:ea typeface="DengXian" panose="02010600030101010101" pitchFamily="2" charset="-122"/>
+                <a:cs typeface="Times New Roman" panose="02020603050405020304" pitchFamily="18" charset="0"/>
+              </a:rPr>
+              <a:t>s’ most viewed genre and their country</a:t>
+            </a:r>
+            <a:endParaRPr lang="en-US" sz="2000" kern="100" dirty="0">
+              <a:effectLst/>
+              <a:latin typeface="Be Vietnam Pro" pitchFamily="2" charset="-93"/>
+              <a:ea typeface="DengXian" panose="02010600030101010101" pitchFamily="2" charset="-122"/>
+              <a:cs typeface="Times New Roman" panose="02020603050405020304" pitchFamily="18" charset="0"/>
+            </a:endParaRPr>
+          </a:p>
+        </p:txBody>
+      </p:sp>
+    </p:spTree>
+    <p:extLst>
+      <p:ext uri="{BB962C8B-B14F-4D97-AF65-F5344CB8AC3E}">
+        <p14:creationId xmlns:p14="http://schemas.microsoft.com/office/powerpoint/2010/main" val="2083255583"/>
       </p:ext>
     </p:extLst>
   </p:cSld>
@@ -9826,7 +13904,7 @@
         </p:nvSpPr>
         <p:spPr>
           <a:xfrm>
-            <a:off x="548640" y="592559"/>
+            <a:off x="409744" y="563585"/>
             <a:ext cx="5318760" cy="707886"/>
           </a:xfrm>
           <a:prstGeom prst="rect">
@@ -9861,12 +13939,14 @@
               </a:ext>
             </a:extLst>
           </p:cNvPr>
-          <p:cNvCxnSpPr/>
+          <p:cNvCxnSpPr>
+            <a:cxnSpLocks/>
+          </p:cNvCxnSpPr>
           <p:nvPr/>
         </p:nvCxnSpPr>
         <p:spPr>
           <a:xfrm>
-            <a:off x="548640" y="1300445"/>
+            <a:off x="409744" y="1271471"/>
             <a:ext cx="5532120" cy="0"/>
           </a:xfrm>
           <a:prstGeom prst="line">
@@ -9893,6 +13973,432 @@
           </a:fontRef>
         </p:style>
       </p:cxnSp>
+      <p:sp>
+        <p:nvSpPr>
+          <p:cNvPr id="2" name="TextBox 1">
+            <a:extLst>
+              <a:ext uri="{FF2B5EF4-FFF2-40B4-BE49-F238E27FC236}">
+                <a16:creationId xmlns:a16="http://schemas.microsoft.com/office/drawing/2014/main" id="{83830630-F384-373E-AAF4-F512AE4DC621}"/>
+              </a:ext>
+            </a:extLst>
+          </p:cNvPr>
+          <p:cNvSpPr txBox="1"/>
+          <p:nvPr/>
+        </p:nvSpPr>
+        <p:spPr>
+          <a:xfrm>
+            <a:off x="409744" y="1865454"/>
+            <a:ext cx="2796444" cy="477054"/>
+          </a:xfrm>
+          <a:prstGeom prst="rect">
+            <a:avLst/>
+          </a:prstGeom>
+          <a:noFill/>
+        </p:spPr>
+        <p:txBody>
+          <a:bodyPr wrap="square" rtlCol="0">
+            <a:spAutoFit/>
+          </a:bodyPr>
+          <a:lstStyle/>
+          <a:p>
+            <a:r>
+              <a:rPr lang="en-US" sz="2500" dirty="0">
+                <a:solidFill>
+                  <a:srgbClr val="FF3300"/>
+                </a:solidFill>
+                <a:latin typeface="#9Slide03 BoosterNextFYBlack" panose="02000A03000000020004" pitchFamily="2" charset="-93"/>
+              </a:rPr>
+              <a:t>Authentication</a:t>
+            </a:r>
+          </a:p>
+        </p:txBody>
+      </p:sp>
+      <p:sp>
+        <p:nvSpPr>
+          <p:cNvPr id="6" name="TextBox 5">
+            <a:extLst>
+              <a:ext uri="{FF2B5EF4-FFF2-40B4-BE49-F238E27FC236}">
+                <a16:creationId xmlns:a16="http://schemas.microsoft.com/office/drawing/2014/main" id="{9433A35F-51C7-3EE3-02A2-2F30DF0C003E}"/>
+              </a:ext>
+            </a:extLst>
+          </p:cNvPr>
+          <p:cNvSpPr txBox="1"/>
+          <p:nvPr/>
+        </p:nvSpPr>
+        <p:spPr>
+          <a:xfrm>
+            <a:off x="409743" y="2471489"/>
+            <a:ext cx="6037355" cy="1822230"/>
+          </a:xfrm>
+          <a:prstGeom prst="rect">
+            <a:avLst/>
+          </a:prstGeom>
+          <a:noFill/>
+        </p:spPr>
+        <p:txBody>
+          <a:bodyPr wrap="square">
+            <a:spAutoFit/>
+          </a:bodyPr>
+          <a:lstStyle/>
+          <a:p>
+            <a:pPr lvl="0" algn="just">
+              <a:lnSpc>
+                <a:spcPct val="115000"/>
+              </a:lnSpc>
+              <a:spcAft>
+                <a:spcPts val="800"/>
+              </a:spcAft>
+              <a:tabLst>
+                <a:tab pos="457200" algn="l"/>
+              </a:tabLst>
+            </a:pPr>
+            <a:r>
+              <a:rPr lang="en-US" sz="1550" b="1" kern="100" dirty="0">
+                <a:effectLst/>
+                <a:latin typeface="Be Vietnam Pro" pitchFamily="2" charset="-93"/>
+                <a:ea typeface="Yu Gothic" panose="020B0400000000000000" pitchFamily="34" charset="-128"/>
+                <a:cs typeface="Times New Roman" panose="02020603050405020304" pitchFamily="18" charset="0"/>
+              </a:rPr>
+              <a:t>User Registration: </a:t>
+            </a:r>
+            <a:r>
+              <a:rPr lang="en-US" sz="1550" kern="100" dirty="0">
+                <a:effectLst/>
+                <a:latin typeface="Be Vietnam Pro" pitchFamily="2" charset="-93"/>
+                <a:ea typeface="Yu Gothic" panose="020B0400000000000000" pitchFamily="34" charset="-128"/>
+                <a:cs typeface="Times New Roman" panose="02020603050405020304" pitchFamily="18" charset="0"/>
+              </a:rPr>
+              <a:t>Implement functionality for new users to register accounts.</a:t>
+            </a:r>
+          </a:p>
+          <a:p>
+            <a:pPr lvl="0" algn="just">
+              <a:lnSpc>
+                <a:spcPct val="115000"/>
+              </a:lnSpc>
+              <a:spcAft>
+                <a:spcPts val="800"/>
+              </a:spcAft>
+              <a:tabLst>
+                <a:tab pos="457200" algn="l"/>
+              </a:tabLst>
+            </a:pPr>
+            <a:r>
+              <a:rPr lang="en-US" sz="1550" b="1" kern="100" dirty="0">
+                <a:effectLst/>
+                <a:latin typeface="Be Vietnam Pro" pitchFamily="2" charset="-93"/>
+                <a:ea typeface="Yu Gothic" panose="020B0400000000000000" pitchFamily="34" charset="-128"/>
+                <a:cs typeface="Times New Roman" panose="02020603050405020304" pitchFamily="18" charset="0"/>
+              </a:rPr>
+              <a:t>Account Attributes: </a:t>
+            </a:r>
+            <a:r>
+              <a:rPr lang="en-US" sz="1550" kern="100" dirty="0">
+                <a:effectLst/>
+                <a:latin typeface="Be Vietnam Pro" pitchFamily="2" charset="-93"/>
+                <a:ea typeface="Yu Gothic" panose="020B0400000000000000" pitchFamily="34" charset="-128"/>
+                <a:cs typeface="Times New Roman" panose="02020603050405020304" pitchFamily="18" charset="0"/>
+              </a:rPr>
+              <a:t>Store user account details including:</a:t>
+            </a:r>
+            <a:r>
+              <a:rPr lang="en-US" sz="1550" kern="100" dirty="0">
+                <a:latin typeface="Be Vietnam Pro" pitchFamily="2" charset="-93"/>
+                <a:ea typeface="Yu Gothic" panose="020B0400000000000000" pitchFamily="34" charset="-128"/>
+                <a:cs typeface="Times New Roman" panose="02020603050405020304" pitchFamily="18" charset="0"/>
+              </a:rPr>
+              <a:t> </a:t>
+            </a:r>
+            <a:r>
+              <a:rPr lang="en-US" sz="1550" kern="100" dirty="0">
+                <a:effectLst/>
+                <a:latin typeface="Be Vietnam Pro" pitchFamily="2" charset="-93"/>
+                <a:ea typeface="Yu Gothic" panose="020B0400000000000000" pitchFamily="34" charset="-128"/>
+                <a:cs typeface="Times New Roman" panose="02020603050405020304" pitchFamily="18" charset="0"/>
+              </a:rPr>
+              <a:t>unique account ID</a:t>
+            </a:r>
+            <a:r>
+              <a:rPr lang="en-US" sz="1550" kern="100" dirty="0">
+                <a:latin typeface="Be Vietnam Pro" pitchFamily="2" charset="-93"/>
+                <a:ea typeface="Yu Gothic" panose="020B0400000000000000" pitchFamily="34" charset="-128"/>
+                <a:cs typeface="Times New Roman" panose="02020603050405020304" pitchFamily="18" charset="0"/>
+              </a:rPr>
+              <a:t>, </a:t>
+            </a:r>
+            <a:r>
+              <a:rPr lang="en-US" sz="1550" kern="100" dirty="0">
+                <a:effectLst/>
+                <a:latin typeface="Be Vietnam Pro" pitchFamily="2" charset="-93"/>
+                <a:ea typeface="Yu Gothic" panose="020B0400000000000000" pitchFamily="34" charset="-128"/>
+                <a:cs typeface="Times New Roman" panose="02020603050405020304" pitchFamily="18" charset="0"/>
+              </a:rPr>
+              <a:t>password hash</a:t>
+            </a:r>
+            <a:r>
+              <a:rPr lang="en-US" sz="1550" kern="100" dirty="0">
+                <a:latin typeface="Be Vietnam Pro" pitchFamily="2" charset="-93"/>
+                <a:ea typeface="Yu Gothic" panose="020B0400000000000000" pitchFamily="34" charset="-128"/>
+                <a:cs typeface="Times New Roman" panose="02020603050405020304" pitchFamily="18" charset="0"/>
+              </a:rPr>
+              <a:t>, </a:t>
+            </a:r>
+            <a:r>
+              <a:rPr lang="en-US" sz="1550" kern="100" dirty="0">
+                <a:effectLst/>
+                <a:latin typeface="Be Vietnam Pro" pitchFamily="2" charset="-93"/>
+                <a:ea typeface="Yu Gothic" panose="020B0400000000000000" pitchFamily="34" charset="-128"/>
+                <a:cs typeface="Times New Roman" panose="02020603050405020304" pitchFamily="18" charset="0"/>
+              </a:rPr>
+              <a:t>account status (active, on hold, suspended, deleted)</a:t>
+            </a:r>
+            <a:r>
+              <a:rPr lang="en-US" sz="1550" kern="100" dirty="0">
+                <a:latin typeface="Be Vietnam Pro" pitchFamily="2" charset="-93"/>
+                <a:ea typeface="Yu Gothic" panose="020B0400000000000000" pitchFamily="34" charset="-128"/>
+                <a:cs typeface="Times New Roman" panose="02020603050405020304" pitchFamily="18" charset="0"/>
+              </a:rPr>
+              <a:t>, fi</a:t>
+            </a:r>
+            <a:r>
+              <a:rPr lang="en-US" sz="1550" kern="100" dirty="0">
+                <a:effectLst/>
+                <a:latin typeface="Be Vietnam Pro" pitchFamily="2" charset="-93"/>
+                <a:ea typeface="Yu Gothic" panose="020B0400000000000000" pitchFamily="34" charset="-128"/>
+                <a:cs typeface="Times New Roman" panose="02020603050405020304" pitchFamily="18" charset="0"/>
+              </a:rPr>
+              <a:t>rst name</a:t>
+            </a:r>
+            <a:r>
+              <a:rPr lang="en-US" sz="1550" kern="100" dirty="0">
+                <a:latin typeface="Be Vietnam Pro" pitchFamily="2" charset="-93"/>
+                <a:ea typeface="Yu Gothic" panose="020B0400000000000000" pitchFamily="34" charset="-128"/>
+                <a:cs typeface="Times New Roman" panose="02020603050405020304" pitchFamily="18" charset="0"/>
+              </a:rPr>
+              <a:t>, l</a:t>
+            </a:r>
+            <a:r>
+              <a:rPr lang="en-US" sz="1550" kern="100" dirty="0">
+                <a:effectLst/>
+                <a:latin typeface="Be Vietnam Pro" pitchFamily="2" charset="-93"/>
+                <a:ea typeface="Yu Gothic" panose="020B0400000000000000" pitchFamily="34" charset="-128"/>
+                <a:cs typeface="Times New Roman" panose="02020603050405020304" pitchFamily="18" charset="0"/>
+              </a:rPr>
+              <a:t>ast name</a:t>
+            </a:r>
+            <a:r>
+              <a:rPr lang="en-US" sz="1550" kern="100" dirty="0">
+                <a:latin typeface="Be Vietnam Pro" pitchFamily="2" charset="-93"/>
+                <a:ea typeface="Yu Gothic" panose="020B0400000000000000" pitchFamily="34" charset="-128"/>
+                <a:cs typeface="Times New Roman" panose="02020603050405020304" pitchFamily="18" charset="0"/>
+              </a:rPr>
+              <a:t>, </a:t>
+            </a:r>
+            <a:r>
+              <a:rPr lang="en-US" sz="1550" kern="100" dirty="0">
+                <a:effectLst/>
+                <a:latin typeface="Be Vietnam Pro" pitchFamily="2" charset="-93"/>
+                <a:ea typeface="Yu Gothic" panose="020B0400000000000000" pitchFamily="34" charset="-128"/>
+                <a:cs typeface="Times New Roman" panose="02020603050405020304" pitchFamily="18" charset="0"/>
+              </a:rPr>
+              <a:t>nationality</a:t>
+            </a:r>
+          </a:p>
+        </p:txBody>
+      </p:sp>
+      <p:sp>
+        <p:nvSpPr>
+          <p:cNvPr id="7" name="TextBox 6">
+            <a:extLst>
+              <a:ext uri="{FF2B5EF4-FFF2-40B4-BE49-F238E27FC236}">
+                <a16:creationId xmlns:a16="http://schemas.microsoft.com/office/drawing/2014/main" id="{2796AC1D-332A-D75A-8FEB-2F11AE69F0E4}"/>
+              </a:ext>
+            </a:extLst>
+          </p:cNvPr>
+          <p:cNvSpPr txBox="1"/>
+          <p:nvPr/>
+        </p:nvSpPr>
+        <p:spPr>
+          <a:xfrm>
+            <a:off x="409743" y="4714473"/>
+            <a:ext cx="4440049" cy="477054"/>
+          </a:xfrm>
+          <a:prstGeom prst="rect">
+            <a:avLst/>
+          </a:prstGeom>
+          <a:noFill/>
+        </p:spPr>
+        <p:txBody>
+          <a:bodyPr wrap="square" rtlCol="0">
+            <a:spAutoFit/>
+          </a:bodyPr>
+          <a:lstStyle/>
+          <a:p>
+            <a:r>
+              <a:rPr lang="en-US" sz="2500" dirty="0">
+                <a:solidFill>
+                  <a:srgbClr val="FF3300"/>
+                </a:solidFill>
+                <a:latin typeface="#9Slide03 BoosterNextFYBlack" panose="02000A03000000020004" pitchFamily="2" charset="-93"/>
+              </a:rPr>
+              <a:t>Subscription management</a:t>
+            </a:r>
+          </a:p>
+        </p:txBody>
+      </p:sp>
+      <p:sp>
+        <p:nvSpPr>
+          <p:cNvPr id="8" name="TextBox 7">
+            <a:extLst>
+              <a:ext uri="{FF2B5EF4-FFF2-40B4-BE49-F238E27FC236}">
+                <a16:creationId xmlns:a16="http://schemas.microsoft.com/office/drawing/2014/main" id="{AD3D8113-6A8A-42B2-5966-4B719FCD42F3}"/>
+              </a:ext>
+            </a:extLst>
+          </p:cNvPr>
+          <p:cNvSpPr txBox="1"/>
+          <p:nvPr/>
+        </p:nvSpPr>
+        <p:spPr>
+          <a:xfrm>
+            <a:off x="409743" y="5320508"/>
+            <a:ext cx="6037356" cy="2929263"/>
+          </a:xfrm>
+          <a:prstGeom prst="rect">
+            <a:avLst/>
+          </a:prstGeom>
+          <a:noFill/>
+        </p:spPr>
+        <p:txBody>
+          <a:bodyPr wrap="square">
+            <a:spAutoFit/>
+          </a:bodyPr>
+          <a:lstStyle/>
+          <a:p>
+            <a:pPr lvl="0" algn="just">
+              <a:lnSpc>
+                <a:spcPct val="115000"/>
+              </a:lnSpc>
+              <a:spcAft>
+                <a:spcPts val="800"/>
+              </a:spcAft>
+              <a:tabLst>
+                <a:tab pos="457200" algn="l"/>
+              </a:tabLst>
+            </a:pPr>
+            <a:r>
+              <a:rPr lang="en-US" sz="1550" b="1" kern="100" dirty="0">
+                <a:effectLst/>
+                <a:latin typeface="Be Vietnam Pro" pitchFamily="2" charset="-93"/>
+                <a:ea typeface="Yu Gothic" panose="020B0400000000000000" pitchFamily="34" charset="-128"/>
+                <a:cs typeface="Times New Roman" panose="02020603050405020304" pitchFamily="18" charset="0"/>
+              </a:rPr>
+              <a:t>Subscription Packs: </a:t>
+            </a:r>
+            <a:r>
+              <a:rPr lang="en-US" sz="1550" kern="100" dirty="0">
+                <a:effectLst/>
+                <a:latin typeface="Be Vietnam Pro" pitchFamily="2" charset="-93"/>
+                <a:ea typeface="Yu Gothic" panose="020B0400000000000000" pitchFamily="34" charset="-128"/>
+                <a:cs typeface="Times New Roman" panose="02020603050405020304" pitchFamily="18" charset="0"/>
+              </a:rPr>
+              <a:t>Define pre-determined subscription packs with attributes: level of access (1, 2, 3; default is 1), duration (6 months, 12 months)</a:t>
+            </a:r>
+          </a:p>
+          <a:p>
+            <a:pPr lvl="0" algn="just">
+              <a:lnSpc>
+                <a:spcPct val="115000"/>
+              </a:lnSpc>
+              <a:spcAft>
+                <a:spcPts val="800"/>
+              </a:spcAft>
+              <a:tabLst>
+                <a:tab pos="457200" algn="l"/>
+              </a:tabLst>
+            </a:pPr>
+            <a:r>
+              <a:rPr lang="en-US" sz="1550" b="1" kern="100" dirty="0">
+                <a:effectLst/>
+                <a:latin typeface="Be Vietnam Pro" pitchFamily="2" charset="-93"/>
+                <a:ea typeface="Yu Gothic" panose="020B0400000000000000" pitchFamily="34" charset="-128"/>
+                <a:cs typeface="Times New Roman" panose="02020603050405020304" pitchFamily="18" charset="0"/>
+              </a:rPr>
+              <a:t>Automatic Subscription: </a:t>
+            </a:r>
+            <a:r>
+              <a:rPr lang="en-US" sz="1550" kern="100" dirty="0">
+                <a:effectLst/>
+                <a:latin typeface="Be Vietnam Pro" pitchFamily="2" charset="-93"/>
+                <a:ea typeface="Yu Gothic" panose="020B0400000000000000" pitchFamily="34" charset="-128"/>
+                <a:cs typeface="Times New Roman" panose="02020603050405020304" pitchFamily="18" charset="0"/>
+              </a:rPr>
+              <a:t>Automatically subscribe new users to a level 1 pack with unlimited duration.</a:t>
+            </a:r>
+          </a:p>
+          <a:p>
+            <a:pPr lvl="0" algn="just">
+              <a:lnSpc>
+                <a:spcPct val="115000"/>
+              </a:lnSpc>
+              <a:spcAft>
+                <a:spcPts val="800"/>
+              </a:spcAft>
+              <a:tabLst>
+                <a:tab pos="457200" algn="l"/>
+              </a:tabLst>
+            </a:pPr>
+            <a:r>
+              <a:rPr lang="en-US" sz="1550" b="1" kern="100" dirty="0">
+                <a:effectLst/>
+                <a:latin typeface="Be Vietnam Pro" pitchFamily="2" charset="-93"/>
+                <a:ea typeface="Yu Gothic" panose="020B0400000000000000" pitchFamily="34" charset="-128"/>
+                <a:cs typeface="Times New Roman" panose="02020603050405020304" pitchFamily="18" charset="0"/>
+              </a:rPr>
+              <a:t>Payment Records: </a:t>
+            </a:r>
+            <a:r>
+              <a:rPr lang="en-US" sz="1550" kern="100" dirty="0">
+                <a:effectLst/>
+                <a:latin typeface="Be Vietnam Pro" pitchFamily="2" charset="-93"/>
+                <a:ea typeface="Yu Gothic" panose="020B0400000000000000" pitchFamily="34" charset="-128"/>
+                <a:cs typeface="Times New Roman" panose="02020603050405020304" pitchFamily="18" charset="0"/>
+              </a:rPr>
+              <a:t>Maintain records of subscription purchases and payment history.</a:t>
+            </a:r>
+          </a:p>
+          <a:p>
+            <a:pPr lvl="0" algn="just">
+              <a:lnSpc>
+                <a:spcPct val="115000"/>
+              </a:lnSpc>
+              <a:spcAft>
+                <a:spcPts val="800"/>
+              </a:spcAft>
+              <a:tabLst>
+                <a:tab pos="457200" algn="l"/>
+              </a:tabLst>
+            </a:pPr>
+            <a:r>
+              <a:rPr lang="en-US" sz="1550" b="1" kern="100" dirty="0">
+                <a:effectLst/>
+                <a:latin typeface="Be Vietnam Pro" pitchFamily="2" charset="-93"/>
+                <a:ea typeface="Yu Gothic" panose="020B0400000000000000" pitchFamily="34" charset="-128"/>
+                <a:cs typeface="Times New Roman" panose="02020603050405020304" pitchFamily="18" charset="0"/>
+              </a:rPr>
+              <a:t>Unsubscribe: </a:t>
+            </a:r>
+            <a:r>
+              <a:rPr lang="en-US" sz="1550" kern="100" dirty="0">
+                <a:effectLst/>
+                <a:latin typeface="Be Vietnam Pro" pitchFamily="2" charset="-93"/>
+                <a:ea typeface="Yu Gothic" panose="020B0400000000000000" pitchFamily="34" charset="-128"/>
+                <a:cs typeface="Times New Roman" panose="02020603050405020304" pitchFamily="18" charset="0"/>
+              </a:rPr>
+              <a:t>Allow users to unsubscribe from their subscription packs.</a:t>
+            </a:r>
+          </a:p>
+        </p:txBody>
+      </p:sp>
     </p:spTree>
     <p:extLst>
       <p:ext uri="{BB962C8B-B14F-4D97-AF65-F5344CB8AC3E}">
@@ -9907,6 +14413,914 @@
 </file>
 
 <file path=ppt/slides/slide6.xml><?xml version="1.0" encoding="utf-8"?>
+<p:sld xmlns:a="http://schemas.openxmlformats.org/drawingml/2006/main" xmlns:r="http://schemas.openxmlformats.org/officeDocument/2006/relationships" xmlns:p="http://schemas.openxmlformats.org/presentationml/2006/main">
+  <p:cSld>
+    <p:bg>
+      <p:bgPr>
+        <a:solidFill>
+          <a:schemeClr val="bg1"/>
+        </a:solidFill>
+        <a:effectLst/>
+      </p:bgPr>
+    </p:bg>
+    <p:spTree>
+      <p:nvGrpSpPr>
+        <p:cNvPr id="1" name="">
+          <a:extLst>
+            <a:ext uri="{FF2B5EF4-FFF2-40B4-BE49-F238E27FC236}">
+              <a16:creationId xmlns:a16="http://schemas.microsoft.com/office/drawing/2014/main" id="{20D66F07-F06C-34CE-AF05-62FDA38FBD6B}"/>
+            </a:ext>
+          </a:extLst>
+        </p:cNvPr>
+        <p:cNvGrpSpPr/>
+        <p:nvPr/>
+      </p:nvGrpSpPr>
+      <p:grpSpPr>
+        <a:xfrm>
+          <a:off x="0" y="0"/>
+          <a:ext cx="0" cy="0"/>
+          <a:chOff x="0" y="0"/>
+          <a:chExt cx="0" cy="0"/>
+        </a:xfrm>
+      </p:grpSpPr>
+      <p:sp>
+        <p:nvSpPr>
+          <p:cNvPr id="2" name="TextBox 1">
+            <a:extLst>
+              <a:ext uri="{FF2B5EF4-FFF2-40B4-BE49-F238E27FC236}">
+                <a16:creationId xmlns:a16="http://schemas.microsoft.com/office/drawing/2014/main" id="{EE3FD74C-7AA9-56C7-6728-CBF9E98E75A6}"/>
+              </a:ext>
+            </a:extLst>
+          </p:cNvPr>
+          <p:cNvSpPr txBox="1"/>
+          <p:nvPr/>
+        </p:nvSpPr>
+        <p:spPr>
+          <a:xfrm>
+            <a:off x="409744" y="770104"/>
+            <a:ext cx="3699269" cy="477054"/>
+          </a:xfrm>
+          <a:prstGeom prst="rect">
+            <a:avLst/>
+          </a:prstGeom>
+          <a:noFill/>
+        </p:spPr>
+        <p:txBody>
+          <a:bodyPr wrap="square" rtlCol="0">
+            <a:spAutoFit/>
+          </a:bodyPr>
+          <a:lstStyle/>
+          <a:p>
+            <a:r>
+              <a:rPr lang="en-US" sz="2500" dirty="0">
+                <a:solidFill>
+                  <a:srgbClr val="FF3300"/>
+                </a:solidFill>
+                <a:latin typeface="#9Slide03 BoosterNextFYBlack" panose="02000A03000000020004" pitchFamily="2" charset="-93"/>
+              </a:rPr>
+              <a:t>Content management</a:t>
+            </a:r>
+          </a:p>
+        </p:txBody>
+      </p:sp>
+      <p:sp>
+        <p:nvSpPr>
+          <p:cNvPr id="6" name="TextBox 5">
+            <a:extLst>
+              <a:ext uri="{FF2B5EF4-FFF2-40B4-BE49-F238E27FC236}">
+                <a16:creationId xmlns:a16="http://schemas.microsoft.com/office/drawing/2014/main" id="{A6EDA0D8-45D5-FB8F-7518-36AFF7CCEDA7}"/>
+              </a:ext>
+            </a:extLst>
+          </p:cNvPr>
+          <p:cNvSpPr txBox="1"/>
+          <p:nvPr/>
+        </p:nvSpPr>
+        <p:spPr>
+          <a:xfrm>
+            <a:off x="409743" y="1376139"/>
+            <a:ext cx="6037355" cy="3035383"/>
+          </a:xfrm>
+          <a:prstGeom prst="rect">
+            <a:avLst/>
+          </a:prstGeom>
+          <a:noFill/>
+        </p:spPr>
+        <p:txBody>
+          <a:bodyPr wrap="square">
+            <a:spAutoFit/>
+          </a:bodyPr>
+          <a:lstStyle/>
+          <a:p>
+            <a:pPr lvl="0" algn="just">
+              <a:lnSpc>
+                <a:spcPct val="115000"/>
+              </a:lnSpc>
+              <a:spcAft>
+                <a:spcPts val="800"/>
+              </a:spcAft>
+              <a:tabLst>
+                <a:tab pos="457200" algn="l"/>
+              </a:tabLst>
+            </a:pPr>
+            <a:r>
+              <a:rPr lang="en-US" sz="1800" b="1" kern="100" dirty="0">
+                <a:effectLst/>
+                <a:latin typeface="Aptos" panose="020B0004020202020204" pitchFamily="34" charset="0"/>
+                <a:ea typeface="Yu Gothic" panose="020B0400000000000000" pitchFamily="34" charset="-128"/>
+                <a:cs typeface="Times New Roman" panose="02020603050405020304" pitchFamily="18" charset="0"/>
+              </a:rPr>
+              <a:t>Content Types: </a:t>
+            </a:r>
+            <a:r>
+              <a:rPr lang="en-US" sz="1800" kern="100" dirty="0">
+                <a:effectLst/>
+                <a:latin typeface="Aptos" panose="020B0004020202020204" pitchFamily="34" charset="0"/>
+                <a:ea typeface="Yu Gothic" panose="020B0400000000000000" pitchFamily="34" charset="-128"/>
+                <a:cs typeface="Times New Roman" panose="02020603050405020304" pitchFamily="18" charset="0"/>
+              </a:rPr>
+              <a:t>Store information about content, differentiating between movies and series.</a:t>
+            </a:r>
+          </a:p>
+          <a:p>
+            <a:pPr lvl="0" algn="just">
+              <a:lnSpc>
+                <a:spcPct val="115000"/>
+              </a:lnSpc>
+              <a:spcAft>
+                <a:spcPts val="800"/>
+              </a:spcAft>
+              <a:tabLst>
+                <a:tab pos="457200" algn="l"/>
+              </a:tabLst>
+            </a:pPr>
+            <a:r>
+              <a:rPr lang="en-US" sz="1800" b="1" kern="100" dirty="0">
+                <a:effectLst/>
+                <a:latin typeface="Aptos" panose="020B0004020202020204" pitchFamily="34" charset="0"/>
+                <a:ea typeface="Yu Gothic" panose="020B0400000000000000" pitchFamily="34" charset="-128"/>
+                <a:cs typeface="Times New Roman" panose="02020603050405020304" pitchFamily="18" charset="0"/>
+              </a:rPr>
+              <a:t>Episodes: </a:t>
+            </a:r>
+            <a:r>
+              <a:rPr lang="en-US" sz="1800" kern="100" dirty="0">
+                <a:effectLst/>
+                <a:latin typeface="Aptos" panose="020B0004020202020204" pitchFamily="34" charset="0"/>
+                <a:ea typeface="Yu Gothic" panose="020B0400000000000000" pitchFamily="34" charset="-128"/>
+                <a:cs typeface="Times New Roman" panose="02020603050405020304" pitchFamily="18" charset="0"/>
+              </a:rPr>
+              <a:t>Each content must have at least one episode.</a:t>
+            </a:r>
+          </a:p>
+          <a:p>
+            <a:pPr lvl="0" algn="just">
+              <a:lnSpc>
+                <a:spcPct val="115000"/>
+              </a:lnSpc>
+              <a:spcAft>
+                <a:spcPts val="800"/>
+              </a:spcAft>
+              <a:tabLst>
+                <a:tab pos="457200" algn="l"/>
+              </a:tabLst>
+            </a:pPr>
+            <a:r>
+              <a:rPr lang="en-US" sz="1800" kern="100" dirty="0">
+                <a:effectLst/>
+                <a:latin typeface="Aptos" panose="020B0004020202020204" pitchFamily="34" charset="0"/>
+                <a:ea typeface="Yu Gothic" panose="020B0400000000000000" pitchFamily="34" charset="-128"/>
+                <a:cs typeface="Times New Roman" panose="02020603050405020304" pitchFamily="18" charset="0"/>
+              </a:rPr>
+              <a:t>Genres: Allow content to belong to multiple genres.</a:t>
+            </a:r>
+          </a:p>
+          <a:p>
+            <a:pPr lvl="0" algn="just">
+              <a:lnSpc>
+                <a:spcPct val="115000"/>
+              </a:lnSpc>
+              <a:spcAft>
+                <a:spcPts val="800"/>
+              </a:spcAft>
+              <a:tabLst>
+                <a:tab pos="457200" algn="l"/>
+              </a:tabLst>
+            </a:pPr>
+            <a:r>
+              <a:rPr lang="en-US" sz="1800" b="1" kern="100" dirty="0">
+                <a:effectLst/>
+                <a:latin typeface="Aptos" panose="020B0004020202020204" pitchFamily="34" charset="0"/>
+                <a:ea typeface="Yu Gothic" panose="020B0400000000000000" pitchFamily="34" charset="-128"/>
+                <a:cs typeface="Times New Roman" panose="02020603050405020304" pitchFamily="18" charset="0"/>
+              </a:rPr>
+              <a:t>Actors/Actresses: </a:t>
+            </a:r>
+            <a:r>
+              <a:rPr lang="en-US" sz="1800" kern="100" dirty="0">
+                <a:effectLst/>
+                <a:latin typeface="Aptos" panose="020B0004020202020204" pitchFamily="34" charset="0"/>
+                <a:ea typeface="Yu Gothic" panose="020B0400000000000000" pitchFamily="34" charset="-128"/>
+                <a:cs typeface="Times New Roman" panose="02020603050405020304" pitchFamily="18" charset="0"/>
+              </a:rPr>
+              <a:t>Store information about actors and actresses associated with each content.</a:t>
+            </a:r>
+          </a:p>
+          <a:p>
+            <a:pPr lvl="0" algn="just">
+              <a:lnSpc>
+                <a:spcPct val="115000"/>
+              </a:lnSpc>
+              <a:spcAft>
+                <a:spcPts val="800"/>
+              </a:spcAft>
+              <a:tabLst>
+                <a:tab pos="457200" algn="l"/>
+              </a:tabLst>
+            </a:pPr>
+            <a:r>
+              <a:rPr lang="en-US" sz="1800" b="1" kern="100" dirty="0">
+                <a:effectLst/>
+                <a:latin typeface="Aptos" panose="020B0004020202020204" pitchFamily="34" charset="0"/>
+                <a:ea typeface="Yu Gothic" panose="020B0400000000000000" pitchFamily="34" charset="-128"/>
+                <a:cs typeface="Times New Roman" panose="02020603050405020304" pitchFamily="18" charset="0"/>
+              </a:rPr>
+              <a:t>Language: </a:t>
+            </a:r>
+            <a:r>
+              <a:rPr lang="en-US" sz="1800" kern="100" dirty="0">
+                <a:effectLst/>
+                <a:latin typeface="Aptos" panose="020B0004020202020204" pitchFamily="34" charset="0"/>
+                <a:ea typeface="Yu Gothic" panose="020B0400000000000000" pitchFamily="34" charset="-128"/>
+                <a:cs typeface="Times New Roman" panose="02020603050405020304" pitchFamily="18" charset="0"/>
+              </a:rPr>
+              <a:t>Maintain a list of available languages for each content, corresponding to different countries.</a:t>
+            </a:r>
+          </a:p>
+        </p:txBody>
+      </p:sp>
+      <p:sp>
+        <p:nvSpPr>
+          <p:cNvPr id="4" name="TextBox 3">
+            <a:extLst>
+              <a:ext uri="{FF2B5EF4-FFF2-40B4-BE49-F238E27FC236}">
+                <a16:creationId xmlns:a16="http://schemas.microsoft.com/office/drawing/2014/main" id="{EA23631B-0998-A637-6C00-0BB96CB1F42D}"/>
+              </a:ext>
+            </a:extLst>
+          </p:cNvPr>
+          <p:cNvSpPr txBox="1"/>
+          <p:nvPr/>
+        </p:nvSpPr>
+        <p:spPr>
+          <a:xfrm>
+            <a:off x="409744" y="4875783"/>
+            <a:ext cx="3699269" cy="477054"/>
+          </a:xfrm>
+          <a:prstGeom prst="rect">
+            <a:avLst/>
+          </a:prstGeom>
+          <a:noFill/>
+        </p:spPr>
+        <p:txBody>
+          <a:bodyPr wrap="square" rtlCol="0">
+            <a:spAutoFit/>
+          </a:bodyPr>
+          <a:lstStyle/>
+          <a:p>
+            <a:r>
+              <a:rPr lang="en-US" sz="2500" dirty="0">
+                <a:solidFill>
+                  <a:srgbClr val="FF3300"/>
+                </a:solidFill>
+                <a:latin typeface="#9Slide03 BoosterNextFYBlack" panose="02000A03000000020004" pitchFamily="2" charset="-93"/>
+              </a:rPr>
+              <a:t>User interaction</a:t>
+            </a:r>
+          </a:p>
+        </p:txBody>
+      </p:sp>
+      <p:sp>
+        <p:nvSpPr>
+          <p:cNvPr id="9" name="TextBox 8">
+            <a:extLst>
+              <a:ext uri="{FF2B5EF4-FFF2-40B4-BE49-F238E27FC236}">
+                <a16:creationId xmlns:a16="http://schemas.microsoft.com/office/drawing/2014/main" id="{83C393B1-ECB9-8159-BDAB-E4A7FFFC43AE}"/>
+              </a:ext>
+            </a:extLst>
+          </p:cNvPr>
+          <p:cNvSpPr txBox="1"/>
+          <p:nvPr/>
+        </p:nvSpPr>
+        <p:spPr>
+          <a:xfrm>
+            <a:off x="409743" y="5481818"/>
+            <a:ext cx="6037355" cy="2932791"/>
+          </a:xfrm>
+          <a:prstGeom prst="rect">
+            <a:avLst/>
+          </a:prstGeom>
+          <a:noFill/>
+        </p:spPr>
+        <p:txBody>
+          <a:bodyPr wrap="square">
+            <a:spAutoFit/>
+          </a:bodyPr>
+          <a:lstStyle/>
+          <a:p>
+            <a:pPr lvl="0" algn="just">
+              <a:lnSpc>
+                <a:spcPct val="115000"/>
+              </a:lnSpc>
+              <a:spcAft>
+                <a:spcPts val="800"/>
+              </a:spcAft>
+              <a:tabLst>
+                <a:tab pos="457200" algn="l"/>
+              </a:tabLst>
+            </a:pPr>
+            <a:r>
+              <a:rPr lang="en-US" sz="1800" b="1" kern="100" dirty="0">
+                <a:effectLst/>
+                <a:latin typeface="Aptos" panose="020B0004020202020204" pitchFamily="34" charset="0"/>
+                <a:ea typeface="Yu Gothic" panose="020B0400000000000000" pitchFamily="34" charset="-128"/>
+                <a:cs typeface="Times New Roman" panose="02020603050405020304" pitchFamily="18" charset="0"/>
+              </a:rPr>
+              <a:t>Watch History: </a:t>
+            </a:r>
+            <a:r>
+              <a:rPr lang="en-US" sz="1800" kern="100" dirty="0">
+                <a:effectLst/>
+                <a:latin typeface="Aptos" panose="020B0004020202020204" pitchFamily="34" charset="0"/>
+                <a:ea typeface="Yu Gothic" panose="020B0400000000000000" pitchFamily="34" charset="-128"/>
+                <a:cs typeface="Times New Roman" panose="02020603050405020304" pitchFamily="18" charset="0"/>
+              </a:rPr>
+              <a:t>Record the timestamp and last checkpoint for each episode watched by a user.</a:t>
+            </a:r>
+          </a:p>
+          <a:p>
+            <a:pPr lvl="0" algn="just">
+              <a:lnSpc>
+                <a:spcPct val="115000"/>
+              </a:lnSpc>
+              <a:spcAft>
+                <a:spcPts val="800"/>
+              </a:spcAft>
+              <a:tabLst>
+                <a:tab pos="457200" algn="l"/>
+              </a:tabLst>
+            </a:pPr>
+            <a:r>
+              <a:rPr lang="en-US" sz="1800" b="1" kern="100" dirty="0">
+                <a:effectLst/>
+                <a:latin typeface="Aptos" panose="020B0004020202020204" pitchFamily="34" charset="0"/>
+                <a:ea typeface="Yu Gothic" panose="020B0400000000000000" pitchFamily="34" charset="-128"/>
+                <a:cs typeface="Times New Roman" panose="02020603050405020304" pitchFamily="18" charset="0"/>
+              </a:rPr>
+              <a:t>Completion Status: </a:t>
+            </a:r>
+            <a:r>
+              <a:rPr lang="en-US" sz="1800" kern="100" dirty="0">
+                <a:effectLst/>
+                <a:latin typeface="Aptos" panose="020B0004020202020204" pitchFamily="34" charset="0"/>
+                <a:ea typeface="Yu Gothic" panose="020B0400000000000000" pitchFamily="34" charset="-128"/>
+                <a:cs typeface="Times New Roman" panose="02020603050405020304" pitchFamily="18" charset="0"/>
+              </a:rPr>
+              <a:t>Track whether users have finished watching movies or episodes.</a:t>
+            </a:r>
+          </a:p>
+          <a:p>
+            <a:pPr lvl="0" algn="just">
+              <a:lnSpc>
+                <a:spcPct val="115000"/>
+              </a:lnSpc>
+              <a:spcAft>
+                <a:spcPts val="800"/>
+              </a:spcAft>
+              <a:tabLst>
+                <a:tab pos="457200" algn="l"/>
+              </a:tabLst>
+            </a:pPr>
+            <a:r>
+              <a:rPr lang="en-US" sz="1800" b="1" kern="100" dirty="0">
+                <a:effectLst/>
+                <a:latin typeface="Aptos" panose="020B0004020202020204" pitchFamily="34" charset="0"/>
+                <a:ea typeface="Yu Gothic" panose="020B0400000000000000" pitchFamily="34" charset="-128"/>
+                <a:cs typeface="Times New Roman" panose="02020603050405020304" pitchFamily="18" charset="0"/>
+              </a:rPr>
+              <a:t>Favorites: </a:t>
+            </a:r>
+            <a:r>
+              <a:rPr lang="en-US" sz="1800" kern="100" dirty="0">
+                <a:effectLst/>
+                <a:latin typeface="Aptos" panose="020B0004020202020204" pitchFamily="34" charset="0"/>
+                <a:ea typeface="Yu Gothic" panose="020B0400000000000000" pitchFamily="34" charset="-128"/>
+                <a:cs typeface="Times New Roman" panose="02020603050405020304" pitchFamily="18" charset="0"/>
+              </a:rPr>
+              <a:t>Allow users to mark content as favorites.</a:t>
+            </a:r>
+          </a:p>
+          <a:p>
+            <a:pPr lvl="0" algn="just">
+              <a:lnSpc>
+                <a:spcPct val="115000"/>
+              </a:lnSpc>
+              <a:spcAft>
+                <a:spcPts val="800"/>
+              </a:spcAft>
+              <a:tabLst>
+                <a:tab pos="457200" algn="l"/>
+              </a:tabLst>
+            </a:pPr>
+            <a:r>
+              <a:rPr lang="en-US" sz="1800" b="1" kern="100" dirty="0">
+                <a:effectLst/>
+                <a:latin typeface="Aptos" panose="020B0004020202020204" pitchFamily="34" charset="0"/>
+                <a:ea typeface="Yu Gothic" panose="020B0400000000000000" pitchFamily="34" charset="-128"/>
+                <a:cs typeface="Times New Roman" panose="02020603050405020304" pitchFamily="18" charset="0"/>
+              </a:rPr>
+              <a:t>Content Rating: </a:t>
+            </a:r>
+            <a:r>
+              <a:rPr lang="en-US" sz="1800" kern="100" dirty="0">
+                <a:effectLst/>
+                <a:latin typeface="Aptos" panose="020B0004020202020204" pitchFamily="34" charset="0"/>
+                <a:ea typeface="Yu Gothic" panose="020B0400000000000000" pitchFamily="34" charset="-128"/>
+                <a:cs typeface="Times New Roman" panose="02020603050405020304" pitchFamily="18" charset="0"/>
+              </a:rPr>
+              <a:t>Enable users to rate content on a scale from 1 to 5. A user can only rate a content if they have finished one of episode in that content.</a:t>
+            </a:r>
+          </a:p>
+        </p:txBody>
+      </p:sp>
+    </p:spTree>
+    <p:extLst>
+      <p:ext uri="{BB962C8B-B14F-4D97-AF65-F5344CB8AC3E}">
+        <p14:creationId xmlns:p14="http://schemas.microsoft.com/office/powerpoint/2010/main" val="3055649665"/>
+      </p:ext>
+    </p:extLst>
+  </p:cSld>
+  <p:clrMapOvr>
+    <a:masterClrMapping/>
+  </p:clrMapOvr>
+</p:sld>
+</file>
+
+<file path=ppt/slides/slide7.xml><?xml version="1.0" encoding="utf-8"?>
+<p:sld xmlns:a="http://schemas.openxmlformats.org/drawingml/2006/main" xmlns:r="http://schemas.openxmlformats.org/officeDocument/2006/relationships" xmlns:p="http://schemas.openxmlformats.org/presentationml/2006/main">
+  <p:cSld>
+    <p:bg>
+      <p:bgPr>
+        <a:solidFill>
+          <a:schemeClr val="bg1"/>
+        </a:solidFill>
+        <a:effectLst/>
+      </p:bgPr>
+    </p:bg>
+    <p:spTree>
+      <p:nvGrpSpPr>
+        <p:cNvPr id="1" name="">
+          <a:extLst>
+            <a:ext uri="{FF2B5EF4-FFF2-40B4-BE49-F238E27FC236}">
+              <a16:creationId xmlns:a16="http://schemas.microsoft.com/office/drawing/2014/main" id="{009636AF-53CC-29C5-4E13-12A764AE3B6B}"/>
+            </a:ext>
+          </a:extLst>
+        </p:cNvPr>
+        <p:cNvGrpSpPr/>
+        <p:nvPr/>
+      </p:nvGrpSpPr>
+      <p:grpSpPr>
+        <a:xfrm>
+          <a:off x="0" y="0"/>
+          <a:ext cx="0" cy="0"/>
+          <a:chOff x="0" y="0"/>
+          <a:chExt cx="0" cy="0"/>
+        </a:xfrm>
+      </p:grpSpPr>
+      <p:sp>
+        <p:nvSpPr>
+          <p:cNvPr id="2" name="TextBox 1">
+            <a:extLst>
+              <a:ext uri="{FF2B5EF4-FFF2-40B4-BE49-F238E27FC236}">
+                <a16:creationId xmlns:a16="http://schemas.microsoft.com/office/drawing/2014/main" id="{1EAF0956-72F8-6998-A4EF-88FDE16BF662}"/>
+              </a:ext>
+            </a:extLst>
+          </p:cNvPr>
+          <p:cNvSpPr txBox="1"/>
+          <p:nvPr/>
+        </p:nvSpPr>
+        <p:spPr>
+          <a:xfrm>
+            <a:off x="409744" y="770104"/>
+            <a:ext cx="4238456" cy="477054"/>
+          </a:xfrm>
+          <a:prstGeom prst="rect">
+            <a:avLst/>
+          </a:prstGeom>
+          <a:noFill/>
+        </p:spPr>
+        <p:txBody>
+          <a:bodyPr wrap="square" rtlCol="0">
+            <a:spAutoFit/>
+          </a:bodyPr>
+          <a:lstStyle/>
+          <a:p>
+            <a:r>
+              <a:rPr lang="en-US" sz="2500" dirty="0">
+                <a:solidFill>
+                  <a:srgbClr val="FF3300"/>
+                </a:solidFill>
+                <a:latin typeface="#9Slide03 BoosterNextFYBlack" panose="02000A03000000020004" pitchFamily="2" charset="-93"/>
+              </a:rPr>
+              <a:t>Browsing and Searching</a:t>
+            </a:r>
+          </a:p>
+        </p:txBody>
+      </p:sp>
+      <p:sp>
+        <p:nvSpPr>
+          <p:cNvPr id="6" name="TextBox 5">
+            <a:extLst>
+              <a:ext uri="{FF2B5EF4-FFF2-40B4-BE49-F238E27FC236}">
+                <a16:creationId xmlns:a16="http://schemas.microsoft.com/office/drawing/2014/main" id="{FC49A25D-B1CD-80BF-C775-131D40BC822D}"/>
+              </a:ext>
+            </a:extLst>
+          </p:cNvPr>
+          <p:cNvSpPr txBox="1"/>
+          <p:nvPr/>
+        </p:nvSpPr>
+        <p:spPr>
+          <a:xfrm>
+            <a:off x="409743" y="1376139"/>
+            <a:ext cx="6037355" cy="2819426"/>
+          </a:xfrm>
+          <a:prstGeom prst="rect">
+            <a:avLst/>
+          </a:prstGeom>
+          <a:noFill/>
+        </p:spPr>
+        <p:txBody>
+          <a:bodyPr wrap="square">
+            <a:spAutoFit/>
+          </a:bodyPr>
+          <a:lstStyle/>
+          <a:p>
+            <a:pPr lvl="0">
+              <a:lnSpc>
+                <a:spcPct val="115000"/>
+              </a:lnSpc>
+              <a:spcAft>
+                <a:spcPts val="800"/>
+              </a:spcAft>
+              <a:tabLst>
+                <a:tab pos="457200" algn="l"/>
+              </a:tabLst>
+            </a:pPr>
+            <a:r>
+              <a:rPr lang="en-US" sz="1800" b="1" kern="100" dirty="0">
+                <a:effectLst/>
+                <a:latin typeface="Aptos" panose="020B0004020202020204" pitchFamily="34" charset="0"/>
+                <a:ea typeface="Yu Gothic" panose="020B0400000000000000" pitchFamily="34" charset="-128"/>
+                <a:cs typeface="Times New Roman" panose="02020603050405020304" pitchFamily="18" charset="0"/>
+              </a:rPr>
+              <a:t>Content Search:</a:t>
+            </a:r>
+            <a:r>
+              <a:rPr lang="en-US" sz="1800" kern="100" dirty="0">
+                <a:effectLst/>
+                <a:latin typeface="Aptos" panose="020B0004020202020204" pitchFamily="34" charset="0"/>
+                <a:ea typeface="Yu Gothic" panose="020B0400000000000000" pitchFamily="34" charset="-128"/>
+                <a:cs typeface="Times New Roman" panose="02020603050405020304" pitchFamily="18" charset="0"/>
+              </a:rPr>
+              <a:t> Implement search functionality for users to find content by:</a:t>
+            </a:r>
+          </a:p>
+          <a:p>
+            <a:pPr marL="342900" lvl="0" indent="-342900">
+              <a:lnSpc>
+                <a:spcPct val="115000"/>
+              </a:lnSpc>
+              <a:spcAft>
+                <a:spcPts val="800"/>
+              </a:spcAft>
+              <a:buSzPts val="1000"/>
+              <a:buFont typeface="Symbol" panose="05050102010706020507" pitchFamily="18" charset="2"/>
+              <a:buChar char=""/>
+              <a:tabLst>
+                <a:tab pos="457200" algn="l"/>
+              </a:tabLst>
+            </a:pPr>
+            <a:r>
+              <a:rPr lang="en-US" sz="1800" kern="100" dirty="0">
+                <a:effectLst/>
+                <a:latin typeface="Aptos" panose="020B0004020202020204" pitchFamily="34" charset="0"/>
+                <a:ea typeface="Yu Gothic" panose="020B0400000000000000" pitchFamily="34" charset="-128"/>
+                <a:cs typeface="Times New Roman" panose="02020603050405020304" pitchFamily="18" charset="0"/>
+              </a:rPr>
+              <a:t>Genre</a:t>
+            </a:r>
+          </a:p>
+          <a:p>
+            <a:pPr marL="342900" lvl="0" indent="-342900">
+              <a:lnSpc>
+                <a:spcPct val="115000"/>
+              </a:lnSpc>
+              <a:spcAft>
+                <a:spcPts val="800"/>
+              </a:spcAft>
+              <a:buSzPts val="1000"/>
+              <a:buFont typeface="Symbol" panose="05050102010706020507" pitchFamily="18" charset="2"/>
+              <a:buChar char=""/>
+              <a:tabLst>
+                <a:tab pos="457200" algn="l"/>
+              </a:tabLst>
+            </a:pPr>
+            <a:r>
+              <a:rPr lang="en-US" sz="1800" kern="100" dirty="0">
+                <a:effectLst/>
+                <a:latin typeface="Aptos" panose="020B0004020202020204" pitchFamily="34" charset="0"/>
+                <a:ea typeface="Yu Gothic" panose="020B0400000000000000" pitchFamily="34" charset="-128"/>
+                <a:cs typeface="Times New Roman" panose="02020603050405020304" pitchFamily="18" charset="0"/>
+              </a:rPr>
+              <a:t>Keywords (in title/description)</a:t>
+            </a:r>
+          </a:p>
+          <a:p>
+            <a:pPr marL="342900" lvl="0" indent="-342900">
+              <a:lnSpc>
+                <a:spcPct val="115000"/>
+              </a:lnSpc>
+              <a:spcAft>
+                <a:spcPts val="800"/>
+              </a:spcAft>
+              <a:buSzPts val="1000"/>
+              <a:buFont typeface="Symbol" panose="05050102010706020507" pitchFamily="18" charset="2"/>
+              <a:buChar char=""/>
+              <a:tabLst>
+                <a:tab pos="457200" algn="l"/>
+              </a:tabLst>
+            </a:pPr>
+            <a:r>
+              <a:rPr lang="en-US" sz="1800" kern="100" dirty="0">
+                <a:effectLst/>
+                <a:latin typeface="Aptos" panose="020B0004020202020204" pitchFamily="34" charset="0"/>
+                <a:ea typeface="Yu Gothic" panose="020B0400000000000000" pitchFamily="34" charset="-128"/>
+                <a:cs typeface="Times New Roman" panose="02020603050405020304" pitchFamily="18" charset="0"/>
+              </a:rPr>
+              <a:t>Actor</a:t>
+            </a:r>
+          </a:p>
+          <a:p>
+            <a:pPr marL="342900" lvl="0" indent="-342900">
+              <a:lnSpc>
+                <a:spcPct val="115000"/>
+              </a:lnSpc>
+              <a:spcAft>
+                <a:spcPts val="800"/>
+              </a:spcAft>
+              <a:buSzPts val="1000"/>
+              <a:buFont typeface="Symbol" panose="05050102010706020507" pitchFamily="18" charset="2"/>
+              <a:buChar char=""/>
+              <a:tabLst>
+                <a:tab pos="457200" algn="l"/>
+              </a:tabLst>
+            </a:pPr>
+            <a:r>
+              <a:rPr lang="en-US" sz="1800" kern="100" dirty="0">
+                <a:effectLst/>
+                <a:latin typeface="Aptos" panose="020B0004020202020204" pitchFamily="34" charset="0"/>
+                <a:ea typeface="Yu Gothic" panose="020B0400000000000000" pitchFamily="34" charset="-128"/>
+                <a:cs typeface="Times New Roman" panose="02020603050405020304" pitchFamily="18" charset="0"/>
+              </a:rPr>
+              <a:t>Director</a:t>
+            </a:r>
+          </a:p>
+          <a:p>
+            <a:pPr lvl="0">
+              <a:lnSpc>
+                <a:spcPct val="115000"/>
+              </a:lnSpc>
+              <a:spcAft>
+                <a:spcPts val="800"/>
+              </a:spcAft>
+              <a:tabLst>
+                <a:tab pos="457200" algn="l"/>
+              </a:tabLst>
+            </a:pPr>
+            <a:r>
+              <a:rPr lang="en-US" sz="1800" b="1" kern="100" dirty="0">
+                <a:effectLst/>
+                <a:latin typeface="Aptos" panose="020B0004020202020204" pitchFamily="34" charset="0"/>
+                <a:ea typeface="Yu Gothic" panose="020B0400000000000000" pitchFamily="34" charset="-128"/>
+                <a:cs typeface="Times New Roman" panose="02020603050405020304" pitchFamily="18" charset="0"/>
+              </a:rPr>
+              <a:t>Sorting: </a:t>
+            </a:r>
+            <a:r>
+              <a:rPr lang="en-US" sz="1800" kern="100" dirty="0">
+                <a:effectLst/>
+                <a:latin typeface="Aptos" panose="020B0004020202020204" pitchFamily="34" charset="0"/>
+                <a:ea typeface="Yu Gothic" panose="020B0400000000000000" pitchFamily="34" charset="-128"/>
+                <a:cs typeface="Times New Roman" panose="02020603050405020304" pitchFamily="18" charset="0"/>
+              </a:rPr>
+              <a:t>Display search results sorted by rating.</a:t>
+            </a:r>
+          </a:p>
+        </p:txBody>
+      </p:sp>
+      <p:sp>
+        <p:nvSpPr>
+          <p:cNvPr id="4" name="TextBox 3">
+            <a:extLst>
+              <a:ext uri="{FF2B5EF4-FFF2-40B4-BE49-F238E27FC236}">
+                <a16:creationId xmlns:a16="http://schemas.microsoft.com/office/drawing/2014/main" id="{49211B05-85E2-7283-7EDC-D56517108B70}"/>
+              </a:ext>
+            </a:extLst>
+          </p:cNvPr>
+          <p:cNvSpPr txBox="1"/>
+          <p:nvPr/>
+        </p:nvSpPr>
+        <p:spPr>
+          <a:xfrm>
+            <a:off x="409743" y="4552146"/>
+            <a:ext cx="4238457" cy="477054"/>
+          </a:xfrm>
+          <a:prstGeom prst="rect">
+            <a:avLst/>
+          </a:prstGeom>
+          <a:noFill/>
+        </p:spPr>
+        <p:txBody>
+          <a:bodyPr wrap="square" rtlCol="0">
+            <a:spAutoFit/>
+          </a:bodyPr>
+          <a:lstStyle/>
+          <a:p>
+            <a:r>
+              <a:rPr lang="en-US" sz="2500" dirty="0">
+                <a:solidFill>
+                  <a:srgbClr val="FF3300"/>
+                </a:solidFill>
+                <a:latin typeface="#9Slide03 BoosterNextFYBlack" panose="02000A03000000020004" pitchFamily="2" charset="-93"/>
+              </a:rPr>
+              <a:t>Personalized experience</a:t>
+            </a:r>
+          </a:p>
+        </p:txBody>
+      </p:sp>
+      <p:sp>
+        <p:nvSpPr>
+          <p:cNvPr id="9" name="TextBox 8">
+            <a:extLst>
+              <a:ext uri="{FF2B5EF4-FFF2-40B4-BE49-F238E27FC236}">
+                <a16:creationId xmlns:a16="http://schemas.microsoft.com/office/drawing/2014/main" id="{10B19019-1222-443B-47A9-F922C64AF00D}"/>
+              </a:ext>
+            </a:extLst>
+          </p:cNvPr>
+          <p:cNvSpPr txBox="1"/>
+          <p:nvPr/>
+        </p:nvSpPr>
+        <p:spPr>
+          <a:xfrm>
+            <a:off x="409742" y="5158181"/>
+            <a:ext cx="6037355" cy="2295693"/>
+          </a:xfrm>
+          <a:prstGeom prst="rect">
+            <a:avLst/>
+          </a:prstGeom>
+          <a:noFill/>
+        </p:spPr>
+        <p:txBody>
+          <a:bodyPr wrap="square">
+            <a:spAutoFit/>
+          </a:bodyPr>
+          <a:lstStyle/>
+          <a:p>
+            <a:pPr lvl="0">
+              <a:lnSpc>
+                <a:spcPct val="115000"/>
+              </a:lnSpc>
+              <a:spcAft>
+                <a:spcPts val="800"/>
+              </a:spcAft>
+              <a:tabLst>
+                <a:tab pos="457200" algn="l"/>
+              </a:tabLst>
+            </a:pPr>
+            <a:r>
+              <a:rPr lang="en-US" sz="1800" b="1" kern="100" dirty="0">
+                <a:effectLst/>
+                <a:latin typeface="Aptos" panose="020B0004020202020204" pitchFamily="34" charset="0"/>
+                <a:ea typeface="Yu Gothic" panose="020B0400000000000000" pitchFamily="34" charset="-128"/>
+                <a:cs typeface="Times New Roman" panose="02020603050405020304" pitchFamily="18" charset="0"/>
+              </a:rPr>
+              <a:t>Viewing History: </a:t>
+            </a:r>
+            <a:r>
+              <a:rPr lang="en-US" sz="1800" kern="100" dirty="0">
+                <a:effectLst/>
+                <a:latin typeface="Aptos" panose="020B0004020202020204" pitchFamily="34" charset="0"/>
+                <a:ea typeface="Yu Gothic" panose="020B0400000000000000" pitchFamily="34" charset="-128"/>
+                <a:cs typeface="Times New Roman" panose="02020603050405020304" pitchFamily="18" charset="0"/>
+              </a:rPr>
+              <a:t>Maintain a history of content watched by each user.</a:t>
+            </a:r>
+          </a:p>
+          <a:p>
+            <a:pPr lvl="0">
+              <a:lnSpc>
+                <a:spcPct val="115000"/>
+              </a:lnSpc>
+              <a:spcAft>
+                <a:spcPts val="800"/>
+              </a:spcAft>
+              <a:tabLst>
+                <a:tab pos="457200" algn="l"/>
+              </a:tabLst>
+            </a:pPr>
+            <a:r>
+              <a:rPr lang="en-US" sz="1800" b="1" kern="100" dirty="0">
+                <a:effectLst/>
+                <a:latin typeface="Aptos" panose="020B0004020202020204" pitchFamily="34" charset="0"/>
+                <a:ea typeface="Yu Gothic" panose="020B0400000000000000" pitchFamily="34" charset="-128"/>
+                <a:cs typeface="Times New Roman" panose="02020603050405020304" pitchFamily="18" charset="0"/>
+              </a:rPr>
+              <a:t>Recommendation System: </a:t>
+            </a:r>
+            <a:r>
+              <a:rPr lang="en-US" sz="1800" kern="100" dirty="0">
+                <a:effectLst/>
+                <a:latin typeface="Aptos" panose="020B0004020202020204" pitchFamily="34" charset="0"/>
+                <a:ea typeface="Yu Gothic" panose="020B0400000000000000" pitchFamily="34" charset="-128"/>
+                <a:cs typeface="Times New Roman" panose="02020603050405020304" pitchFamily="18" charset="0"/>
+              </a:rPr>
+              <a:t>Implement a recommendation system based on:</a:t>
+            </a:r>
+          </a:p>
+          <a:p>
+            <a:pPr marL="342900" lvl="0" indent="-342900">
+              <a:lnSpc>
+                <a:spcPct val="115000"/>
+              </a:lnSpc>
+              <a:spcAft>
+                <a:spcPts val="800"/>
+              </a:spcAft>
+              <a:buSzPts val="1000"/>
+              <a:buFont typeface="Symbol" panose="05050102010706020507" pitchFamily="18" charset="2"/>
+              <a:buChar char=""/>
+              <a:tabLst>
+                <a:tab pos="457200" algn="l"/>
+              </a:tabLst>
+            </a:pPr>
+            <a:r>
+              <a:rPr lang="en-US" sz="1800" kern="100" dirty="0">
+                <a:effectLst/>
+                <a:latin typeface="Aptos" panose="020B0004020202020204" pitchFamily="34" charset="0"/>
+                <a:ea typeface="Yu Gothic" panose="020B0400000000000000" pitchFamily="34" charset="-128"/>
+                <a:cs typeface="Times New Roman" panose="02020603050405020304" pitchFamily="18" charset="0"/>
+              </a:rPr>
+              <a:t>Top viewed in the user’s country</a:t>
+            </a:r>
+          </a:p>
+          <a:p>
+            <a:pPr marL="342900" lvl="0" indent="-342900">
+              <a:lnSpc>
+                <a:spcPct val="115000"/>
+              </a:lnSpc>
+              <a:spcAft>
+                <a:spcPts val="800"/>
+              </a:spcAft>
+              <a:buSzPts val="1000"/>
+              <a:buFont typeface="Symbol" panose="05050102010706020507" pitchFamily="18" charset="2"/>
+              <a:buChar char=""/>
+              <a:tabLst>
+                <a:tab pos="457200" algn="l"/>
+              </a:tabLst>
+            </a:pPr>
+            <a:r>
+              <a:rPr lang="en-US" sz="1800" kern="100" dirty="0">
+                <a:effectLst/>
+                <a:latin typeface="Aptos" panose="020B0004020202020204" pitchFamily="34" charset="0"/>
+                <a:ea typeface="Yu Gothic" panose="020B0400000000000000" pitchFamily="34" charset="-128"/>
+                <a:cs typeface="Times New Roman" panose="02020603050405020304" pitchFamily="18" charset="0"/>
+              </a:rPr>
+              <a:t>Based on the most viewed genre in user’s view history</a:t>
+            </a:r>
+          </a:p>
+        </p:txBody>
+      </p:sp>
+    </p:spTree>
+    <p:extLst>
+      <p:ext uri="{BB962C8B-B14F-4D97-AF65-F5344CB8AC3E}">
+        <p14:creationId xmlns:p14="http://schemas.microsoft.com/office/powerpoint/2010/main" val="97197817"/>
+      </p:ext>
+    </p:extLst>
+  </p:cSld>
+  <p:clrMapOvr>
+    <a:masterClrMapping/>
+  </p:clrMapOvr>
+</p:sld>
+</file>
+
+<file path=ppt/slides/slide8.xml><?xml version="1.0" encoding="utf-8"?>
 <p:sld xmlns:a="http://schemas.openxmlformats.org/drawingml/2006/main" xmlns:r="http://schemas.openxmlformats.org/officeDocument/2006/relationships" xmlns:p="http://schemas.openxmlformats.org/presentationml/2006/main">
   <p:cSld>
     <p:bg>
@@ -10443,7 +15857,7 @@
 </p:sld>
 </file>
 
-<file path=ppt/slides/slide7.xml><?xml version="1.0" encoding="utf-8"?>
+<file path=ppt/slides/slide9.xml><?xml version="1.0" encoding="utf-8"?>
 <p:sld xmlns:a="http://schemas.openxmlformats.org/drawingml/2006/main" xmlns:r="http://schemas.openxmlformats.org/officeDocument/2006/relationships" xmlns:p="http://schemas.openxmlformats.org/presentationml/2006/main">
   <p:cSld>
     <p:bg>
@@ -10554,829 +15968,6 @@
     <p:extLst>
       <p:ext uri="{BB962C8B-B14F-4D97-AF65-F5344CB8AC3E}">
         <p14:creationId xmlns:p14="http://schemas.microsoft.com/office/powerpoint/2010/main" val="1831668105"/>
-      </p:ext>
-    </p:extLst>
-  </p:cSld>
-  <p:clrMapOvr>
-    <a:masterClrMapping/>
-  </p:clrMapOvr>
-</p:sld>
-</file>
-
-<file path=ppt/slides/slide8.xml><?xml version="1.0" encoding="utf-8"?>
-<p:sld xmlns:a="http://schemas.openxmlformats.org/drawingml/2006/main" xmlns:r="http://schemas.openxmlformats.org/officeDocument/2006/relationships" xmlns:p="http://schemas.openxmlformats.org/presentationml/2006/main">
-  <p:cSld>
-    <p:bg>
-      <p:bgPr>
-        <a:solidFill>
-          <a:srgbClr val="FBFBFB"/>
-        </a:solidFill>
-        <a:effectLst/>
-      </p:bgPr>
-    </p:bg>
-    <p:spTree>
-      <p:nvGrpSpPr>
-        <p:cNvPr id="1" name="">
-          <a:extLst>
-            <a:ext uri="{FF2B5EF4-FFF2-40B4-BE49-F238E27FC236}">
-              <a16:creationId xmlns:a16="http://schemas.microsoft.com/office/drawing/2014/main" id="{A1F7A6AA-CEF5-13EC-2216-116234682EDF}"/>
-            </a:ext>
-          </a:extLst>
-        </p:cNvPr>
-        <p:cNvGrpSpPr/>
-        <p:nvPr/>
-      </p:nvGrpSpPr>
-      <p:grpSpPr>
-        <a:xfrm>
-          <a:off x="0" y="0"/>
-          <a:ext cx="0" cy="0"/>
-          <a:chOff x="0" y="0"/>
-          <a:chExt cx="0" cy="0"/>
-        </a:xfrm>
-      </p:grpSpPr>
-      <p:pic>
-        <p:nvPicPr>
-          <p:cNvPr id="6" name="Picture 5">
-            <a:extLst>
-              <a:ext uri="{FF2B5EF4-FFF2-40B4-BE49-F238E27FC236}">
-                <a16:creationId xmlns:a16="http://schemas.microsoft.com/office/drawing/2014/main" id="{C11101E4-9FB7-0F42-B7A2-341E92CC05E7}"/>
-              </a:ext>
-            </a:extLst>
-          </p:cNvPr>
-          <p:cNvPicPr>
-            <a:picLocks noChangeAspect="1"/>
-          </p:cNvPicPr>
-          <p:nvPr/>
-        </p:nvPicPr>
-        <p:blipFill>
-          <a:blip r:embed="rId2">
-            <a:extLst>
-              <a:ext uri="{28A0092B-C50C-407E-A947-70E740481C1C}">
-                <a14:useLocalDpi xmlns:a14="http://schemas.microsoft.com/office/drawing/2010/main" val="0"/>
-              </a:ext>
-            </a:extLst>
-          </a:blip>
-          <a:srcRect r="2135" b="6608"/>
-          <a:stretch/>
-        </p:blipFill>
-        <p:spPr>
-          <a:xfrm rot="5400000">
-            <a:off x="-1422714" y="2224721"/>
-            <a:ext cx="9314640" cy="5289222"/>
-          </a:xfrm>
-          <a:prstGeom prst="rect">
-            <a:avLst/>
-          </a:prstGeom>
-        </p:spPr>
-      </p:pic>
-      <p:sp>
-        <p:nvSpPr>
-          <p:cNvPr id="3" name="TextBox 2">
-            <a:extLst>
-              <a:ext uri="{FF2B5EF4-FFF2-40B4-BE49-F238E27FC236}">
-                <a16:creationId xmlns:a16="http://schemas.microsoft.com/office/drawing/2014/main" id="{E64FA6E1-95AD-B8C3-A77F-3FF4B230115D}"/>
-              </a:ext>
-            </a:extLst>
-          </p:cNvPr>
-          <p:cNvSpPr txBox="1"/>
-          <p:nvPr/>
-        </p:nvSpPr>
-        <p:spPr>
-          <a:xfrm rot="5400000">
-            <a:off x="3573780" y="2791769"/>
-            <a:ext cx="5318760" cy="707886"/>
-          </a:xfrm>
-          <a:prstGeom prst="rect">
-            <a:avLst/>
-          </a:prstGeom>
-          <a:noFill/>
-        </p:spPr>
-        <p:txBody>
-          <a:bodyPr wrap="square" rtlCol="0">
-            <a:spAutoFit/>
-          </a:bodyPr>
-          <a:lstStyle/>
-          <a:p>
-            <a:r>
-              <a:rPr lang="en-US" sz="4000" dirty="0">
-                <a:latin typeface="#9Slide03 BoosterNextFYBlack" panose="02000A03000000020004" pitchFamily="2" charset="-93"/>
-              </a:rPr>
-              <a:t>Relational schema</a:t>
-            </a:r>
-            <a:endParaRPr lang="en-US" sz="2400" dirty="0">
-              <a:latin typeface="#9Slide03 BoosterNextFYBlack" panose="02000A03000000020004" pitchFamily="2" charset="-93"/>
-            </a:endParaRPr>
-          </a:p>
-        </p:txBody>
-      </p:sp>
-    </p:spTree>
-    <p:extLst>
-      <p:ext uri="{BB962C8B-B14F-4D97-AF65-F5344CB8AC3E}">
-        <p14:creationId xmlns:p14="http://schemas.microsoft.com/office/powerpoint/2010/main" val="3057429076"/>
-      </p:ext>
-    </p:extLst>
-  </p:cSld>
-  <p:clrMapOvr>
-    <a:masterClrMapping/>
-  </p:clrMapOvr>
-</p:sld>
-</file>
-
-<file path=ppt/slides/slide9.xml><?xml version="1.0" encoding="utf-8"?>
-<p:sld xmlns:a="http://schemas.openxmlformats.org/drawingml/2006/main" xmlns:r="http://schemas.openxmlformats.org/officeDocument/2006/relationships" xmlns:p="http://schemas.openxmlformats.org/presentationml/2006/main">
-  <p:cSld>
-    <p:bg>
-      <p:bgPr>
-        <a:solidFill>
-          <a:schemeClr val="bg1"/>
-        </a:solidFill>
-        <a:effectLst/>
-      </p:bgPr>
-    </p:bg>
-    <p:spTree>
-      <p:nvGrpSpPr>
-        <p:cNvPr id="1" name="">
-          <a:extLst>
-            <a:ext uri="{FF2B5EF4-FFF2-40B4-BE49-F238E27FC236}">
-              <a16:creationId xmlns:a16="http://schemas.microsoft.com/office/drawing/2014/main" id="{5D519875-058E-A5D1-E65E-B43BDC6E926C}"/>
-            </a:ext>
-          </a:extLst>
-        </p:cNvPr>
-        <p:cNvGrpSpPr/>
-        <p:nvPr/>
-      </p:nvGrpSpPr>
-      <p:grpSpPr>
-        <a:xfrm>
-          <a:off x="0" y="0"/>
-          <a:ext cx="0" cy="0"/>
-          <a:chOff x="0" y="0"/>
-          <a:chExt cx="0" cy="0"/>
-        </a:xfrm>
-      </p:grpSpPr>
-      <p:sp>
-        <p:nvSpPr>
-          <p:cNvPr id="3" name="TextBox 2">
-            <a:extLst>
-              <a:ext uri="{FF2B5EF4-FFF2-40B4-BE49-F238E27FC236}">
-                <a16:creationId xmlns:a16="http://schemas.microsoft.com/office/drawing/2014/main" id="{84DEAD69-5900-77B6-33BB-9770618473F5}"/>
-              </a:ext>
-            </a:extLst>
-          </p:cNvPr>
-          <p:cNvSpPr txBox="1"/>
-          <p:nvPr/>
-        </p:nvSpPr>
-        <p:spPr>
-          <a:xfrm>
-            <a:off x="348584" y="363086"/>
-            <a:ext cx="3380809" cy="707886"/>
-          </a:xfrm>
-          <a:prstGeom prst="rect">
-            <a:avLst/>
-          </a:prstGeom>
-          <a:noFill/>
-        </p:spPr>
-        <p:txBody>
-          <a:bodyPr wrap="square" rtlCol="0">
-            <a:spAutoFit/>
-          </a:bodyPr>
-          <a:lstStyle/>
-          <a:p>
-            <a:r>
-              <a:rPr lang="en-US" sz="4000" dirty="0">
-                <a:latin typeface="#9Slide03 BoosterNextFYBlack" panose="02000A03000000020004" pitchFamily="2" charset="-93"/>
-              </a:rPr>
-              <a:t>04. TABLES</a:t>
-            </a:r>
-            <a:endParaRPr lang="en-US" sz="2400" dirty="0">
-              <a:latin typeface="#9Slide03 BoosterNextFYBlack" panose="02000A03000000020004" pitchFamily="2" charset="-93"/>
-            </a:endParaRPr>
-          </a:p>
-        </p:txBody>
-      </p:sp>
-      <p:sp>
-        <p:nvSpPr>
-          <p:cNvPr id="4" name="TextBox 3">
-            <a:extLst>
-              <a:ext uri="{FF2B5EF4-FFF2-40B4-BE49-F238E27FC236}">
-                <a16:creationId xmlns:a16="http://schemas.microsoft.com/office/drawing/2014/main" id="{BB634710-CFD4-703B-C47A-31B06E24B9F7}"/>
-              </a:ext>
-            </a:extLst>
-          </p:cNvPr>
-          <p:cNvSpPr txBox="1"/>
-          <p:nvPr/>
-        </p:nvSpPr>
-        <p:spPr>
-          <a:xfrm>
-            <a:off x="348584" y="2267311"/>
-            <a:ext cx="6113173" cy="1282402"/>
-          </a:xfrm>
-          <a:prstGeom prst="rect">
-            <a:avLst/>
-          </a:prstGeom>
-          <a:noFill/>
-        </p:spPr>
-        <p:txBody>
-          <a:bodyPr wrap="square">
-            <a:spAutoFit/>
-          </a:bodyPr>
-          <a:lstStyle/>
-          <a:p>
-            <a:pPr>
-              <a:spcAft>
-                <a:spcPts val="800"/>
-              </a:spcAft>
-            </a:pPr>
-            <a:r>
-              <a:rPr lang="en-US" sz="1600" kern="100" dirty="0">
-                <a:effectLst/>
-                <a:latin typeface="Be Vietnam Pro" pitchFamily="2" charset="-93"/>
-                <a:ea typeface="DengXian" panose="02010600030101010101" pitchFamily="2" charset="-122"/>
-                <a:cs typeface="Times New Roman" panose="02020603050405020304" pitchFamily="18" charset="0"/>
-              </a:rPr>
-              <a:t>Represents the countries where the platform is available.</a:t>
-            </a:r>
-          </a:p>
-          <a:p>
-            <a:pPr lvl="0">
-              <a:spcAft>
-                <a:spcPts val="800"/>
-              </a:spcAft>
-              <a:buSzPts val="1000"/>
-              <a:tabLst>
-                <a:tab pos="457200" algn="l"/>
-              </a:tabLst>
-            </a:pPr>
-            <a:r>
-              <a:rPr lang="en-US" sz="1600" b="1" kern="100" dirty="0" err="1">
-                <a:effectLst/>
-                <a:latin typeface="Be Vietnam Pro" pitchFamily="2" charset="-93"/>
-                <a:ea typeface="DengXian" panose="02010600030101010101" pitchFamily="2" charset="-122"/>
-                <a:cs typeface="Times New Roman" panose="02020603050405020304" pitchFamily="18" charset="0"/>
-              </a:rPr>
-              <a:t>country_id</a:t>
-            </a:r>
-            <a:r>
-              <a:rPr lang="en-US" sz="1600" b="1" kern="100" dirty="0">
-                <a:effectLst/>
-                <a:latin typeface="Be Vietnam Pro" pitchFamily="2" charset="-93"/>
-                <a:ea typeface="DengXian" panose="02010600030101010101" pitchFamily="2" charset="-122"/>
-                <a:cs typeface="Times New Roman" panose="02020603050405020304" pitchFamily="18" charset="0"/>
-              </a:rPr>
-              <a:t>: </a:t>
-            </a:r>
-            <a:r>
-              <a:rPr lang="en-US" sz="1600" kern="100" dirty="0">
-                <a:effectLst/>
-                <a:latin typeface="Be Vietnam Pro" pitchFamily="2" charset="-93"/>
-                <a:ea typeface="DengXian" panose="02010600030101010101" pitchFamily="2" charset="-122"/>
-                <a:cs typeface="Times New Roman" panose="02020603050405020304" pitchFamily="18" charset="0"/>
-              </a:rPr>
-              <a:t>Unique identifier for each country (Primary Key).</a:t>
-            </a:r>
-          </a:p>
-          <a:p>
-            <a:pPr lvl="0">
-              <a:spcAft>
-                <a:spcPts val="800"/>
-              </a:spcAft>
-              <a:buSzPts val="1000"/>
-              <a:tabLst>
-                <a:tab pos="457200" algn="l"/>
-              </a:tabLst>
-            </a:pPr>
-            <a:r>
-              <a:rPr lang="en-US" sz="1600" b="1" kern="100" dirty="0" err="1">
-                <a:effectLst/>
-                <a:latin typeface="Be Vietnam Pro" pitchFamily="2" charset="-93"/>
-                <a:ea typeface="DengXian" panose="02010600030101010101" pitchFamily="2" charset="-122"/>
-                <a:cs typeface="Times New Roman" panose="02020603050405020304" pitchFamily="18" charset="0"/>
-              </a:rPr>
-              <a:t>country_name</a:t>
-            </a:r>
-            <a:r>
-              <a:rPr lang="en-US" sz="1600" b="1" kern="100" dirty="0">
-                <a:effectLst/>
-                <a:latin typeface="Be Vietnam Pro" pitchFamily="2" charset="-93"/>
-                <a:ea typeface="DengXian" panose="02010600030101010101" pitchFamily="2" charset="-122"/>
-                <a:cs typeface="Times New Roman" panose="02020603050405020304" pitchFamily="18" charset="0"/>
-              </a:rPr>
-              <a:t>:</a:t>
-            </a:r>
-            <a:r>
-              <a:rPr lang="en-US" sz="1600" kern="100" dirty="0">
-                <a:effectLst/>
-                <a:latin typeface="Be Vietnam Pro" pitchFamily="2" charset="-93"/>
-                <a:ea typeface="DengXian" panose="02010600030101010101" pitchFamily="2" charset="-122"/>
-                <a:cs typeface="Times New Roman" panose="02020603050405020304" pitchFamily="18" charset="0"/>
-              </a:rPr>
-              <a:t> Name of the country (e.g., 'USA', 'India').</a:t>
-            </a:r>
-          </a:p>
-        </p:txBody>
-      </p:sp>
-      <p:sp>
-        <p:nvSpPr>
-          <p:cNvPr id="7" name="TextBox 6">
-            <a:extLst>
-              <a:ext uri="{FF2B5EF4-FFF2-40B4-BE49-F238E27FC236}">
-                <a16:creationId xmlns:a16="http://schemas.microsoft.com/office/drawing/2014/main" id="{4E7EA461-C7AE-A53D-571F-6512A64F4C58}"/>
-              </a:ext>
-            </a:extLst>
-          </p:cNvPr>
-          <p:cNvSpPr txBox="1"/>
-          <p:nvPr/>
-        </p:nvSpPr>
-        <p:spPr>
-          <a:xfrm>
-            <a:off x="348585" y="1600050"/>
-            <a:ext cx="3431892" cy="488275"/>
-          </a:xfrm>
-          <a:prstGeom prst="rect">
-            <a:avLst/>
-          </a:prstGeom>
-          <a:noFill/>
-        </p:spPr>
-        <p:txBody>
-          <a:bodyPr wrap="square">
-            <a:spAutoFit/>
-          </a:bodyPr>
-          <a:lstStyle/>
-          <a:p>
-            <a:pPr>
-              <a:lnSpc>
-                <a:spcPct val="115000"/>
-              </a:lnSpc>
-              <a:spcAft>
-                <a:spcPts val="800"/>
-              </a:spcAft>
-            </a:pPr>
-            <a:r>
-              <a:rPr lang="en-US" sz="2400" b="1" kern="100" dirty="0">
-                <a:effectLst/>
-                <a:latin typeface="Be Vietnam Pro" pitchFamily="2" charset="-93"/>
-                <a:ea typeface="DengXian" panose="02010600030101010101" pitchFamily="2" charset="-122"/>
-                <a:cs typeface="Times New Roman" panose="02020603050405020304" pitchFamily="18" charset="0"/>
-              </a:rPr>
-              <a:t>Country</a:t>
-            </a:r>
-            <a:endParaRPr lang="en-US" sz="2400" kern="100" dirty="0">
-              <a:effectLst/>
-              <a:latin typeface="Be Vietnam Pro" pitchFamily="2" charset="-93"/>
-              <a:ea typeface="DengXian" panose="02010600030101010101" pitchFamily="2" charset="-122"/>
-              <a:cs typeface="Times New Roman" panose="02020603050405020304" pitchFamily="18" charset="0"/>
-            </a:endParaRPr>
-          </a:p>
-        </p:txBody>
-      </p:sp>
-      <p:cxnSp>
-        <p:nvCxnSpPr>
-          <p:cNvPr id="9" name="Straight Connector 8">
-            <a:extLst>
-              <a:ext uri="{FF2B5EF4-FFF2-40B4-BE49-F238E27FC236}">
-                <a16:creationId xmlns:a16="http://schemas.microsoft.com/office/drawing/2014/main" id="{A8BAC662-63E0-4678-8B3A-890578C78018}"/>
-              </a:ext>
-            </a:extLst>
-          </p:cNvPr>
-          <p:cNvCxnSpPr>
-            <a:cxnSpLocks/>
-          </p:cNvCxnSpPr>
-          <p:nvPr/>
-        </p:nvCxnSpPr>
-        <p:spPr>
-          <a:xfrm>
-            <a:off x="454307" y="2088325"/>
-            <a:ext cx="5853896" cy="0"/>
-          </a:xfrm>
-          <a:prstGeom prst="line">
-            <a:avLst/>
-          </a:prstGeom>
-          <a:ln>
-            <a:solidFill>
-              <a:srgbClr val="F05222"/>
-            </a:solidFill>
-          </a:ln>
-        </p:spPr>
-        <p:style>
-          <a:lnRef idx="2">
-            <a:schemeClr val="accent1"/>
-          </a:lnRef>
-          <a:fillRef idx="0">
-            <a:schemeClr val="accent1"/>
-          </a:fillRef>
-          <a:effectRef idx="1">
-            <a:schemeClr val="accent1"/>
-          </a:effectRef>
-          <a:fontRef idx="minor">
-            <a:schemeClr val="tx1"/>
-          </a:fontRef>
-        </p:style>
-      </p:cxnSp>
-      <p:sp>
-        <p:nvSpPr>
-          <p:cNvPr id="16" name="TextBox 15">
-            <a:extLst>
-              <a:ext uri="{FF2B5EF4-FFF2-40B4-BE49-F238E27FC236}">
-                <a16:creationId xmlns:a16="http://schemas.microsoft.com/office/drawing/2014/main" id="{CDF8A68F-7D21-F047-5F86-C0059D10C5B6}"/>
-              </a:ext>
-            </a:extLst>
-          </p:cNvPr>
-          <p:cNvSpPr txBox="1"/>
-          <p:nvPr/>
-        </p:nvSpPr>
-        <p:spPr>
-          <a:xfrm>
-            <a:off x="348585" y="4103028"/>
-            <a:ext cx="3431892" cy="488275"/>
-          </a:xfrm>
-          <a:prstGeom prst="rect">
-            <a:avLst/>
-          </a:prstGeom>
-          <a:noFill/>
-        </p:spPr>
-        <p:txBody>
-          <a:bodyPr wrap="square">
-            <a:spAutoFit/>
-          </a:bodyPr>
-          <a:lstStyle/>
-          <a:p>
-            <a:pPr>
-              <a:lnSpc>
-                <a:spcPct val="115000"/>
-              </a:lnSpc>
-              <a:spcAft>
-                <a:spcPts val="800"/>
-              </a:spcAft>
-            </a:pPr>
-            <a:r>
-              <a:rPr lang="en-US" sz="2400" b="1" kern="100" dirty="0">
-                <a:effectLst/>
-                <a:latin typeface="Be Vietnam Pro" pitchFamily="2" charset="-93"/>
-                <a:ea typeface="DengXian" panose="02010600030101010101" pitchFamily="2" charset="-122"/>
-                <a:cs typeface="Times New Roman" panose="02020603050405020304" pitchFamily="18" charset="0"/>
-              </a:rPr>
-              <a:t>Users</a:t>
-            </a:r>
-            <a:endParaRPr lang="en-US" sz="2400" kern="100" dirty="0">
-              <a:effectLst/>
-              <a:latin typeface="Be Vietnam Pro" pitchFamily="2" charset="-93"/>
-              <a:ea typeface="DengXian" panose="02010600030101010101" pitchFamily="2" charset="-122"/>
-              <a:cs typeface="Times New Roman" panose="02020603050405020304" pitchFamily="18" charset="0"/>
-            </a:endParaRPr>
-          </a:p>
-        </p:txBody>
-      </p:sp>
-      <p:cxnSp>
-        <p:nvCxnSpPr>
-          <p:cNvPr id="17" name="Straight Connector 16">
-            <a:extLst>
-              <a:ext uri="{FF2B5EF4-FFF2-40B4-BE49-F238E27FC236}">
-                <a16:creationId xmlns:a16="http://schemas.microsoft.com/office/drawing/2014/main" id="{60ED1386-EFC9-9470-BF99-C6DCFE3711D4}"/>
-              </a:ext>
-            </a:extLst>
-          </p:cNvPr>
-          <p:cNvCxnSpPr>
-            <a:cxnSpLocks/>
-          </p:cNvCxnSpPr>
-          <p:nvPr/>
-        </p:nvCxnSpPr>
-        <p:spPr>
-          <a:xfrm>
-            <a:off x="454307" y="4591303"/>
-            <a:ext cx="5853896" cy="0"/>
-          </a:xfrm>
-          <a:prstGeom prst="line">
-            <a:avLst/>
-          </a:prstGeom>
-          <a:ln>
-            <a:solidFill>
-              <a:srgbClr val="F05222"/>
-            </a:solidFill>
-          </a:ln>
-        </p:spPr>
-        <p:style>
-          <a:lnRef idx="2">
-            <a:schemeClr val="accent1"/>
-          </a:lnRef>
-          <a:fillRef idx="0">
-            <a:schemeClr val="accent1"/>
-          </a:fillRef>
-          <a:effectRef idx="1">
-            <a:schemeClr val="accent1"/>
-          </a:effectRef>
-          <a:fontRef idx="minor">
-            <a:schemeClr val="tx1"/>
-          </a:fontRef>
-        </p:style>
-      </p:cxnSp>
-      <p:sp>
-        <p:nvSpPr>
-          <p:cNvPr id="19" name="TextBox 18">
-            <a:extLst>
-              <a:ext uri="{FF2B5EF4-FFF2-40B4-BE49-F238E27FC236}">
-                <a16:creationId xmlns:a16="http://schemas.microsoft.com/office/drawing/2014/main" id="{891131A6-055B-CD9D-AFA7-F28C36424683}"/>
-              </a:ext>
-            </a:extLst>
-          </p:cNvPr>
-          <p:cNvSpPr txBox="1"/>
-          <p:nvPr/>
-        </p:nvSpPr>
-        <p:spPr>
-          <a:xfrm>
-            <a:off x="348586" y="4724821"/>
-            <a:ext cx="6113174" cy="3622787"/>
-          </a:xfrm>
-          <a:prstGeom prst="rect">
-            <a:avLst/>
-          </a:prstGeom>
-          <a:noFill/>
-        </p:spPr>
-        <p:txBody>
-          <a:bodyPr wrap="square">
-            <a:spAutoFit/>
-          </a:bodyPr>
-          <a:lstStyle/>
-          <a:p>
-            <a:pPr>
-              <a:lnSpc>
-                <a:spcPct val="115000"/>
-              </a:lnSpc>
-              <a:spcAft>
-                <a:spcPts val="800"/>
-              </a:spcAft>
-            </a:pPr>
-            <a:r>
-              <a:rPr lang="en-US" sz="1600" kern="100" dirty="0">
-                <a:latin typeface="Be Vietnam Pro" pitchFamily="2" charset="-93"/>
-                <a:ea typeface="DengXian" panose="02010600030101010101" pitchFamily="2" charset="-122"/>
-                <a:cs typeface="Times New Roman" panose="02020603050405020304" pitchFamily="18" charset="0"/>
-              </a:rPr>
-              <a:t>Stores user information and their registration details.</a:t>
-            </a:r>
-          </a:p>
-          <a:p>
-            <a:pPr lvl="0">
-              <a:lnSpc>
-                <a:spcPct val="115000"/>
-              </a:lnSpc>
-              <a:spcAft>
-                <a:spcPts val="800"/>
-              </a:spcAft>
-              <a:buSzPts val="1000"/>
-              <a:tabLst>
-                <a:tab pos="457200" algn="l"/>
-              </a:tabLst>
-            </a:pPr>
-            <a:r>
-              <a:rPr lang="en-US" sz="1600" b="1" kern="100" dirty="0" err="1">
-                <a:latin typeface="Be Vietnam Pro" pitchFamily="2" charset="-93"/>
-                <a:ea typeface="DengXian" panose="02010600030101010101" pitchFamily="2" charset="-122"/>
-                <a:cs typeface="Times New Roman" panose="02020603050405020304" pitchFamily="18" charset="0"/>
-              </a:rPr>
-              <a:t>user_id</a:t>
-            </a:r>
-            <a:r>
-              <a:rPr lang="en-US" sz="1600" b="1" kern="100" dirty="0">
-                <a:latin typeface="Be Vietnam Pro" pitchFamily="2" charset="-93"/>
-                <a:ea typeface="DengXian" panose="02010600030101010101" pitchFamily="2" charset="-122"/>
-                <a:cs typeface="Times New Roman" panose="02020603050405020304" pitchFamily="18" charset="0"/>
-              </a:rPr>
-              <a:t>: </a:t>
-            </a:r>
-            <a:r>
-              <a:rPr lang="en-US" sz="1600" kern="100" dirty="0">
-                <a:latin typeface="Be Vietnam Pro" pitchFamily="2" charset="-93"/>
-                <a:ea typeface="DengXian" panose="02010600030101010101" pitchFamily="2" charset="-122"/>
-                <a:cs typeface="Times New Roman" panose="02020603050405020304" pitchFamily="18" charset="0"/>
-              </a:rPr>
-              <a:t>Unique identifier for each user (Primary Key).</a:t>
-            </a:r>
-          </a:p>
-          <a:p>
-            <a:pPr lvl="0">
-              <a:lnSpc>
-                <a:spcPct val="115000"/>
-              </a:lnSpc>
-              <a:spcAft>
-                <a:spcPts val="800"/>
-              </a:spcAft>
-              <a:buSzPts val="1000"/>
-              <a:tabLst>
-                <a:tab pos="457200" algn="l"/>
-              </a:tabLst>
-            </a:pPr>
-            <a:r>
-              <a:rPr lang="en-US" sz="1600" b="1" kern="100" dirty="0" err="1">
-                <a:latin typeface="Be Vietnam Pro" pitchFamily="2" charset="-93"/>
-                <a:ea typeface="DengXian" panose="02010600030101010101" pitchFamily="2" charset="-122"/>
-                <a:cs typeface="Times New Roman" panose="02020603050405020304" pitchFamily="18" charset="0"/>
-              </a:rPr>
-              <a:t>first_name</a:t>
-            </a:r>
-            <a:r>
-              <a:rPr lang="en-US" sz="1600" b="1" kern="100" dirty="0">
-                <a:latin typeface="Be Vietnam Pro" pitchFamily="2" charset="-93"/>
-                <a:ea typeface="DengXian" panose="02010600030101010101" pitchFamily="2" charset="-122"/>
-                <a:cs typeface="Times New Roman" panose="02020603050405020304" pitchFamily="18" charset="0"/>
-              </a:rPr>
-              <a:t>: </a:t>
-            </a:r>
-            <a:r>
-              <a:rPr lang="en-US" sz="1600" kern="100" dirty="0">
-                <a:latin typeface="Be Vietnam Pro" pitchFamily="2" charset="-93"/>
-                <a:ea typeface="DengXian" panose="02010600030101010101" pitchFamily="2" charset="-122"/>
-                <a:cs typeface="Times New Roman" panose="02020603050405020304" pitchFamily="18" charset="0"/>
-              </a:rPr>
-              <a:t>User's first name.</a:t>
-            </a:r>
-          </a:p>
-          <a:p>
-            <a:pPr lvl="0">
-              <a:lnSpc>
-                <a:spcPct val="115000"/>
-              </a:lnSpc>
-              <a:spcAft>
-                <a:spcPts val="800"/>
-              </a:spcAft>
-              <a:buSzPts val="1000"/>
-              <a:tabLst>
-                <a:tab pos="457200" algn="l"/>
-              </a:tabLst>
-            </a:pPr>
-            <a:r>
-              <a:rPr lang="en-US" sz="1600" b="1" kern="100" dirty="0" err="1">
-                <a:latin typeface="Be Vietnam Pro" pitchFamily="2" charset="-93"/>
-                <a:ea typeface="DengXian" panose="02010600030101010101" pitchFamily="2" charset="-122"/>
-                <a:cs typeface="Times New Roman" panose="02020603050405020304" pitchFamily="18" charset="0"/>
-              </a:rPr>
-              <a:t>last_name</a:t>
-            </a:r>
-            <a:r>
-              <a:rPr lang="en-US" sz="1600" b="1" kern="100" dirty="0">
-                <a:latin typeface="Be Vietnam Pro" pitchFamily="2" charset="-93"/>
-                <a:ea typeface="DengXian" panose="02010600030101010101" pitchFamily="2" charset="-122"/>
-                <a:cs typeface="Times New Roman" panose="02020603050405020304" pitchFamily="18" charset="0"/>
-              </a:rPr>
-              <a:t>: </a:t>
-            </a:r>
-            <a:r>
-              <a:rPr lang="en-US" sz="1600" kern="100" dirty="0">
-                <a:latin typeface="Be Vietnam Pro" pitchFamily="2" charset="-93"/>
-                <a:ea typeface="DengXian" panose="02010600030101010101" pitchFamily="2" charset="-122"/>
-                <a:cs typeface="Times New Roman" panose="02020603050405020304" pitchFamily="18" charset="0"/>
-              </a:rPr>
-              <a:t>User's last name.</a:t>
-            </a:r>
-          </a:p>
-          <a:p>
-            <a:pPr lvl="0">
-              <a:lnSpc>
-                <a:spcPct val="115000"/>
-              </a:lnSpc>
-              <a:spcAft>
-                <a:spcPts val="800"/>
-              </a:spcAft>
-              <a:buSzPts val="1000"/>
-              <a:tabLst>
-                <a:tab pos="457200" algn="l"/>
-              </a:tabLst>
-            </a:pPr>
-            <a:r>
-              <a:rPr lang="en-US" sz="1600" b="1" kern="100" dirty="0">
-                <a:latin typeface="Be Vietnam Pro" pitchFamily="2" charset="-93"/>
-                <a:ea typeface="DengXian" panose="02010600030101010101" pitchFamily="2" charset="-122"/>
-                <a:cs typeface="Times New Roman" panose="02020603050405020304" pitchFamily="18" charset="0"/>
-              </a:rPr>
-              <a:t>email: </a:t>
-            </a:r>
-            <a:r>
-              <a:rPr lang="en-US" sz="1600" kern="100" dirty="0">
-                <a:latin typeface="Be Vietnam Pro" pitchFamily="2" charset="-93"/>
-                <a:ea typeface="DengXian" panose="02010600030101010101" pitchFamily="2" charset="-122"/>
-                <a:cs typeface="Times New Roman" panose="02020603050405020304" pitchFamily="18" charset="0"/>
-              </a:rPr>
-              <a:t>Unique email address for the user</a:t>
-            </a:r>
-          </a:p>
-          <a:p>
-            <a:pPr lvl="0">
-              <a:lnSpc>
-                <a:spcPct val="115000"/>
-              </a:lnSpc>
-              <a:spcAft>
-                <a:spcPts val="800"/>
-              </a:spcAft>
-              <a:buSzPts val="1000"/>
-              <a:tabLst>
-                <a:tab pos="457200" algn="l"/>
-              </a:tabLst>
-            </a:pPr>
-            <a:r>
-              <a:rPr lang="en-US" sz="1600" b="1" kern="100" dirty="0">
-                <a:latin typeface="Be Vietnam Pro" pitchFamily="2" charset="-93"/>
-                <a:ea typeface="DengXian" panose="02010600030101010101" pitchFamily="2" charset="-122"/>
-                <a:cs typeface="Times New Roman" panose="02020603050405020304" pitchFamily="18" charset="0"/>
-              </a:rPr>
-              <a:t>password: </a:t>
-            </a:r>
-            <a:r>
-              <a:rPr lang="en-US" sz="1600" kern="100" dirty="0">
-                <a:latin typeface="Be Vietnam Pro" pitchFamily="2" charset="-93"/>
-                <a:ea typeface="DengXian" panose="02010600030101010101" pitchFamily="2" charset="-122"/>
-                <a:cs typeface="Times New Roman" panose="02020603050405020304" pitchFamily="18" charset="0"/>
-              </a:rPr>
-              <a:t>User’s account password</a:t>
-            </a:r>
-          </a:p>
-          <a:p>
-            <a:pPr lvl="0">
-              <a:lnSpc>
-                <a:spcPct val="115000"/>
-              </a:lnSpc>
-              <a:spcAft>
-                <a:spcPts val="800"/>
-              </a:spcAft>
-              <a:buSzPts val="1000"/>
-              <a:tabLst>
-                <a:tab pos="457200" algn="l"/>
-              </a:tabLst>
-            </a:pPr>
-            <a:r>
-              <a:rPr lang="en-US" sz="1600" b="1" kern="100" dirty="0">
-                <a:latin typeface="Be Vietnam Pro" pitchFamily="2" charset="-93"/>
-                <a:ea typeface="DengXian" panose="02010600030101010101" pitchFamily="2" charset="-122"/>
-                <a:cs typeface="Times New Roman" panose="02020603050405020304" pitchFamily="18" charset="0"/>
-              </a:rPr>
-              <a:t>status: </a:t>
-            </a:r>
-            <a:r>
-              <a:rPr lang="en-US" sz="1600" kern="100" dirty="0">
-                <a:latin typeface="Be Vietnam Pro" pitchFamily="2" charset="-93"/>
-                <a:ea typeface="DengXian" panose="02010600030101010101" pitchFamily="2" charset="-122"/>
-                <a:cs typeface="Times New Roman" panose="02020603050405020304" pitchFamily="18" charset="0"/>
-              </a:rPr>
-              <a:t>Current status of the user (active, deleted, suspended).</a:t>
-            </a:r>
-          </a:p>
-          <a:p>
-            <a:pPr lvl="0">
-              <a:lnSpc>
-                <a:spcPct val="115000"/>
-              </a:lnSpc>
-              <a:spcAft>
-                <a:spcPts val="800"/>
-              </a:spcAft>
-              <a:buSzPts val="1000"/>
-              <a:tabLst>
-                <a:tab pos="457200" algn="l"/>
-              </a:tabLst>
-            </a:pPr>
-            <a:r>
-              <a:rPr lang="en-US" sz="1600" b="1" kern="100" dirty="0" err="1">
-                <a:latin typeface="Be Vietnam Pro" pitchFamily="2" charset="-93"/>
-                <a:ea typeface="DengXian" panose="02010600030101010101" pitchFamily="2" charset="-122"/>
-                <a:cs typeface="Times New Roman" panose="02020603050405020304" pitchFamily="18" charset="0"/>
-              </a:rPr>
-              <a:t>country_id</a:t>
-            </a:r>
-            <a:r>
-              <a:rPr lang="en-US" sz="1600" b="1" kern="100" dirty="0">
-                <a:latin typeface="Be Vietnam Pro" pitchFamily="2" charset="-93"/>
-                <a:ea typeface="DengXian" panose="02010600030101010101" pitchFamily="2" charset="-122"/>
-                <a:cs typeface="Times New Roman" panose="02020603050405020304" pitchFamily="18" charset="0"/>
-              </a:rPr>
-              <a:t>: </a:t>
-            </a:r>
-            <a:r>
-              <a:rPr lang="en-US" sz="1600" kern="100" dirty="0">
-                <a:latin typeface="Be Vietnam Pro" pitchFamily="2" charset="-93"/>
-                <a:ea typeface="DengXian" panose="02010600030101010101" pitchFamily="2" charset="-122"/>
-                <a:cs typeface="Times New Roman" panose="02020603050405020304" pitchFamily="18" charset="0"/>
-              </a:rPr>
-              <a:t>Country associated with the user (Foreign Key referencing </a:t>
-            </a:r>
-            <a:r>
-              <a:rPr lang="en-US" sz="1600" kern="100" dirty="0" err="1">
-                <a:latin typeface="Be Vietnam Pro" pitchFamily="2" charset="-93"/>
-                <a:ea typeface="DengXian" panose="02010600030101010101" pitchFamily="2" charset="-122"/>
-                <a:cs typeface="Times New Roman" panose="02020603050405020304" pitchFamily="18" charset="0"/>
-              </a:rPr>
-              <a:t>Country.country_id</a:t>
-            </a:r>
-            <a:r>
-              <a:rPr lang="en-US" sz="1600" kern="100" dirty="0">
-                <a:latin typeface="Be Vietnam Pro" pitchFamily="2" charset="-93"/>
-                <a:ea typeface="DengXian" panose="02010600030101010101" pitchFamily="2" charset="-122"/>
-                <a:cs typeface="Times New Roman" panose="02020603050405020304" pitchFamily="18" charset="0"/>
-              </a:rPr>
-              <a:t>).</a:t>
-            </a:r>
-          </a:p>
-        </p:txBody>
-      </p:sp>
-    </p:spTree>
-    <p:extLst>
-      <p:ext uri="{BB962C8B-B14F-4D97-AF65-F5344CB8AC3E}">
-        <p14:creationId xmlns:p14="http://schemas.microsoft.com/office/powerpoint/2010/main" val="1932432794"/>
       </p:ext>
     </p:extLst>
   </p:cSld>
